--- a/00_Projects/김설웅_개인프로젝트.pptx
+++ b/00_Projects/김설웅_개인프로젝트.pptx
@@ -35,37 +35,36 @@
     <p:sldId id="286" r:id="rId29"/>
     <p:sldId id="287" r:id="rId30"/>
     <p:sldId id="288" r:id="rId31"/>
-    <p:sldId id="263" r:id="rId32"/>
-    <p:sldId id="264" r:id="rId33"/>
+    <p:sldId id="264" r:id="rId32"/>
   </p:sldIdLst>
   <p:sldSz cx="12192000" cy="6858000"/>
   <p:notesSz cx="6858000" cy="9144000"/>
   <p:embeddedFontLst>
     <p:embeddedFont>
-      <p:font typeface="KoPubWorld돋움체 Light" panose="020B0600000101010101" charset="-127"/>
-      <p:regular r:id="rId34"/>
+      <p:font typeface="나눔바른펜" panose="020B0503000000000000" pitchFamily="50" charset="-127"/>
+      <p:regular r:id="rId33"/>
+      <p:bold r:id="rId34"/>
     </p:embeddedFont>
     <p:embeddedFont>
       <p:font typeface="KoPubWorld돋움체 Bold" panose="020B0600000101010101" charset="-127"/>
       <p:bold r:id="rId35"/>
     </p:embeddedFont>
     <p:embeddedFont>
+      <p:font typeface="나눔고딕" panose="020D0604000000000000" pitchFamily="50" charset="-127"/>
+      <p:regular r:id="rId36"/>
+    </p:embeddedFont>
+    <p:embeddedFont>
       <p:font typeface="NanumGothic" panose="020D0804000000000000" pitchFamily="50" charset="-127"/>
-      <p:bold r:id="rId36"/>
+      <p:bold r:id="rId37"/>
     </p:embeddedFont>
     <p:embeddedFont>
       <p:font typeface="맑은 고딕" panose="020B0503020000020004" pitchFamily="50" charset="-127"/>
-      <p:regular r:id="rId37"/>
-      <p:bold r:id="rId38"/>
+      <p:regular r:id="rId38"/>
+      <p:bold r:id="rId39"/>
     </p:embeddedFont>
     <p:embeddedFont>
-      <p:font typeface="나눔바른펜" panose="020B0503000000000000" pitchFamily="50" charset="-127"/>
-      <p:regular r:id="rId39"/>
-      <p:bold r:id="rId40"/>
-    </p:embeddedFont>
-    <p:embeddedFont>
-      <p:font typeface="나눔고딕" panose="020D0604000000000000" pitchFamily="50" charset="-127"/>
-      <p:regular r:id="rId41"/>
+      <p:font typeface="KoPubWorld돋움체 Light" panose="020B0600000101010101" charset="-127"/>
+      <p:regular r:id="rId40"/>
     </p:embeddedFont>
   </p:embeddedFontLst>
   <p:defaultTextStyle>
@@ -3944,9 +3943,9 @@
         <p:grpSpPr>
           <a:xfrm>
             <a:off x="4347139" y="188165"/>
-            <a:ext cx="3497721" cy="830997"/>
+            <a:ext cx="3994604" cy="830997"/>
             <a:chOff x="3819245" y="188165"/>
-            <a:chExt cx="3050639" cy="830997"/>
+            <a:chExt cx="3484010" cy="830997"/>
           </a:xfrm>
         </p:grpSpPr>
         <p:sp>
@@ -3963,8 +3962,8 @@
           </p:nvSpPr>
           <p:spPr>
             <a:xfrm>
-              <a:off x="4659786" y="280497"/>
-              <a:ext cx="2210098" cy="646331"/>
+              <a:off x="4711574" y="288830"/>
+              <a:ext cx="2591681" cy="646331"/>
             </a:xfrm>
             <a:prstGeom prst="rect">
               <a:avLst/>
@@ -3978,23 +3977,23 @@
             <a:p>
               <a:r>
                 <a:rPr lang="ko-KR" altLang="en-US" sz="3600" b="1" dirty="0" smtClean="0">
-                  <a:latin typeface="나눔바른펜" panose="020B0503000000000000" pitchFamily="50" charset="-127"/>
-                  <a:ea typeface="나눔바른펜" panose="020B0503000000000000" pitchFamily="50" charset="-127"/>
+                  <a:latin typeface="나눔고딕" panose="020D0604000000000000" pitchFamily="50" charset="-127"/>
+                  <a:ea typeface="나눔고딕" panose="020D0604000000000000" pitchFamily="50" charset="-127"/>
                   <a:cs typeface="KoPubWorld돋움체 Light" panose="00000300000000000000" pitchFamily="2" charset="-127"/>
                 </a:rPr>
                 <a:t>동적 웹 </a:t>
               </a:r>
               <a:r>
                 <a:rPr lang="ko-KR" altLang="en-US" sz="3600" b="1" dirty="0" err="1" smtClean="0">
-                  <a:latin typeface="나눔바른펜" panose="020B0503000000000000" pitchFamily="50" charset="-127"/>
-                  <a:ea typeface="나눔바른펜" panose="020B0503000000000000" pitchFamily="50" charset="-127"/>
+                  <a:latin typeface="나눔고딕" panose="020D0604000000000000" pitchFamily="50" charset="-127"/>
+                  <a:ea typeface="나눔고딕" panose="020D0604000000000000" pitchFamily="50" charset="-127"/>
                   <a:cs typeface="KoPubWorld돋움체 Light" panose="00000300000000000000" pitchFamily="2" charset="-127"/>
                 </a:rPr>
                 <a:t>크롤링</a:t>
               </a:r>
               <a:endParaRPr lang="ko-KR" altLang="en-US" sz="3600" b="1" dirty="0">
-                <a:latin typeface="나눔바른펜" panose="020B0503000000000000" pitchFamily="50" charset="-127"/>
-                <a:ea typeface="나눔바른펜" panose="020B0503000000000000" pitchFamily="50" charset="-127"/>
+                <a:latin typeface="나눔고딕" panose="020D0604000000000000" pitchFamily="50" charset="-127"/>
+                <a:ea typeface="나눔고딕" panose="020D0604000000000000" pitchFamily="50" charset="-127"/>
                 <a:cs typeface="KoPubWorld돋움체 Light" panose="00000300000000000000" pitchFamily="2" charset="-127"/>
               </a:endParaRPr>
             </a:p>
@@ -4015,7 +4014,7 @@
           <p:spPr>
             <a:xfrm>
               <a:off x="3819245" y="188165"/>
-              <a:ext cx="840541" cy="830997"/>
+              <a:ext cx="990139" cy="830997"/>
             </a:xfrm>
             <a:prstGeom prst="rect">
               <a:avLst/>
@@ -4035,8 +4034,8 @@
                       <a:lumMod val="50000"/>
                     </a:schemeClr>
                   </a:solidFill>
-                  <a:latin typeface="나눔바른펜" panose="020B0503000000000000" pitchFamily="50" charset="-127"/>
-                  <a:ea typeface="나눔바른펜" panose="020B0503000000000000" pitchFamily="50" charset="-127"/>
+                  <a:latin typeface="나눔고딕" panose="020D0604000000000000" pitchFamily="50" charset="-127"/>
+                  <a:ea typeface="나눔고딕" panose="020D0604000000000000" pitchFamily="50" charset="-127"/>
                   <a:cs typeface="KoPubWorld돋움체 Bold" panose="00000800000000000000" pitchFamily="2" charset="-127"/>
                 </a:rPr>
                 <a:t>2-1</a:t>
@@ -4047,8 +4046,8 @@
                     <a:lumMod val="50000"/>
                   </a:schemeClr>
                 </a:solidFill>
-                <a:latin typeface="나눔바른펜" panose="020B0503000000000000" pitchFamily="50" charset="-127"/>
-                <a:ea typeface="나눔바른펜" panose="020B0503000000000000" pitchFamily="50" charset="-127"/>
+                <a:latin typeface="나눔고딕" panose="020D0604000000000000" pitchFamily="50" charset="-127"/>
+                <a:ea typeface="나눔고딕" panose="020D0604000000000000" pitchFamily="50" charset="-127"/>
                 <a:cs typeface="KoPubWorld돋움체 Bold" panose="00000800000000000000" pitchFamily="2" charset="-127"/>
               </a:endParaRPr>
             </a:p>
@@ -4064,7 +4063,7 @@
         <p:spPr>
           <a:xfrm>
             <a:off x="557400" y="1258581"/>
-            <a:ext cx="329150" cy="329150"/>
+            <a:ext cx="276921" cy="276921"/>
           </a:xfrm>
           <a:prstGeom prst="sun">
             <a:avLst/>
@@ -4155,8 +4154,8 @@
         </p:nvSpPr>
         <p:spPr>
           <a:xfrm>
-            <a:off x="886550" y="1238490"/>
-            <a:ext cx="2800767" cy="369332"/>
+            <a:off x="834321" y="1222608"/>
+            <a:ext cx="3276859" cy="369332"/>
           </a:xfrm>
           <a:prstGeom prst="rect">
             <a:avLst/>
@@ -4171,28 +4170,28 @@
           <a:p>
             <a:r>
               <a:rPr lang="ko-KR" altLang="en-US" b="1" dirty="0" smtClean="0">
-                <a:latin typeface="나눔바른펜" panose="020B0503000000000000" pitchFamily="50" charset="-127"/>
-                <a:ea typeface="나눔바른펜" panose="020B0503000000000000" pitchFamily="50" charset="-127"/>
+                <a:latin typeface="나눔고딕" panose="020D0604000000000000" pitchFamily="50" charset="-127"/>
+                <a:ea typeface="나눔고딕" panose="020D0604000000000000" pitchFamily="50" charset="-127"/>
               </a:rPr>
               <a:t>동적 웹 </a:t>
             </a:r>
             <a:r>
               <a:rPr lang="ko-KR" altLang="en-US" b="1" dirty="0" err="1" smtClean="0">
-                <a:latin typeface="나눔바른펜" panose="020B0503000000000000" pitchFamily="50" charset="-127"/>
-                <a:ea typeface="나눔바른펜" panose="020B0503000000000000" pitchFamily="50" charset="-127"/>
+                <a:latin typeface="나눔고딕" panose="020D0604000000000000" pitchFamily="50" charset="-127"/>
+                <a:ea typeface="나눔고딕" panose="020D0604000000000000" pitchFamily="50" charset="-127"/>
               </a:rPr>
               <a:t>크롤링을</a:t>
             </a:r>
             <a:r>
               <a:rPr lang="ko-KR" altLang="en-US" b="1" dirty="0" smtClean="0">
-                <a:latin typeface="나눔바른펜" panose="020B0503000000000000" pitchFamily="50" charset="-127"/>
-                <a:ea typeface="나눔바른펜" panose="020B0503000000000000" pitchFamily="50" charset="-127"/>
+                <a:latin typeface="나눔고딕" panose="020D0604000000000000" pitchFamily="50" charset="-127"/>
+                <a:ea typeface="나눔고딕" panose="020D0604000000000000" pitchFamily="50" charset="-127"/>
               </a:rPr>
               <a:t> 위한 함수 생성</a:t>
             </a:r>
             <a:endParaRPr lang="ko-KR" altLang="en-US" b="1" dirty="0">
-              <a:latin typeface="나눔바른펜" panose="020B0503000000000000" pitchFamily="50" charset="-127"/>
-              <a:ea typeface="나눔바른펜" panose="020B0503000000000000" pitchFamily="50" charset="-127"/>
+              <a:latin typeface="나눔고딕" panose="020D0604000000000000" pitchFamily="50" charset="-127"/>
+              <a:ea typeface="나눔고딕" panose="020D0604000000000000" pitchFamily="50" charset="-127"/>
             </a:endParaRPr>
           </a:p>
         </p:txBody>
@@ -4286,7 +4285,7 @@
         <p:spPr>
           <a:xfrm>
             <a:off x="6389063" y="4812579"/>
-            <a:ext cx="4770408" cy="584775"/>
+            <a:ext cx="5225803" cy="523220"/>
           </a:xfrm>
           <a:prstGeom prst="rect">
             <a:avLst/>
@@ -4294,111 +4293,105 @@
           <a:noFill/>
         </p:spPr>
         <p:txBody>
-          <a:bodyPr wrap="none" rtlCol="0">
+          <a:bodyPr wrap="square" rtlCol="0">
             <a:spAutoFit/>
           </a:bodyPr>
           <a:lstStyle/>
           <a:p>
             <a:r>
-              <a:rPr lang="ko-KR" altLang="en-US" sz="1600" b="1" dirty="0" smtClean="0">
-                <a:latin typeface="나눔바른펜" panose="020B0503000000000000" pitchFamily="50" charset="-127"/>
-                <a:ea typeface="나눔바른펜" panose="020B0503000000000000" pitchFamily="50" charset="-127"/>
+              <a:rPr lang="ko-KR" altLang="en-US" sz="1400" dirty="0" smtClean="0">
+                <a:latin typeface="나눔고딕" panose="020D0604000000000000" pitchFamily="50" charset="-127"/>
+                <a:ea typeface="나눔고딕" panose="020D0604000000000000" pitchFamily="50" charset="-127"/>
               </a:rPr>
               <a:t>정적 웹 </a:t>
             </a:r>
             <a:r>
-              <a:rPr lang="ko-KR" altLang="en-US" sz="1600" b="1" dirty="0" err="1" smtClean="0">
-                <a:latin typeface="나눔바른펜" panose="020B0503000000000000" pitchFamily="50" charset="-127"/>
-                <a:ea typeface="나눔바른펜" panose="020B0503000000000000" pitchFamily="50" charset="-127"/>
+              <a:rPr lang="ko-KR" altLang="en-US" sz="1400" dirty="0" err="1" smtClean="0">
+                <a:latin typeface="나눔고딕" panose="020D0604000000000000" pitchFamily="50" charset="-127"/>
+                <a:ea typeface="나눔고딕" panose="020D0604000000000000" pitchFamily="50" charset="-127"/>
               </a:rPr>
               <a:t>크롤링시</a:t>
             </a:r>
             <a:r>
-              <a:rPr lang="en-US" altLang="ko-KR" sz="1600" b="1" dirty="0" smtClean="0">
-                <a:latin typeface="나눔바른펜" panose="020B0503000000000000" pitchFamily="50" charset="-127"/>
-                <a:ea typeface="나눔바른펜" panose="020B0503000000000000" pitchFamily="50" charset="-127"/>
+              <a:rPr lang="en-US" altLang="ko-KR" sz="1400" dirty="0" smtClean="0">
+                <a:latin typeface="나눔고딕" panose="020D0604000000000000" pitchFamily="50" charset="-127"/>
+                <a:ea typeface="나눔고딕" panose="020D0604000000000000" pitchFamily="50" charset="-127"/>
               </a:rPr>
               <a:t>, </a:t>
             </a:r>
             <a:r>
-              <a:rPr lang="ko-KR" altLang="en-US" sz="1600" b="1" dirty="0" err="1" smtClean="0">
-                <a:latin typeface="나눔바른펜" panose="020B0503000000000000" pitchFamily="50" charset="-127"/>
-                <a:ea typeface="나눔바른펜" panose="020B0503000000000000" pitchFamily="50" charset="-127"/>
+              <a:rPr lang="ko-KR" altLang="en-US" sz="1400" dirty="0" err="1" smtClean="0">
+                <a:latin typeface="나눔고딕" panose="020D0604000000000000" pitchFamily="50" charset="-127"/>
+                <a:ea typeface="나눔고딕" panose="020D0604000000000000" pitchFamily="50" charset="-127"/>
               </a:rPr>
               <a:t>크롤링을</a:t>
             </a:r>
             <a:r>
-              <a:rPr lang="ko-KR" altLang="en-US" sz="1600" b="1" dirty="0" smtClean="0">
-                <a:latin typeface="나눔바른펜" panose="020B0503000000000000" pitchFamily="50" charset="-127"/>
-                <a:ea typeface="나눔바른펜" panose="020B0503000000000000" pitchFamily="50" charset="-127"/>
+              <a:rPr lang="ko-KR" altLang="en-US" sz="1400" dirty="0" smtClean="0">
+                <a:latin typeface="나눔고딕" panose="020D0604000000000000" pitchFamily="50" charset="-127"/>
+                <a:ea typeface="나눔고딕" panose="020D0604000000000000" pitchFamily="50" charset="-127"/>
               </a:rPr>
               <a:t> 할 수 없게 막아놓아 </a:t>
             </a:r>
             <a:r>
-              <a:rPr lang="en-US" altLang="ko-KR" sz="1600" b="1" dirty="0" smtClean="0">
-                <a:latin typeface="나눔바른펜" panose="020B0503000000000000" pitchFamily="50" charset="-127"/>
-                <a:ea typeface="나눔바른펜" panose="020B0503000000000000" pitchFamily="50" charset="-127"/>
+              <a:rPr lang="en-US" altLang="ko-KR" sz="1400" dirty="0" smtClean="0">
+                <a:latin typeface="나눔고딕" panose="020D0604000000000000" pitchFamily="50" charset="-127"/>
+                <a:ea typeface="나눔고딕" panose="020D0604000000000000" pitchFamily="50" charset="-127"/>
               </a:rPr>
               <a:t>selenium</a:t>
             </a:r>
             <a:r>
-              <a:rPr lang="ko-KR" altLang="en-US" sz="1600" b="1" dirty="0" smtClean="0">
-                <a:latin typeface="나눔바른펜" panose="020B0503000000000000" pitchFamily="50" charset="-127"/>
-                <a:ea typeface="나눔바른펜" panose="020B0503000000000000" pitchFamily="50" charset="-127"/>
-              </a:rPr>
-              <a:t>을 활</a:t>
-            </a:r>
-            <a:endParaRPr lang="en-US" altLang="ko-KR" sz="1600" b="1" dirty="0" smtClean="0">
-              <a:latin typeface="나눔바른펜" panose="020B0503000000000000" pitchFamily="50" charset="-127"/>
-              <a:ea typeface="나눔바른펜" panose="020B0503000000000000" pitchFamily="50" charset="-127"/>
-            </a:endParaRPr>
-          </a:p>
-          <a:p>
-            <a:r>
-              <a:rPr lang="ko-KR" altLang="en-US" sz="1600" b="1" dirty="0" smtClean="0">
-                <a:latin typeface="나눔바른펜" panose="020B0503000000000000" pitchFamily="50" charset="-127"/>
-                <a:ea typeface="나눔바른펜" panose="020B0503000000000000" pitchFamily="50" charset="-127"/>
-              </a:rPr>
-              <a:t>용하여 </a:t>
-            </a:r>
-            <a:r>
-              <a:rPr lang="en-US" altLang="ko-KR" sz="1600" b="1" dirty="0" err="1" smtClean="0">
-                <a:latin typeface="나눔바른펜" panose="020B0503000000000000" pitchFamily="50" charset="-127"/>
-                <a:ea typeface="나눔바른펜" panose="020B0503000000000000" pitchFamily="50" charset="-127"/>
+              <a:rPr lang="ko-KR" altLang="en-US" sz="1400" dirty="0" smtClean="0">
+                <a:latin typeface="나눔고딕" panose="020D0604000000000000" pitchFamily="50" charset="-127"/>
+                <a:ea typeface="나눔고딕" panose="020D0604000000000000" pitchFamily="50" charset="-127"/>
+              </a:rPr>
+              <a:t>을 </a:t>
+            </a:r>
+            <a:r>
+              <a:rPr lang="ko-KR" altLang="en-US" sz="1400" dirty="0" smtClean="0">
+                <a:latin typeface="나눔고딕" panose="020D0604000000000000" pitchFamily="50" charset="-127"/>
+                <a:ea typeface="나눔고딕" panose="020D0604000000000000" pitchFamily="50" charset="-127"/>
+              </a:rPr>
+              <a:t>활용하여 </a:t>
+            </a:r>
+            <a:r>
+              <a:rPr lang="en-US" altLang="ko-KR" sz="1400" dirty="0" err="1" smtClean="0">
+                <a:latin typeface="나눔고딕" panose="020D0604000000000000" pitchFamily="50" charset="-127"/>
+                <a:ea typeface="나눔고딕" panose="020D0604000000000000" pitchFamily="50" charset="-127"/>
               </a:rPr>
               <a:t>Xpath</a:t>
             </a:r>
             <a:r>
-              <a:rPr lang="ko-KR" altLang="en-US" sz="1600" b="1" dirty="0" smtClean="0">
-                <a:latin typeface="나눔바른펜" panose="020B0503000000000000" pitchFamily="50" charset="-127"/>
-                <a:ea typeface="나눔바른펜" panose="020B0503000000000000" pitchFamily="50" charset="-127"/>
+              <a:rPr lang="ko-KR" altLang="en-US" sz="1400" dirty="0" smtClean="0">
+                <a:latin typeface="나눔고딕" panose="020D0604000000000000" pitchFamily="50" charset="-127"/>
+                <a:ea typeface="나눔고딕" panose="020D0604000000000000" pitchFamily="50" charset="-127"/>
               </a:rPr>
               <a:t>로 접근해서 </a:t>
             </a:r>
             <a:r>
-              <a:rPr lang="ko-KR" altLang="en-US" sz="1600" b="1" dirty="0" err="1" smtClean="0">
-                <a:latin typeface="나눔바른펜" panose="020B0503000000000000" pitchFamily="50" charset="-127"/>
-                <a:ea typeface="나눔바른펜" panose="020B0503000000000000" pitchFamily="50" charset="-127"/>
+              <a:rPr lang="ko-KR" altLang="en-US" sz="1400" dirty="0" err="1" smtClean="0">
+                <a:latin typeface="나눔고딕" panose="020D0604000000000000" pitchFamily="50" charset="-127"/>
+                <a:ea typeface="나눔고딕" panose="020D0604000000000000" pitchFamily="50" charset="-127"/>
               </a:rPr>
               <a:t>크롤링을</a:t>
             </a:r>
             <a:r>
-              <a:rPr lang="ko-KR" altLang="en-US" sz="1600" b="1" dirty="0" smtClean="0">
-                <a:latin typeface="나눔바른펜" panose="020B0503000000000000" pitchFamily="50" charset="-127"/>
-                <a:ea typeface="나눔바른펜" panose="020B0503000000000000" pitchFamily="50" charset="-127"/>
+              <a:rPr lang="ko-KR" altLang="en-US" sz="1400" dirty="0" smtClean="0">
+                <a:latin typeface="나눔고딕" panose="020D0604000000000000" pitchFamily="50" charset="-127"/>
+                <a:ea typeface="나눔고딕" panose="020D0604000000000000" pitchFamily="50" charset="-127"/>
               </a:rPr>
               <a:t> 진행</a:t>
             </a:r>
             <a:r>
-              <a:rPr lang="en-US" altLang="ko-KR" sz="1600" b="1" dirty="0" smtClean="0">
-                <a:latin typeface="나눔바른펜" panose="020B0503000000000000" pitchFamily="50" charset="-127"/>
-                <a:ea typeface="나눔바른펜" panose="020B0503000000000000" pitchFamily="50" charset="-127"/>
+              <a:rPr lang="en-US" altLang="ko-KR" sz="1400" dirty="0" smtClean="0">
+                <a:latin typeface="나눔고딕" panose="020D0604000000000000" pitchFamily="50" charset="-127"/>
+                <a:ea typeface="나눔고딕" panose="020D0604000000000000" pitchFamily="50" charset="-127"/>
               </a:rPr>
               <a:t>.</a:t>
             </a:r>
-            <a:endParaRPr lang="ko-KR" altLang="en-US" sz="1600" b="1" dirty="0">
-              <a:latin typeface="나눔바른펜" panose="020B0503000000000000" pitchFamily="50" charset="-127"/>
-              <a:ea typeface="나눔바른펜" panose="020B0503000000000000" pitchFamily="50" charset="-127"/>
+            <a:endParaRPr lang="ko-KR" altLang="en-US" sz="1400" dirty="0">
+              <a:latin typeface="나눔고딕" panose="020D0604000000000000" pitchFamily="50" charset="-127"/>
+              <a:ea typeface="나눔고딕" panose="020D0604000000000000" pitchFamily="50" charset="-127"/>
             </a:endParaRPr>
           </a:p>
         </p:txBody>
@@ -4411,8 +4404,8 @@
         </p:nvSpPr>
         <p:spPr>
           <a:xfrm>
-            <a:off x="6408796" y="5538739"/>
-            <a:ext cx="5225803" cy="1077218"/>
+            <a:off x="6389063" y="5506461"/>
+            <a:ext cx="5225803" cy="1015663"/>
           </a:xfrm>
           <a:prstGeom prst="rect">
             <a:avLst/>
@@ -4426,80 +4419,80 @@
           <a:lstStyle/>
           <a:p>
             <a:r>
-              <a:rPr lang="en-US" altLang="ko-KR" sz="1600" b="1" i="1" dirty="0" err="1" smtClean="0">
-                <a:latin typeface="나눔바른펜" panose="020B0503000000000000" pitchFamily="50" charset="-127"/>
-                <a:ea typeface="나눔바른펜" panose="020B0503000000000000" pitchFamily="50" charset="-127"/>
+              <a:rPr lang="en-US" altLang="ko-KR" sz="1600" b="1" dirty="0" err="1" smtClean="0">
+                <a:latin typeface="나눔고딕" panose="020D0604000000000000" pitchFamily="50" charset="-127"/>
+                <a:ea typeface="나눔고딕" panose="020D0604000000000000" pitchFamily="50" charset="-127"/>
                 <a:cs typeface="Abhaya Libre Medium" panose="02000603000000000000" pitchFamily="2" charset="77"/>
               </a:rPr>
               <a:t>Xpath</a:t>
             </a:r>
             <a:endParaRPr lang="en-US" altLang="ko-KR" sz="1600" dirty="0">
-              <a:latin typeface="나눔바른펜" panose="020B0503000000000000" pitchFamily="50" charset="-127"/>
-              <a:ea typeface="나눔바른펜" panose="020B0503000000000000" pitchFamily="50" charset="-127"/>
+              <a:latin typeface="나눔고딕" panose="020D0604000000000000" pitchFamily="50" charset="-127"/>
+              <a:ea typeface="나눔고딕" panose="020D0604000000000000" pitchFamily="50" charset="-127"/>
               <a:cs typeface="Abhaya Libre Medium" panose="02000603000000000000" pitchFamily="2" charset="77"/>
             </a:endParaRPr>
           </a:p>
           <a:p>
             <a:r>
               <a:rPr lang="en-US" altLang="ko-KR" sz="1600" dirty="0">
-                <a:latin typeface="나눔바른펜" panose="020B0503000000000000" pitchFamily="50" charset="-127"/>
-                <a:ea typeface="나눔바른펜" panose="020B0503000000000000" pitchFamily="50" charset="-127"/>
+                <a:latin typeface="나눔고딕" panose="020D0604000000000000" pitchFamily="50" charset="-127"/>
+                <a:ea typeface="나눔고딕" panose="020D0604000000000000" pitchFamily="50" charset="-127"/>
                 <a:cs typeface="Abhaya Libre Medium" panose="02000603000000000000" pitchFamily="2" charset="77"/>
               </a:rPr>
               <a:t> </a:t>
             </a:r>
             <a:r>
-              <a:rPr lang="en-US" altLang="ko-KR" sz="1600" dirty="0">
-                <a:latin typeface="나눔바른펜" panose="020B0503000000000000" pitchFamily="50" charset="-127"/>
-                <a:ea typeface="나눔바른펜" panose="020B0503000000000000" pitchFamily="50" charset="-127"/>
+              <a:rPr lang="en-US" altLang="ko-KR" sz="1400" dirty="0">
+                <a:latin typeface="나눔고딕" panose="020D0604000000000000" pitchFamily="50" charset="-127"/>
+                <a:ea typeface="나눔고딕" panose="020D0604000000000000" pitchFamily="50" charset="-127"/>
               </a:rPr>
               <a:t>W3C</a:t>
             </a:r>
             <a:r>
-              <a:rPr lang="ko-KR" altLang="en-US" sz="1600" dirty="0">
-                <a:latin typeface="나눔바른펜" panose="020B0503000000000000" pitchFamily="50" charset="-127"/>
-                <a:ea typeface="나눔바른펜" panose="020B0503000000000000" pitchFamily="50" charset="-127"/>
+              <a:rPr lang="ko-KR" altLang="en-US" sz="1400" dirty="0">
+                <a:latin typeface="나눔고딕" panose="020D0604000000000000" pitchFamily="50" charset="-127"/>
+                <a:ea typeface="나눔고딕" panose="020D0604000000000000" pitchFamily="50" charset="-127"/>
               </a:rPr>
               <a:t>의 표준으로 </a:t>
             </a:r>
             <a:r>
-              <a:rPr lang="en-US" altLang="ko-KR" sz="1600" dirty="0">
-                <a:latin typeface="나눔바른펜" panose="020B0503000000000000" pitchFamily="50" charset="-127"/>
-                <a:ea typeface="나눔바른펜" panose="020B0503000000000000" pitchFamily="50" charset="-127"/>
+              <a:rPr lang="en-US" altLang="ko-KR" sz="1400" dirty="0">
+                <a:latin typeface="나눔고딕" panose="020D0604000000000000" pitchFamily="50" charset="-127"/>
+                <a:ea typeface="나눔고딕" panose="020D0604000000000000" pitchFamily="50" charset="-127"/>
               </a:rPr>
               <a:t>XML(Extensible Markup Language)</a:t>
             </a:r>
             <a:r>
-              <a:rPr lang="ko-KR" altLang="en-US" sz="1600" dirty="0">
-                <a:latin typeface="나눔바른펜" panose="020B0503000000000000" pitchFamily="50" charset="-127"/>
-                <a:ea typeface="나눔바른펜" panose="020B0503000000000000" pitchFamily="50" charset="-127"/>
+              <a:rPr lang="ko-KR" altLang="en-US" sz="1400" dirty="0">
+                <a:latin typeface="나눔고딕" panose="020D0604000000000000" pitchFamily="50" charset="-127"/>
+                <a:ea typeface="나눔고딕" panose="020D0604000000000000" pitchFamily="50" charset="-127"/>
               </a:rPr>
               <a:t>문서의 구조를 통해 경로</a:t>
             </a:r>
             <a:r>
-              <a:rPr lang="en-US" altLang="ko-KR" sz="1600" dirty="0">
-                <a:latin typeface="나눔바른펜" panose="020B0503000000000000" pitchFamily="50" charset="-127"/>
-                <a:ea typeface="나눔바른펜" panose="020B0503000000000000" pitchFamily="50" charset="-127"/>
+              <a:rPr lang="en-US" altLang="ko-KR" sz="1400" dirty="0">
+                <a:latin typeface="나눔고딕" panose="020D0604000000000000" pitchFamily="50" charset="-127"/>
+                <a:ea typeface="나눔고딕" panose="020D0604000000000000" pitchFamily="50" charset="-127"/>
               </a:rPr>
               <a:t>(Path)</a:t>
             </a:r>
             <a:r>
-              <a:rPr lang="ko-KR" altLang="en-US" sz="1600" dirty="0">
-                <a:latin typeface="나눔바른펜" panose="020B0503000000000000" pitchFamily="50" charset="-127"/>
-                <a:ea typeface="나눔바른펜" panose="020B0503000000000000" pitchFamily="50" charset="-127"/>
+              <a:rPr lang="ko-KR" altLang="en-US" sz="1400" dirty="0">
+                <a:latin typeface="나눔고딕" panose="020D0604000000000000" pitchFamily="50" charset="-127"/>
+                <a:ea typeface="나눔고딕" panose="020D0604000000000000" pitchFamily="50" charset="-127"/>
               </a:rPr>
               <a:t>위에 지정한 구문을 사용하여 항목을 배치하고 처리하는 방법을 기술하는 </a:t>
             </a:r>
             <a:r>
-              <a:rPr lang="ko-KR" altLang="en-US" sz="1600" dirty="0" smtClean="0">
-                <a:latin typeface="나눔바른펜" panose="020B0503000000000000" pitchFamily="50" charset="-127"/>
-                <a:ea typeface="나눔바른펜" panose="020B0503000000000000" pitchFamily="50" charset="-127"/>
+              <a:rPr lang="ko-KR" altLang="en-US" sz="1400" dirty="0" smtClean="0">
+                <a:latin typeface="나눔고딕" panose="020D0604000000000000" pitchFamily="50" charset="-127"/>
+                <a:ea typeface="나눔고딕" panose="020D0604000000000000" pitchFamily="50" charset="-127"/>
               </a:rPr>
               <a:t>언어</a:t>
             </a:r>
-            <a:endParaRPr lang="en-US" altLang="ko-KR" sz="1600" dirty="0">
-              <a:latin typeface="나눔바른펜" panose="020B0503000000000000" pitchFamily="50" charset="-127"/>
-              <a:ea typeface="나눔바른펜" panose="020B0503000000000000" pitchFamily="50" charset="-127"/>
+            <a:endParaRPr lang="en-US" altLang="ko-KR" sz="1400" dirty="0">
+              <a:latin typeface="나눔고딕" panose="020D0604000000000000" pitchFamily="50" charset="-127"/>
+              <a:ea typeface="나눔고딕" panose="020D0604000000000000" pitchFamily="50" charset="-127"/>
               <a:cs typeface="Abhaya Libre Medium" panose="02000603000000000000" pitchFamily="2" charset="77"/>
             </a:endParaRPr>
           </a:p>
@@ -4614,9 +4607,9 @@
         <p:grpSpPr>
           <a:xfrm>
             <a:off x="4299002" y="170165"/>
-            <a:ext cx="3375385" cy="830997"/>
+            <a:ext cx="3921971" cy="830997"/>
             <a:chOff x="3819245" y="188165"/>
-            <a:chExt cx="2943940" cy="830997"/>
+            <a:chExt cx="3420661" cy="830997"/>
           </a:xfrm>
         </p:grpSpPr>
         <p:sp>
@@ -4633,8 +4626,8 @@
           </p:nvSpPr>
           <p:spPr>
             <a:xfrm>
-              <a:off x="4659786" y="280497"/>
-              <a:ext cx="2103399" cy="646331"/>
+              <a:off x="4719905" y="280497"/>
+              <a:ext cx="2520001" cy="646331"/>
             </a:xfrm>
             <a:prstGeom prst="rect">
               <a:avLst/>
@@ -4648,15 +4641,15 @@
             <a:p>
               <a:r>
                 <a:rPr lang="ko-KR" altLang="en-US" sz="3600" b="1" dirty="0" smtClean="0">
-                  <a:latin typeface="나눔바른펜" panose="020B0503000000000000" pitchFamily="50" charset="-127"/>
-                  <a:ea typeface="나눔바른펜" panose="020B0503000000000000" pitchFamily="50" charset="-127"/>
+                  <a:latin typeface="나눔고딕" panose="020D0604000000000000" pitchFamily="50" charset="-127"/>
+                  <a:ea typeface="나눔고딕" panose="020D0604000000000000" pitchFamily="50" charset="-127"/>
                   <a:cs typeface="KoPubWorld돋움체 Light" panose="00000300000000000000" pitchFamily="2" charset="-127"/>
                 </a:rPr>
                 <a:t>데이터 전처리</a:t>
               </a:r>
               <a:endParaRPr lang="ko-KR" altLang="en-US" sz="3600" b="1" dirty="0">
-                <a:latin typeface="나눔바른펜" panose="020B0503000000000000" pitchFamily="50" charset="-127"/>
-                <a:ea typeface="나눔바른펜" panose="020B0503000000000000" pitchFamily="50" charset="-127"/>
+                <a:latin typeface="나눔고딕" panose="020D0604000000000000" pitchFamily="50" charset="-127"/>
+                <a:ea typeface="나눔고딕" panose="020D0604000000000000" pitchFamily="50" charset="-127"/>
                 <a:cs typeface="KoPubWorld돋움체 Light" panose="00000300000000000000" pitchFamily="2" charset="-127"/>
               </a:endParaRPr>
             </a:p>
@@ -4677,7 +4670,7 @@
           <p:spPr>
             <a:xfrm>
               <a:off x="3819245" y="188165"/>
-              <a:ext cx="900660" cy="830997"/>
+              <a:ext cx="990139" cy="830997"/>
             </a:xfrm>
             <a:prstGeom prst="rect">
               <a:avLst/>
@@ -4697,8 +4690,8 @@
                       <a:lumMod val="50000"/>
                     </a:schemeClr>
                   </a:solidFill>
-                  <a:latin typeface="나눔바른펜" panose="020B0503000000000000" pitchFamily="50" charset="-127"/>
-                  <a:ea typeface="나눔바른펜" panose="020B0503000000000000" pitchFamily="50" charset="-127"/>
+                  <a:latin typeface="나눔고딕" panose="020D0604000000000000" pitchFamily="50" charset="-127"/>
+                  <a:ea typeface="나눔고딕" panose="020D0604000000000000" pitchFamily="50" charset="-127"/>
                   <a:cs typeface="KoPubWorld돋움체 Bold" panose="00000800000000000000" pitchFamily="2" charset="-127"/>
                 </a:rPr>
                 <a:t>2-2</a:t>
@@ -4709,8 +4702,8 @@
                     <a:lumMod val="50000"/>
                   </a:schemeClr>
                 </a:solidFill>
-                <a:latin typeface="나눔바른펜" panose="020B0503000000000000" pitchFamily="50" charset="-127"/>
-                <a:ea typeface="나눔바른펜" panose="020B0503000000000000" pitchFamily="50" charset="-127"/>
+                <a:latin typeface="나눔고딕" panose="020D0604000000000000" pitchFamily="50" charset="-127"/>
+                <a:ea typeface="나눔고딕" panose="020D0604000000000000" pitchFamily="50" charset="-127"/>
                 <a:cs typeface="KoPubWorld돋움체 Bold" panose="00000800000000000000" pitchFamily="2" charset="-127"/>
               </a:endParaRPr>
             </a:p>
@@ -4852,7 +4845,7 @@
         <p:spPr>
           <a:xfrm>
             <a:off x="3159133" y="2469126"/>
-            <a:ext cx="755210" cy="172819"/>
+            <a:ext cx="755210" cy="253916"/>
           </a:xfrm>
           <a:prstGeom prst="rect">
             <a:avLst/>
@@ -5111,9 +5104,9 @@
         <p:grpSpPr>
           <a:xfrm>
             <a:off x="4299002" y="170165"/>
-            <a:ext cx="3375385" cy="830997"/>
+            <a:ext cx="3937074" cy="830997"/>
             <a:chOff x="3819245" y="188165"/>
-            <a:chExt cx="2943940" cy="830997"/>
+            <a:chExt cx="3433833" cy="830997"/>
           </a:xfrm>
         </p:grpSpPr>
         <p:sp>
@@ -5130,8 +5123,8 @@
           </p:nvSpPr>
           <p:spPr>
             <a:xfrm>
-              <a:off x="4659786" y="280497"/>
-              <a:ext cx="2103399" cy="646331"/>
+              <a:off x="4719905" y="280497"/>
+              <a:ext cx="2533173" cy="646331"/>
             </a:xfrm>
             <a:prstGeom prst="rect">
               <a:avLst/>
@@ -5145,15 +5138,15 @@
             <a:p>
               <a:r>
                 <a:rPr lang="ko-KR" altLang="en-US" sz="3600" b="1" dirty="0" smtClean="0">
-                  <a:latin typeface="나눔바른펜" panose="020B0503000000000000" pitchFamily="50" charset="-127"/>
-                  <a:ea typeface="나눔바른펜" panose="020B0503000000000000" pitchFamily="50" charset="-127"/>
+                  <a:latin typeface="나눔고딕" panose="020D0604000000000000" pitchFamily="50" charset="-127"/>
+                  <a:ea typeface="나눔고딕" panose="020D0604000000000000" pitchFamily="50" charset="-127"/>
                   <a:cs typeface="KoPubWorld돋움체 Light" panose="00000300000000000000" pitchFamily="2" charset="-127"/>
                 </a:rPr>
                 <a:t>데이터 전처리</a:t>
               </a:r>
               <a:endParaRPr lang="ko-KR" altLang="en-US" sz="3600" b="1" dirty="0">
-                <a:latin typeface="나눔바른펜" panose="020B0503000000000000" pitchFamily="50" charset="-127"/>
-                <a:ea typeface="나눔바른펜" panose="020B0503000000000000" pitchFamily="50" charset="-127"/>
+                <a:latin typeface="나눔고딕" panose="020D0604000000000000" pitchFamily="50" charset="-127"/>
+                <a:ea typeface="나눔고딕" panose="020D0604000000000000" pitchFamily="50" charset="-127"/>
                 <a:cs typeface="KoPubWorld돋움체 Light" panose="00000300000000000000" pitchFamily="2" charset="-127"/>
               </a:endParaRPr>
             </a:p>
@@ -5174,7 +5167,7 @@
           <p:spPr>
             <a:xfrm>
               <a:off x="3819245" y="188165"/>
-              <a:ext cx="900660" cy="830997"/>
+              <a:ext cx="990139" cy="830997"/>
             </a:xfrm>
             <a:prstGeom prst="rect">
               <a:avLst/>
@@ -5194,8 +5187,8 @@
                       <a:lumMod val="50000"/>
                     </a:schemeClr>
                   </a:solidFill>
-                  <a:latin typeface="나눔바른펜" panose="020B0503000000000000" pitchFamily="50" charset="-127"/>
-                  <a:ea typeface="나눔바른펜" panose="020B0503000000000000" pitchFamily="50" charset="-127"/>
+                  <a:latin typeface="나눔고딕" panose="020D0604000000000000" pitchFamily="50" charset="-127"/>
+                  <a:ea typeface="나눔고딕" panose="020D0604000000000000" pitchFamily="50" charset="-127"/>
                   <a:cs typeface="KoPubWorld돋움체 Bold" panose="00000800000000000000" pitchFamily="2" charset="-127"/>
                 </a:rPr>
                 <a:t>2-2</a:t>
@@ -5206,8 +5199,8 @@
                     <a:lumMod val="50000"/>
                   </a:schemeClr>
                 </a:solidFill>
-                <a:latin typeface="나눔바른펜" panose="020B0503000000000000" pitchFamily="50" charset="-127"/>
-                <a:ea typeface="나눔바른펜" panose="020B0503000000000000" pitchFamily="50" charset="-127"/>
+                <a:latin typeface="나눔고딕" panose="020D0604000000000000" pitchFamily="50" charset="-127"/>
+                <a:ea typeface="나눔고딕" panose="020D0604000000000000" pitchFamily="50" charset="-127"/>
                 <a:cs typeface="KoPubWorld돋움체 Bold" panose="00000800000000000000" pitchFamily="2" charset="-127"/>
               </a:endParaRPr>
             </a:p>
@@ -5529,9 +5522,9 @@
         <p:grpSpPr>
           <a:xfrm>
             <a:off x="4570648" y="150812"/>
-            <a:ext cx="3050704" cy="830997"/>
+            <a:ext cx="3607194" cy="830997"/>
             <a:chOff x="3819245" y="188165"/>
-            <a:chExt cx="2660760" cy="830997"/>
+            <a:chExt cx="3146119" cy="830997"/>
           </a:xfrm>
         </p:grpSpPr>
         <p:sp>
@@ -5548,8 +5541,8 @@
           </p:nvSpPr>
           <p:spPr>
             <a:xfrm>
-              <a:off x="4659786" y="280497"/>
-              <a:ext cx="1820219" cy="646331"/>
+              <a:off x="4809384" y="280497"/>
+              <a:ext cx="2155980" cy="646331"/>
             </a:xfrm>
             <a:prstGeom prst="rect">
               <a:avLst/>
@@ -5563,15 +5556,15 @@
             <a:p>
               <a:r>
                 <a:rPr lang="ko-KR" altLang="en-US" sz="3600" b="1" dirty="0" smtClean="0">
-                  <a:latin typeface="나눔바른펜" panose="020B0503000000000000" pitchFamily="50" charset="-127"/>
-                  <a:ea typeface="나눔바른펜" panose="020B0503000000000000" pitchFamily="50" charset="-127"/>
+                  <a:latin typeface="나눔고딕" panose="020D0604000000000000" pitchFamily="50" charset="-127"/>
+                  <a:ea typeface="나눔고딕" panose="020D0604000000000000" pitchFamily="50" charset="-127"/>
                   <a:cs typeface="KoPubWorld돋움체 Light" panose="00000300000000000000" pitchFamily="2" charset="-127"/>
                 </a:rPr>
                 <a:t>데이터 병합</a:t>
               </a:r>
               <a:endParaRPr lang="ko-KR" altLang="en-US" sz="3600" b="1" dirty="0">
-                <a:latin typeface="나눔바른펜" panose="020B0503000000000000" pitchFamily="50" charset="-127"/>
-                <a:ea typeface="나눔바른펜" panose="020B0503000000000000" pitchFamily="50" charset="-127"/>
+                <a:latin typeface="나눔고딕" panose="020D0604000000000000" pitchFamily="50" charset="-127"/>
+                <a:ea typeface="나눔고딕" panose="020D0604000000000000" pitchFamily="50" charset="-127"/>
                 <a:cs typeface="KoPubWorld돋움체 Light" panose="00000300000000000000" pitchFamily="2" charset="-127"/>
               </a:endParaRPr>
             </a:p>
@@ -5592,7 +5585,7 @@
           <p:spPr>
             <a:xfrm>
               <a:off x="3819245" y="188165"/>
-              <a:ext cx="907651" cy="830997"/>
+              <a:ext cx="990139" cy="830997"/>
             </a:xfrm>
             <a:prstGeom prst="rect">
               <a:avLst/>
@@ -5612,8 +5605,8 @@
                       <a:lumMod val="50000"/>
                     </a:schemeClr>
                   </a:solidFill>
-                  <a:latin typeface="나눔바른펜" panose="020B0503000000000000" pitchFamily="50" charset="-127"/>
-                  <a:ea typeface="나눔바른펜" panose="020B0503000000000000" pitchFamily="50" charset="-127"/>
+                  <a:latin typeface="나눔고딕" panose="020D0604000000000000" pitchFamily="50" charset="-127"/>
+                  <a:ea typeface="나눔고딕" panose="020D0604000000000000" pitchFamily="50" charset="-127"/>
                   <a:cs typeface="KoPubWorld돋움체 Bold" panose="00000800000000000000" pitchFamily="2" charset="-127"/>
                 </a:rPr>
                 <a:t>2-3</a:t>
@@ -5624,8 +5617,8 @@
                     <a:lumMod val="50000"/>
                   </a:schemeClr>
                 </a:solidFill>
-                <a:latin typeface="나눔바른펜" panose="020B0503000000000000" pitchFamily="50" charset="-127"/>
-                <a:ea typeface="나눔바른펜" panose="020B0503000000000000" pitchFamily="50" charset="-127"/>
+                <a:latin typeface="나눔고딕" panose="020D0604000000000000" pitchFamily="50" charset="-127"/>
+                <a:ea typeface="나눔고딕" panose="020D0604000000000000" pitchFamily="50" charset="-127"/>
                 <a:cs typeface="KoPubWorld돋움체 Bold" panose="00000800000000000000" pitchFamily="2" charset="-127"/>
               </a:endParaRPr>
             </a:p>
@@ -5721,7 +5714,7 @@
         <p:spPr>
           <a:xfrm>
             <a:off x="6406351" y="4048038"/>
-            <a:ext cx="5228248" cy="769441"/>
+            <a:ext cx="5228248" cy="707886"/>
           </a:xfrm>
           <a:prstGeom prst="rect">
             <a:avLst/>
@@ -5735,43 +5728,43 @@
           <a:lstStyle/>
           <a:p>
             <a:r>
-              <a:rPr lang="ko-KR" altLang="en-US" sz="2200" dirty="0" smtClean="0">
-                <a:latin typeface="나눔바른펜" panose="020B0503000000000000" pitchFamily="50" charset="-127"/>
-                <a:ea typeface="나눔바른펜" panose="020B0503000000000000" pitchFamily="50" charset="-127"/>
+              <a:rPr lang="ko-KR" altLang="en-US" sz="2000" dirty="0" smtClean="0">
+                <a:latin typeface="나눔고딕" panose="020D0604000000000000" pitchFamily="50" charset="-127"/>
+                <a:ea typeface="나눔고딕" panose="020D0604000000000000" pitchFamily="50" charset="-127"/>
               </a:rPr>
               <a:t>수집한 데이터들을 전부 하나로 통합하여 </a:t>
             </a:r>
             <a:r>
-              <a:rPr lang="ko-KR" altLang="en-US" sz="2200" dirty="0" err="1" smtClean="0">
-                <a:latin typeface="나눔바른펜" panose="020B0503000000000000" pitchFamily="50" charset="-127"/>
-                <a:ea typeface="나눔바른펜" panose="020B0503000000000000" pitchFamily="50" charset="-127"/>
+              <a:rPr lang="ko-KR" altLang="en-US" sz="2000" dirty="0" err="1" smtClean="0">
+                <a:latin typeface="나눔고딕" panose="020D0604000000000000" pitchFamily="50" charset="-127"/>
+                <a:ea typeface="나눔고딕" panose="020D0604000000000000" pitchFamily="50" charset="-127"/>
               </a:rPr>
               <a:t>결측치</a:t>
             </a:r>
             <a:r>
-              <a:rPr lang="ko-KR" altLang="en-US" sz="2200" dirty="0" smtClean="0">
-                <a:latin typeface="나눔바른펜" panose="020B0503000000000000" pitchFamily="50" charset="-127"/>
-                <a:ea typeface="나눔바른펜" panose="020B0503000000000000" pitchFamily="50" charset="-127"/>
+              <a:rPr lang="ko-KR" altLang="en-US" sz="2000" dirty="0" smtClean="0">
+                <a:latin typeface="나눔고딕" panose="020D0604000000000000" pitchFamily="50" charset="-127"/>
+                <a:ea typeface="나눔고딕" panose="020D0604000000000000" pitchFamily="50" charset="-127"/>
               </a:rPr>
               <a:t> 확인 후</a:t>
             </a:r>
             <a:r>
-              <a:rPr lang="en-US" altLang="ko-KR" sz="2200" dirty="0" smtClean="0">
-                <a:latin typeface="나눔바른펜" panose="020B0503000000000000" pitchFamily="50" charset="-127"/>
-                <a:ea typeface="나눔바른펜" panose="020B0503000000000000" pitchFamily="50" charset="-127"/>
+              <a:rPr lang="en-US" altLang="ko-KR" sz="2000" dirty="0" smtClean="0">
+                <a:latin typeface="나눔고딕" panose="020D0604000000000000" pitchFamily="50" charset="-127"/>
+                <a:ea typeface="나눔고딕" panose="020D0604000000000000" pitchFamily="50" charset="-127"/>
               </a:rPr>
               <a:t>, csv</a:t>
             </a:r>
             <a:r>
-              <a:rPr lang="ko-KR" altLang="en-US" sz="2200" dirty="0" smtClean="0">
-                <a:latin typeface="나눔바른펜" panose="020B0503000000000000" pitchFamily="50" charset="-127"/>
-                <a:ea typeface="나눔바른펜" panose="020B0503000000000000" pitchFamily="50" charset="-127"/>
+              <a:rPr lang="ko-KR" altLang="en-US" sz="2000" dirty="0" smtClean="0">
+                <a:latin typeface="나눔고딕" panose="020D0604000000000000" pitchFamily="50" charset="-127"/>
+                <a:ea typeface="나눔고딕" panose="020D0604000000000000" pitchFamily="50" charset="-127"/>
               </a:rPr>
               <a:t>파일로 저장</a:t>
             </a:r>
-            <a:endParaRPr lang="ko-KR" altLang="en-US" sz="2200" dirty="0">
-              <a:latin typeface="나눔바른펜" panose="020B0503000000000000" pitchFamily="50" charset="-127"/>
-              <a:ea typeface="나눔바른펜" panose="020B0503000000000000" pitchFamily="50" charset="-127"/>
+            <a:endParaRPr lang="ko-KR" altLang="en-US" sz="2000" dirty="0">
+              <a:latin typeface="나눔고딕" panose="020D0604000000000000" pitchFamily="50" charset="-127"/>
+              <a:ea typeface="나눔고딕" panose="020D0604000000000000" pitchFamily="50" charset="-127"/>
             </a:endParaRPr>
           </a:p>
         </p:txBody>
@@ -5915,9 +5908,9 @@
         <p:grpSpPr>
           <a:xfrm>
             <a:off x="4604970" y="160436"/>
-            <a:ext cx="2982059" cy="830997"/>
+            <a:ext cx="3460728" cy="830997"/>
             <a:chOff x="3819245" y="188165"/>
-            <a:chExt cx="2600890" cy="830997"/>
+            <a:chExt cx="3018375" cy="830997"/>
           </a:xfrm>
         </p:grpSpPr>
         <p:sp>
@@ -5934,8 +5927,8 @@
           </p:nvSpPr>
           <p:spPr>
             <a:xfrm>
-              <a:off x="4430497" y="275862"/>
-              <a:ext cx="1989638" cy="646331"/>
+              <a:off x="4546730" y="275862"/>
+              <a:ext cx="2290890" cy="646331"/>
             </a:xfrm>
             <a:prstGeom prst="rect">
               <a:avLst/>
@@ -5949,15 +5942,15 @@
             <a:p>
               <a:r>
                 <a:rPr lang="ko-KR" altLang="en-US" sz="3600" b="1" dirty="0" smtClean="0">
-                  <a:latin typeface="나눔바른펜" panose="020B0503000000000000" pitchFamily="50" charset="-127"/>
-                  <a:ea typeface="나눔바른펜" panose="020B0503000000000000" pitchFamily="50" charset="-127"/>
+                  <a:latin typeface="나눔고딕" panose="020D0604000000000000" pitchFamily="50" charset="-127"/>
+                  <a:ea typeface="나눔고딕" panose="020D0604000000000000" pitchFamily="50" charset="-127"/>
                   <a:cs typeface="KoPubWorld돋움체 Bold" panose="00000800000000000000" pitchFamily="2" charset="-127"/>
                 </a:rPr>
                 <a:t>연구 및 조사</a:t>
               </a:r>
               <a:endParaRPr lang="ko-KR" altLang="en-US" sz="3600" b="1" dirty="0">
-                <a:latin typeface="나눔바른펜" panose="020B0503000000000000" pitchFamily="50" charset="-127"/>
-                <a:ea typeface="나눔바른펜" panose="020B0503000000000000" pitchFamily="50" charset="-127"/>
+                <a:latin typeface="나눔고딕" panose="020D0604000000000000" pitchFamily="50" charset="-127"/>
+                <a:ea typeface="나눔고딕" panose="020D0604000000000000" pitchFamily="50" charset="-127"/>
                 <a:cs typeface="KoPubWorld돋움체 Light" panose="00000300000000000000" pitchFamily="2" charset="-127"/>
               </a:endParaRPr>
             </a:p>
@@ -5978,7 +5971,7 @@
           <p:spPr>
             <a:xfrm>
               <a:off x="3819245" y="188165"/>
-              <a:ext cx="678361" cy="830997"/>
+              <a:ext cx="798598" cy="830997"/>
             </a:xfrm>
             <a:prstGeom prst="rect">
               <a:avLst/>
@@ -5998,8 +5991,8 @@
                       <a:lumMod val="50000"/>
                     </a:schemeClr>
                   </a:solidFill>
-                  <a:latin typeface="나눔바른펜" panose="020B0503000000000000" pitchFamily="50" charset="-127"/>
-                  <a:ea typeface="나눔바른펜" panose="020B0503000000000000" pitchFamily="50" charset="-127"/>
+                  <a:latin typeface="나눔고딕" panose="020D0604000000000000" pitchFamily="50" charset="-127"/>
+                  <a:ea typeface="나눔고딕" panose="020D0604000000000000" pitchFamily="50" charset="-127"/>
                   <a:cs typeface="KoPubWorld돋움체 Bold" panose="00000800000000000000" pitchFamily="2" charset="-127"/>
                 </a:rPr>
                 <a:t>03</a:t>
@@ -6010,8 +6003,8 @@
                     <a:lumMod val="50000"/>
                   </a:schemeClr>
                 </a:solidFill>
-                <a:latin typeface="나눔바른펜" panose="020B0503000000000000" pitchFamily="50" charset="-127"/>
-                <a:ea typeface="나눔바른펜" panose="020B0503000000000000" pitchFamily="50" charset="-127"/>
+                <a:latin typeface="나눔고딕" panose="020D0604000000000000" pitchFamily="50" charset="-127"/>
+                <a:ea typeface="나눔고딕" panose="020D0604000000000000" pitchFamily="50" charset="-127"/>
                 <a:cs typeface="KoPubWorld돋움체 Bold" panose="00000800000000000000" pitchFamily="2" charset="-127"/>
               </a:endParaRPr>
             </a:p>
@@ -6026,8 +6019,8 @@
         </p:nvSpPr>
         <p:spPr>
           <a:xfrm>
-            <a:off x="3295876" y="4393972"/>
-            <a:ext cx="1617751" cy="430887"/>
+            <a:off x="3158648" y="4393972"/>
+            <a:ext cx="1899880" cy="430887"/>
           </a:xfrm>
           <a:prstGeom prst="rect">
             <a:avLst/>
@@ -6043,15 +6036,15 @@
             <a:pPr algn="ctr"/>
             <a:r>
               <a:rPr lang="ko-KR" altLang="en-US" sz="2200" b="1" dirty="0" smtClean="0">
-                <a:latin typeface="나눔바른펜" panose="020B0503000000000000" pitchFamily="50" charset="-127"/>
-                <a:ea typeface="나눔바른펜" panose="020B0503000000000000" pitchFamily="50" charset="-127"/>
+                <a:latin typeface="나눔고딕" panose="020D0604000000000000" pitchFamily="50" charset="-127"/>
+                <a:ea typeface="나눔고딕" panose="020D0604000000000000" pitchFamily="50" charset="-127"/>
                 <a:cs typeface="Poppins" pitchFamily="2" charset="77"/>
               </a:rPr>
               <a:t>포지션 별 분석</a:t>
             </a:r>
             <a:endParaRPr lang="en-US" sz="2200" b="1" dirty="0">
-              <a:latin typeface="나눔바른펜" panose="020B0503000000000000" pitchFamily="50" charset="-127"/>
-              <a:ea typeface="나눔바른펜" panose="020B0503000000000000" pitchFamily="50" charset="-127"/>
+              <a:latin typeface="나눔고딕" panose="020D0604000000000000" pitchFamily="50" charset="-127"/>
+              <a:ea typeface="나눔고딕" panose="020D0604000000000000" pitchFamily="50" charset="-127"/>
               <a:cs typeface="Poppins" pitchFamily="2" charset="77"/>
             </a:endParaRPr>
           </a:p>
@@ -6065,8 +6058,8 @@
         </p:nvSpPr>
         <p:spPr>
           <a:xfrm>
-            <a:off x="3001696" y="5057476"/>
-            <a:ext cx="2121661" cy="656590"/>
+            <a:off x="3009482" y="5057475"/>
+            <a:ext cx="2121661" cy="938719"/>
           </a:xfrm>
           <a:prstGeom prst="rect">
             <a:avLst/>
@@ -6085,16 +6078,16 @@
               </a:lnSpc>
             </a:pPr>
             <a:r>
-              <a:rPr lang="ko-KR" altLang="en-US" b="1" dirty="0" smtClean="0">
-                <a:latin typeface="나눔바른펜" panose="020B0503000000000000" pitchFamily="50" charset="-127"/>
-                <a:ea typeface="나눔바른펜" panose="020B0503000000000000" pitchFamily="50" charset="-127"/>
+              <a:rPr lang="ko-KR" altLang="en-US" dirty="0" smtClean="0">
+                <a:latin typeface="나눔고딕" panose="020D0604000000000000" pitchFamily="50" charset="-127"/>
+                <a:ea typeface="나눔고딕" panose="020D0604000000000000" pitchFamily="50" charset="-127"/>
                 <a:cs typeface="Lato" panose="020F0502020204030203" pitchFamily="34" charset="0"/>
               </a:rPr>
               <a:t>특정 데이터로 알아보는 선수들의 퍼포먼스</a:t>
             </a:r>
-            <a:endParaRPr lang="en-US" b="1" dirty="0">
-              <a:latin typeface="나눔바른펜" panose="020B0503000000000000" pitchFamily="50" charset="-127"/>
-              <a:ea typeface="나눔바른펜" panose="020B0503000000000000" pitchFamily="50" charset="-127"/>
+            <a:endParaRPr lang="en-US" dirty="0">
+              <a:latin typeface="나눔고딕" panose="020D0604000000000000" pitchFamily="50" charset="-127"/>
+              <a:ea typeface="나눔고딕" panose="020D0604000000000000" pitchFamily="50" charset="-127"/>
               <a:cs typeface="Lato" panose="020F0502020204030203" pitchFamily="34" charset="0"/>
             </a:endParaRPr>
           </a:p>
@@ -6108,8 +6101,8 @@
         </p:nvSpPr>
         <p:spPr>
           <a:xfrm>
-            <a:off x="5509371" y="4393972"/>
-            <a:ext cx="1188146" cy="430887"/>
+            <a:off x="5439070" y="4393971"/>
+            <a:ext cx="1380506" cy="430887"/>
           </a:xfrm>
           <a:prstGeom prst="rect">
             <a:avLst/>
@@ -6125,15 +6118,15 @@
             <a:pPr algn="ctr"/>
             <a:r>
               <a:rPr lang="ko-KR" altLang="en-US" sz="2200" b="1" dirty="0" smtClean="0">
-                <a:latin typeface="나눔바른펜" panose="020B0503000000000000" pitchFamily="50" charset="-127"/>
-                <a:ea typeface="나눔바른펜" panose="020B0503000000000000" pitchFamily="50" charset="-127"/>
+                <a:latin typeface="나눔고딕" panose="020D0604000000000000" pitchFamily="50" charset="-127"/>
+                <a:ea typeface="나눔고딕" panose="020D0604000000000000" pitchFamily="50" charset="-127"/>
                 <a:cs typeface="Poppins" pitchFamily="2" charset="77"/>
               </a:rPr>
               <a:t>팀 별 분석</a:t>
             </a:r>
             <a:endParaRPr lang="en-US" sz="2200" b="1" dirty="0">
-              <a:latin typeface="나눔바른펜" panose="020B0503000000000000" pitchFamily="50" charset="-127"/>
-              <a:ea typeface="나눔바른펜" panose="020B0503000000000000" pitchFamily="50" charset="-127"/>
+              <a:latin typeface="나눔고딕" panose="020D0604000000000000" pitchFamily="50" charset="-127"/>
+              <a:ea typeface="나눔고딕" panose="020D0604000000000000" pitchFamily="50" charset="-127"/>
               <a:cs typeface="Poppins" pitchFamily="2" charset="77"/>
             </a:endParaRPr>
           </a:p>
@@ -6147,7 +6140,7 @@
         </p:nvSpPr>
         <p:spPr>
           <a:xfrm>
-            <a:off x="5171002" y="5057476"/>
+            <a:off x="5188247" y="5057474"/>
             <a:ext cx="1882152" cy="656590"/>
           </a:xfrm>
           <a:prstGeom prst="rect">
@@ -6167,32 +6160,32 @@
               </a:lnSpc>
             </a:pPr>
             <a:r>
-              <a:rPr lang="ko-KR" altLang="en-US" b="1" dirty="0" smtClean="0">
-                <a:latin typeface="나눔바른펜" panose="020B0503000000000000" pitchFamily="50" charset="-127"/>
-                <a:ea typeface="나눔바른펜" panose="020B0503000000000000" pitchFamily="50" charset="-127"/>
+              <a:rPr lang="ko-KR" altLang="en-US" dirty="0" smtClean="0">
+                <a:latin typeface="나눔고딕" panose="020D0604000000000000" pitchFamily="50" charset="-127"/>
+                <a:ea typeface="나눔고딕" panose="020D0604000000000000" pitchFamily="50" charset="-127"/>
                 <a:cs typeface="Lato" panose="020F0502020204030203" pitchFamily="34" charset="0"/>
               </a:rPr>
               <a:t>같은 축구</a:t>
             </a:r>
             <a:r>
-              <a:rPr lang="en-US" altLang="ko-KR" b="1" dirty="0" smtClean="0">
-                <a:latin typeface="나눔바른펜" panose="020B0503000000000000" pitchFamily="50" charset="-127"/>
-                <a:ea typeface="나눔바른펜" panose="020B0503000000000000" pitchFamily="50" charset="-127"/>
+              <a:rPr lang="en-US" altLang="ko-KR" dirty="0" smtClean="0">
+                <a:latin typeface="나눔고딕" panose="020D0604000000000000" pitchFamily="50" charset="-127"/>
+                <a:ea typeface="나눔고딕" panose="020D0604000000000000" pitchFamily="50" charset="-127"/>
                 <a:cs typeface="Lato" panose="020F0502020204030203" pitchFamily="34" charset="0"/>
               </a:rPr>
               <a:t>, </a:t>
             </a:r>
             <a:r>
-              <a:rPr lang="ko-KR" altLang="en-US" b="1" dirty="0" smtClean="0">
-                <a:latin typeface="나눔바른펜" panose="020B0503000000000000" pitchFamily="50" charset="-127"/>
-                <a:ea typeface="나눔바른펜" panose="020B0503000000000000" pitchFamily="50" charset="-127"/>
+              <a:rPr lang="ko-KR" altLang="en-US" dirty="0" smtClean="0">
+                <a:latin typeface="나눔고딕" panose="020D0604000000000000" pitchFamily="50" charset="-127"/>
+                <a:ea typeface="나눔고딕" panose="020D0604000000000000" pitchFamily="50" charset="-127"/>
                 <a:cs typeface="Lato" panose="020F0502020204030203" pitchFamily="34" charset="0"/>
               </a:rPr>
               <a:t>다른 성적을 내는 이유</a:t>
             </a:r>
-            <a:endParaRPr lang="en-US" b="1" dirty="0">
-              <a:latin typeface="나눔바른펜" panose="020B0503000000000000" pitchFamily="50" charset="-127"/>
-              <a:ea typeface="나눔바른펜" panose="020B0503000000000000" pitchFamily="50" charset="-127"/>
+            <a:endParaRPr lang="en-US" dirty="0">
+              <a:latin typeface="나눔고딕" panose="020D0604000000000000" pitchFamily="50" charset="-127"/>
+              <a:ea typeface="나눔고딕" panose="020D0604000000000000" pitchFamily="50" charset="-127"/>
               <a:cs typeface="Lato" panose="020F0502020204030203" pitchFamily="34" charset="0"/>
             </a:endParaRPr>
           </a:p>
@@ -6206,8 +6199,8 @@
         </p:nvSpPr>
         <p:spPr>
           <a:xfrm>
-            <a:off x="7537304" y="4393972"/>
-            <a:ext cx="1148071" cy="430887"/>
+            <a:off x="7460358" y="4393971"/>
+            <a:ext cx="1301959" cy="430887"/>
           </a:xfrm>
           <a:prstGeom prst="rect">
             <a:avLst/>
@@ -6223,15 +6216,15 @@
             <a:pPr algn="ctr"/>
             <a:r>
               <a:rPr lang="ko-KR" altLang="en-US" sz="2200" b="1" dirty="0" smtClean="0">
-                <a:latin typeface="나눔바른펜" panose="020B0503000000000000" pitchFamily="50" charset="-127"/>
-                <a:ea typeface="나눔바른펜" panose="020B0503000000000000" pitchFamily="50" charset="-127"/>
+                <a:latin typeface="나눔고딕" panose="020D0604000000000000" pitchFamily="50" charset="-127"/>
+                <a:ea typeface="나눔고딕" panose="020D0604000000000000" pitchFamily="50" charset="-127"/>
                 <a:cs typeface="Poppins" pitchFamily="2" charset="77"/>
               </a:rPr>
               <a:t>모델 학습</a:t>
             </a:r>
             <a:endParaRPr lang="en-US" sz="2200" b="1" dirty="0">
-              <a:latin typeface="나눔바른펜" panose="020B0503000000000000" pitchFamily="50" charset="-127"/>
-              <a:ea typeface="나눔바른펜" panose="020B0503000000000000" pitchFamily="50" charset="-127"/>
+              <a:latin typeface="나눔고딕" panose="020D0604000000000000" pitchFamily="50" charset="-127"/>
+              <a:ea typeface="나눔고딕" panose="020D0604000000000000" pitchFamily="50" charset="-127"/>
               <a:cs typeface="Poppins" pitchFamily="2" charset="77"/>
             </a:endParaRPr>
           </a:p>
@@ -6245,8 +6238,8 @@
         </p:nvSpPr>
         <p:spPr>
           <a:xfrm>
-            <a:off x="7350645" y="5058624"/>
-            <a:ext cx="1521387" cy="656590"/>
+            <a:off x="7350643" y="5057473"/>
+            <a:ext cx="1521387" cy="923586"/>
           </a:xfrm>
           <a:prstGeom prst="rect">
             <a:avLst/>
@@ -6265,24 +6258,24 @@
               </a:lnSpc>
             </a:pPr>
             <a:r>
-              <a:rPr lang="ko-KR" altLang="en-US" b="1" dirty="0" smtClean="0">
-                <a:latin typeface="나눔바른펜" panose="020B0503000000000000" pitchFamily="50" charset="-127"/>
-                <a:ea typeface="나눔바른펜" panose="020B0503000000000000" pitchFamily="50" charset="-127"/>
+              <a:rPr lang="ko-KR" altLang="en-US" dirty="0" smtClean="0">
+                <a:latin typeface="나눔고딕" panose="020D0604000000000000" pitchFamily="50" charset="-127"/>
+                <a:ea typeface="나눔고딕" panose="020D0604000000000000" pitchFamily="50" charset="-127"/>
                 <a:cs typeface="Lato" panose="020F0502020204030203" pitchFamily="34" charset="0"/>
               </a:rPr>
               <a:t>경기의 결과를 </a:t>
             </a:r>
             <a:r>
-              <a:rPr lang="ko-KR" altLang="en-US" b="1" dirty="0" err="1" smtClean="0">
-                <a:latin typeface="나눔바른펜" panose="020B0503000000000000" pitchFamily="50" charset="-127"/>
-                <a:ea typeface="나눔바른펜" panose="020B0503000000000000" pitchFamily="50" charset="-127"/>
+              <a:rPr lang="ko-KR" altLang="en-US" dirty="0" err="1" smtClean="0">
+                <a:latin typeface="나눔고딕" panose="020D0604000000000000" pitchFamily="50" charset="-127"/>
+                <a:ea typeface="나눔고딕" panose="020D0604000000000000" pitchFamily="50" charset="-127"/>
                 <a:cs typeface="Lato" panose="020F0502020204030203" pitchFamily="34" charset="0"/>
               </a:rPr>
               <a:t>예측해보기</a:t>
             </a:r>
-            <a:endParaRPr lang="en-US" b="1" dirty="0">
-              <a:latin typeface="나눔바른펜" panose="020B0503000000000000" pitchFamily="50" charset="-127"/>
-              <a:ea typeface="나눔바른펜" panose="020B0503000000000000" pitchFamily="50" charset="-127"/>
+            <a:endParaRPr lang="en-US" dirty="0">
+              <a:latin typeface="나눔고딕" panose="020D0604000000000000" pitchFamily="50" charset="-127"/>
+              <a:ea typeface="나눔고딕" panose="020D0604000000000000" pitchFamily="50" charset="-127"/>
               <a:cs typeface="Lato" panose="020F0502020204030203" pitchFamily="34" charset="0"/>
             </a:endParaRPr>
           </a:p>
@@ -6841,124 +6834,6 @@
           </a:p>
         </p:txBody>
       </p:sp>
-      <p:grpSp>
-        <p:nvGrpSpPr>
-          <p:cNvPr id="6" name="그룹 5">
-            <a:extLst>
-              <a:ext uri="{FF2B5EF4-FFF2-40B4-BE49-F238E27FC236}">
-                <a16:creationId xmlns:a16="http://schemas.microsoft.com/office/drawing/2014/main" id="{1B0813F0-0608-43A3-9E53-0BA015EDE231}"/>
-              </a:ext>
-            </a:extLst>
-          </p:cNvPr>
-          <p:cNvGrpSpPr/>
-          <p:nvPr/>
-        </p:nvGrpSpPr>
-        <p:grpSpPr>
-          <a:xfrm>
-            <a:off x="4458472" y="170165"/>
-            <a:ext cx="3538182" cy="830997"/>
-            <a:chOff x="3819245" y="188165"/>
-            <a:chExt cx="3085928" cy="830997"/>
-          </a:xfrm>
-        </p:grpSpPr>
-        <p:sp>
-          <p:nvSpPr>
-            <p:cNvPr id="5" name="직사각형 4">
-              <a:extLst>
-                <a:ext uri="{FF2B5EF4-FFF2-40B4-BE49-F238E27FC236}">
-                  <a16:creationId xmlns:a16="http://schemas.microsoft.com/office/drawing/2014/main" id="{7D0033C3-456D-4151-9AAB-F0A2E961A5B6}"/>
-                </a:ext>
-              </a:extLst>
-            </p:cNvPr>
-            <p:cNvSpPr/>
-            <p:nvPr/>
-          </p:nvSpPr>
-          <p:spPr>
-            <a:xfrm>
-              <a:off x="4659786" y="280497"/>
-              <a:ext cx="2245387" cy="646331"/>
-            </a:xfrm>
-            <a:prstGeom prst="rect">
-              <a:avLst/>
-            </a:prstGeom>
-          </p:spPr>
-          <p:txBody>
-            <a:bodyPr wrap="square">
-              <a:spAutoFit/>
-            </a:bodyPr>
-            <a:lstStyle/>
-            <a:p>
-              <a:r>
-                <a:rPr lang="ko-KR" altLang="en-US" sz="3600" b="1" dirty="0" smtClean="0">
-                  <a:latin typeface="나눔바른펜" panose="020B0503000000000000" pitchFamily="50" charset="-127"/>
-                  <a:ea typeface="나눔바른펜" panose="020B0503000000000000" pitchFamily="50" charset="-127"/>
-                  <a:cs typeface="KoPubWorld돋움체 Light" panose="00000300000000000000" pitchFamily="2" charset="-127"/>
-                </a:rPr>
-                <a:t>포지션 별 분석</a:t>
-              </a:r>
-              <a:endParaRPr lang="ko-KR" altLang="en-US" sz="3600" b="1" dirty="0">
-                <a:latin typeface="나눔바른펜" panose="020B0503000000000000" pitchFamily="50" charset="-127"/>
-                <a:ea typeface="나눔바른펜" panose="020B0503000000000000" pitchFamily="50" charset="-127"/>
-                <a:cs typeface="KoPubWorld돋움체 Light" panose="00000300000000000000" pitchFamily="2" charset="-127"/>
-              </a:endParaRPr>
-            </a:p>
-          </p:txBody>
-        </p:sp>
-        <p:sp>
-          <p:nvSpPr>
-            <p:cNvPr id="24" name="TextBox 23">
-              <a:extLst>
-                <a:ext uri="{FF2B5EF4-FFF2-40B4-BE49-F238E27FC236}">
-                  <a16:creationId xmlns:a16="http://schemas.microsoft.com/office/drawing/2014/main" id="{1841637C-F02D-4ED4-9B17-10A92FFC6619}"/>
-                </a:ext>
-              </a:extLst>
-            </p:cNvPr>
-            <p:cNvSpPr txBox="1"/>
-            <p:nvPr/>
-          </p:nvSpPr>
-          <p:spPr>
-            <a:xfrm>
-              <a:off x="3819245" y="188165"/>
-              <a:ext cx="847532" cy="830997"/>
-            </a:xfrm>
-            <a:prstGeom prst="rect">
-              <a:avLst/>
-            </a:prstGeom>
-            <a:noFill/>
-          </p:spPr>
-          <p:txBody>
-            <a:bodyPr wrap="none" rtlCol="0">
-              <a:spAutoFit/>
-            </a:bodyPr>
-            <a:lstStyle/>
-            <a:p>
-              <a:r>
-                <a:rPr lang="en-US" altLang="ko-KR" sz="4800" b="1" dirty="0" smtClean="0">
-                  <a:solidFill>
-                    <a:schemeClr val="accent6">
-                      <a:lumMod val="50000"/>
-                    </a:schemeClr>
-                  </a:solidFill>
-                  <a:latin typeface="나눔바른펜" panose="020B0503000000000000" pitchFamily="50" charset="-127"/>
-                  <a:ea typeface="나눔바른펜" panose="020B0503000000000000" pitchFamily="50" charset="-127"/>
-                  <a:cs typeface="KoPubWorld돋움체 Bold" panose="00000800000000000000" pitchFamily="2" charset="-127"/>
-                </a:rPr>
-                <a:t>3-1</a:t>
-              </a:r>
-              <a:endParaRPr lang="ko-KR" altLang="en-US" sz="4800" b="1" dirty="0">
-                <a:solidFill>
-                  <a:schemeClr val="accent6">
-                    <a:lumMod val="50000"/>
-                  </a:schemeClr>
-                </a:solidFill>
-                <a:latin typeface="나눔바른펜" panose="020B0503000000000000" pitchFamily="50" charset="-127"/>
-                <a:ea typeface="나눔바른펜" panose="020B0503000000000000" pitchFamily="50" charset="-127"/>
-                <a:cs typeface="KoPubWorld돋움체 Bold" panose="00000800000000000000" pitchFamily="2" charset="-127"/>
-              </a:endParaRPr>
-            </a:p>
-          </p:txBody>
-        </p:sp>
-      </p:grpSp>
       <p:pic>
         <p:nvPicPr>
           <p:cNvPr id="10" name="그림 9"/>
@@ -7008,7 +6883,7 @@
         <p:spPr>
           <a:xfrm>
             <a:off x="6942339" y="3430971"/>
-            <a:ext cx="3631224" cy="885563"/>
+            <a:ext cx="3631224" cy="1290353"/>
           </a:xfrm>
           <a:prstGeom prst="rect">
             <a:avLst/>
@@ -7027,48 +6902,166 @@
               </a:lnSpc>
             </a:pPr>
             <a:r>
-              <a:rPr lang="ko-KR" altLang="en-US" b="1" dirty="0" smtClean="0">
-                <a:latin typeface="나눔바른펜" panose="020B0503000000000000" pitchFamily="50" charset="-127"/>
-                <a:ea typeface="나눔바른펜" panose="020B0503000000000000" pitchFamily="50" charset="-127"/>
+              <a:rPr lang="ko-KR" altLang="en-US" dirty="0" smtClean="0">
+                <a:latin typeface="나눔고딕" panose="020D0604000000000000" pitchFamily="50" charset="-127"/>
+                <a:ea typeface="나눔고딕" panose="020D0604000000000000" pitchFamily="50" charset="-127"/>
               </a:rPr>
               <a:t>포지션 별 비율을 확인해 본 결과</a:t>
             </a:r>
             <a:r>
-              <a:rPr lang="en-US" altLang="ko-KR" b="1" dirty="0" smtClean="0">
-                <a:latin typeface="나눔바른펜" panose="020B0503000000000000" pitchFamily="50" charset="-127"/>
-                <a:ea typeface="나눔바른펜" panose="020B0503000000000000" pitchFamily="50" charset="-127"/>
+              <a:rPr lang="en-US" altLang="ko-KR" dirty="0" smtClean="0">
+                <a:latin typeface="나눔고딕" panose="020D0604000000000000" pitchFamily="50" charset="-127"/>
+                <a:ea typeface="나눔고딕" panose="020D0604000000000000" pitchFamily="50" charset="-127"/>
               </a:rPr>
               <a:t>, </a:t>
             </a:r>
             <a:r>
-              <a:rPr lang="ko-KR" altLang="en-US" b="1" dirty="0" smtClean="0">
+              <a:rPr lang="ko-KR" altLang="en-US" dirty="0" smtClean="0">
                 <a:solidFill>
                   <a:schemeClr val="accent6">
                     <a:lumMod val="50000"/>
                   </a:schemeClr>
                 </a:solidFill>
-                <a:latin typeface="나눔바른펜" panose="020B0503000000000000" pitchFamily="50" charset="-127"/>
-                <a:ea typeface="나눔바른펜" panose="020B0503000000000000" pitchFamily="50" charset="-127"/>
+                <a:latin typeface="나눔고딕" panose="020D0604000000000000" pitchFamily="50" charset="-127"/>
+                <a:ea typeface="나눔고딕" panose="020D0604000000000000" pitchFamily="50" charset="-127"/>
               </a:rPr>
               <a:t>공격수가</a:t>
             </a:r>
             <a:r>
-              <a:rPr lang="ko-KR" altLang="en-US" b="1" dirty="0" smtClean="0">
-                <a:latin typeface="나눔바른펜" panose="020B0503000000000000" pitchFamily="50" charset="-127"/>
-                <a:ea typeface="나눔바른펜" panose="020B0503000000000000" pitchFamily="50" charset="-127"/>
+              <a:rPr lang="ko-KR" altLang="en-US" dirty="0" smtClean="0">
+                <a:latin typeface="나눔고딕" panose="020D0604000000000000" pitchFamily="50" charset="-127"/>
+                <a:ea typeface="나눔고딕" panose="020D0604000000000000" pitchFamily="50" charset="-127"/>
               </a:rPr>
               <a:t> 약간 더 많은 비중을 차지하고 있다</a:t>
             </a:r>
             <a:r>
-              <a:rPr lang="en-US" altLang="ko-KR" b="1" dirty="0" smtClean="0">
-                <a:latin typeface="나눔바른펜" panose="020B0503000000000000" pitchFamily="50" charset="-127"/>
-                <a:ea typeface="나눔바른펜" panose="020B0503000000000000" pitchFamily="50" charset="-127"/>
+              <a:rPr lang="en-US" altLang="ko-KR" dirty="0" smtClean="0">
+                <a:latin typeface="나눔고딕" panose="020D0604000000000000" pitchFamily="50" charset="-127"/>
+                <a:ea typeface="나눔고딕" panose="020D0604000000000000" pitchFamily="50" charset="-127"/>
               </a:rPr>
               <a:t>.</a:t>
             </a:r>
           </a:p>
         </p:txBody>
       </p:sp>
+      <p:grpSp>
+        <p:nvGrpSpPr>
+          <p:cNvPr id="8" name="그룹 7">
+            <a:extLst>
+              <a:ext uri="{FF2B5EF4-FFF2-40B4-BE49-F238E27FC236}">
+                <a16:creationId xmlns:a16="http://schemas.microsoft.com/office/drawing/2014/main" id="{1B0813F0-0608-43A3-9E53-0BA015EDE231}"/>
+              </a:ext>
+            </a:extLst>
+          </p:cNvPr>
+          <p:cNvGrpSpPr/>
+          <p:nvPr/>
+        </p:nvGrpSpPr>
+        <p:grpSpPr>
+          <a:xfrm>
+            <a:off x="4458472" y="170165"/>
+            <a:ext cx="3995415" cy="830997"/>
+            <a:chOff x="3819245" y="188165"/>
+            <a:chExt cx="3484717" cy="830997"/>
+          </a:xfrm>
+        </p:grpSpPr>
+        <p:sp>
+          <p:nvSpPr>
+            <p:cNvPr id="9" name="직사각형 8">
+              <a:extLst>
+                <a:ext uri="{FF2B5EF4-FFF2-40B4-BE49-F238E27FC236}">
+                  <a16:creationId xmlns:a16="http://schemas.microsoft.com/office/drawing/2014/main" id="{7D0033C3-456D-4151-9AAB-F0A2E961A5B6}"/>
+                </a:ext>
+              </a:extLst>
+            </p:cNvPr>
+            <p:cNvSpPr/>
+            <p:nvPr/>
+          </p:nvSpPr>
+          <p:spPr>
+            <a:xfrm>
+              <a:off x="4666433" y="280497"/>
+              <a:ext cx="2637529" cy="646331"/>
+            </a:xfrm>
+            <a:prstGeom prst="rect">
+              <a:avLst/>
+            </a:prstGeom>
+          </p:spPr>
+          <p:txBody>
+            <a:bodyPr wrap="square">
+              <a:spAutoFit/>
+            </a:bodyPr>
+            <a:lstStyle/>
+            <a:p>
+              <a:r>
+                <a:rPr lang="ko-KR" altLang="en-US" sz="3600" b="1" dirty="0" smtClean="0">
+                  <a:latin typeface="나눔고딕" panose="020D0604000000000000" pitchFamily="50" charset="-127"/>
+                  <a:ea typeface="나눔고딕" panose="020D0604000000000000" pitchFamily="50" charset="-127"/>
+                  <a:cs typeface="KoPubWorld돋움체 Light" panose="00000300000000000000" pitchFamily="2" charset="-127"/>
+                </a:rPr>
+                <a:t>포지션 별 분석</a:t>
+              </a:r>
+              <a:endParaRPr lang="ko-KR" altLang="en-US" sz="3600" b="1" dirty="0">
+                <a:latin typeface="나눔고딕" panose="020D0604000000000000" pitchFamily="50" charset="-127"/>
+                <a:ea typeface="나눔고딕" panose="020D0604000000000000" pitchFamily="50" charset="-127"/>
+                <a:cs typeface="KoPubWorld돋움체 Light" panose="00000300000000000000" pitchFamily="2" charset="-127"/>
+              </a:endParaRPr>
+            </a:p>
+          </p:txBody>
+        </p:sp>
+        <p:sp>
+          <p:nvSpPr>
+            <p:cNvPr id="11" name="TextBox 10">
+              <a:extLst>
+                <a:ext uri="{FF2B5EF4-FFF2-40B4-BE49-F238E27FC236}">
+                  <a16:creationId xmlns:a16="http://schemas.microsoft.com/office/drawing/2014/main" id="{1841637C-F02D-4ED4-9B17-10A92FFC6619}"/>
+                </a:ext>
+              </a:extLst>
+            </p:cNvPr>
+            <p:cNvSpPr txBox="1"/>
+            <p:nvPr/>
+          </p:nvSpPr>
+          <p:spPr>
+            <a:xfrm>
+              <a:off x="3819245" y="188165"/>
+              <a:ext cx="990139" cy="830997"/>
+            </a:xfrm>
+            <a:prstGeom prst="rect">
+              <a:avLst/>
+            </a:prstGeom>
+            <a:noFill/>
+          </p:spPr>
+          <p:txBody>
+            <a:bodyPr wrap="none" rtlCol="0">
+              <a:spAutoFit/>
+            </a:bodyPr>
+            <a:lstStyle/>
+            <a:p>
+              <a:r>
+                <a:rPr lang="en-US" altLang="ko-KR" sz="4800" b="1" dirty="0" smtClean="0">
+                  <a:solidFill>
+                    <a:schemeClr val="accent6">
+                      <a:lumMod val="50000"/>
+                    </a:schemeClr>
+                  </a:solidFill>
+                  <a:latin typeface="나눔고딕" panose="020D0604000000000000" pitchFamily="50" charset="-127"/>
+                  <a:ea typeface="나눔고딕" panose="020D0604000000000000" pitchFamily="50" charset="-127"/>
+                  <a:cs typeface="KoPubWorld돋움체 Bold" panose="00000800000000000000" pitchFamily="2" charset="-127"/>
+                </a:rPr>
+                <a:t>3-1</a:t>
+              </a:r>
+              <a:endParaRPr lang="ko-KR" altLang="en-US" sz="4800" b="1" dirty="0">
+                <a:solidFill>
+                  <a:schemeClr val="accent6">
+                    <a:lumMod val="50000"/>
+                  </a:schemeClr>
+                </a:solidFill>
+                <a:latin typeface="나눔고딕" panose="020D0604000000000000" pitchFamily="50" charset="-127"/>
+                <a:ea typeface="나눔고딕" panose="020D0604000000000000" pitchFamily="50" charset="-127"/>
+                <a:cs typeface="KoPubWorld돋움체 Bold" panose="00000800000000000000" pitchFamily="2" charset="-127"/>
+              </a:endParaRPr>
+            </a:p>
+          </p:txBody>
+        </p:sp>
+      </p:grpSp>
     </p:spTree>
     <p:extLst>
       <p:ext uri="{BB962C8B-B14F-4D97-AF65-F5344CB8AC3E}">
@@ -7153,124 +7146,6 @@
           </a:p>
         </p:txBody>
       </p:sp>
-      <p:grpSp>
-        <p:nvGrpSpPr>
-          <p:cNvPr id="10" name="그룹 9">
-            <a:extLst>
-              <a:ext uri="{FF2B5EF4-FFF2-40B4-BE49-F238E27FC236}">
-                <a16:creationId xmlns:a16="http://schemas.microsoft.com/office/drawing/2014/main" id="{1B0813F0-0608-43A3-9E53-0BA015EDE231}"/>
-              </a:ext>
-            </a:extLst>
-          </p:cNvPr>
-          <p:cNvGrpSpPr/>
-          <p:nvPr/>
-        </p:nvGrpSpPr>
-        <p:grpSpPr>
-          <a:xfrm>
-            <a:off x="4458472" y="170165"/>
-            <a:ext cx="3538182" cy="830997"/>
-            <a:chOff x="3819245" y="188165"/>
-            <a:chExt cx="3085928" cy="830997"/>
-          </a:xfrm>
-        </p:grpSpPr>
-        <p:sp>
-          <p:nvSpPr>
-            <p:cNvPr id="12" name="직사각형 11">
-              <a:extLst>
-                <a:ext uri="{FF2B5EF4-FFF2-40B4-BE49-F238E27FC236}">
-                  <a16:creationId xmlns:a16="http://schemas.microsoft.com/office/drawing/2014/main" id="{7D0033C3-456D-4151-9AAB-F0A2E961A5B6}"/>
-                </a:ext>
-              </a:extLst>
-            </p:cNvPr>
-            <p:cNvSpPr/>
-            <p:nvPr/>
-          </p:nvSpPr>
-          <p:spPr>
-            <a:xfrm>
-              <a:off x="4659786" y="280497"/>
-              <a:ext cx="2245387" cy="646331"/>
-            </a:xfrm>
-            <a:prstGeom prst="rect">
-              <a:avLst/>
-            </a:prstGeom>
-          </p:spPr>
-          <p:txBody>
-            <a:bodyPr wrap="square">
-              <a:spAutoFit/>
-            </a:bodyPr>
-            <a:lstStyle/>
-            <a:p>
-              <a:r>
-                <a:rPr lang="ko-KR" altLang="en-US" sz="3600" b="1" dirty="0" smtClean="0">
-                  <a:latin typeface="나눔바른펜" panose="020B0503000000000000" pitchFamily="50" charset="-127"/>
-                  <a:ea typeface="나눔바른펜" panose="020B0503000000000000" pitchFamily="50" charset="-127"/>
-                  <a:cs typeface="KoPubWorld돋움체 Light" panose="00000300000000000000" pitchFamily="2" charset="-127"/>
-                </a:rPr>
-                <a:t>포지션 별 분석</a:t>
-              </a:r>
-              <a:endParaRPr lang="ko-KR" altLang="en-US" sz="3600" b="1" dirty="0">
-                <a:latin typeface="나눔바른펜" panose="020B0503000000000000" pitchFamily="50" charset="-127"/>
-                <a:ea typeface="나눔바른펜" panose="020B0503000000000000" pitchFamily="50" charset="-127"/>
-                <a:cs typeface="KoPubWorld돋움체 Light" panose="00000300000000000000" pitchFamily="2" charset="-127"/>
-              </a:endParaRPr>
-            </a:p>
-          </p:txBody>
-        </p:sp>
-        <p:sp>
-          <p:nvSpPr>
-            <p:cNvPr id="13" name="TextBox 12">
-              <a:extLst>
-                <a:ext uri="{FF2B5EF4-FFF2-40B4-BE49-F238E27FC236}">
-                  <a16:creationId xmlns:a16="http://schemas.microsoft.com/office/drawing/2014/main" id="{1841637C-F02D-4ED4-9B17-10A92FFC6619}"/>
-                </a:ext>
-              </a:extLst>
-            </p:cNvPr>
-            <p:cNvSpPr txBox="1"/>
-            <p:nvPr/>
-          </p:nvSpPr>
-          <p:spPr>
-            <a:xfrm>
-              <a:off x="3819245" y="188165"/>
-              <a:ext cx="847532" cy="830997"/>
-            </a:xfrm>
-            <a:prstGeom prst="rect">
-              <a:avLst/>
-            </a:prstGeom>
-            <a:noFill/>
-          </p:spPr>
-          <p:txBody>
-            <a:bodyPr wrap="none" rtlCol="0">
-              <a:spAutoFit/>
-            </a:bodyPr>
-            <a:lstStyle/>
-            <a:p>
-              <a:r>
-                <a:rPr lang="en-US" altLang="ko-KR" sz="4800" b="1" dirty="0" smtClean="0">
-                  <a:solidFill>
-                    <a:schemeClr val="accent6">
-                      <a:lumMod val="50000"/>
-                    </a:schemeClr>
-                  </a:solidFill>
-                  <a:latin typeface="나눔바른펜" panose="020B0503000000000000" pitchFamily="50" charset="-127"/>
-                  <a:ea typeface="나눔바른펜" panose="020B0503000000000000" pitchFamily="50" charset="-127"/>
-                  <a:cs typeface="KoPubWorld돋움체 Bold" panose="00000800000000000000" pitchFamily="2" charset="-127"/>
-                </a:rPr>
-                <a:t>3-1</a:t>
-              </a:r>
-              <a:endParaRPr lang="ko-KR" altLang="en-US" sz="4800" b="1" dirty="0">
-                <a:solidFill>
-                  <a:schemeClr val="accent6">
-                    <a:lumMod val="50000"/>
-                  </a:schemeClr>
-                </a:solidFill>
-                <a:latin typeface="나눔바른펜" panose="020B0503000000000000" pitchFamily="50" charset="-127"/>
-                <a:ea typeface="나눔바른펜" panose="020B0503000000000000" pitchFamily="50" charset="-127"/>
-                <a:cs typeface="KoPubWorld돋움체 Bold" panose="00000800000000000000" pitchFamily="2" charset="-127"/>
-              </a:endParaRPr>
-            </a:p>
-          </p:txBody>
-        </p:sp>
-      </p:grpSp>
       <p:pic>
         <p:nvPicPr>
           <p:cNvPr id="14" name="그림 13"/>
@@ -7533,6 +7408,124 @@
           </a:p>
         </p:txBody>
       </p:sp>
+      <p:grpSp>
+        <p:nvGrpSpPr>
+          <p:cNvPr id="11" name="그룹 10">
+            <a:extLst>
+              <a:ext uri="{FF2B5EF4-FFF2-40B4-BE49-F238E27FC236}">
+                <a16:creationId xmlns:a16="http://schemas.microsoft.com/office/drawing/2014/main" id="{1B0813F0-0608-43A3-9E53-0BA015EDE231}"/>
+              </a:ext>
+            </a:extLst>
+          </p:cNvPr>
+          <p:cNvGrpSpPr/>
+          <p:nvPr/>
+        </p:nvGrpSpPr>
+        <p:grpSpPr>
+          <a:xfrm>
+            <a:off x="4458472" y="170165"/>
+            <a:ext cx="3995415" cy="830997"/>
+            <a:chOff x="3819245" y="188165"/>
+            <a:chExt cx="3484717" cy="830997"/>
+          </a:xfrm>
+        </p:grpSpPr>
+        <p:sp>
+          <p:nvSpPr>
+            <p:cNvPr id="19" name="직사각형 18">
+              <a:extLst>
+                <a:ext uri="{FF2B5EF4-FFF2-40B4-BE49-F238E27FC236}">
+                  <a16:creationId xmlns:a16="http://schemas.microsoft.com/office/drawing/2014/main" id="{7D0033C3-456D-4151-9AAB-F0A2E961A5B6}"/>
+                </a:ext>
+              </a:extLst>
+            </p:cNvPr>
+            <p:cNvSpPr/>
+            <p:nvPr/>
+          </p:nvSpPr>
+          <p:spPr>
+            <a:xfrm>
+              <a:off x="4666433" y="280497"/>
+              <a:ext cx="2637529" cy="646331"/>
+            </a:xfrm>
+            <a:prstGeom prst="rect">
+              <a:avLst/>
+            </a:prstGeom>
+          </p:spPr>
+          <p:txBody>
+            <a:bodyPr wrap="square">
+              <a:spAutoFit/>
+            </a:bodyPr>
+            <a:lstStyle/>
+            <a:p>
+              <a:r>
+                <a:rPr lang="ko-KR" altLang="en-US" sz="3600" b="1" dirty="0" smtClean="0">
+                  <a:latin typeface="나눔고딕" panose="020D0604000000000000" pitchFamily="50" charset="-127"/>
+                  <a:ea typeface="나눔고딕" panose="020D0604000000000000" pitchFamily="50" charset="-127"/>
+                  <a:cs typeface="KoPubWorld돋움체 Light" panose="00000300000000000000" pitchFamily="2" charset="-127"/>
+                </a:rPr>
+                <a:t>포지션 별 분석</a:t>
+              </a:r>
+              <a:endParaRPr lang="ko-KR" altLang="en-US" sz="3600" b="1" dirty="0">
+                <a:latin typeface="나눔고딕" panose="020D0604000000000000" pitchFamily="50" charset="-127"/>
+                <a:ea typeface="나눔고딕" panose="020D0604000000000000" pitchFamily="50" charset="-127"/>
+                <a:cs typeface="KoPubWorld돋움체 Light" panose="00000300000000000000" pitchFamily="2" charset="-127"/>
+              </a:endParaRPr>
+            </a:p>
+          </p:txBody>
+        </p:sp>
+        <p:sp>
+          <p:nvSpPr>
+            <p:cNvPr id="20" name="TextBox 19">
+              <a:extLst>
+                <a:ext uri="{FF2B5EF4-FFF2-40B4-BE49-F238E27FC236}">
+                  <a16:creationId xmlns:a16="http://schemas.microsoft.com/office/drawing/2014/main" id="{1841637C-F02D-4ED4-9B17-10A92FFC6619}"/>
+                </a:ext>
+              </a:extLst>
+            </p:cNvPr>
+            <p:cNvSpPr txBox="1"/>
+            <p:nvPr/>
+          </p:nvSpPr>
+          <p:spPr>
+            <a:xfrm>
+              <a:off x="3819245" y="188165"/>
+              <a:ext cx="990139" cy="830997"/>
+            </a:xfrm>
+            <a:prstGeom prst="rect">
+              <a:avLst/>
+            </a:prstGeom>
+            <a:noFill/>
+          </p:spPr>
+          <p:txBody>
+            <a:bodyPr wrap="none" rtlCol="0">
+              <a:spAutoFit/>
+            </a:bodyPr>
+            <a:lstStyle/>
+            <a:p>
+              <a:r>
+                <a:rPr lang="en-US" altLang="ko-KR" sz="4800" b="1" dirty="0" smtClean="0">
+                  <a:solidFill>
+                    <a:schemeClr val="accent6">
+                      <a:lumMod val="50000"/>
+                    </a:schemeClr>
+                  </a:solidFill>
+                  <a:latin typeface="나눔고딕" panose="020D0604000000000000" pitchFamily="50" charset="-127"/>
+                  <a:ea typeface="나눔고딕" panose="020D0604000000000000" pitchFamily="50" charset="-127"/>
+                  <a:cs typeface="KoPubWorld돋움체 Bold" panose="00000800000000000000" pitchFamily="2" charset="-127"/>
+                </a:rPr>
+                <a:t>3-1</a:t>
+              </a:r>
+              <a:endParaRPr lang="ko-KR" altLang="en-US" sz="4800" b="1" dirty="0">
+                <a:solidFill>
+                  <a:schemeClr val="accent6">
+                    <a:lumMod val="50000"/>
+                  </a:schemeClr>
+                </a:solidFill>
+                <a:latin typeface="나눔고딕" panose="020D0604000000000000" pitchFamily="50" charset="-127"/>
+                <a:ea typeface="나눔고딕" panose="020D0604000000000000" pitchFamily="50" charset="-127"/>
+                <a:cs typeface="KoPubWorld돋움체 Bold" panose="00000800000000000000" pitchFamily="2" charset="-127"/>
+              </a:endParaRPr>
+            </a:p>
+          </p:txBody>
+        </p:sp>
+      </p:grpSp>
     </p:spTree>
     <p:extLst>
       <p:ext uri="{BB962C8B-B14F-4D97-AF65-F5344CB8AC3E}">
@@ -7617,124 +7610,6 @@
           </a:p>
         </p:txBody>
       </p:sp>
-      <p:grpSp>
-        <p:nvGrpSpPr>
-          <p:cNvPr id="10" name="그룹 9">
-            <a:extLst>
-              <a:ext uri="{FF2B5EF4-FFF2-40B4-BE49-F238E27FC236}">
-                <a16:creationId xmlns:a16="http://schemas.microsoft.com/office/drawing/2014/main" id="{1B0813F0-0608-43A3-9E53-0BA015EDE231}"/>
-              </a:ext>
-            </a:extLst>
-          </p:cNvPr>
-          <p:cNvGrpSpPr/>
-          <p:nvPr/>
-        </p:nvGrpSpPr>
-        <p:grpSpPr>
-          <a:xfrm>
-            <a:off x="4458472" y="170165"/>
-            <a:ext cx="3538182" cy="830997"/>
-            <a:chOff x="3819245" y="188165"/>
-            <a:chExt cx="3085928" cy="830997"/>
-          </a:xfrm>
-        </p:grpSpPr>
-        <p:sp>
-          <p:nvSpPr>
-            <p:cNvPr id="12" name="직사각형 11">
-              <a:extLst>
-                <a:ext uri="{FF2B5EF4-FFF2-40B4-BE49-F238E27FC236}">
-                  <a16:creationId xmlns:a16="http://schemas.microsoft.com/office/drawing/2014/main" id="{7D0033C3-456D-4151-9AAB-F0A2E961A5B6}"/>
-                </a:ext>
-              </a:extLst>
-            </p:cNvPr>
-            <p:cNvSpPr/>
-            <p:nvPr/>
-          </p:nvSpPr>
-          <p:spPr>
-            <a:xfrm>
-              <a:off x="4659786" y="280497"/>
-              <a:ext cx="2245387" cy="646331"/>
-            </a:xfrm>
-            <a:prstGeom prst="rect">
-              <a:avLst/>
-            </a:prstGeom>
-          </p:spPr>
-          <p:txBody>
-            <a:bodyPr wrap="square">
-              <a:spAutoFit/>
-            </a:bodyPr>
-            <a:lstStyle/>
-            <a:p>
-              <a:r>
-                <a:rPr lang="ko-KR" altLang="en-US" sz="3600" b="1" dirty="0" smtClean="0">
-                  <a:latin typeface="나눔바른펜" panose="020B0503000000000000" pitchFamily="50" charset="-127"/>
-                  <a:ea typeface="나눔바른펜" panose="020B0503000000000000" pitchFamily="50" charset="-127"/>
-                  <a:cs typeface="KoPubWorld돋움체 Light" panose="00000300000000000000" pitchFamily="2" charset="-127"/>
-                </a:rPr>
-                <a:t>포지션 별 분석</a:t>
-              </a:r>
-              <a:endParaRPr lang="ko-KR" altLang="en-US" sz="3600" b="1" dirty="0">
-                <a:latin typeface="나눔바른펜" panose="020B0503000000000000" pitchFamily="50" charset="-127"/>
-                <a:ea typeface="나눔바른펜" panose="020B0503000000000000" pitchFamily="50" charset="-127"/>
-                <a:cs typeface="KoPubWorld돋움체 Light" panose="00000300000000000000" pitchFamily="2" charset="-127"/>
-              </a:endParaRPr>
-            </a:p>
-          </p:txBody>
-        </p:sp>
-        <p:sp>
-          <p:nvSpPr>
-            <p:cNvPr id="13" name="TextBox 12">
-              <a:extLst>
-                <a:ext uri="{FF2B5EF4-FFF2-40B4-BE49-F238E27FC236}">
-                  <a16:creationId xmlns:a16="http://schemas.microsoft.com/office/drawing/2014/main" id="{1841637C-F02D-4ED4-9B17-10A92FFC6619}"/>
-                </a:ext>
-              </a:extLst>
-            </p:cNvPr>
-            <p:cNvSpPr txBox="1"/>
-            <p:nvPr/>
-          </p:nvSpPr>
-          <p:spPr>
-            <a:xfrm>
-              <a:off x="3819245" y="188165"/>
-              <a:ext cx="847532" cy="830997"/>
-            </a:xfrm>
-            <a:prstGeom prst="rect">
-              <a:avLst/>
-            </a:prstGeom>
-            <a:noFill/>
-          </p:spPr>
-          <p:txBody>
-            <a:bodyPr wrap="none" rtlCol="0">
-              <a:spAutoFit/>
-            </a:bodyPr>
-            <a:lstStyle/>
-            <a:p>
-              <a:r>
-                <a:rPr lang="en-US" altLang="ko-KR" sz="4800" b="1" dirty="0" smtClean="0">
-                  <a:solidFill>
-                    <a:schemeClr val="accent6">
-                      <a:lumMod val="50000"/>
-                    </a:schemeClr>
-                  </a:solidFill>
-                  <a:latin typeface="나눔바른펜" panose="020B0503000000000000" pitchFamily="50" charset="-127"/>
-                  <a:ea typeface="나눔바른펜" panose="020B0503000000000000" pitchFamily="50" charset="-127"/>
-                  <a:cs typeface="KoPubWorld돋움체 Bold" panose="00000800000000000000" pitchFamily="2" charset="-127"/>
-                </a:rPr>
-                <a:t>3-1</a:t>
-              </a:r>
-              <a:endParaRPr lang="ko-KR" altLang="en-US" sz="4800" b="1" dirty="0">
-                <a:solidFill>
-                  <a:schemeClr val="accent6">
-                    <a:lumMod val="50000"/>
-                  </a:schemeClr>
-                </a:solidFill>
-                <a:latin typeface="나눔바른펜" panose="020B0503000000000000" pitchFamily="50" charset="-127"/>
-                <a:ea typeface="나눔바른펜" panose="020B0503000000000000" pitchFamily="50" charset="-127"/>
-                <a:cs typeface="KoPubWorld돋움체 Bold" panose="00000800000000000000" pitchFamily="2" charset="-127"/>
-              </a:endParaRPr>
-            </a:p>
-          </p:txBody>
-        </p:sp>
-      </p:grpSp>
       <p:sp>
         <p:nvSpPr>
           <p:cNvPr id="16" name="TextBox 15"/>
@@ -8008,6 +7883,124 @@
           </a:effectLst>
         </p:spPr>
       </p:pic>
+      <p:grpSp>
+        <p:nvGrpSpPr>
+          <p:cNvPr id="14" name="그룹 13">
+            <a:extLst>
+              <a:ext uri="{FF2B5EF4-FFF2-40B4-BE49-F238E27FC236}">
+                <a16:creationId xmlns:a16="http://schemas.microsoft.com/office/drawing/2014/main" id="{1B0813F0-0608-43A3-9E53-0BA015EDE231}"/>
+              </a:ext>
+            </a:extLst>
+          </p:cNvPr>
+          <p:cNvGrpSpPr/>
+          <p:nvPr/>
+        </p:nvGrpSpPr>
+        <p:grpSpPr>
+          <a:xfrm>
+            <a:off x="4458472" y="170165"/>
+            <a:ext cx="3995415" cy="830997"/>
+            <a:chOff x="3819245" y="188165"/>
+            <a:chExt cx="3484717" cy="830997"/>
+          </a:xfrm>
+        </p:grpSpPr>
+        <p:sp>
+          <p:nvSpPr>
+            <p:cNvPr id="15" name="직사각형 14">
+              <a:extLst>
+                <a:ext uri="{FF2B5EF4-FFF2-40B4-BE49-F238E27FC236}">
+                  <a16:creationId xmlns:a16="http://schemas.microsoft.com/office/drawing/2014/main" id="{7D0033C3-456D-4151-9AAB-F0A2E961A5B6}"/>
+                </a:ext>
+              </a:extLst>
+            </p:cNvPr>
+            <p:cNvSpPr/>
+            <p:nvPr/>
+          </p:nvSpPr>
+          <p:spPr>
+            <a:xfrm>
+              <a:off x="4666433" y="280497"/>
+              <a:ext cx="2637529" cy="646331"/>
+            </a:xfrm>
+            <a:prstGeom prst="rect">
+              <a:avLst/>
+            </a:prstGeom>
+          </p:spPr>
+          <p:txBody>
+            <a:bodyPr wrap="square">
+              <a:spAutoFit/>
+            </a:bodyPr>
+            <a:lstStyle/>
+            <a:p>
+              <a:r>
+                <a:rPr lang="ko-KR" altLang="en-US" sz="3600" b="1" dirty="0" smtClean="0">
+                  <a:latin typeface="나눔고딕" panose="020D0604000000000000" pitchFamily="50" charset="-127"/>
+                  <a:ea typeface="나눔고딕" panose="020D0604000000000000" pitchFamily="50" charset="-127"/>
+                  <a:cs typeface="KoPubWorld돋움체 Light" panose="00000300000000000000" pitchFamily="2" charset="-127"/>
+                </a:rPr>
+                <a:t>포지션 별 분석</a:t>
+              </a:r>
+              <a:endParaRPr lang="ko-KR" altLang="en-US" sz="3600" b="1" dirty="0">
+                <a:latin typeface="나눔고딕" panose="020D0604000000000000" pitchFamily="50" charset="-127"/>
+                <a:ea typeface="나눔고딕" panose="020D0604000000000000" pitchFamily="50" charset="-127"/>
+                <a:cs typeface="KoPubWorld돋움체 Light" panose="00000300000000000000" pitchFamily="2" charset="-127"/>
+              </a:endParaRPr>
+            </a:p>
+          </p:txBody>
+        </p:sp>
+        <p:sp>
+          <p:nvSpPr>
+            <p:cNvPr id="20" name="TextBox 19">
+              <a:extLst>
+                <a:ext uri="{FF2B5EF4-FFF2-40B4-BE49-F238E27FC236}">
+                  <a16:creationId xmlns:a16="http://schemas.microsoft.com/office/drawing/2014/main" id="{1841637C-F02D-4ED4-9B17-10A92FFC6619}"/>
+                </a:ext>
+              </a:extLst>
+            </p:cNvPr>
+            <p:cNvSpPr txBox="1"/>
+            <p:nvPr/>
+          </p:nvSpPr>
+          <p:spPr>
+            <a:xfrm>
+              <a:off x="3819245" y="188165"/>
+              <a:ext cx="990139" cy="830997"/>
+            </a:xfrm>
+            <a:prstGeom prst="rect">
+              <a:avLst/>
+            </a:prstGeom>
+            <a:noFill/>
+          </p:spPr>
+          <p:txBody>
+            <a:bodyPr wrap="none" rtlCol="0">
+              <a:spAutoFit/>
+            </a:bodyPr>
+            <a:lstStyle/>
+            <a:p>
+              <a:r>
+                <a:rPr lang="en-US" altLang="ko-KR" sz="4800" b="1" dirty="0" smtClean="0">
+                  <a:solidFill>
+                    <a:schemeClr val="accent6">
+                      <a:lumMod val="50000"/>
+                    </a:schemeClr>
+                  </a:solidFill>
+                  <a:latin typeface="나눔고딕" panose="020D0604000000000000" pitchFamily="50" charset="-127"/>
+                  <a:ea typeface="나눔고딕" panose="020D0604000000000000" pitchFamily="50" charset="-127"/>
+                  <a:cs typeface="KoPubWorld돋움체 Bold" panose="00000800000000000000" pitchFamily="2" charset="-127"/>
+                </a:rPr>
+                <a:t>3-1</a:t>
+              </a:r>
+              <a:endParaRPr lang="ko-KR" altLang="en-US" sz="4800" b="1" dirty="0">
+                <a:solidFill>
+                  <a:schemeClr val="accent6">
+                    <a:lumMod val="50000"/>
+                  </a:schemeClr>
+                </a:solidFill>
+                <a:latin typeface="나눔고딕" panose="020D0604000000000000" pitchFamily="50" charset="-127"/>
+                <a:ea typeface="나눔고딕" panose="020D0604000000000000" pitchFamily="50" charset="-127"/>
+                <a:cs typeface="KoPubWorld돋움체 Bold" panose="00000800000000000000" pitchFamily="2" charset="-127"/>
+              </a:endParaRPr>
+            </a:p>
+          </p:txBody>
+        </p:sp>
+      </p:grpSp>
     </p:spTree>
     <p:extLst>
       <p:ext uri="{BB962C8B-B14F-4D97-AF65-F5344CB8AC3E}">
@@ -8092,124 +8085,6 @@
           </a:p>
         </p:txBody>
       </p:sp>
-      <p:grpSp>
-        <p:nvGrpSpPr>
-          <p:cNvPr id="10" name="그룹 9">
-            <a:extLst>
-              <a:ext uri="{FF2B5EF4-FFF2-40B4-BE49-F238E27FC236}">
-                <a16:creationId xmlns:a16="http://schemas.microsoft.com/office/drawing/2014/main" id="{1B0813F0-0608-43A3-9E53-0BA015EDE231}"/>
-              </a:ext>
-            </a:extLst>
-          </p:cNvPr>
-          <p:cNvGrpSpPr/>
-          <p:nvPr/>
-        </p:nvGrpSpPr>
-        <p:grpSpPr>
-          <a:xfrm>
-            <a:off x="4458472" y="170165"/>
-            <a:ext cx="3538182" cy="830997"/>
-            <a:chOff x="3819245" y="188165"/>
-            <a:chExt cx="3085928" cy="830997"/>
-          </a:xfrm>
-        </p:grpSpPr>
-        <p:sp>
-          <p:nvSpPr>
-            <p:cNvPr id="12" name="직사각형 11">
-              <a:extLst>
-                <a:ext uri="{FF2B5EF4-FFF2-40B4-BE49-F238E27FC236}">
-                  <a16:creationId xmlns:a16="http://schemas.microsoft.com/office/drawing/2014/main" id="{7D0033C3-456D-4151-9AAB-F0A2E961A5B6}"/>
-                </a:ext>
-              </a:extLst>
-            </p:cNvPr>
-            <p:cNvSpPr/>
-            <p:nvPr/>
-          </p:nvSpPr>
-          <p:spPr>
-            <a:xfrm>
-              <a:off x="4659786" y="280497"/>
-              <a:ext cx="2245387" cy="646331"/>
-            </a:xfrm>
-            <a:prstGeom prst="rect">
-              <a:avLst/>
-            </a:prstGeom>
-          </p:spPr>
-          <p:txBody>
-            <a:bodyPr wrap="square">
-              <a:spAutoFit/>
-            </a:bodyPr>
-            <a:lstStyle/>
-            <a:p>
-              <a:r>
-                <a:rPr lang="ko-KR" altLang="en-US" sz="3600" b="1" dirty="0" smtClean="0">
-                  <a:latin typeface="나눔바른펜" panose="020B0503000000000000" pitchFamily="50" charset="-127"/>
-                  <a:ea typeface="나눔바른펜" panose="020B0503000000000000" pitchFamily="50" charset="-127"/>
-                  <a:cs typeface="KoPubWorld돋움체 Light" panose="00000300000000000000" pitchFamily="2" charset="-127"/>
-                </a:rPr>
-                <a:t>포지션 별 분석</a:t>
-              </a:r>
-              <a:endParaRPr lang="ko-KR" altLang="en-US" sz="3600" b="1" dirty="0">
-                <a:latin typeface="나눔바른펜" panose="020B0503000000000000" pitchFamily="50" charset="-127"/>
-                <a:ea typeface="나눔바른펜" panose="020B0503000000000000" pitchFamily="50" charset="-127"/>
-                <a:cs typeface="KoPubWorld돋움체 Light" panose="00000300000000000000" pitchFamily="2" charset="-127"/>
-              </a:endParaRPr>
-            </a:p>
-          </p:txBody>
-        </p:sp>
-        <p:sp>
-          <p:nvSpPr>
-            <p:cNvPr id="13" name="TextBox 12">
-              <a:extLst>
-                <a:ext uri="{FF2B5EF4-FFF2-40B4-BE49-F238E27FC236}">
-                  <a16:creationId xmlns:a16="http://schemas.microsoft.com/office/drawing/2014/main" id="{1841637C-F02D-4ED4-9B17-10A92FFC6619}"/>
-                </a:ext>
-              </a:extLst>
-            </p:cNvPr>
-            <p:cNvSpPr txBox="1"/>
-            <p:nvPr/>
-          </p:nvSpPr>
-          <p:spPr>
-            <a:xfrm>
-              <a:off x="3819245" y="188165"/>
-              <a:ext cx="847532" cy="830997"/>
-            </a:xfrm>
-            <a:prstGeom prst="rect">
-              <a:avLst/>
-            </a:prstGeom>
-            <a:noFill/>
-          </p:spPr>
-          <p:txBody>
-            <a:bodyPr wrap="none" rtlCol="0">
-              <a:spAutoFit/>
-            </a:bodyPr>
-            <a:lstStyle/>
-            <a:p>
-              <a:r>
-                <a:rPr lang="en-US" altLang="ko-KR" sz="4800" b="1" dirty="0" smtClean="0">
-                  <a:solidFill>
-                    <a:schemeClr val="accent6">
-                      <a:lumMod val="50000"/>
-                    </a:schemeClr>
-                  </a:solidFill>
-                  <a:latin typeface="나눔바른펜" panose="020B0503000000000000" pitchFamily="50" charset="-127"/>
-                  <a:ea typeface="나눔바른펜" panose="020B0503000000000000" pitchFamily="50" charset="-127"/>
-                  <a:cs typeface="KoPubWorld돋움체 Bold" panose="00000800000000000000" pitchFamily="2" charset="-127"/>
-                </a:rPr>
-                <a:t>3-1</a:t>
-              </a:r>
-              <a:endParaRPr lang="ko-KR" altLang="en-US" sz="4800" b="1" dirty="0">
-                <a:solidFill>
-                  <a:schemeClr val="accent6">
-                    <a:lumMod val="50000"/>
-                  </a:schemeClr>
-                </a:solidFill>
-                <a:latin typeface="나눔바른펜" panose="020B0503000000000000" pitchFamily="50" charset="-127"/>
-                <a:ea typeface="나눔바른펜" panose="020B0503000000000000" pitchFamily="50" charset="-127"/>
-                <a:cs typeface="KoPubWorld돋움체 Bold" panose="00000800000000000000" pitchFamily="2" charset="-127"/>
-              </a:endParaRPr>
-            </a:p>
-          </p:txBody>
-        </p:sp>
-      </p:grpSp>
       <p:sp>
         <p:nvSpPr>
           <p:cNvPr id="16" name="TextBox 15"/>
@@ -8218,8 +8093,8 @@
         </p:nvSpPr>
         <p:spPr>
           <a:xfrm>
-            <a:off x="879895" y="4693685"/>
-            <a:ext cx="4462164" cy="1754326"/>
+            <a:off x="1131555" y="4790649"/>
+            <a:ext cx="4462164" cy="1347292"/>
           </a:xfrm>
           <a:prstGeom prst="rect">
             <a:avLst/>
@@ -8238,108 +8113,108 @@
               </a:lnSpc>
             </a:pPr>
             <a:r>
-              <a:rPr lang="ko-KR" altLang="en-US" dirty="0">
-                <a:latin typeface="나눔바른펜" panose="020B0503000000000000" pitchFamily="50" charset="-127"/>
-                <a:ea typeface="나눔바른펜" panose="020B0503000000000000" pitchFamily="50" charset="-127"/>
+              <a:rPr lang="ko-KR" altLang="en-US" sz="1400" dirty="0">
+                <a:latin typeface="나눔고딕" panose="020D0604000000000000" pitchFamily="50" charset="-127"/>
+                <a:ea typeface="나눔고딕" panose="020D0604000000000000" pitchFamily="50" charset="-127"/>
               </a:rPr>
               <a:t>수비수의 데이터를 추출하고</a:t>
             </a:r>
             <a:r>
-              <a:rPr lang="en-US" altLang="ko-KR" dirty="0">
-                <a:latin typeface="나눔바른펜" panose="020B0503000000000000" pitchFamily="50" charset="-127"/>
-                <a:ea typeface="나눔바른펜" panose="020B0503000000000000" pitchFamily="50" charset="-127"/>
+              <a:rPr lang="en-US" altLang="ko-KR" sz="1400" dirty="0">
+                <a:latin typeface="나눔고딕" panose="020D0604000000000000" pitchFamily="50" charset="-127"/>
+                <a:ea typeface="나눔고딕" panose="020D0604000000000000" pitchFamily="50" charset="-127"/>
               </a:rPr>
               <a:t>, </a:t>
             </a:r>
             <a:r>
-              <a:rPr lang="ko-KR" altLang="en-US" dirty="0" smtClean="0">
-                <a:latin typeface="나눔바른펜" panose="020B0503000000000000" pitchFamily="50" charset="-127"/>
-                <a:ea typeface="나눔바른펜" panose="020B0503000000000000" pitchFamily="50" charset="-127"/>
+              <a:rPr lang="ko-KR" altLang="en-US" sz="1400" dirty="0" smtClean="0">
+                <a:latin typeface="나눔고딕" panose="020D0604000000000000" pitchFamily="50" charset="-127"/>
+                <a:ea typeface="나눔고딕" panose="020D0604000000000000" pitchFamily="50" charset="-127"/>
               </a:rPr>
               <a:t>경기 당 태클을 </a:t>
             </a:r>
             <a:r>
-              <a:rPr lang="ko-KR" altLang="en-US" dirty="0">
-                <a:latin typeface="나눔바른펜" panose="020B0503000000000000" pitchFamily="50" charset="-127"/>
-                <a:ea typeface="나눔바른펜" panose="020B0503000000000000" pitchFamily="50" charset="-127"/>
+              <a:rPr lang="ko-KR" altLang="en-US" sz="1400" dirty="0">
+                <a:latin typeface="나눔고딕" panose="020D0604000000000000" pitchFamily="50" charset="-127"/>
+                <a:ea typeface="나눔고딕" panose="020D0604000000000000" pitchFamily="50" charset="-127"/>
               </a:rPr>
               <a:t>기준으로 삼아 나열하던 중</a:t>
             </a:r>
             <a:r>
-              <a:rPr lang="en-US" altLang="ko-KR" dirty="0">
-                <a:latin typeface="나눔바른펜" panose="020B0503000000000000" pitchFamily="50" charset="-127"/>
-                <a:ea typeface="나눔바른펜" panose="020B0503000000000000" pitchFamily="50" charset="-127"/>
+              <a:rPr lang="en-US" altLang="ko-KR" sz="1400" dirty="0">
+                <a:latin typeface="나눔고딕" panose="020D0604000000000000" pitchFamily="50" charset="-127"/>
+                <a:ea typeface="나눔고딕" panose="020D0604000000000000" pitchFamily="50" charset="-127"/>
               </a:rPr>
               <a:t>, </a:t>
             </a:r>
             <a:r>
-              <a:rPr lang="en-US" altLang="ko-KR" b="1" i="1" dirty="0">
+              <a:rPr lang="en-US" altLang="ko-KR" sz="1400" b="1" i="1" dirty="0">
                 <a:solidFill>
                   <a:schemeClr val="accent6">
                     <a:lumMod val="50000"/>
                   </a:schemeClr>
                 </a:solidFill>
-                <a:latin typeface="나눔바른펜" panose="020B0503000000000000" pitchFamily="50" charset="-127"/>
-                <a:ea typeface="나눔바른펜" panose="020B0503000000000000" pitchFamily="50" charset="-127"/>
+                <a:latin typeface="나눔고딕" panose="020D0604000000000000" pitchFamily="50" charset="-127"/>
+                <a:ea typeface="나눔고딕" panose="020D0604000000000000" pitchFamily="50" charset="-127"/>
               </a:rPr>
               <a:t>Leeds United(</a:t>
             </a:r>
             <a:r>
-              <a:rPr lang="ko-KR" altLang="en-US" b="1" i="1" dirty="0">
+              <a:rPr lang="ko-KR" altLang="en-US" sz="1400" b="1" i="1" dirty="0">
                 <a:solidFill>
                   <a:schemeClr val="accent6">
                     <a:lumMod val="50000"/>
                   </a:schemeClr>
                 </a:solidFill>
-                <a:latin typeface="나눔바른펜" panose="020B0503000000000000" pitchFamily="50" charset="-127"/>
-                <a:ea typeface="나눔바른펜" panose="020B0503000000000000" pitchFamily="50" charset="-127"/>
+                <a:latin typeface="나눔고딕" panose="020D0604000000000000" pitchFamily="50" charset="-127"/>
+                <a:ea typeface="나눔고딕" panose="020D0604000000000000" pitchFamily="50" charset="-127"/>
               </a:rPr>
               <a:t>리즈</a:t>
             </a:r>
             <a:r>
-              <a:rPr lang="en-US" altLang="ko-KR" b="1" i="1" dirty="0" smtClean="0">
+              <a:rPr lang="en-US" altLang="ko-KR" sz="1400" b="1" i="1" dirty="0" smtClean="0">
                 <a:solidFill>
                   <a:schemeClr val="accent6">
                     <a:lumMod val="50000"/>
                   </a:schemeClr>
                 </a:solidFill>
-                <a:latin typeface="나눔바른펜" panose="020B0503000000000000" pitchFamily="50" charset="-127"/>
-                <a:ea typeface="나눔바른펜" panose="020B0503000000000000" pitchFamily="50" charset="-127"/>
+                <a:latin typeface="나눔고딕" panose="020D0604000000000000" pitchFamily="50" charset="-127"/>
+                <a:ea typeface="나눔고딕" panose="020D0604000000000000" pitchFamily="50" charset="-127"/>
               </a:rPr>
               <a:t>)</a:t>
             </a:r>
             <a:r>
-              <a:rPr lang="ko-KR" altLang="en-US" dirty="0" smtClean="0">
-                <a:latin typeface="나눔바른펜" panose="020B0503000000000000" pitchFamily="50" charset="-127"/>
-                <a:ea typeface="나눔바른펜" panose="020B0503000000000000" pitchFamily="50" charset="-127"/>
+              <a:rPr lang="ko-KR" altLang="en-US" sz="1400" dirty="0" smtClean="0">
+                <a:latin typeface="나눔고딕" panose="020D0604000000000000" pitchFamily="50" charset="-127"/>
+                <a:ea typeface="나눔고딕" panose="020D0604000000000000" pitchFamily="50" charset="-127"/>
               </a:rPr>
               <a:t>의 </a:t>
             </a:r>
             <a:r>
-              <a:rPr lang="ko-KR" altLang="en-US" dirty="0">
-                <a:latin typeface="나눔바른펜" panose="020B0503000000000000" pitchFamily="50" charset="-127"/>
-                <a:ea typeface="나눔바른펜" panose="020B0503000000000000" pitchFamily="50" charset="-127"/>
+              <a:rPr lang="ko-KR" altLang="en-US" sz="1400" dirty="0">
+                <a:latin typeface="나눔고딕" panose="020D0604000000000000" pitchFamily="50" charset="-127"/>
+                <a:ea typeface="나눔고딕" panose="020D0604000000000000" pitchFamily="50" charset="-127"/>
               </a:rPr>
               <a:t>선수 </a:t>
             </a:r>
             <a:r>
-              <a:rPr lang="en-US" altLang="ko-KR" dirty="0">
-                <a:latin typeface="나눔바른펜" panose="020B0503000000000000" pitchFamily="50" charset="-127"/>
-                <a:ea typeface="나눔바른펜" panose="020B0503000000000000" pitchFamily="50" charset="-127"/>
+              <a:rPr lang="en-US" altLang="ko-KR" sz="1400" dirty="0">
+                <a:latin typeface="나눔고딕" panose="020D0604000000000000" pitchFamily="50" charset="-127"/>
+                <a:ea typeface="나눔고딕" panose="020D0604000000000000" pitchFamily="50" charset="-127"/>
               </a:rPr>
               <a:t>2</a:t>
             </a:r>
             <a:r>
-              <a:rPr lang="ko-KR" altLang="en-US" dirty="0">
-                <a:latin typeface="나눔바른펜" panose="020B0503000000000000" pitchFamily="50" charset="-127"/>
-                <a:ea typeface="나눔바른펜" panose="020B0503000000000000" pitchFamily="50" charset="-127"/>
+              <a:rPr lang="ko-KR" altLang="en-US" sz="1400" dirty="0">
+                <a:latin typeface="나눔고딕" panose="020D0604000000000000" pitchFamily="50" charset="-127"/>
+                <a:ea typeface="나눔고딕" panose="020D0604000000000000" pitchFamily="50" charset="-127"/>
               </a:rPr>
               <a:t>명이 상위에 이름을 올리고 있다는 것을 확인 할 수 있었다</a:t>
             </a:r>
             <a:r>
-              <a:rPr lang="en-US" altLang="ko-KR" dirty="0">
-                <a:latin typeface="나눔바른펜" panose="020B0503000000000000" pitchFamily="50" charset="-127"/>
-                <a:ea typeface="나눔바른펜" panose="020B0503000000000000" pitchFamily="50" charset="-127"/>
+              <a:rPr lang="en-US" altLang="ko-KR" sz="1400" dirty="0">
+                <a:latin typeface="나눔고딕" panose="020D0604000000000000" pitchFamily="50" charset="-127"/>
+                <a:ea typeface="나눔고딕" panose="020D0604000000000000" pitchFamily="50" charset="-127"/>
               </a:rPr>
               <a:t>.</a:t>
             </a:r>
@@ -8351,16 +8226,16 @@
               </a:lnSpc>
             </a:pPr>
             <a:r>
-              <a:rPr lang="ko-KR" altLang="en-US" dirty="0">
-                <a:latin typeface="나눔바른펜" panose="020B0503000000000000" pitchFamily="50" charset="-127"/>
-                <a:ea typeface="나눔바른펜" panose="020B0503000000000000" pitchFamily="50" charset="-127"/>
+              <a:rPr lang="ko-KR" altLang="en-US" sz="1400" dirty="0">
+                <a:latin typeface="나눔고딕" panose="020D0604000000000000" pitchFamily="50" charset="-127"/>
+                <a:ea typeface="나눔고딕" panose="020D0604000000000000" pitchFamily="50" charset="-127"/>
               </a:rPr>
               <a:t>그렇다면 이 팀은 수비 지표가 좋은 팀이었을까</a:t>
             </a:r>
             <a:r>
-              <a:rPr lang="en-US" altLang="ko-KR" dirty="0">
-                <a:latin typeface="나눔바른펜" panose="020B0503000000000000" pitchFamily="50" charset="-127"/>
-                <a:ea typeface="나눔바른펜" panose="020B0503000000000000" pitchFamily="50" charset="-127"/>
+              <a:rPr lang="en-US" altLang="ko-KR" sz="1400" dirty="0">
+                <a:latin typeface="나눔고딕" panose="020D0604000000000000" pitchFamily="50" charset="-127"/>
+                <a:ea typeface="나눔고딕" panose="020D0604000000000000" pitchFamily="50" charset="-127"/>
               </a:rPr>
               <a:t>?</a:t>
             </a:r>
@@ -8376,7 +8251,84 @@
         <p:spPr>
           <a:xfrm>
             <a:off x="7854398" y="2011175"/>
-            <a:ext cx="3780202" cy="584775"/>
+            <a:ext cx="3780202" cy="738664"/>
+          </a:xfrm>
+          <a:prstGeom prst="rect">
+            <a:avLst/>
+          </a:prstGeom>
+          <a:noFill/>
+        </p:spPr>
+        <p:txBody>
+          <a:bodyPr wrap="square" rtlCol="0">
+            <a:spAutoFit/>
+          </a:bodyPr>
+          <a:lstStyle/>
+          <a:p>
+            <a:r>
+              <a:rPr lang="ko-KR" altLang="en-US" sz="1400" dirty="0" smtClean="0">
+                <a:latin typeface="나눔고딕" panose="020D0604000000000000" pitchFamily="50" charset="-127"/>
+                <a:ea typeface="나눔고딕" panose="020D0604000000000000" pitchFamily="50" charset="-127"/>
+              </a:rPr>
+              <a:t>전체 데이터 중 </a:t>
+            </a:r>
+            <a:r>
+              <a:rPr lang="en-US" altLang="ko-KR" sz="1400" dirty="0" smtClean="0">
+                <a:latin typeface="나눔고딕" panose="020D0604000000000000" pitchFamily="50" charset="-127"/>
+                <a:ea typeface="나눔고딕" panose="020D0604000000000000" pitchFamily="50" charset="-127"/>
+              </a:rPr>
+              <a:t>‘</a:t>
+            </a:r>
+            <a:r>
+              <a:rPr lang="ko-KR" altLang="en-US" sz="1400" dirty="0" smtClean="0">
+                <a:latin typeface="나눔고딕" panose="020D0604000000000000" pitchFamily="50" charset="-127"/>
+                <a:ea typeface="나눔고딕" panose="020D0604000000000000" pitchFamily="50" charset="-127"/>
+              </a:rPr>
+              <a:t>수비수</a:t>
+            </a:r>
+            <a:r>
+              <a:rPr lang="en-US" altLang="ko-KR" sz="1400" dirty="0" smtClean="0">
+                <a:latin typeface="나눔고딕" panose="020D0604000000000000" pitchFamily="50" charset="-127"/>
+                <a:ea typeface="나눔고딕" panose="020D0604000000000000" pitchFamily="50" charset="-127"/>
+              </a:rPr>
+              <a:t>’ </a:t>
+            </a:r>
+            <a:r>
+              <a:rPr lang="ko-KR" altLang="en-US" sz="1400" dirty="0" smtClean="0">
+                <a:latin typeface="나눔고딕" panose="020D0604000000000000" pitchFamily="50" charset="-127"/>
+                <a:ea typeface="나눔고딕" panose="020D0604000000000000" pitchFamily="50" charset="-127"/>
+              </a:rPr>
+              <a:t>별로 데이터를 추출하고</a:t>
+            </a:r>
+            <a:endParaRPr lang="en-US" altLang="ko-KR" sz="1400" dirty="0" smtClean="0">
+              <a:latin typeface="나눔고딕" panose="020D0604000000000000" pitchFamily="50" charset="-127"/>
+              <a:ea typeface="나눔고딕" panose="020D0604000000000000" pitchFamily="50" charset="-127"/>
+            </a:endParaRPr>
+          </a:p>
+          <a:p>
+            <a:r>
+              <a:rPr lang="ko-KR" altLang="en-US" sz="1400" dirty="0" smtClean="0">
+                <a:latin typeface="나눔고딕" panose="020D0604000000000000" pitchFamily="50" charset="-127"/>
+                <a:ea typeface="나눔고딕" panose="020D0604000000000000" pitchFamily="50" charset="-127"/>
+              </a:rPr>
+              <a:t>필요한 데이터 열만 가져와서 데이터프레임을 생성</a:t>
+            </a:r>
+            <a:endParaRPr lang="ko-KR" altLang="en-US" sz="1400" dirty="0">
+              <a:latin typeface="나눔고딕" panose="020D0604000000000000" pitchFamily="50" charset="-127"/>
+              <a:ea typeface="나눔고딕" panose="020D0604000000000000" pitchFamily="50" charset="-127"/>
+            </a:endParaRPr>
+          </a:p>
+        </p:txBody>
+      </p:sp>
+      <p:sp>
+        <p:nvSpPr>
+          <p:cNvPr id="11" name="TextBox 10"/>
+          <p:cNvSpPr txBox="1"/>
+          <p:nvPr/>
+        </p:nvSpPr>
+        <p:spPr>
+          <a:xfrm>
+            <a:off x="7854398" y="1357246"/>
+            <a:ext cx="3310522" cy="430887"/>
           </a:xfrm>
           <a:prstGeom prst="rect">
             <a:avLst/>
@@ -8390,111 +8342,34 @@
           <a:lstStyle/>
           <a:p>
             <a:r>
-              <a:rPr lang="ko-KR" altLang="en-US" sz="1600" dirty="0" smtClean="0">
-                <a:latin typeface="나눔바른펜" panose="020B0503000000000000" pitchFamily="50" charset="-127"/>
-                <a:ea typeface="나눔바른펜" panose="020B0503000000000000" pitchFamily="50" charset="-127"/>
-              </a:rPr>
-              <a:t>전체 데이터 중 </a:t>
-            </a:r>
-            <a:r>
-              <a:rPr lang="en-US" altLang="ko-KR" sz="1600" dirty="0" smtClean="0">
-                <a:latin typeface="나눔바른펜" panose="020B0503000000000000" pitchFamily="50" charset="-127"/>
-                <a:ea typeface="나눔바른펜" panose="020B0503000000000000" pitchFamily="50" charset="-127"/>
-              </a:rPr>
-              <a:t>‘</a:t>
-            </a:r>
-            <a:r>
-              <a:rPr lang="ko-KR" altLang="en-US" sz="1600" dirty="0" smtClean="0">
-                <a:latin typeface="나눔바른펜" panose="020B0503000000000000" pitchFamily="50" charset="-127"/>
-                <a:ea typeface="나눔바른펜" panose="020B0503000000000000" pitchFamily="50" charset="-127"/>
-              </a:rPr>
-              <a:t>수비수</a:t>
-            </a:r>
-            <a:r>
-              <a:rPr lang="en-US" altLang="ko-KR" sz="1600" dirty="0" smtClean="0">
-                <a:latin typeface="나눔바른펜" panose="020B0503000000000000" pitchFamily="50" charset="-127"/>
-                <a:ea typeface="나눔바른펜" panose="020B0503000000000000" pitchFamily="50" charset="-127"/>
-              </a:rPr>
-              <a:t>’ </a:t>
-            </a:r>
-            <a:r>
-              <a:rPr lang="ko-KR" altLang="en-US" sz="1600" dirty="0" smtClean="0">
-                <a:latin typeface="나눔바른펜" panose="020B0503000000000000" pitchFamily="50" charset="-127"/>
-                <a:ea typeface="나눔바른펜" panose="020B0503000000000000" pitchFamily="50" charset="-127"/>
-              </a:rPr>
-              <a:t>별로 데이터를 추출하고</a:t>
-            </a:r>
-            <a:endParaRPr lang="en-US" altLang="ko-KR" sz="1600" dirty="0" smtClean="0">
-              <a:latin typeface="나눔바른펜" panose="020B0503000000000000" pitchFamily="50" charset="-127"/>
-              <a:ea typeface="나눔바른펜" panose="020B0503000000000000" pitchFamily="50" charset="-127"/>
-            </a:endParaRPr>
-          </a:p>
-          <a:p>
-            <a:r>
-              <a:rPr lang="ko-KR" altLang="en-US" sz="1600" dirty="0" smtClean="0">
-                <a:latin typeface="나눔바른펜" panose="020B0503000000000000" pitchFamily="50" charset="-127"/>
-                <a:ea typeface="나눔바른펜" panose="020B0503000000000000" pitchFamily="50" charset="-127"/>
-              </a:rPr>
-              <a:t>필요한 데이터 열만 가져와서 데이터프레임을 생성</a:t>
-            </a:r>
-            <a:endParaRPr lang="ko-KR" altLang="en-US" sz="1600" dirty="0">
-              <a:latin typeface="나눔바른펜" panose="020B0503000000000000" pitchFamily="50" charset="-127"/>
-              <a:ea typeface="나눔바른펜" panose="020B0503000000000000" pitchFamily="50" charset="-127"/>
-            </a:endParaRPr>
-          </a:p>
-        </p:txBody>
-      </p:sp>
-      <p:sp>
-        <p:nvSpPr>
-          <p:cNvPr id="11" name="TextBox 10"/>
-          <p:cNvSpPr txBox="1"/>
-          <p:nvPr/>
-        </p:nvSpPr>
-        <p:spPr>
-          <a:xfrm>
-            <a:off x="7865620" y="1246439"/>
-            <a:ext cx="3507692" cy="523220"/>
-          </a:xfrm>
-          <a:prstGeom prst="rect">
-            <a:avLst/>
-          </a:prstGeom>
-          <a:noFill/>
-        </p:spPr>
-        <p:txBody>
-          <a:bodyPr wrap="none" rtlCol="0">
-            <a:spAutoFit/>
-          </a:bodyPr>
-          <a:lstStyle/>
-          <a:p>
-            <a:r>
-              <a:rPr lang="ko-KR" altLang="en-US" sz="2800" b="1" dirty="0" smtClean="0">
+              <a:rPr lang="ko-KR" altLang="en-US" sz="2200" b="1" dirty="0" smtClean="0">
                 <a:solidFill>
                   <a:schemeClr val="accent6">
                     <a:lumMod val="50000"/>
                   </a:schemeClr>
                 </a:solidFill>
-                <a:latin typeface="나눔바른펜" panose="020B0503000000000000" pitchFamily="50" charset="-127"/>
-                <a:ea typeface="나눔바른펜" panose="020B0503000000000000" pitchFamily="50" charset="-127"/>
+                <a:latin typeface="나눔고딕" panose="020D0604000000000000" pitchFamily="50" charset="-127"/>
+                <a:ea typeface="나눔고딕" panose="020D0604000000000000" pitchFamily="50" charset="-127"/>
               </a:rPr>
               <a:t>수비수</a:t>
             </a:r>
             <a:r>
-              <a:rPr lang="ko-KR" altLang="en-US" sz="2800" b="1" dirty="0" smtClean="0">
-                <a:latin typeface="나눔바른펜" panose="020B0503000000000000" pitchFamily="50" charset="-127"/>
-                <a:ea typeface="나눔바른펜" panose="020B0503000000000000" pitchFamily="50" charset="-127"/>
+              <a:rPr lang="ko-KR" altLang="en-US" sz="2200" b="1" dirty="0" smtClean="0">
+                <a:latin typeface="나눔고딕" panose="020D0604000000000000" pitchFamily="50" charset="-127"/>
+                <a:ea typeface="나눔고딕" panose="020D0604000000000000" pitchFamily="50" charset="-127"/>
               </a:rPr>
               <a:t>에</a:t>
             </a:r>
             <a:r>
-              <a:rPr lang="ko-KR" altLang="en-US" sz="2800" dirty="0" smtClean="0">
-                <a:latin typeface="나눔바른펜" panose="020B0503000000000000" pitchFamily="50" charset="-127"/>
-                <a:ea typeface="나눔바른펜" panose="020B0503000000000000" pitchFamily="50" charset="-127"/>
+              <a:rPr lang="ko-KR" altLang="en-US" sz="2200" dirty="0" smtClean="0">
+                <a:latin typeface="나눔고딕" panose="020D0604000000000000" pitchFamily="50" charset="-127"/>
+                <a:ea typeface="나눔고딕" panose="020D0604000000000000" pitchFamily="50" charset="-127"/>
               </a:rPr>
               <a:t> 관련된 통계 분석</a:t>
             </a:r>
-            <a:endParaRPr lang="ko-KR" altLang="en-US" sz="2800" dirty="0">
-              <a:latin typeface="나눔바른펜" panose="020B0503000000000000" pitchFamily="50" charset="-127"/>
-              <a:ea typeface="나눔바른펜" panose="020B0503000000000000" pitchFamily="50" charset="-127"/>
+            <a:endParaRPr lang="ko-KR" altLang="en-US" sz="2200" dirty="0">
+              <a:latin typeface="나눔고딕" panose="020D0604000000000000" pitchFamily="50" charset="-127"/>
+              <a:ea typeface="나눔고딕" panose="020D0604000000000000" pitchFamily="50" charset="-127"/>
             </a:endParaRPr>
           </a:p>
         </p:txBody>
@@ -8671,6 +8546,124 @@
           </a:p>
         </p:txBody>
       </p:sp>
+      <p:grpSp>
+        <p:nvGrpSpPr>
+          <p:cNvPr id="18" name="그룹 17">
+            <a:extLst>
+              <a:ext uri="{FF2B5EF4-FFF2-40B4-BE49-F238E27FC236}">
+                <a16:creationId xmlns:a16="http://schemas.microsoft.com/office/drawing/2014/main" id="{1B0813F0-0608-43A3-9E53-0BA015EDE231}"/>
+              </a:ext>
+            </a:extLst>
+          </p:cNvPr>
+          <p:cNvGrpSpPr/>
+          <p:nvPr/>
+        </p:nvGrpSpPr>
+        <p:grpSpPr>
+          <a:xfrm>
+            <a:off x="4458472" y="170165"/>
+            <a:ext cx="3995415" cy="830997"/>
+            <a:chOff x="3819245" y="188165"/>
+            <a:chExt cx="3484717" cy="830997"/>
+          </a:xfrm>
+        </p:grpSpPr>
+        <p:sp>
+          <p:nvSpPr>
+            <p:cNvPr id="19" name="직사각형 18">
+              <a:extLst>
+                <a:ext uri="{FF2B5EF4-FFF2-40B4-BE49-F238E27FC236}">
+                  <a16:creationId xmlns:a16="http://schemas.microsoft.com/office/drawing/2014/main" id="{7D0033C3-456D-4151-9AAB-F0A2E961A5B6}"/>
+                </a:ext>
+              </a:extLst>
+            </p:cNvPr>
+            <p:cNvSpPr/>
+            <p:nvPr/>
+          </p:nvSpPr>
+          <p:spPr>
+            <a:xfrm>
+              <a:off x="4666433" y="280497"/>
+              <a:ext cx="2637529" cy="646331"/>
+            </a:xfrm>
+            <a:prstGeom prst="rect">
+              <a:avLst/>
+            </a:prstGeom>
+          </p:spPr>
+          <p:txBody>
+            <a:bodyPr wrap="square">
+              <a:spAutoFit/>
+            </a:bodyPr>
+            <a:lstStyle/>
+            <a:p>
+              <a:r>
+                <a:rPr lang="ko-KR" altLang="en-US" sz="3600" b="1" dirty="0" smtClean="0">
+                  <a:latin typeface="나눔고딕" panose="020D0604000000000000" pitchFamily="50" charset="-127"/>
+                  <a:ea typeface="나눔고딕" panose="020D0604000000000000" pitchFamily="50" charset="-127"/>
+                  <a:cs typeface="KoPubWorld돋움체 Light" panose="00000300000000000000" pitchFamily="2" charset="-127"/>
+                </a:rPr>
+                <a:t>포지션 별 분석</a:t>
+              </a:r>
+              <a:endParaRPr lang="ko-KR" altLang="en-US" sz="3600" b="1" dirty="0">
+                <a:latin typeface="나눔고딕" panose="020D0604000000000000" pitchFamily="50" charset="-127"/>
+                <a:ea typeface="나눔고딕" panose="020D0604000000000000" pitchFamily="50" charset="-127"/>
+                <a:cs typeface="KoPubWorld돋움체 Light" panose="00000300000000000000" pitchFamily="2" charset="-127"/>
+              </a:endParaRPr>
+            </a:p>
+          </p:txBody>
+        </p:sp>
+        <p:sp>
+          <p:nvSpPr>
+            <p:cNvPr id="22" name="TextBox 21">
+              <a:extLst>
+                <a:ext uri="{FF2B5EF4-FFF2-40B4-BE49-F238E27FC236}">
+                  <a16:creationId xmlns:a16="http://schemas.microsoft.com/office/drawing/2014/main" id="{1841637C-F02D-4ED4-9B17-10A92FFC6619}"/>
+                </a:ext>
+              </a:extLst>
+            </p:cNvPr>
+            <p:cNvSpPr txBox="1"/>
+            <p:nvPr/>
+          </p:nvSpPr>
+          <p:spPr>
+            <a:xfrm>
+              <a:off x="3819245" y="188165"/>
+              <a:ext cx="990139" cy="830997"/>
+            </a:xfrm>
+            <a:prstGeom prst="rect">
+              <a:avLst/>
+            </a:prstGeom>
+            <a:noFill/>
+          </p:spPr>
+          <p:txBody>
+            <a:bodyPr wrap="none" rtlCol="0">
+              <a:spAutoFit/>
+            </a:bodyPr>
+            <a:lstStyle/>
+            <a:p>
+              <a:r>
+                <a:rPr lang="en-US" altLang="ko-KR" sz="4800" b="1" dirty="0" smtClean="0">
+                  <a:solidFill>
+                    <a:schemeClr val="accent6">
+                      <a:lumMod val="50000"/>
+                    </a:schemeClr>
+                  </a:solidFill>
+                  <a:latin typeface="나눔고딕" panose="020D0604000000000000" pitchFamily="50" charset="-127"/>
+                  <a:ea typeface="나눔고딕" panose="020D0604000000000000" pitchFamily="50" charset="-127"/>
+                  <a:cs typeface="KoPubWorld돋움체 Bold" panose="00000800000000000000" pitchFamily="2" charset="-127"/>
+                </a:rPr>
+                <a:t>3-1</a:t>
+              </a:r>
+              <a:endParaRPr lang="ko-KR" altLang="en-US" sz="4800" b="1" dirty="0">
+                <a:solidFill>
+                  <a:schemeClr val="accent6">
+                    <a:lumMod val="50000"/>
+                  </a:schemeClr>
+                </a:solidFill>
+                <a:latin typeface="나눔고딕" panose="020D0604000000000000" pitchFamily="50" charset="-127"/>
+                <a:ea typeface="나눔고딕" panose="020D0604000000000000" pitchFamily="50" charset="-127"/>
+                <a:cs typeface="KoPubWorld돋움체 Bold" panose="00000800000000000000" pitchFamily="2" charset="-127"/>
+              </a:endParaRPr>
+            </a:p>
+          </p:txBody>
+        </p:sp>
+      </p:grpSp>
     </p:spTree>
     <p:extLst>
       <p:ext uri="{BB962C8B-B14F-4D97-AF65-F5344CB8AC3E}">
@@ -8755,124 +8748,6 @@
           </a:p>
         </p:txBody>
       </p:sp>
-      <p:grpSp>
-        <p:nvGrpSpPr>
-          <p:cNvPr id="10" name="그룹 9">
-            <a:extLst>
-              <a:ext uri="{FF2B5EF4-FFF2-40B4-BE49-F238E27FC236}">
-                <a16:creationId xmlns:a16="http://schemas.microsoft.com/office/drawing/2014/main" id="{1B0813F0-0608-43A3-9E53-0BA015EDE231}"/>
-              </a:ext>
-            </a:extLst>
-          </p:cNvPr>
-          <p:cNvGrpSpPr/>
-          <p:nvPr/>
-        </p:nvGrpSpPr>
-        <p:grpSpPr>
-          <a:xfrm>
-            <a:off x="4458472" y="170165"/>
-            <a:ext cx="3538182" cy="830997"/>
-            <a:chOff x="3819245" y="188165"/>
-            <a:chExt cx="3085928" cy="830997"/>
-          </a:xfrm>
-        </p:grpSpPr>
-        <p:sp>
-          <p:nvSpPr>
-            <p:cNvPr id="12" name="직사각형 11">
-              <a:extLst>
-                <a:ext uri="{FF2B5EF4-FFF2-40B4-BE49-F238E27FC236}">
-                  <a16:creationId xmlns:a16="http://schemas.microsoft.com/office/drawing/2014/main" id="{7D0033C3-456D-4151-9AAB-F0A2E961A5B6}"/>
-                </a:ext>
-              </a:extLst>
-            </p:cNvPr>
-            <p:cNvSpPr/>
-            <p:nvPr/>
-          </p:nvSpPr>
-          <p:spPr>
-            <a:xfrm>
-              <a:off x="4659786" y="280497"/>
-              <a:ext cx="2245387" cy="646331"/>
-            </a:xfrm>
-            <a:prstGeom prst="rect">
-              <a:avLst/>
-            </a:prstGeom>
-          </p:spPr>
-          <p:txBody>
-            <a:bodyPr wrap="square">
-              <a:spAutoFit/>
-            </a:bodyPr>
-            <a:lstStyle/>
-            <a:p>
-              <a:r>
-                <a:rPr lang="ko-KR" altLang="en-US" sz="3600" b="1" dirty="0" smtClean="0">
-                  <a:latin typeface="나눔바른펜" panose="020B0503000000000000" pitchFamily="50" charset="-127"/>
-                  <a:ea typeface="나눔바른펜" panose="020B0503000000000000" pitchFamily="50" charset="-127"/>
-                  <a:cs typeface="KoPubWorld돋움체 Light" panose="00000300000000000000" pitchFamily="2" charset="-127"/>
-                </a:rPr>
-                <a:t>포지션 별 분석</a:t>
-              </a:r>
-              <a:endParaRPr lang="ko-KR" altLang="en-US" sz="3600" b="1" dirty="0">
-                <a:latin typeface="나눔바른펜" panose="020B0503000000000000" pitchFamily="50" charset="-127"/>
-                <a:ea typeface="나눔바른펜" panose="020B0503000000000000" pitchFamily="50" charset="-127"/>
-                <a:cs typeface="KoPubWorld돋움체 Light" panose="00000300000000000000" pitchFamily="2" charset="-127"/>
-              </a:endParaRPr>
-            </a:p>
-          </p:txBody>
-        </p:sp>
-        <p:sp>
-          <p:nvSpPr>
-            <p:cNvPr id="13" name="TextBox 12">
-              <a:extLst>
-                <a:ext uri="{FF2B5EF4-FFF2-40B4-BE49-F238E27FC236}">
-                  <a16:creationId xmlns:a16="http://schemas.microsoft.com/office/drawing/2014/main" id="{1841637C-F02D-4ED4-9B17-10A92FFC6619}"/>
-                </a:ext>
-              </a:extLst>
-            </p:cNvPr>
-            <p:cNvSpPr txBox="1"/>
-            <p:nvPr/>
-          </p:nvSpPr>
-          <p:spPr>
-            <a:xfrm>
-              <a:off x="3819245" y="188165"/>
-              <a:ext cx="847532" cy="830997"/>
-            </a:xfrm>
-            <a:prstGeom prst="rect">
-              <a:avLst/>
-            </a:prstGeom>
-            <a:noFill/>
-          </p:spPr>
-          <p:txBody>
-            <a:bodyPr wrap="none" rtlCol="0">
-              <a:spAutoFit/>
-            </a:bodyPr>
-            <a:lstStyle/>
-            <a:p>
-              <a:r>
-                <a:rPr lang="en-US" altLang="ko-KR" sz="4800" b="1" dirty="0" smtClean="0">
-                  <a:solidFill>
-                    <a:schemeClr val="accent6">
-                      <a:lumMod val="50000"/>
-                    </a:schemeClr>
-                  </a:solidFill>
-                  <a:latin typeface="나눔바른펜" panose="020B0503000000000000" pitchFamily="50" charset="-127"/>
-                  <a:ea typeface="나눔바른펜" panose="020B0503000000000000" pitchFamily="50" charset="-127"/>
-                  <a:cs typeface="KoPubWorld돋움체 Bold" panose="00000800000000000000" pitchFamily="2" charset="-127"/>
-                </a:rPr>
-                <a:t>3-1</a:t>
-              </a:r>
-              <a:endParaRPr lang="ko-KR" altLang="en-US" sz="4800" b="1" dirty="0">
-                <a:solidFill>
-                  <a:schemeClr val="accent6">
-                    <a:lumMod val="50000"/>
-                  </a:schemeClr>
-                </a:solidFill>
-                <a:latin typeface="나눔바른펜" panose="020B0503000000000000" pitchFamily="50" charset="-127"/>
-                <a:ea typeface="나눔바른펜" panose="020B0503000000000000" pitchFamily="50" charset="-127"/>
-                <a:cs typeface="KoPubWorld돋움체 Bold" panose="00000800000000000000" pitchFamily="2" charset="-127"/>
-              </a:endParaRPr>
-            </a:p>
-          </p:txBody>
-        </p:sp>
-      </p:grpSp>
       <p:sp>
         <p:nvSpPr>
           <p:cNvPr id="11" name="TextBox 10"/>
@@ -8931,7 +8806,7 @@
         </p:blipFill>
         <p:spPr>
           <a:xfrm>
-            <a:off x="5826126" y="2642994"/>
+            <a:off x="5826126" y="2965876"/>
             <a:ext cx="5808474" cy="3596879"/>
           </a:xfrm>
           <a:prstGeom prst="rect">
@@ -9043,7 +8918,7 @@
         </p:nvSpPr>
         <p:spPr>
           <a:xfrm>
-            <a:off x="11051845" y="2965876"/>
+            <a:off x="11092940" y="3253327"/>
             <a:ext cx="409390" cy="409391"/>
           </a:xfrm>
           <a:prstGeom prst="ellipse">
@@ -9089,8 +8964,8 @@
         </p:nvSpPr>
         <p:spPr>
           <a:xfrm>
-            <a:off x="6577711" y="1659584"/>
-            <a:ext cx="5056889" cy="709297"/>
+            <a:off x="6445441" y="1659584"/>
+            <a:ext cx="5056889" cy="1061829"/>
           </a:xfrm>
           <a:prstGeom prst="rect">
             <a:avLst/>
@@ -9103,43 +8978,43 @@
           </a:bodyPr>
           <a:lstStyle/>
           <a:p>
-            <a:pPr algn="r">
+            <a:pPr>
               <a:lnSpc>
                 <a:spcPct val="150000"/>
               </a:lnSpc>
             </a:pPr>
             <a:r>
               <a:rPr lang="ko-KR" altLang="en-US" sz="1400" dirty="0" smtClean="0">
-                <a:latin typeface="나눔바른펜" panose="020B0503000000000000" pitchFamily="50" charset="-127"/>
-                <a:ea typeface="나눔바른펜" panose="020B0503000000000000" pitchFamily="50" charset="-127"/>
+                <a:latin typeface="나눔고딕" panose="020D0604000000000000" pitchFamily="50" charset="-127"/>
+                <a:ea typeface="나눔고딕" panose="020D0604000000000000" pitchFamily="50" charset="-127"/>
               </a:rPr>
               <a:t>두 </a:t>
             </a:r>
             <a:r>
               <a:rPr lang="ko-KR" altLang="en-US" sz="1400" dirty="0" err="1" smtClean="0">
-                <a:latin typeface="나눔바른펜" panose="020B0503000000000000" pitchFamily="50" charset="-127"/>
-                <a:ea typeface="나눔바른펜" panose="020B0503000000000000" pitchFamily="50" charset="-127"/>
+                <a:latin typeface="나눔고딕" panose="020D0604000000000000" pitchFamily="50" charset="-127"/>
+                <a:ea typeface="나눔고딕" panose="020D0604000000000000" pitchFamily="50" charset="-127"/>
               </a:rPr>
               <a:t>그래프만을</a:t>
             </a:r>
             <a:r>
               <a:rPr lang="ko-KR" altLang="en-US" sz="1400" dirty="0" smtClean="0">
-                <a:latin typeface="나눔바른펜" panose="020B0503000000000000" pitchFamily="50" charset="-127"/>
-                <a:ea typeface="나눔바른펜" panose="020B0503000000000000" pitchFamily="50" charset="-127"/>
+                <a:latin typeface="나눔고딕" panose="020D0604000000000000" pitchFamily="50" charset="-127"/>
+                <a:ea typeface="나눔고딕" panose="020D0604000000000000" pitchFamily="50" charset="-127"/>
               </a:rPr>
               <a:t> 놓고 보았을 때</a:t>
             </a:r>
             <a:r>
               <a:rPr lang="en-US" altLang="ko-KR" sz="1400" dirty="0" smtClean="0">
-                <a:latin typeface="나눔바른펜" panose="020B0503000000000000" pitchFamily="50" charset="-127"/>
-                <a:ea typeface="나눔바른펜" panose="020B0503000000000000" pitchFamily="50" charset="-127"/>
+                <a:latin typeface="나눔고딕" panose="020D0604000000000000" pitchFamily="50" charset="-127"/>
+                <a:ea typeface="나눔고딕" panose="020D0604000000000000" pitchFamily="50" charset="-127"/>
               </a:rPr>
               <a:t>,</a:t>
             </a:r>
             <a:r>
               <a:rPr lang="ko-KR" altLang="en-US" sz="1400" dirty="0" smtClean="0">
-                <a:latin typeface="나눔바른펜" panose="020B0503000000000000" pitchFamily="50" charset="-127"/>
-                <a:ea typeface="나눔바른펜" panose="020B0503000000000000" pitchFamily="50" charset="-127"/>
+                <a:latin typeface="나눔고딕" panose="020D0604000000000000" pitchFamily="50" charset="-127"/>
+                <a:ea typeface="나눔고딕" panose="020D0604000000000000" pitchFamily="50" charset="-127"/>
               </a:rPr>
               <a:t> 축구를 잘 모르는 사람에게 </a:t>
             </a:r>
@@ -9150,8 +9025,8 @@
                     <a:lumMod val="75000"/>
                   </a:schemeClr>
                 </a:solidFill>
-                <a:latin typeface="나눔바른펜" panose="020B0503000000000000" pitchFamily="50" charset="-127"/>
-                <a:ea typeface="나눔바른펜" panose="020B0503000000000000" pitchFamily="50" charset="-127"/>
+                <a:latin typeface="나눔고딕" panose="020D0604000000000000" pitchFamily="50" charset="-127"/>
+                <a:ea typeface="나눔고딕" panose="020D0604000000000000" pitchFamily="50" charset="-127"/>
               </a:rPr>
               <a:t>Lionel Messi(</a:t>
             </a:r>
@@ -9162,8 +9037,8 @@
                     <a:lumMod val="75000"/>
                   </a:schemeClr>
                 </a:solidFill>
-                <a:latin typeface="나눔바른펜" panose="020B0503000000000000" pitchFamily="50" charset="-127"/>
-                <a:ea typeface="나눔바른펜" panose="020B0503000000000000" pitchFamily="50" charset="-127"/>
+                <a:latin typeface="나눔고딕" panose="020D0604000000000000" pitchFamily="50" charset="-127"/>
+                <a:ea typeface="나눔고딕" panose="020D0604000000000000" pitchFamily="50" charset="-127"/>
               </a:rPr>
               <a:t>리오넬</a:t>
             </a:r>
@@ -9174,8 +9049,8 @@
                     <a:lumMod val="75000"/>
                   </a:schemeClr>
                 </a:solidFill>
-                <a:latin typeface="나눔바른펜" panose="020B0503000000000000" pitchFamily="50" charset="-127"/>
-                <a:ea typeface="나눔바른펜" panose="020B0503000000000000" pitchFamily="50" charset="-127"/>
+                <a:latin typeface="나눔고딕" panose="020D0604000000000000" pitchFamily="50" charset="-127"/>
+                <a:ea typeface="나눔고딕" panose="020D0604000000000000" pitchFamily="50" charset="-127"/>
               </a:rPr>
               <a:t> 메시</a:t>
             </a:r>
@@ -9186,15 +9061,15 @@
                     <a:lumMod val="75000"/>
                   </a:schemeClr>
                 </a:solidFill>
-                <a:latin typeface="나눔바른펜" panose="020B0503000000000000" pitchFamily="50" charset="-127"/>
-                <a:ea typeface="나눔바른펜" panose="020B0503000000000000" pitchFamily="50" charset="-127"/>
+                <a:latin typeface="나눔고딕" panose="020D0604000000000000" pitchFamily="50" charset="-127"/>
+                <a:ea typeface="나눔고딕" panose="020D0604000000000000" pitchFamily="50" charset="-127"/>
               </a:rPr>
               <a:t>)</a:t>
             </a:r>
             <a:r>
               <a:rPr lang="en-US" altLang="ko-KR" sz="1400" dirty="0" smtClean="0">
-                <a:latin typeface="나눔바른펜" panose="020B0503000000000000" pitchFamily="50" charset="-127"/>
-                <a:ea typeface="나눔바른펜" panose="020B0503000000000000" pitchFamily="50" charset="-127"/>
+                <a:latin typeface="나눔고딕" panose="020D0604000000000000" pitchFamily="50" charset="-127"/>
+                <a:ea typeface="나눔고딕" panose="020D0604000000000000" pitchFamily="50" charset="-127"/>
               </a:rPr>
               <a:t>, </a:t>
             </a:r>
@@ -9205,8 +9080,8 @@
                     <a:lumMod val="75000"/>
                   </a:schemeClr>
                 </a:solidFill>
-                <a:latin typeface="나눔바른펜" panose="020B0503000000000000" pitchFamily="50" charset="-127"/>
-                <a:ea typeface="나눔바른펜" panose="020B0503000000000000" pitchFamily="50" charset="-127"/>
+                <a:latin typeface="나눔고딕" panose="020D0604000000000000" pitchFamily="50" charset="-127"/>
+                <a:ea typeface="나눔고딕" panose="020D0604000000000000" pitchFamily="50" charset="-127"/>
               </a:rPr>
               <a:t>Neymar(</a:t>
             </a:r>
@@ -9217,8 +9092,8 @@
                     <a:lumMod val="75000"/>
                   </a:schemeClr>
                 </a:solidFill>
-                <a:latin typeface="나눔바른펜" panose="020B0503000000000000" pitchFamily="50" charset="-127"/>
-                <a:ea typeface="나눔바른펜" panose="020B0503000000000000" pitchFamily="50" charset="-127"/>
+                <a:latin typeface="나눔고딕" panose="020D0604000000000000" pitchFamily="50" charset="-127"/>
+                <a:ea typeface="나눔고딕" panose="020D0604000000000000" pitchFamily="50" charset="-127"/>
               </a:rPr>
               <a:t>네이마르</a:t>
             </a:r>
@@ -9229,46 +9104,164 @@
                     <a:lumMod val="75000"/>
                   </a:schemeClr>
                 </a:solidFill>
-                <a:latin typeface="나눔바른펜" panose="020B0503000000000000" pitchFamily="50" charset="-127"/>
-                <a:ea typeface="나눔바른펜" panose="020B0503000000000000" pitchFamily="50" charset="-127"/>
+                <a:latin typeface="나눔고딕" panose="020D0604000000000000" pitchFamily="50" charset="-127"/>
+                <a:ea typeface="나눔고딕" panose="020D0604000000000000" pitchFamily="50" charset="-127"/>
               </a:rPr>
               <a:t>)</a:t>
             </a:r>
             <a:r>
               <a:rPr lang="ko-KR" altLang="en-US" sz="1400" dirty="0" smtClean="0">
-                <a:latin typeface="나눔바른펜" panose="020B0503000000000000" pitchFamily="50" charset="-127"/>
-                <a:ea typeface="나눔바른펜" panose="020B0503000000000000" pitchFamily="50" charset="-127"/>
+                <a:latin typeface="나눔고딕" panose="020D0604000000000000" pitchFamily="50" charset="-127"/>
+                <a:ea typeface="나눔고딕" panose="020D0604000000000000" pitchFamily="50" charset="-127"/>
               </a:rPr>
               <a:t>선수는 좋은 </a:t>
             </a:r>
             <a:r>
               <a:rPr lang="ko-KR" altLang="en-US" sz="1400" dirty="0" err="1" smtClean="0">
-                <a:latin typeface="나눔바른펜" panose="020B0503000000000000" pitchFamily="50" charset="-127"/>
-                <a:ea typeface="나눔바른펜" panose="020B0503000000000000" pitchFamily="50" charset="-127"/>
+                <a:latin typeface="나눔고딕" panose="020D0604000000000000" pitchFamily="50" charset="-127"/>
+                <a:ea typeface="나눔고딕" panose="020D0604000000000000" pitchFamily="50" charset="-127"/>
               </a:rPr>
               <a:t>공격수라고</a:t>
             </a:r>
             <a:r>
               <a:rPr lang="ko-KR" altLang="en-US" sz="1400" dirty="0" smtClean="0">
-                <a:latin typeface="나눔바른펜" panose="020B0503000000000000" pitchFamily="50" charset="-127"/>
-                <a:ea typeface="나눔바른펜" panose="020B0503000000000000" pitchFamily="50" charset="-127"/>
+                <a:latin typeface="나눔고딕" panose="020D0604000000000000" pitchFamily="50" charset="-127"/>
+                <a:ea typeface="나눔고딕" panose="020D0604000000000000" pitchFamily="50" charset="-127"/>
               </a:rPr>
               <a:t> 판단되어지기 힘들다</a:t>
             </a:r>
             <a:r>
               <a:rPr lang="en-US" altLang="ko-KR" sz="1400" dirty="0" smtClean="0">
-                <a:latin typeface="나눔바른펜" panose="020B0503000000000000" pitchFamily="50" charset="-127"/>
-                <a:ea typeface="나눔바른펜" panose="020B0503000000000000" pitchFamily="50" charset="-127"/>
+                <a:latin typeface="나눔고딕" panose="020D0604000000000000" pitchFamily="50" charset="-127"/>
+                <a:ea typeface="나눔고딕" panose="020D0604000000000000" pitchFamily="50" charset="-127"/>
               </a:rPr>
               <a:t>.</a:t>
             </a:r>
             <a:endParaRPr lang="ko-KR" altLang="en-US" sz="1400" dirty="0">
-              <a:latin typeface="나눔바른펜" panose="020B0503000000000000" pitchFamily="50" charset="-127"/>
-              <a:ea typeface="나눔바른펜" panose="020B0503000000000000" pitchFamily="50" charset="-127"/>
+              <a:latin typeface="나눔고딕" panose="020D0604000000000000" pitchFamily="50" charset="-127"/>
+              <a:ea typeface="나눔고딕" panose="020D0604000000000000" pitchFamily="50" charset="-127"/>
             </a:endParaRPr>
           </a:p>
         </p:txBody>
       </p:sp>
+      <p:grpSp>
+        <p:nvGrpSpPr>
+          <p:cNvPr id="14" name="그룹 13">
+            <a:extLst>
+              <a:ext uri="{FF2B5EF4-FFF2-40B4-BE49-F238E27FC236}">
+                <a16:creationId xmlns:a16="http://schemas.microsoft.com/office/drawing/2014/main" id="{1B0813F0-0608-43A3-9E53-0BA015EDE231}"/>
+              </a:ext>
+            </a:extLst>
+          </p:cNvPr>
+          <p:cNvGrpSpPr/>
+          <p:nvPr/>
+        </p:nvGrpSpPr>
+        <p:grpSpPr>
+          <a:xfrm>
+            <a:off x="4458472" y="170165"/>
+            <a:ext cx="3995415" cy="830997"/>
+            <a:chOff x="3819245" y="188165"/>
+            <a:chExt cx="3484717" cy="830997"/>
+          </a:xfrm>
+        </p:grpSpPr>
+        <p:sp>
+          <p:nvSpPr>
+            <p:cNvPr id="15" name="직사각형 14">
+              <a:extLst>
+                <a:ext uri="{FF2B5EF4-FFF2-40B4-BE49-F238E27FC236}">
+                  <a16:creationId xmlns:a16="http://schemas.microsoft.com/office/drawing/2014/main" id="{7D0033C3-456D-4151-9AAB-F0A2E961A5B6}"/>
+                </a:ext>
+              </a:extLst>
+            </p:cNvPr>
+            <p:cNvSpPr/>
+            <p:nvPr/>
+          </p:nvSpPr>
+          <p:spPr>
+            <a:xfrm>
+              <a:off x="4666433" y="280497"/>
+              <a:ext cx="2637529" cy="646331"/>
+            </a:xfrm>
+            <a:prstGeom prst="rect">
+              <a:avLst/>
+            </a:prstGeom>
+          </p:spPr>
+          <p:txBody>
+            <a:bodyPr wrap="square">
+              <a:spAutoFit/>
+            </a:bodyPr>
+            <a:lstStyle/>
+            <a:p>
+              <a:r>
+                <a:rPr lang="ko-KR" altLang="en-US" sz="3600" b="1" dirty="0" smtClean="0">
+                  <a:latin typeface="나눔고딕" panose="020D0604000000000000" pitchFamily="50" charset="-127"/>
+                  <a:ea typeface="나눔고딕" panose="020D0604000000000000" pitchFamily="50" charset="-127"/>
+                  <a:cs typeface="KoPubWorld돋움체 Light" panose="00000300000000000000" pitchFamily="2" charset="-127"/>
+                </a:rPr>
+                <a:t>포지션 별 분석</a:t>
+              </a:r>
+              <a:endParaRPr lang="ko-KR" altLang="en-US" sz="3600" b="1" dirty="0">
+                <a:latin typeface="나눔고딕" panose="020D0604000000000000" pitchFamily="50" charset="-127"/>
+                <a:ea typeface="나눔고딕" panose="020D0604000000000000" pitchFamily="50" charset="-127"/>
+                <a:cs typeface="KoPubWorld돋움체 Light" panose="00000300000000000000" pitchFamily="2" charset="-127"/>
+              </a:endParaRPr>
+            </a:p>
+          </p:txBody>
+        </p:sp>
+        <p:sp>
+          <p:nvSpPr>
+            <p:cNvPr id="16" name="TextBox 15">
+              <a:extLst>
+                <a:ext uri="{FF2B5EF4-FFF2-40B4-BE49-F238E27FC236}">
+                  <a16:creationId xmlns:a16="http://schemas.microsoft.com/office/drawing/2014/main" id="{1841637C-F02D-4ED4-9B17-10A92FFC6619}"/>
+                </a:ext>
+              </a:extLst>
+            </p:cNvPr>
+            <p:cNvSpPr txBox="1"/>
+            <p:nvPr/>
+          </p:nvSpPr>
+          <p:spPr>
+            <a:xfrm>
+              <a:off x="3819245" y="188165"/>
+              <a:ext cx="990139" cy="830997"/>
+            </a:xfrm>
+            <a:prstGeom prst="rect">
+              <a:avLst/>
+            </a:prstGeom>
+            <a:noFill/>
+          </p:spPr>
+          <p:txBody>
+            <a:bodyPr wrap="none" rtlCol="0">
+              <a:spAutoFit/>
+            </a:bodyPr>
+            <a:lstStyle/>
+            <a:p>
+              <a:r>
+                <a:rPr lang="en-US" altLang="ko-KR" sz="4800" b="1" dirty="0" smtClean="0">
+                  <a:solidFill>
+                    <a:schemeClr val="accent6">
+                      <a:lumMod val="50000"/>
+                    </a:schemeClr>
+                  </a:solidFill>
+                  <a:latin typeface="나눔고딕" panose="020D0604000000000000" pitchFamily="50" charset="-127"/>
+                  <a:ea typeface="나눔고딕" panose="020D0604000000000000" pitchFamily="50" charset="-127"/>
+                  <a:cs typeface="KoPubWorld돋움체 Bold" panose="00000800000000000000" pitchFamily="2" charset="-127"/>
+                </a:rPr>
+                <a:t>3-1</a:t>
+              </a:r>
+              <a:endParaRPr lang="ko-KR" altLang="en-US" sz="4800" b="1" dirty="0">
+                <a:solidFill>
+                  <a:schemeClr val="accent6">
+                    <a:lumMod val="50000"/>
+                  </a:schemeClr>
+                </a:solidFill>
+                <a:latin typeface="나눔고딕" panose="020D0604000000000000" pitchFamily="50" charset="-127"/>
+                <a:ea typeface="나눔고딕" panose="020D0604000000000000" pitchFamily="50" charset="-127"/>
+                <a:cs typeface="KoPubWorld돋움체 Bold" panose="00000800000000000000" pitchFamily="2" charset="-127"/>
+              </a:endParaRPr>
+            </a:p>
+          </p:txBody>
+        </p:sp>
+      </p:grpSp>
     </p:spTree>
     <p:extLst>
       <p:ext uri="{BB962C8B-B14F-4D97-AF65-F5344CB8AC3E}">
@@ -9769,124 +9762,6 @@
           </a:p>
         </p:txBody>
       </p:sp>
-      <p:grpSp>
-        <p:nvGrpSpPr>
-          <p:cNvPr id="10" name="그룹 9">
-            <a:extLst>
-              <a:ext uri="{FF2B5EF4-FFF2-40B4-BE49-F238E27FC236}">
-                <a16:creationId xmlns:a16="http://schemas.microsoft.com/office/drawing/2014/main" id="{1B0813F0-0608-43A3-9E53-0BA015EDE231}"/>
-              </a:ext>
-            </a:extLst>
-          </p:cNvPr>
-          <p:cNvGrpSpPr/>
-          <p:nvPr/>
-        </p:nvGrpSpPr>
-        <p:grpSpPr>
-          <a:xfrm>
-            <a:off x="4458472" y="170165"/>
-            <a:ext cx="3538182" cy="830997"/>
-            <a:chOff x="3819245" y="188165"/>
-            <a:chExt cx="3085928" cy="830997"/>
-          </a:xfrm>
-        </p:grpSpPr>
-        <p:sp>
-          <p:nvSpPr>
-            <p:cNvPr id="12" name="직사각형 11">
-              <a:extLst>
-                <a:ext uri="{FF2B5EF4-FFF2-40B4-BE49-F238E27FC236}">
-                  <a16:creationId xmlns:a16="http://schemas.microsoft.com/office/drawing/2014/main" id="{7D0033C3-456D-4151-9AAB-F0A2E961A5B6}"/>
-                </a:ext>
-              </a:extLst>
-            </p:cNvPr>
-            <p:cNvSpPr/>
-            <p:nvPr/>
-          </p:nvSpPr>
-          <p:spPr>
-            <a:xfrm>
-              <a:off x="4659786" y="280497"/>
-              <a:ext cx="2245387" cy="646331"/>
-            </a:xfrm>
-            <a:prstGeom prst="rect">
-              <a:avLst/>
-            </a:prstGeom>
-          </p:spPr>
-          <p:txBody>
-            <a:bodyPr wrap="square">
-              <a:spAutoFit/>
-            </a:bodyPr>
-            <a:lstStyle/>
-            <a:p>
-              <a:r>
-                <a:rPr lang="ko-KR" altLang="en-US" sz="3600" b="1" dirty="0" smtClean="0">
-                  <a:latin typeface="나눔바른펜" panose="020B0503000000000000" pitchFamily="50" charset="-127"/>
-                  <a:ea typeface="나눔바른펜" panose="020B0503000000000000" pitchFamily="50" charset="-127"/>
-                  <a:cs typeface="KoPubWorld돋움체 Light" panose="00000300000000000000" pitchFamily="2" charset="-127"/>
-                </a:rPr>
-                <a:t>포지션 별 분석</a:t>
-              </a:r>
-              <a:endParaRPr lang="ko-KR" altLang="en-US" sz="3600" b="1" dirty="0">
-                <a:latin typeface="나눔바른펜" panose="020B0503000000000000" pitchFamily="50" charset="-127"/>
-                <a:ea typeface="나눔바른펜" panose="020B0503000000000000" pitchFamily="50" charset="-127"/>
-                <a:cs typeface="KoPubWorld돋움체 Light" panose="00000300000000000000" pitchFamily="2" charset="-127"/>
-              </a:endParaRPr>
-            </a:p>
-          </p:txBody>
-        </p:sp>
-        <p:sp>
-          <p:nvSpPr>
-            <p:cNvPr id="13" name="TextBox 12">
-              <a:extLst>
-                <a:ext uri="{FF2B5EF4-FFF2-40B4-BE49-F238E27FC236}">
-                  <a16:creationId xmlns:a16="http://schemas.microsoft.com/office/drawing/2014/main" id="{1841637C-F02D-4ED4-9B17-10A92FFC6619}"/>
-                </a:ext>
-              </a:extLst>
-            </p:cNvPr>
-            <p:cNvSpPr txBox="1"/>
-            <p:nvPr/>
-          </p:nvSpPr>
-          <p:spPr>
-            <a:xfrm>
-              <a:off x="3819245" y="188165"/>
-              <a:ext cx="847532" cy="830997"/>
-            </a:xfrm>
-            <a:prstGeom prst="rect">
-              <a:avLst/>
-            </a:prstGeom>
-            <a:noFill/>
-          </p:spPr>
-          <p:txBody>
-            <a:bodyPr wrap="none" rtlCol="0">
-              <a:spAutoFit/>
-            </a:bodyPr>
-            <a:lstStyle/>
-            <a:p>
-              <a:r>
-                <a:rPr lang="en-US" altLang="ko-KR" sz="4800" b="1" dirty="0" smtClean="0">
-                  <a:solidFill>
-                    <a:schemeClr val="accent6">
-                      <a:lumMod val="50000"/>
-                    </a:schemeClr>
-                  </a:solidFill>
-                  <a:latin typeface="나눔바른펜" panose="020B0503000000000000" pitchFamily="50" charset="-127"/>
-                  <a:ea typeface="나눔바른펜" panose="020B0503000000000000" pitchFamily="50" charset="-127"/>
-                  <a:cs typeface="KoPubWorld돋움체 Bold" panose="00000800000000000000" pitchFamily="2" charset="-127"/>
-                </a:rPr>
-                <a:t>3-1</a:t>
-              </a:r>
-              <a:endParaRPr lang="ko-KR" altLang="en-US" sz="4800" b="1" dirty="0">
-                <a:solidFill>
-                  <a:schemeClr val="accent6">
-                    <a:lumMod val="50000"/>
-                  </a:schemeClr>
-                </a:solidFill>
-                <a:latin typeface="나눔바른펜" panose="020B0503000000000000" pitchFamily="50" charset="-127"/>
-                <a:ea typeface="나눔바른펜" panose="020B0503000000000000" pitchFamily="50" charset="-127"/>
-                <a:cs typeface="KoPubWorld돋움체 Bold" panose="00000800000000000000" pitchFamily="2" charset="-127"/>
-              </a:endParaRPr>
-            </a:p>
-          </p:txBody>
-        </p:sp>
-      </p:grpSp>
       <p:sp>
         <p:nvSpPr>
           <p:cNvPr id="11" name="TextBox 10"/>
@@ -10064,6 +9939,304 @@
         <p:spPr>
           <a:xfrm>
             <a:off x="8069848" y="1659584"/>
+            <a:ext cx="3566636" cy="1708160"/>
+          </a:xfrm>
+          <a:prstGeom prst="rect">
+            <a:avLst/>
+          </a:prstGeom>
+          <a:noFill/>
+          <a:ln>
+            <a:solidFill>
+              <a:schemeClr val="accent6">
+                <a:lumMod val="50000"/>
+              </a:schemeClr>
+            </a:solidFill>
+          </a:ln>
+        </p:spPr>
+        <p:txBody>
+          <a:bodyPr wrap="square" rtlCol="0">
+            <a:spAutoFit/>
+          </a:bodyPr>
+          <a:lstStyle/>
+          <a:p>
+            <a:pPr>
+              <a:lnSpc>
+                <a:spcPct val="150000"/>
+              </a:lnSpc>
+            </a:pPr>
+            <a:r>
+              <a:rPr lang="en-US" altLang="ko-KR" sz="1400" dirty="0" smtClean="0">
+                <a:latin typeface="나눔고딕" panose="020D0604000000000000" pitchFamily="50" charset="-127"/>
+                <a:ea typeface="나눔고딕" panose="020D0604000000000000" pitchFamily="50" charset="-127"/>
+              </a:rPr>
+              <a:t>21-22 </a:t>
+            </a:r>
+            <a:r>
+              <a:rPr lang="ko-KR" altLang="en-US" sz="1400" dirty="0" smtClean="0">
+                <a:latin typeface="나눔고딕" panose="020D0604000000000000" pitchFamily="50" charset="-127"/>
+                <a:ea typeface="나눔고딕" panose="020D0604000000000000" pitchFamily="50" charset="-127"/>
+              </a:rPr>
+              <a:t>시즌이 시작된 지금</a:t>
+            </a:r>
+            <a:r>
+              <a:rPr lang="en-US" altLang="ko-KR" sz="1400" dirty="0" smtClean="0">
+                <a:latin typeface="나눔고딕" panose="020D0604000000000000" pitchFamily="50" charset="-127"/>
+                <a:ea typeface="나눔고딕" panose="020D0604000000000000" pitchFamily="50" charset="-127"/>
+              </a:rPr>
+              <a:t>, </a:t>
+            </a:r>
+            <a:r>
+              <a:rPr lang="ko-KR" altLang="en-US" sz="1400" dirty="0" err="1" smtClean="0">
+                <a:latin typeface="나눔고딕" panose="020D0604000000000000" pitchFamily="50" charset="-127"/>
+                <a:ea typeface="나눔고딕" panose="020D0604000000000000" pitchFamily="50" charset="-127"/>
+              </a:rPr>
+              <a:t>아스톤</a:t>
+            </a:r>
+            <a:r>
+              <a:rPr lang="ko-KR" altLang="en-US" sz="1400" dirty="0" smtClean="0">
+                <a:latin typeface="나눔고딕" panose="020D0604000000000000" pitchFamily="50" charset="-127"/>
+                <a:ea typeface="나눔고딕" panose="020D0604000000000000" pitchFamily="50" charset="-127"/>
+              </a:rPr>
+              <a:t> 빌라</a:t>
+            </a:r>
+            <a:r>
+              <a:rPr lang="ko-KR" altLang="en-US" sz="1400" dirty="0" smtClean="0">
+                <a:solidFill>
+                  <a:schemeClr val="accent5">
+                    <a:lumMod val="50000"/>
+                  </a:schemeClr>
+                </a:solidFill>
+                <a:latin typeface="나눔고딕" panose="020D0604000000000000" pitchFamily="50" charset="-127"/>
+                <a:ea typeface="나눔고딕" panose="020D0604000000000000" pitchFamily="50" charset="-127"/>
+              </a:rPr>
+              <a:t> </a:t>
+            </a:r>
+            <a:r>
+              <a:rPr lang="ko-KR" altLang="en-US" sz="1400" dirty="0" smtClean="0">
+                <a:latin typeface="나눔고딕" panose="020D0604000000000000" pitchFamily="50" charset="-127"/>
+                <a:ea typeface="나눔고딕" panose="020D0604000000000000" pitchFamily="50" charset="-127"/>
+              </a:rPr>
+              <a:t>소속이었던 </a:t>
+            </a:r>
+            <a:r>
+              <a:rPr lang="en-US" altLang="ko-KR" sz="1400" i="1" dirty="0" smtClean="0">
+                <a:solidFill>
+                  <a:srgbClr val="0070C0"/>
+                </a:solidFill>
+                <a:latin typeface="나눔고딕" panose="020D0604000000000000" pitchFamily="50" charset="-127"/>
+                <a:ea typeface="나눔고딕" panose="020D0604000000000000" pitchFamily="50" charset="-127"/>
+              </a:rPr>
+              <a:t>Jack </a:t>
+            </a:r>
+            <a:r>
+              <a:rPr lang="en-US" altLang="ko-KR" sz="1400" i="1" dirty="0" err="1" smtClean="0">
+                <a:solidFill>
+                  <a:srgbClr val="0070C0"/>
+                </a:solidFill>
+                <a:latin typeface="나눔고딕" panose="020D0604000000000000" pitchFamily="50" charset="-127"/>
+                <a:ea typeface="나눔고딕" panose="020D0604000000000000" pitchFamily="50" charset="-127"/>
+              </a:rPr>
+              <a:t>Grealish</a:t>
+            </a:r>
+            <a:r>
+              <a:rPr lang="en-US" altLang="ko-KR" sz="1400" i="1" dirty="0" smtClean="0">
+                <a:solidFill>
+                  <a:srgbClr val="0070C0"/>
+                </a:solidFill>
+                <a:latin typeface="나눔고딕" panose="020D0604000000000000" pitchFamily="50" charset="-127"/>
+                <a:ea typeface="나눔고딕" panose="020D0604000000000000" pitchFamily="50" charset="-127"/>
+              </a:rPr>
+              <a:t>(</a:t>
+            </a:r>
+            <a:r>
+              <a:rPr lang="ko-KR" altLang="en-US" sz="1400" i="1" dirty="0" smtClean="0">
+                <a:solidFill>
+                  <a:srgbClr val="0070C0"/>
+                </a:solidFill>
+                <a:latin typeface="나눔고딕" panose="020D0604000000000000" pitchFamily="50" charset="-127"/>
+                <a:ea typeface="나눔고딕" panose="020D0604000000000000" pitchFamily="50" charset="-127"/>
+              </a:rPr>
+              <a:t>잭 </a:t>
+            </a:r>
+            <a:r>
+              <a:rPr lang="ko-KR" altLang="en-US" sz="1400" i="1" dirty="0" err="1" smtClean="0">
+                <a:solidFill>
+                  <a:srgbClr val="0070C0"/>
+                </a:solidFill>
+                <a:latin typeface="나눔고딕" panose="020D0604000000000000" pitchFamily="50" charset="-127"/>
+                <a:ea typeface="나눔고딕" panose="020D0604000000000000" pitchFamily="50" charset="-127"/>
+              </a:rPr>
+              <a:t>그릴리쉬</a:t>
+            </a:r>
+            <a:r>
+              <a:rPr lang="en-US" altLang="ko-KR" sz="1400" i="1" dirty="0" smtClean="0">
+                <a:solidFill>
+                  <a:srgbClr val="0070C0"/>
+                </a:solidFill>
+                <a:latin typeface="나눔고딕" panose="020D0604000000000000" pitchFamily="50" charset="-127"/>
+                <a:ea typeface="나눔고딕" panose="020D0604000000000000" pitchFamily="50" charset="-127"/>
+              </a:rPr>
+              <a:t>)</a:t>
+            </a:r>
+            <a:r>
+              <a:rPr lang="ko-KR" altLang="en-US" sz="1400" dirty="0" smtClean="0">
+                <a:latin typeface="나눔고딕" panose="020D0604000000000000" pitchFamily="50" charset="-127"/>
+                <a:ea typeface="나눔고딕" panose="020D0604000000000000" pitchFamily="50" charset="-127"/>
+              </a:rPr>
+              <a:t>는 </a:t>
+            </a:r>
+            <a:r>
+              <a:rPr lang="en-US" altLang="ko-KR" sz="1400" dirty="0" smtClean="0">
+                <a:latin typeface="나눔고딕" panose="020D0604000000000000" pitchFamily="50" charset="-127"/>
+                <a:ea typeface="나눔고딕" panose="020D0604000000000000" pitchFamily="50" charset="-127"/>
+              </a:rPr>
+              <a:t>1600</a:t>
+            </a:r>
+            <a:r>
+              <a:rPr lang="ko-KR" altLang="en-US" sz="1400" dirty="0" smtClean="0">
+                <a:latin typeface="나눔고딕" panose="020D0604000000000000" pitchFamily="50" charset="-127"/>
+                <a:ea typeface="나눔고딕" panose="020D0604000000000000" pitchFamily="50" charset="-127"/>
+              </a:rPr>
+              <a:t>억의 </a:t>
+            </a:r>
+            <a:r>
+              <a:rPr lang="ko-KR" altLang="en-US" sz="1400" dirty="0" smtClean="0">
+                <a:latin typeface="나눔고딕" panose="020D0604000000000000" pitchFamily="50" charset="-127"/>
+                <a:ea typeface="나눔고딕" panose="020D0604000000000000" pitchFamily="50" charset="-127"/>
+              </a:rPr>
+              <a:t>이적료를 기록하며 </a:t>
+            </a:r>
+            <a:r>
+              <a:rPr lang="ko-KR" altLang="en-US" sz="1400" dirty="0" smtClean="0">
+                <a:latin typeface="나눔고딕" panose="020D0604000000000000" pitchFamily="50" charset="-127"/>
+                <a:ea typeface="나눔고딕" panose="020D0604000000000000" pitchFamily="50" charset="-127"/>
+              </a:rPr>
+              <a:t>맨체스터 시티로 이적하여 뛰고 있다</a:t>
+            </a:r>
+            <a:r>
+              <a:rPr lang="en-US" altLang="ko-KR" sz="1400" dirty="0" smtClean="0">
+                <a:latin typeface="나눔고딕" panose="020D0604000000000000" pitchFamily="50" charset="-127"/>
+                <a:ea typeface="나눔고딕" panose="020D0604000000000000" pitchFamily="50" charset="-127"/>
+              </a:rPr>
+              <a:t>. </a:t>
+            </a:r>
+            <a:r>
+              <a:rPr lang="ko-KR" altLang="en-US" sz="1400" dirty="0" smtClean="0">
+                <a:latin typeface="나눔고딕" panose="020D0604000000000000" pitchFamily="50" charset="-127"/>
+                <a:ea typeface="나눔고딕" panose="020D0604000000000000" pitchFamily="50" charset="-127"/>
+              </a:rPr>
+              <a:t>이 팀엔 </a:t>
+            </a:r>
+            <a:r>
+              <a:rPr lang="en-US" altLang="ko-KR" sz="1400" i="1" dirty="0" smtClean="0">
+                <a:solidFill>
+                  <a:srgbClr val="0070C0"/>
+                </a:solidFill>
+                <a:latin typeface="나눔고딕" panose="020D0604000000000000" pitchFamily="50" charset="-127"/>
+                <a:ea typeface="나눔고딕" panose="020D0604000000000000" pitchFamily="50" charset="-127"/>
+              </a:rPr>
+              <a:t>Kevin </a:t>
+            </a:r>
+            <a:r>
+              <a:rPr lang="en-US" altLang="ko-KR" sz="1400" i="1" dirty="0" smtClean="0">
+                <a:solidFill>
+                  <a:srgbClr val="0070C0"/>
+                </a:solidFill>
+                <a:latin typeface="나눔고딕" panose="020D0604000000000000" pitchFamily="50" charset="-127"/>
+                <a:ea typeface="나눔고딕" panose="020D0604000000000000" pitchFamily="50" charset="-127"/>
+              </a:rPr>
+              <a:t>De </a:t>
+            </a:r>
+            <a:r>
+              <a:rPr lang="en-US" altLang="ko-KR" sz="1400" i="1" dirty="0" err="1" smtClean="0">
+                <a:solidFill>
+                  <a:srgbClr val="0070C0"/>
+                </a:solidFill>
+                <a:latin typeface="나눔고딕" panose="020D0604000000000000" pitchFamily="50" charset="-127"/>
+                <a:ea typeface="나눔고딕" panose="020D0604000000000000" pitchFamily="50" charset="-127"/>
+              </a:rPr>
+              <a:t>Bruyne</a:t>
+            </a:r>
+            <a:r>
+              <a:rPr lang="en-US" altLang="ko-KR" sz="1400" i="1" dirty="0" smtClean="0">
+                <a:solidFill>
+                  <a:srgbClr val="0070C0"/>
+                </a:solidFill>
+                <a:latin typeface="나눔고딕" panose="020D0604000000000000" pitchFamily="50" charset="-127"/>
+                <a:ea typeface="나눔고딕" panose="020D0604000000000000" pitchFamily="50" charset="-127"/>
+              </a:rPr>
+              <a:t>(</a:t>
+            </a:r>
+            <a:r>
+              <a:rPr lang="ko-KR" altLang="en-US" sz="1400" i="1" dirty="0" smtClean="0">
+                <a:solidFill>
+                  <a:srgbClr val="0070C0"/>
+                </a:solidFill>
+                <a:latin typeface="나눔고딕" panose="020D0604000000000000" pitchFamily="50" charset="-127"/>
+                <a:ea typeface="나눔고딕" panose="020D0604000000000000" pitchFamily="50" charset="-127"/>
+              </a:rPr>
+              <a:t>케빈 데 </a:t>
+            </a:r>
+            <a:r>
+              <a:rPr lang="ko-KR" altLang="en-US" sz="1400" i="1" dirty="0" err="1" smtClean="0">
+                <a:solidFill>
+                  <a:srgbClr val="0070C0"/>
+                </a:solidFill>
+                <a:latin typeface="나눔고딕" panose="020D0604000000000000" pitchFamily="50" charset="-127"/>
+                <a:ea typeface="나눔고딕" panose="020D0604000000000000" pitchFamily="50" charset="-127"/>
+              </a:rPr>
+              <a:t>브라이너</a:t>
+            </a:r>
+            <a:r>
+              <a:rPr lang="en-US" altLang="ko-KR" sz="1400" i="1" dirty="0" smtClean="0">
+                <a:solidFill>
+                  <a:srgbClr val="0070C0"/>
+                </a:solidFill>
+                <a:latin typeface="나눔고딕" panose="020D0604000000000000" pitchFamily="50" charset="-127"/>
+                <a:ea typeface="나눔고딕" panose="020D0604000000000000" pitchFamily="50" charset="-127"/>
+              </a:rPr>
+              <a:t>)</a:t>
+            </a:r>
+            <a:r>
+              <a:rPr lang="ko-KR" altLang="en-US" sz="1400" dirty="0">
+                <a:solidFill>
+                  <a:srgbClr val="0070C0"/>
+                </a:solidFill>
+                <a:latin typeface="나눔고딕" panose="020D0604000000000000" pitchFamily="50" charset="-127"/>
+                <a:ea typeface="나눔고딕" panose="020D0604000000000000" pitchFamily="50" charset="-127"/>
+              </a:rPr>
+              <a:t> </a:t>
+            </a:r>
+            <a:r>
+              <a:rPr lang="ko-KR" altLang="en-US" sz="1400" dirty="0" smtClean="0">
+                <a:latin typeface="나눔고딕" panose="020D0604000000000000" pitchFamily="50" charset="-127"/>
+                <a:ea typeface="나눔고딕" panose="020D0604000000000000" pitchFamily="50" charset="-127"/>
+              </a:rPr>
+              <a:t>또한 뛰고 있다</a:t>
+            </a:r>
+            <a:r>
+              <a:rPr lang="en-US" altLang="ko-KR" sz="1400" dirty="0" smtClean="0">
+                <a:latin typeface="나눔고딕" panose="020D0604000000000000" pitchFamily="50" charset="-127"/>
+                <a:ea typeface="나눔고딕" panose="020D0604000000000000" pitchFamily="50" charset="-127"/>
+              </a:rPr>
+              <a:t>.</a:t>
+            </a:r>
+            <a:endParaRPr lang="ko-KR" altLang="en-US" sz="1400" dirty="0">
+              <a:latin typeface="나눔고딕" panose="020D0604000000000000" pitchFamily="50" charset="-127"/>
+              <a:ea typeface="나눔고딕" panose="020D0604000000000000" pitchFamily="50" charset="-127"/>
+            </a:endParaRPr>
+          </a:p>
+        </p:txBody>
+      </p:sp>
+      <p:sp>
+        <p:nvSpPr>
+          <p:cNvPr id="20" name="TextBox 19"/>
+          <p:cNvSpPr txBox="1"/>
+          <p:nvPr/>
+        </p:nvSpPr>
+        <p:spPr>
+          <a:xfrm>
+            <a:off x="8067964" y="4903771"/>
             <a:ext cx="3566636" cy="1384995"/>
           </a:xfrm>
           <a:prstGeom prst="rect">
@@ -10090,283 +10263,76 @@
               </a:lnSpc>
             </a:pPr>
             <a:r>
-              <a:rPr lang="en-US" altLang="ko-KR" sz="1400" dirty="0" smtClean="0">
-                <a:latin typeface="나눔바른펜" panose="020B0503000000000000" pitchFamily="50" charset="-127"/>
-                <a:ea typeface="나눔바른펜" panose="020B0503000000000000" pitchFamily="50" charset="-127"/>
-              </a:rPr>
-              <a:t>21-22 </a:t>
-            </a:r>
-            <a:r>
               <a:rPr lang="ko-KR" altLang="en-US" sz="1400" dirty="0" smtClean="0">
-                <a:latin typeface="나눔바른펜" panose="020B0503000000000000" pitchFamily="50" charset="-127"/>
-                <a:ea typeface="나눔바른펜" panose="020B0503000000000000" pitchFamily="50" charset="-127"/>
-              </a:rPr>
-              <a:t>시즌이 시작된 지금</a:t>
-            </a:r>
-            <a:r>
-              <a:rPr lang="en-US" altLang="ko-KR" sz="1400" dirty="0" smtClean="0">
-                <a:latin typeface="나눔바른펜" panose="020B0503000000000000" pitchFamily="50" charset="-127"/>
-                <a:ea typeface="나눔바른펜" panose="020B0503000000000000" pitchFamily="50" charset="-127"/>
-              </a:rPr>
-              <a:t>, </a:t>
-            </a:r>
-            <a:r>
-              <a:rPr lang="ko-KR" altLang="en-US" sz="1400" dirty="0" err="1" smtClean="0">
-                <a:latin typeface="나눔바른펜" panose="020B0503000000000000" pitchFamily="50" charset="-127"/>
-                <a:ea typeface="나눔바른펜" panose="020B0503000000000000" pitchFamily="50" charset="-127"/>
-              </a:rPr>
-              <a:t>아스톤</a:t>
-            </a:r>
-            <a:r>
-              <a:rPr lang="ko-KR" altLang="en-US" sz="1400" dirty="0" smtClean="0">
-                <a:latin typeface="나눔바른펜" panose="020B0503000000000000" pitchFamily="50" charset="-127"/>
-                <a:ea typeface="나눔바른펜" panose="020B0503000000000000" pitchFamily="50" charset="-127"/>
-              </a:rPr>
-              <a:t> 빌라</a:t>
-            </a:r>
-            <a:r>
-              <a:rPr lang="ko-KR" altLang="en-US" sz="1400" dirty="0" smtClean="0">
-                <a:solidFill>
-                  <a:schemeClr val="accent5">
-                    <a:lumMod val="50000"/>
-                  </a:schemeClr>
-                </a:solidFill>
-                <a:latin typeface="나눔바른펜" panose="020B0503000000000000" pitchFamily="50" charset="-127"/>
-                <a:ea typeface="나눔바른펜" panose="020B0503000000000000" pitchFamily="50" charset="-127"/>
-              </a:rPr>
-              <a:t> </a:t>
-            </a:r>
-            <a:r>
-              <a:rPr lang="ko-KR" altLang="en-US" sz="1400" dirty="0" smtClean="0">
-                <a:latin typeface="나눔바른펜" panose="020B0503000000000000" pitchFamily="50" charset="-127"/>
-                <a:ea typeface="나눔바른펜" panose="020B0503000000000000" pitchFamily="50" charset="-127"/>
-              </a:rPr>
-              <a:t>소속이었던</a:t>
-            </a:r>
-            <a:endParaRPr lang="en-US" altLang="ko-KR" sz="1400" dirty="0" smtClean="0">
-              <a:latin typeface="나눔바른펜" panose="020B0503000000000000" pitchFamily="50" charset="-127"/>
-              <a:ea typeface="나눔바른펜" panose="020B0503000000000000" pitchFamily="50" charset="-127"/>
-            </a:endParaRPr>
-          </a:p>
-          <a:p>
-            <a:pPr>
-              <a:lnSpc>
-                <a:spcPct val="150000"/>
-              </a:lnSpc>
-            </a:pPr>
-            <a:r>
-              <a:rPr lang="en-US" altLang="ko-KR" sz="1400" i="1" dirty="0" smtClean="0">
                 <a:solidFill>
                   <a:srgbClr val="0070C0"/>
                 </a:solidFill>
-                <a:latin typeface="나눔바른펜" panose="020B0503000000000000" pitchFamily="50" charset="-127"/>
-                <a:ea typeface="나눔바른펜" panose="020B0503000000000000" pitchFamily="50" charset="-127"/>
-              </a:rPr>
-              <a:t>Jack </a:t>
-            </a:r>
-            <a:r>
-              <a:rPr lang="en-US" altLang="ko-KR" sz="1400" i="1" dirty="0" err="1" smtClean="0">
+                <a:latin typeface="나눔고딕" panose="020D0604000000000000" pitchFamily="50" charset="-127"/>
+                <a:ea typeface="나눔고딕" panose="020D0604000000000000" pitchFamily="50" charset="-127"/>
+              </a:rPr>
+              <a:t>잭 </a:t>
+            </a:r>
+            <a:r>
+              <a:rPr lang="ko-KR" altLang="en-US" sz="1400" dirty="0" err="1" smtClean="0">
                 <a:solidFill>
                   <a:srgbClr val="0070C0"/>
                 </a:solidFill>
-                <a:latin typeface="나눔바른펜" panose="020B0503000000000000" pitchFamily="50" charset="-127"/>
-                <a:ea typeface="나눔바른펜" panose="020B0503000000000000" pitchFamily="50" charset="-127"/>
-              </a:rPr>
-              <a:t>Grealish</a:t>
-            </a:r>
-            <a:r>
-              <a:rPr lang="en-US" altLang="ko-KR" sz="1400" i="1" dirty="0" smtClean="0">
-                <a:solidFill>
-                  <a:srgbClr val="0070C0"/>
-                </a:solidFill>
-                <a:latin typeface="나눔바른펜" panose="020B0503000000000000" pitchFamily="50" charset="-127"/>
-                <a:ea typeface="나눔바른펜" panose="020B0503000000000000" pitchFamily="50" charset="-127"/>
-              </a:rPr>
-              <a:t>(</a:t>
-            </a:r>
-            <a:r>
-              <a:rPr lang="ko-KR" altLang="en-US" sz="1400" i="1" dirty="0" smtClean="0">
-                <a:solidFill>
-                  <a:srgbClr val="0070C0"/>
-                </a:solidFill>
-                <a:latin typeface="나눔바른펜" panose="020B0503000000000000" pitchFamily="50" charset="-127"/>
-                <a:ea typeface="나눔바른펜" panose="020B0503000000000000" pitchFamily="50" charset="-127"/>
-              </a:rPr>
-              <a:t>잭 </a:t>
-            </a:r>
-            <a:r>
-              <a:rPr lang="ko-KR" altLang="en-US" sz="1400" i="1" dirty="0" err="1" smtClean="0">
-                <a:solidFill>
-                  <a:srgbClr val="0070C0"/>
-                </a:solidFill>
-                <a:latin typeface="나눔바른펜" panose="020B0503000000000000" pitchFamily="50" charset="-127"/>
-                <a:ea typeface="나눔바른펜" panose="020B0503000000000000" pitchFamily="50" charset="-127"/>
+                <a:latin typeface="나눔고딕" panose="020D0604000000000000" pitchFamily="50" charset="-127"/>
+                <a:ea typeface="나눔고딕" panose="020D0604000000000000" pitchFamily="50" charset="-127"/>
               </a:rPr>
               <a:t>그릴리쉬</a:t>
             </a:r>
             <a:r>
-              <a:rPr lang="en-US" altLang="ko-KR" sz="1400" i="1" dirty="0" smtClean="0">
-                <a:solidFill>
-                  <a:srgbClr val="0070C0"/>
-                </a:solidFill>
-                <a:latin typeface="나눔바른펜" panose="020B0503000000000000" pitchFamily="50" charset="-127"/>
-                <a:ea typeface="나눔바른펜" panose="020B0503000000000000" pitchFamily="50" charset="-127"/>
-              </a:rPr>
-              <a:t>)</a:t>
+              <a:rPr lang="ko-KR" altLang="en-US" sz="1400" dirty="0" err="1" smtClean="0">
+                <a:latin typeface="나눔고딕" panose="020D0604000000000000" pitchFamily="50" charset="-127"/>
+                <a:ea typeface="나눔고딕" panose="020D0604000000000000" pitchFamily="50" charset="-127"/>
+              </a:rPr>
+              <a:t>는</a:t>
             </a:r>
             <a:r>
               <a:rPr lang="ko-KR" altLang="en-US" sz="1400" dirty="0" smtClean="0">
-                <a:latin typeface="나눔바른펜" panose="020B0503000000000000" pitchFamily="50" charset="-127"/>
-                <a:ea typeface="나눔바른펜" panose="020B0503000000000000" pitchFamily="50" charset="-127"/>
-              </a:rPr>
-              <a:t>는 </a:t>
+                <a:latin typeface="나눔고딕" panose="020D0604000000000000" pitchFamily="50" charset="-127"/>
+                <a:ea typeface="나눔고딕" panose="020D0604000000000000" pitchFamily="50" charset="-127"/>
+              </a:rPr>
+              <a:t> 중위권 팀인 </a:t>
+            </a:r>
+            <a:r>
+              <a:rPr lang="ko-KR" altLang="en-US" sz="1400" dirty="0" err="1" smtClean="0">
+                <a:latin typeface="나눔고딕" panose="020D0604000000000000" pitchFamily="50" charset="-127"/>
+                <a:ea typeface="나눔고딕" panose="020D0604000000000000" pitchFamily="50" charset="-127"/>
+              </a:rPr>
+              <a:t>아스톤빌라에서</a:t>
+            </a:r>
+            <a:r>
+              <a:rPr lang="ko-KR" altLang="en-US" sz="1400" dirty="0" smtClean="0">
+                <a:latin typeface="나눔고딕" panose="020D0604000000000000" pitchFamily="50" charset="-127"/>
+                <a:ea typeface="나눔고딕" panose="020D0604000000000000" pitchFamily="50" charset="-127"/>
+              </a:rPr>
+              <a:t> 윙 포워드로 출전해 홀로 눈에 띄는 공 소유 기술과 개인기를 가지고 있어 여러 상위권 팀의 러브콜을 받고 있었다</a:t>
             </a:r>
             <a:r>
               <a:rPr lang="en-US" altLang="ko-KR" sz="1400" dirty="0" smtClean="0">
-                <a:latin typeface="나눔바른펜" panose="020B0503000000000000" pitchFamily="50" charset="-127"/>
-                <a:ea typeface="나눔바른펜" panose="020B0503000000000000" pitchFamily="50" charset="-127"/>
-              </a:rPr>
-              <a:t>1600</a:t>
-            </a:r>
-            <a:r>
-              <a:rPr lang="ko-KR" altLang="en-US" sz="1400" dirty="0" smtClean="0">
-                <a:latin typeface="나눔바른펜" panose="020B0503000000000000" pitchFamily="50" charset="-127"/>
-                <a:ea typeface="나눔바른펜" panose="020B0503000000000000" pitchFamily="50" charset="-127"/>
-              </a:rPr>
-              <a:t>억의 이적료를</a:t>
-            </a:r>
-            <a:endParaRPr lang="en-US" altLang="ko-KR" sz="1400" dirty="0" smtClean="0">
-              <a:latin typeface="나눔바른펜" panose="020B0503000000000000" pitchFamily="50" charset="-127"/>
-              <a:ea typeface="나눔바른펜" panose="020B0503000000000000" pitchFamily="50" charset="-127"/>
-            </a:endParaRPr>
-          </a:p>
-          <a:p>
-            <a:pPr>
-              <a:lnSpc>
-                <a:spcPct val="150000"/>
-              </a:lnSpc>
-            </a:pPr>
-            <a:r>
-              <a:rPr lang="ko-KR" altLang="en-US" sz="1400" dirty="0" smtClean="0">
-                <a:latin typeface="나눔바른펜" panose="020B0503000000000000" pitchFamily="50" charset="-127"/>
-                <a:ea typeface="나눔바른펜" panose="020B0503000000000000" pitchFamily="50" charset="-127"/>
-              </a:rPr>
-              <a:t>기록하며 맨체스터 시티로 이적하여 뛰고 있다</a:t>
-            </a:r>
-            <a:r>
-              <a:rPr lang="en-US" altLang="ko-KR" sz="1400" dirty="0" smtClean="0">
-                <a:latin typeface="나눔바른펜" panose="020B0503000000000000" pitchFamily="50" charset="-127"/>
-                <a:ea typeface="나눔바른펜" panose="020B0503000000000000" pitchFamily="50" charset="-127"/>
-              </a:rPr>
-              <a:t>. </a:t>
-            </a:r>
-            <a:r>
-              <a:rPr lang="ko-KR" altLang="en-US" sz="1400" dirty="0" smtClean="0">
-                <a:latin typeface="나눔바른펜" panose="020B0503000000000000" pitchFamily="50" charset="-127"/>
-                <a:ea typeface="나눔바른펜" panose="020B0503000000000000" pitchFamily="50" charset="-127"/>
-              </a:rPr>
-              <a:t>이 팀엔 </a:t>
-            </a:r>
-            <a:r>
-              <a:rPr lang="en-US" altLang="ko-KR" sz="1400" i="1" dirty="0" smtClean="0">
-                <a:solidFill>
-                  <a:srgbClr val="0070C0"/>
-                </a:solidFill>
-                <a:latin typeface="나눔바른펜" panose="020B0503000000000000" pitchFamily="50" charset="-127"/>
-                <a:ea typeface="나눔바른펜" panose="020B0503000000000000" pitchFamily="50" charset="-127"/>
-              </a:rPr>
-              <a:t>Kevin De </a:t>
-            </a:r>
-            <a:r>
-              <a:rPr lang="en-US" altLang="ko-KR" sz="1400" i="1" dirty="0" err="1" smtClean="0">
-                <a:solidFill>
-                  <a:srgbClr val="0070C0"/>
-                </a:solidFill>
-                <a:latin typeface="나눔바른펜" panose="020B0503000000000000" pitchFamily="50" charset="-127"/>
-                <a:ea typeface="나눔바른펜" panose="020B0503000000000000" pitchFamily="50" charset="-127"/>
-              </a:rPr>
-              <a:t>Bruyne</a:t>
-            </a:r>
-            <a:r>
-              <a:rPr lang="en-US" altLang="ko-KR" sz="1400" i="1" dirty="0" smtClean="0">
-                <a:solidFill>
-                  <a:srgbClr val="0070C0"/>
-                </a:solidFill>
-                <a:latin typeface="나눔바른펜" panose="020B0503000000000000" pitchFamily="50" charset="-127"/>
-                <a:ea typeface="나눔바른펜" panose="020B0503000000000000" pitchFamily="50" charset="-127"/>
-              </a:rPr>
-              <a:t>(</a:t>
-            </a:r>
-            <a:r>
-              <a:rPr lang="ko-KR" altLang="en-US" sz="1400" i="1" dirty="0" smtClean="0">
-                <a:solidFill>
-                  <a:srgbClr val="0070C0"/>
-                </a:solidFill>
-                <a:latin typeface="나눔바른펜" panose="020B0503000000000000" pitchFamily="50" charset="-127"/>
-                <a:ea typeface="나눔바른펜" panose="020B0503000000000000" pitchFamily="50" charset="-127"/>
-              </a:rPr>
-              <a:t>케빈 데 </a:t>
-            </a:r>
-            <a:r>
-              <a:rPr lang="ko-KR" altLang="en-US" sz="1400" i="1" dirty="0" err="1" smtClean="0">
-                <a:solidFill>
-                  <a:srgbClr val="0070C0"/>
-                </a:solidFill>
-                <a:latin typeface="나눔바른펜" panose="020B0503000000000000" pitchFamily="50" charset="-127"/>
-                <a:ea typeface="나눔바른펜" panose="020B0503000000000000" pitchFamily="50" charset="-127"/>
-              </a:rPr>
-              <a:t>브라이너</a:t>
-            </a:r>
-            <a:r>
-              <a:rPr lang="en-US" altLang="ko-KR" sz="1400" i="1" dirty="0" smtClean="0">
-                <a:solidFill>
-                  <a:srgbClr val="0070C0"/>
-                </a:solidFill>
-                <a:latin typeface="나눔바른펜" panose="020B0503000000000000" pitchFamily="50" charset="-127"/>
-                <a:ea typeface="나눔바른펜" panose="020B0503000000000000" pitchFamily="50" charset="-127"/>
-              </a:rPr>
-              <a:t>)</a:t>
-            </a:r>
-            <a:r>
-              <a:rPr lang="ko-KR" altLang="en-US" sz="1400" dirty="0">
-                <a:solidFill>
-                  <a:srgbClr val="0070C0"/>
-                </a:solidFill>
-                <a:latin typeface="나눔바른펜" panose="020B0503000000000000" pitchFamily="50" charset="-127"/>
-                <a:ea typeface="나눔바른펜" panose="020B0503000000000000" pitchFamily="50" charset="-127"/>
-              </a:rPr>
-              <a:t> </a:t>
-            </a:r>
-            <a:r>
-              <a:rPr lang="ko-KR" altLang="en-US" sz="1400" dirty="0" smtClean="0">
-                <a:latin typeface="나눔바른펜" panose="020B0503000000000000" pitchFamily="50" charset="-127"/>
-                <a:ea typeface="나눔바른펜" panose="020B0503000000000000" pitchFamily="50" charset="-127"/>
-              </a:rPr>
-              <a:t>또한 뛰고 있다</a:t>
-            </a:r>
-            <a:r>
-              <a:rPr lang="en-US" altLang="ko-KR" sz="1400" dirty="0" smtClean="0">
-                <a:latin typeface="나눔바른펜" panose="020B0503000000000000" pitchFamily="50" charset="-127"/>
-                <a:ea typeface="나눔바른펜" panose="020B0503000000000000" pitchFamily="50" charset="-127"/>
+                <a:latin typeface="나눔고딕" panose="020D0604000000000000" pitchFamily="50" charset="-127"/>
+                <a:ea typeface="나눔고딕" panose="020D0604000000000000" pitchFamily="50" charset="-127"/>
               </a:rPr>
               <a:t>.</a:t>
             </a:r>
             <a:endParaRPr lang="ko-KR" altLang="en-US" sz="1400" dirty="0">
-              <a:latin typeface="나눔바른펜" panose="020B0503000000000000" pitchFamily="50" charset="-127"/>
-              <a:ea typeface="나눔바른펜" panose="020B0503000000000000" pitchFamily="50" charset="-127"/>
+              <a:latin typeface="나눔고딕" panose="020D0604000000000000" pitchFamily="50" charset="-127"/>
+              <a:ea typeface="나눔고딕" panose="020D0604000000000000" pitchFamily="50" charset="-127"/>
             </a:endParaRPr>
           </a:p>
         </p:txBody>
       </p:sp>
       <p:sp>
         <p:nvSpPr>
-          <p:cNvPr id="20" name="TextBox 19"/>
+          <p:cNvPr id="21" name="TextBox 20"/>
           <p:cNvSpPr txBox="1"/>
           <p:nvPr/>
         </p:nvSpPr>
         <p:spPr>
           <a:xfrm>
-            <a:off x="8067964" y="5226937"/>
+            <a:off x="8067964" y="3603844"/>
             <a:ext cx="3566636" cy="1061829"/>
           </a:xfrm>
           <a:prstGeom prst="rect">
@@ -10394,165 +10360,187 @@
             </a:pPr>
             <a:r>
               <a:rPr lang="ko-KR" altLang="en-US" sz="1400" dirty="0" smtClean="0">
-                <a:solidFill>
-                  <a:srgbClr val="0070C0"/>
-                </a:solidFill>
-                <a:latin typeface="나눔바른펜" panose="020B0503000000000000" pitchFamily="50" charset="-127"/>
-                <a:ea typeface="나눔바른펜" panose="020B0503000000000000" pitchFamily="50" charset="-127"/>
-              </a:rPr>
-              <a:t>잭 </a:t>
+                <a:latin typeface="나눔고딕" panose="020D0604000000000000" pitchFamily="50" charset="-127"/>
+                <a:ea typeface="나눔고딕" panose="020D0604000000000000" pitchFamily="50" charset="-127"/>
+              </a:rPr>
+              <a:t>맨체스터 시티의 감독인 </a:t>
             </a:r>
             <a:r>
               <a:rPr lang="ko-KR" altLang="en-US" sz="1400" dirty="0" err="1" smtClean="0">
                 <a:solidFill>
                   <a:srgbClr val="0070C0"/>
                 </a:solidFill>
-                <a:latin typeface="나눔바른펜" panose="020B0503000000000000" pitchFamily="50" charset="-127"/>
-                <a:ea typeface="나눔바른펜" panose="020B0503000000000000" pitchFamily="50" charset="-127"/>
-              </a:rPr>
-              <a:t>그릴리쉬</a:t>
+                <a:latin typeface="나눔고딕" panose="020D0604000000000000" pitchFamily="50" charset="-127"/>
+                <a:ea typeface="나눔고딕" panose="020D0604000000000000" pitchFamily="50" charset="-127"/>
+              </a:rPr>
+              <a:t>펩</a:t>
+            </a:r>
+            <a:r>
+              <a:rPr lang="ko-KR" altLang="en-US" sz="1400" dirty="0" smtClean="0">
+                <a:solidFill>
+                  <a:srgbClr val="0070C0"/>
+                </a:solidFill>
+                <a:latin typeface="나눔고딕" panose="020D0604000000000000" pitchFamily="50" charset="-127"/>
+                <a:ea typeface="나눔고딕" panose="020D0604000000000000" pitchFamily="50" charset="-127"/>
+              </a:rPr>
+              <a:t> </a:t>
             </a:r>
             <a:r>
               <a:rPr lang="ko-KR" altLang="en-US" sz="1400" dirty="0" err="1" smtClean="0">
-                <a:latin typeface="나눔바른펜" panose="020B0503000000000000" pitchFamily="50" charset="-127"/>
-                <a:ea typeface="나눔바른펜" panose="020B0503000000000000" pitchFamily="50" charset="-127"/>
+                <a:solidFill>
+                  <a:srgbClr val="0070C0"/>
+                </a:solidFill>
+                <a:latin typeface="나눔고딕" panose="020D0604000000000000" pitchFamily="50" charset="-127"/>
+                <a:ea typeface="나눔고딕" panose="020D0604000000000000" pitchFamily="50" charset="-127"/>
+              </a:rPr>
+              <a:t>과르디올라</a:t>
+            </a:r>
+            <a:r>
+              <a:rPr lang="ko-KR" altLang="en-US" sz="1400" dirty="0" err="1" smtClean="0">
+                <a:latin typeface="나눔고딕" panose="020D0604000000000000" pitchFamily="50" charset="-127"/>
+                <a:ea typeface="나눔고딕" panose="020D0604000000000000" pitchFamily="50" charset="-127"/>
               </a:rPr>
               <a:t>는</a:t>
             </a:r>
             <a:r>
               <a:rPr lang="ko-KR" altLang="en-US" sz="1400" dirty="0" smtClean="0">
-                <a:latin typeface="나눔바른펜" panose="020B0503000000000000" pitchFamily="50" charset="-127"/>
-                <a:ea typeface="나눔바른펜" panose="020B0503000000000000" pitchFamily="50" charset="-127"/>
-              </a:rPr>
-              <a:t> 중위권 팀인 </a:t>
-            </a:r>
-            <a:r>
-              <a:rPr lang="ko-KR" altLang="en-US" sz="1400" dirty="0" err="1" smtClean="0">
-                <a:latin typeface="나눔바른펜" panose="020B0503000000000000" pitchFamily="50" charset="-127"/>
-                <a:ea typeface="나눔바른펜" panose="020B0503000000000000" pitchFamily="50" charset="-127"/>
-              </a:rPr>
-              <a:t>아스톤빌라에서</a:t>
-            </a:r>
-            <a:r>
-              <a:rPr lang="ko-KR" altLang="en-US" sz="1400" dirty="0" smtClean="0">
-                <a:latin typeface="나눔바른펜" panose="020B0503000000000000" pitchFamily="50" charset="-127"/>
-                <a:ea typeface="나눔바른펜" panose="020B0503000000000000" pitchFamily="50" charset="-127"/>
-              </a:rPr>
-              <a:t> 윙 포워드로 출전해 홀로 눈에 띄는 공 소유 기술과 개인기를 가지고 있어 여러 상위권 팀의 러브콜을 받고 있었다</a:t>
+                <a:latin typeface="나눔고딕" panose="020D0604000000000000" pitchFamily="50" charset="-127"/>
+                <a:ea typeface="나눔고딕" panose="020D0604000000000000" pitchFamily="50" charset="-127"/>
+              </a:rPr>
+              <a:t> 압도적인 볼 점유율을 바탕으로 게임을 지배하여 승리하는 전술을 좋아하는 감독이다</a:t>
             </a:r>
             <a:r>
               <a:rPr lang="en-US" altLang="ko-KR" sz="1400" dirty="0" smtClean="0">
-                <a:latin typeface="나눔바른펜" panose="020B0503000000000000" pitchFamily="50" charset="-127"/>
-                <a:ea typeface="나눔바른펜" panose="020B0503000000000000" pitchFamily="50" charset="-127"/>
+                <a:latin typeface="나눔고딕" panose="020D0604000000000000" pitchFamily="50" charset="-127"/>
+                <a:ea typeface="나눔고딕" panose="020D0604000000000000" pitchFamily="50" charset="-127"/>
               </a:rPr>
               <a:t>.</a:t>
             </a:r>
             <a:endParaRPr lang="ko-KR" altLang="en-US" sz="1400" dirty="0">
-              <a:latin typeface="나눔바른펜" panose="020B0503000000000000" pitchFamily="50" charset="-127"/>
-              <a:ea typeface="나눔바른펜" panose="020B0503000000000000" pitchFamily="50" charset="-127"/>
+              <a:latin typeface="나눔고딕" panose="020D0604000000000000" pitchFamily="50" charset="-127"/>
+              <a:ea typeface="나눔고딕" panose="020D0604000000000000" pitchFamily="50" charset="-127"/>
             </a:endParaRPr>
           </a:p>
         </p:txBody>
       </p:sp>
-      <p:sp>
-        <p:nvSpPr>
-          <p:cNvPr id="21" name="TextBox 20"/>
-          <p:cNvSpPr txBox="1"/>
+      <p:grpSp>
+        <p:nvGrpSpPr>
+          <p:cNvPr id="18" name="그룹 17">
+            <a:extLst>
+              <a:ext uri="{FF2B5EF4-FFF2-40B4-BE49-F238E27FC236}">
+                <a16:creationId xmlns:a16="http://schemas.microsoft.com/office/drawing/2014/main" id="{1B0813F0-0608-43A3-9E53-0BA015EDE231}"/>
+              </a:ext>
+            </a:extLst>
+          </p:cNvPr>
+          <p:cNvGrpSpPr/>
           <p:nvPr/>
-        </p:nvSpPr>
-        <p:spPr>
+        </p:nvGrpSpPr>
+        <p:grpSpPr>
           <a:xfrm>
-            <a:off x="8067964" y="3604843"/>
-            <a:ext cx="3566636" cy="1061829"/>
+            <a:off x="4458472" y="170165"/>
+            <a:ext cx="3995415" cy="830997"/>
+            <a:chOff x="3819245" y="188165"/>
+            <a:chExt cx="3484717" cy="830997"/>
           </a:xfrm>
-          <a:prstGeom prst="rect">
-            <a:avLst/>
-          </a:prstGeom>
-          <a:noFill/>
-          <a:ln>
-            <a:solidFill>
-              <a:schemeClr val="accent6">
-                <a:lumMod val="50000"/>
-              </a:schemeClr>
-            </a:solidFill>
-          </a:ln>
-        </p:spPr>
-        <p:txBody>
-          <a:bodyPr wrap="square" rtlCol="0">
-            <a:spAutoFit/>
-          </a:bodyPr>
-          <a:lstStyle/>
-          <a:p>
-            <a:pPr>
-              <a:lnSpc>
-                <a:spcPct val="150000"/>
-              </a:lnSpc>
-            </a:pPr>
-            <a:r>
-              <a:rPr lang="ko-KR" altLang="en-US" sz="1400" dirty="0" smtClean="0">
-                <a:latin typeface="나눔바른펜" panose="020B0503000000000000" pitchFamily="50" charset="-127"/>
-                <a:ea typeface="나눔바른펜" panose="020B0503000000000000" pitchFamily="50" charset="-127"/>
-              </a:rPr>
-              <a:t>맨체스터 시티의 감독인 </a:t>
-            </a:r>
-            <a:r>
-              <a:rPr lang="ko-KR" altLang="en-US" sz="1400" dirty="0" err="1" smtClean="0">
+        </p:grpSpPr>
+        <p:sp>
+          <p:nvSpPr>
+            <p:cNvPr id="19" name="직사각형 18">
+              <a:extLst>
+                <a:ext uri="{FF2B5EF4-FFF2-40B4-BE49-F238E27FC236}">
+                  <a16:creationId xmlns:a16="http://schemas.microsoft.com/office/drawing/2014/main" id="{7D0033C3-456D-4151-9AAB-F0A2E961A5B6}"/>
+                </a:ext>
+              </a:extLst>
+            </p:cNvPr>
+            <p:cNvSpPr/>
+            <p:nvPr/>
+          </p:nvSpPr>
+          <p:spPr>
+            <a:xfrm>
+              <a:off x="4666433" y="280497"/>
+              <a:ext cx="2637529" cy="646331"/>
+            </a:xfrm>
+            <a:prstGeom prst="rect">
+              <a:avLst/>
+            </a:prstGeom>
+          </p:spPr>
+          <p:txBody>
+            <a:bodyPr wrap="square">
+              <a:spAutoFit/>
+            </a:bodyPr>
+            <a:lstStyle/>
+            <a:p>
+              <a:r>
+                <a:rPr lang="ko-KR" altLang="en-US" sz="3600" b="1" dirty="0" smtClean="0">
+                  <a:latin typeface="나눔고딕" panose="020D0604000000000000" pitchFamily="50" charset="-127"/>
+                  <a:ea typeface="나눔고딕" panose="020D0604000000000000" pitchFamily="50" charset="-127"/>
+                  <a:cs typeface="KoPubWorld돋움체 Light" panose="00000300000000000000" pitchFamily="2" charset="-127"/>
+                </a:rPr>
+                <a:t>포지션 별 분석</a:t>
+              </a:r>
+              <a:endParaRPr lang="ko-KR" altLang="en-US" sz="3600" b="1" dirty="0">
+                <a:latin typeface="나눔고딕" panose="020D0604000000000000" pitchFamily="50" charset="-127"/>
+                <a:ea typeface="나눔고딕" panose="020D0604000000000000" pitchFamily="50" charset="-127"/>
+                <a:cs typeface="KoPubWorld돋움체 Light" panose="00000300000000000000" pitchFamily="2" charset="-127"/>
+              </a:endParaRPr>
+            </a:p>
+          </p:txBody>
+        </p:sp>
+        <p:sp>
+          <p:nvSpPr>
+            <p:cNvPr id="22" name="TextBox 21">
+              <a:extLst>
+                <a:ext uri="{FF2B5EF4-FFF2-40B4-BE49-F238E27FC236}">
+                  <a16:creationId xmlns:a16="http://schemas.microsoft.com/office/drawing/2014/main" id="{1841637C-F02D-4ED4-9B17-10A92FFC6619}"/>
+                </a:ext>
+              </a:extLst>
+            </p:cNvPr>
+            <p:cNvSpPr txBox="1"/>
+            <p:nvPr/>
+          </p:nvSpPr>
+          <p:spPr>
+            <a:xfrm>
+              <a:off x="3819245" y="188165"/>
+              <a:ext cx="990139" cy="830997"/>
+            </a:xfrm>
+            <a:prstGeom prst="rect">
+              <a:avLst/>
+            </a:prstGeom>
+            <a:noFill/>
+          </p:spPr>
+          <p:txBody>
+            <a:bodyPr wrap="none" rtlCol="0">
+              <a:spAutoFit/>
+            </a:bodyPr>
+            <a:lstStyle/>
+            <a:p>
+              <a:r>
+                <a:rPr lang="en-US" altLang="ko-KR" sz="4800" b="1" dirty="0" smtClean="0">
+                  <a:solidFill>
+                    <a:schemeClr val="accent6">
+                      <a:lumMod val="50000"/>
+                    </a:schemeClr>
+                  </a:solidFill>
+                  <a:latin typeface="나눔고딕" panose="020D0604000000000000" pitchFamily="50" charset="-127"/>
+                  <a:ea typeface="나눔고딕" panose="020D0604000000000000" pitchFamily="50" charset="-127"/>
+                  <a:cs typeface="KoPubWorld돋움체 Bold" panose="00000800000000000000" pitchFamily="2" charset="-127"/>
+                </a:rPr>
+                <a:t>3-1</a:t>
+              </a:r>
+              <a:endParaRPr lang="ko-KR" altLang="en-US" sz="4800" b="1" dirty="0">
                 <a:solidFill>
-                  <a:srgbClr val="0070C0"/>
+                  <a:schemeClr val="accent6">
+                    <a:lumMod val="50000"/>
+                  </a:schemeClr>
                 </a:solidFill>
-                <a:latin typeface="나눔바른펜" panose="020B0503000000000000" pitchFamily="50" charset="-127"/>
-                <a:ea typeface="나눔바른펜" panose="020B0503000000000000" pitchFamily="50" charset="-127"/>
-              </a:rPr>
-              <a:t>펩</a:t>
-            </a:r>
-            <a:r>
-              <a:rPr lang="ko-KR" altLang="en-US" sz="1400" dirty="0" smtClean="0">
-                <a:solidFill>
-                  <a:srgbClr val="0070C0"/>
-                </a:solidFill>
-                <a:latin typeface="나눔바른펜" panose="020B0503000000000000" pitchFamily="50" charset="-127"/>
-                <a:ea typeface="나눔바른펜" panose="020B0503000000000000" pitchFamily="50" charset="-127"/>
-              </a:rPr>
-              <a:t> </a:t>
-            </a:r>
-            <a:r>
-              <a:rPr lang="ko-KR" altLang="en-US" sz="1400" dirty="0" err="1" smtClean="0">
-                <a:solidFill>
-                  <a:srgbClr val="0070C0"/>
-                </a:solidFill>
-                <a:latin typeface="나눔바른펜" panose="020B0503000000000000" pitchFamily="50" charset="-127"/>
-                <a:ea typeface="나눔바른펜" panose="020B0503000000000000" pitchFamily="50" charset="-127"/>
-              </a:rPr>
-              <a:t>과르디올라</a:t>
-            </a:r>
-            <a:r>
-              <a:rPr lang="ko-KR" altLang="en-US" sz="1400" dirty="0" err="1" smtClean="0">
-                <a:latin typeface="나눔바른펜" panose="020B0503000000000000" pitchFamily="50" charset="-127"/>
-                <a:ea typeface="나눔바른펜" panose="020B0503000000000000" pitchFamily="50" charset="-127"/>
-              </a:rPr>
-              <a:t>는</a:t>
-            </a:r>
-            <a:r>
-              <a:rPr lang="ko-KR" altLang="en-US" sz="1400" dirty="0" smtClean="0">
-                <a:latin typeface="나눔바른펜" panose="020B0503000000000000" pitchFamily="50" charset="-127"/>
-                <a:ea typeface="나눔바른펜" panose="020B0503000000000000" pitchFamily="50" charset="-127"/>
-              </a:rPr>
-              <a:t> 압도적인 볼 점유율을 바탕으로 게임을 지배하여 승리하는 전술을 좋아하는 감독이다</a:t>
-            </a:r>
-            <a:r>
-              <a:rPr lang="en-US" altLang="ko-KR" sz="1400" dirty="0" smtClean="0">
-                <a:latin typeface="나눔바른펜" panose="020B0503000000000000" pitchFamily="50" charset="-127"/>
-                <a:ea typeface="나눔바른펜" panose="020B0503000000000000" pitchFamily="50" charset="-127"/>
-              </a:rPr>
-              <a:t>.</a:t>
-            </a:r>
-            <a:endParaRPr lang="ko-KR" altLang="en-US" sz="1400" dirty="0">
-              <a:latin typeface="나눔바른펜" panose="020B0503000000000000" pitchFamily="50" charset="-127"/>
-              <a:ea typeface="나눔바른펜" panose="020B0503000000000000" pitchFamily="50" charset="-127"/>
-            </a:endParaRPr>
-          </a:p>
-        </p:txBody>
-      </p:sp>
+                <a:latin typeface="나눔고딕" panose="020D0604000000000000" pitchFamily="50" charset="-127"/>
+                <a:ea typeface="나눔고딕" panose="020D0604000000000000" pitchFamily="50" charset="-127"/>
+                <a:cs typeface="KoPubWorld돋움체 Bold" panose="00000800000000000000" pitchFamily="2" charset="-127"/>
+              </a:endParaRPr>
+            </a:p>
+          </p:txBody>
+        </p:sp>
+      </p:grpSp>
     </p:spTree>
     <p:extLst>
       <p:ext uri="{BB962C8B-B14F-4D97-AF65-F5344CB8AC3E}">
@@ -10662,9 +10650,9 @@
         <p:grpSpPr>
           <a:xfrm>
             <a:off x="4458472" y="170165"/>
-            <a:ext cx="3538182" cy="830997"/>
+            <a:ext cx="3995415" cy="830997"/>
             <a:chOff x="3819245" y="188165"/>
-            <a:chExt cx="3085928" cy="830997"/>
+            <a:chExt cx="3484717" cy="830997"/>
           </a:xfrm>
         </p:grpSpPr>
         <p:sp>
@@ -10681,8 +10669,8 @@
           </p:nvSpPr>
           <p:spPr>
             <a:xfrm>
-              <a:off x="4659786" y="280497"/>
-              <a:ext cx="2245387" cy="646331"/>
+              <a:off x="4666433" y="280497"/>
+              <a:ext cx="2637529" cy="646331"/>
             </a:xfrm>
             <a:prstGeom prst="rect">
               <a:avLst/>
@@ -10696,15 +10684,15 @@
             <a:p>
               <a:r>
                 <a:rPr lang="ko-KR" altLang="en-US" sz="3600" b="1" dirty="0" smtClean="0">
-                  <a:latin typeface="나눔바른펜" panose="020B0503000000000000" pitchFamily="50" charset="-127"/>
-                  <a:ea typeface="나눔바른펜" panose="020B0503000000000000" pitchFamily="50" charset="-127"/>
+                  <a:latin typeface="나눔고딕" panose="020D0604000000000000" pitchFamily="50" charset="-127"/>
+                  <a:ea typeface="나눔고딕" panose="020D0604000000000000" pitchFamily="50" charset="-127"/>
                   <a:cs typeface="KoPubWorld돋움체 Light" panose="00000300000000000000" pitchFamily="2" charset="-127"/>
                 </a:rPr>
                 <a:t>포지션 별 분석</a:t>
               </a:r>
               <a:endParaRPr lang="ko-KR" altLang="en-US" sz="3600" b="1" dirty="0">
-                <a:latin typeface="나눔바른펜" panose="020B0503000000000000" pitchFamily="50" charset="-127"/>
-                <a:ea typeface="나눔바른펜" panose="020B0503000000000000" pitchFamily="50" charset="-127"/>
+                <a:latin typeface="나눔고딕" panose="020D0604000000000000" pitchFamily="50" charset="-127"/>
+                <a:ea typeface="나눔고딕" panose="020D0604000000000000" pitchFamily="50" charset="-127"/>
                 <a:cs typeface="KoPubWorld돋움체 Light" panose="00000300000000000000" pitchFamily="2" charset="-127"/>
               </a:endParaRPr>
             </a:p>
@@ -10725,7 +10713,7 @@
           <p:spPr>
             <a:xfrm>
               <a:off x="3819245" y="188165"/>
-              <a:ext cx="847532" cy="830997"/>
+              <a:ext cx="990139" cy="830997"/>
             </a:xfrm>
             <a:prstGeom prst="rect">
               <a:avLst/>
@@ -10745,8 +10733,8 @@
                       <a:lumMod val="50000"/>
                     </a:schemeClr>
                   </a:solidFill>
-                  <a:latin typeface="나눔바른펜" panose="020B0503000000000000" pitchFamily="50" charset="-127"/>
-                  <a:ea typeface="나눔바른펜" panose="020B0503000000000000" pitchFamily="50" charset="-127"/>
+                  <a:latin typeface="나눔고딕" panose="020D0604000000000000" pitchFamily="50" charset="-127"/>
+                  <a:ea typeface="나눔고딕" panose="020D0604000000000000" pitchFamily="50" charset="-127"/>
                   <a:cs typeface="KoPubWorld돋움체 Bold" panose="00000800000000000000" pitchFamily="2" charset="-127"/>
                 </a:rPr>
                 <a:t>3-1</a:t>
@@ -10757,8 +10745,8 @@
                     <a:lumMod val="50000"/>
                   </a:schemeClr>
                 </a:solidFill>
-                <a:latin typeface="나눔바른펜" panose="020B0503000000000000" pitchFamily="50" charset="-127"/>
-                <a:ea typeface="나눔바른펜" panose="020B0503000000000000" pitchFamily="50" charset="-127"/>
+                <a:latin typeface="나눔고딕" panose="020D0604000000000000" pitchFamily="50" charset="-127"/>
+                <a:ea typeface="나눔고딕" panose="020D0604000000000000" pitchFamily="50" charset="-127"/>
                 <a:cs typeface="KoPubWorld돋움체 Bold" panose="00000800000000000000" pitchFamily="2" charset="-127"/>
               </a:endParaRPr>
             </a:p>
@@ -10774,7 +10762,7 @@
         <p:spPr>
           <a:xfrm>
             <a:off x="557400" y="1136364"/>
-            <a:ext cx="1947969" cy="523220"/>
+            <a:ext cx="2274982" cy="523220"/>
           </a:xfrm>
           <a:prstGeom prst="rect">
             <a:avLst/>
@@ -10789,14 +10777,14 @@
           <a:p>
             <a:r>
               <a:rPr lang="ko-KR" altLang="en-US" sz="2800" b="1" smtClean="0">
-                <a:latin typeface="나눔바른펜" panose="020B0503000000000000" pitchFamily="50" charset="-127"/>
-                <a:ea typeface="나눔바른펜" panose="020B0503000000000000" pitchFamily="50" charset="-127"/>
+                <a:latin typeface="나눔고딕" panose="020D0604000000000000" pitchFamily="50" charset="-127"/>
+                <a:ea typeface="나눔고딕" panose="020D0604000000000000" pitchFamily="50" charset="-127"/>
               </a:rPr>
               <a:t>데이터 시각화</a:t>
             </a:r>
             <a:endParaRPr lang="ko-KR" altLang="en-US" sz="2800" dirty="0">
-              <a:latin typeface="나눔바른펜" panose="020B0503000000000000" pitchFamily="50" charset="-127"/>
-              <a:ea typeface="나눔바른펜" panose="020B0503000000000000" pitchFamily="50" charset="-127"/>
+              <a:latin typeface="나눔고딕" panose="020D0604000000000000" pitchFamily="50" charset="-127"/>
+              <a:ea typeface="나눔고딕" panose="020D0604000000000000" pitchFamily="50" charset="-127"/>
             </a:endParaRPr>
           </a:p>
         </p:txBody>
@@ -11187,8 +11175,8 @@
           </p:nvSpPr>
           <p:spPr>
             <a:xfrm>
-              <a:off x="4659786" y="280497"/>
-              <a:ext cx="2245387" cy="646331"/>
+              <a:off x="4746322" y="280497"/>
+              <a:ext cx="2158851" cy="646331"/>
             </a:xfrm>
             <a:prstGeom prst="rect">
               <a:avLst/>
@@ -11202,23 +11190,15 @@
             <a:p>
               <a:r>
                 <a:rPr lang="ko-KR" altLang="en-US" sz="3600" b="1" dirty="0" smtClean="0">
-                  <a:latin typeface="나눔바른펜" panose="020B0503000000000000" pitchFamily="50" charset="-127"/>
-                  <a:ea typeface="나눔바른펜" panose="020B0503000000000000" pitchFamily="50" charset="-127"/>
+                  <a:latin typeface="나눔고딕" panose="020D0604000000000000" pitchFamily="50" charset="-127"/>
+                  <a:ea typeface="나눔고딕" panose="020D0604000000000000" pitchFamily="50" charset="-127"/>
                   <a:cs typeface="KoPubWorld돋움체 Light" panose="00000300000000000000" pitchFamily="2" charset="-127"/>
                 </a:rPr>
-                <a:t>팀 </a:t>
-              </a:r>
-              <a:r>
-                <a:rPr lang="ko-KR" altLang="en-US" sz="3600" b="1" dirty="0" smtClean="0">
-                  <a:latin typeface="나눔바른펜" panose="020B0503000000000000" pitchFamily="50" charset="-127"/>
-                  <a:ea typeface="나눔바른펜" panose="020B0503000000000000" pitchFamily="50" charset="-127"/>
-                  <a:cs typeface="KoPubWorld돋움체 Light" panose="00000300000000000000" pitchFamily="2" charset="-127"/>
-                </a:rPr>
-                <a:t>분석</a:t>
+                <a:t>팀 분석</a:t>
               </a:r>
               <a:endParaRPr lang="ko-KR" altLang="en-US" sz="3600" b="1" dirty="0">
-                <a:latin typeface="나눔바른펜" panose="020B0503000000000000" pitchFamily="50" charset="-127"/>
-                <a:ea typeface="나눔바른펜" panose="020B0503000000000000" pitchFamily="50" charset="-127"/>
+                <a:latin typeface="나눔고딕" panose="020D0604000000000000" pitchFamily="50" charset="-127"/>
+                <a:ea typeface="나눔고딕" panose="020D0604000000000000" pitchFamily="50" charset="-127"/>
                 <a:cs typeface="KoPubWorld돋움체 Light" panose="00000300000000000000" pitchFamily="2" charset="-127"/>
               </a:endParaRPr>
             </a:p>
@@ -11239,7 +11219,7 @@
           <p:spPr>
             <a:xfrm>
               <a:off x="3819245" y="188165"/>
-              <a:ext cx="907651" cy="830997"/>
+              <a:ext cx="990139" cy="830997"/>
             </a:xfrm>
             <a:prstGeom prst="rect">
               <a:avLst/>
@@ -11259,8 +11239,8 @@
                       <a:lumMod val="50000"/>
                     </a:schemeClr>
                   </a:solidFill>
-                  <a:latin typeface="나눔바른펜" panose="020B0503000000000000" pitchFamily="50" charset="-127"/>
-                  <a:ea typeface="나눔바른펜" panose="020B0503000000000000" pitchFamily="50" charset="-127"/>
+                  <a:latin typeface="나눔고딕" panose="020D0604000000000000" pitchFamily="50" charset="-127"/>
+                  <a:ea typeface="나눔고딕" panose="020D0604000000000000" pitchFamily="50" charset="-127"/>
                   <a:cs typeface="KoPubWorld돋움체 Bold" panose="00000800000000000000" pitchFamily="2" charset="-127"/>
                 </a:rPr>
                 <a:t>3-2</a:t>
@@ -11271,8 +11251,8 @@
                     <a:lumMod val="50000"/>
                   </a:schemeClr>
                 </a:solidFill>
-                <a:latin typeface="나눔바른펜" panose="020B0503000000000000" pitchFamily="50" charset="-127"/>
-                <a:ea typeface="나눔바른펜" panose="020B0503000000000000" pitchFamily="50" charset="-127"/>
+                <a:latin typeface="나눔고딕" panose="020D0604000000000000" pitchFamily="50" charset="-127"/>
+                <a:ea typeface="나눔고딕" panose="020D0604000000000000" pitchFamily="50" charset="-127"/>
                 <a:cs typeface="KoPubWorld돋움체 Bold" panose="00000800000000000000" pitchFamily="2" charset="-127"/>
               </a:endParaRPr>
             </a:p>
@@ -11495,7 +11475,8 @@
           <a:lstStyle/>
           <a:p>
             <a:endParaRPr lang="en-US" b="1" dirty="0">
-              <a:latin typeface="Raleway" panose="020B0503030101060003" pitchFamily="34" charset="77"/>
+              <a:latin typeface="나눔고딕" panose="020D0604000000000000" pitchFamily="50" charset="-127"/>
+              <a:ea typeface="나눔고딕" panose="020D0604000000000000" pitchFamily="50" charset="-127"/>
             </a:endParaRPr>
           </a:p>
         </p:txBody>
@@ -11611,7 +11592,8 @@
           <a:lstStyle/>
           <a:p>
             <a:endParaRPr lang="en-US" b="1" dirty="0">
-              <a:latin typeface="Raleway" panose="020B0503030101060003" pitchFamily="34" charset="77"/>
+              <a:latin typeface="나눔고딕" panose="020D0604000000000000" pitchFamily="50" charset="-127"/>
+              <a:ea typeface="나눔고딕" panose="020D0604000000000000" pitchFamily="50" charset="-127"/>
             </a:endParaRPr>
           </a:p>
         </p:txBody>
@@ -11727,7 +11709,8 @@
           <a:lstStyle/>
           <a:p>
             <a:endParaRPr lang="en-US" b="1" dirty="0">
-              <a:latin typeface="Raleway" panose="020B0503030101060003" pitchFamily="34" charset="77"/>
+              <a:latin typeface="나눔고딕" panose="020D0604000000000000" pitchFamily="50" charset="-127"/>
+              <a:ea typeface="나눔고딕" panose="020D0604000000000000" pitchFamily="50" charset="-127"/>
             </a:endParaRPr>
           </a:p>
         </p:txBody>
@@ -11846,7 +11829,8 @@
           <a:lstStyle/>
           <a:p>
             <a:endParaRPr lang="en-US" b="1" dirty="0">
-              <a:latin typeface="Raleway" panose="020B0503030101060003" pitchFamily="34" charset="77"/>
+              <a:latin typeface="나눔고딕" panose="020D0604000000000000" pitchFamily="50" charset="-127"/>
+              <a:ea typeface="나눔고딕" panose="020D0604000000000000" pitchFamily="50" charset="-127"/>
             </a:endParaRPr>
           </a:p>
         </p:txBody>
@@ -11966,7 +11950,8 @@
           <a:lstStyle/>
           <a:p>
             <a:endParaRPr lang="en-US" b="1" dirty="0">
-              <a:latin typeface="Raleway" panose="020B0503030101060003" pitchFamily="34" charset="77"/>
+              <a:latin typeface="나눔고딕" panose="020D0604000000000000" pitchFamily="50" charset="-127"/>
+              <a:ea typeface="나눔고딕" panose="020D0604000000000000" pitchFamily="50" charset="-127"/>
             </a:endParaRPr>
           </a:p>
         </p:txBody>
@@ -12104,7 +12089,8 @@
           <a:lstStyle/>
           <a:p>
             <a:endParaRPr lang="en-US" b="1" dirty="0">
-              <a:latin typeface="Raleway" panose="020B0503030101060003" pitchFamily="34" charset="77"/>
+              <a:latin typeface="나눔고딕" panose="020D0604000000000000" pitchFamily="50" charset="-127"/>
+              <a:ea typeface="나눔고딕" panose="020D0604000000000000" pitchFamily="50" charset="-127"/>
             </a:endParaRPr>
           </a:p>
         </p:txBody>
@@ -12399,7 +12385,8 @@
           <a:lstStyle/>
           <a:p>
             <a:endParaRPr lang="en-US" b="1" dirty="0">
-              <a:latin typeface="Raleway" panose="020B0503030101060003" pitchFamily="34" charset="77"/>
+              <a:latin typeface="나눔고딕" panose="020D0604000000000000" pitchFamily="50" charset="-127"/>
+              <a:ea typeface="나눔고딕" panose="020D0604000000000000" pitchFamily="50" charset="-127"/>
             </a:endParaRPr>
           </a:p>
         </p:txBody>
@@ -12537,7 +12524,8 @@
           <a:lstStyle/>
           <a:p>
             <a:endParaRPr lang="en-US" b="1" dirty="0">
-              <a:latin typeface="Raleway" panose="020B0503030101060003" pitchFamily="34" charset="77"/>
+              <a:latin typeface="나눔고딕" panose="020D0604000000000000" pitchFamily="50" charset="-127"/>
+              <a:ea typeface="나눔고딕" panose="020D0604000000000000" pitchFamily="50" charset="-127"/>
             </a:endParaRPr>
           </a:p>
         </p:txBody>
@@ -12833,7 +12821,8 @@
           <a:lstStyle/>
           <a:p>
             <a:endParaRPr lang="en-US" b="1" dirty="0">
-              <a:latin typeface="Raleway" panose="020B0503030101060003" pitchFamily="34" charset="77"/>
+              <a:latin typeface="나눔고딕" panose="020D0604000000000000" pitchFamily="50" charset="-127"/>
+              <a:ea typeface="나눔고딕" panose="020D0604000000000000" pitchFamily="50" charset="-127"/>
             </a:endParaRPr>
           </a:p>
         </p:txBody>
@@ -12971,7 +12960,8 @@
           <a:lstStyle/>
           <a:p>
             <a:endParaRPr lang="en-US" b="1" dirty="0">
-              <a:latin typeface="Raleway" panose="020B0503030101060003" pitchFamily="34" charset="77"/>
+              <a:latin typeface="나눔고딕" panose="020D0604000000000000" pitchFamily="50" charset="-127"/>
+              <a:ea typeface="나눔고딕" panose="020D0604000000000000" pitchFamily="50" charset="-127"/>
             </a:endParaRPr>
           </a:p>
         </p:txBody>
@@ -13288,7 +13278,8 @@
           <a:lstStyle/>
           <a:p>
             <a:endParaRPr lang="en-US" b="1" dirty="0">
-              <a:latin typeface="Raleway" panose="020B0503030101060003" pitchFamily="34" charset="77"/>
+              <a:latin typeface="나눔고딕" panose="020D0604000000000000" pitchFamily="50" charset="-127"/>
+              <a:ea typeface="나눔고딕" panose="020D0604000000000000" pitchFamily="50" charset="-127"/>
             </a:endParaRPr>
           </a:p>
         </p:txBody>
@@ -13302,7 +13293,7 @@
         <p:spPr>
           <a:xfrm>
             <a:off x="5565984" y="2264232"/>
-            <a:ext cx="3504486" cy="400110"/>
+            <a:ext cx="4261103" cy="400110"/>
           </a:xfrm>
           <a:prstGeom prst="rect">
             <a:avLst/>
@@ -13316,32 +13307,32 @@
           <a:lstStyle/>
           <a:p>
             <a:r>
-              <a:rPr lang="en-US" altLang="ko-KR" sz="2000" b="1" dirty="0" smtClean="0">
-                <a:latin typeface="나눔바른펜" panose="020B0503000000000000" pitchFamily="50" charset="-127"/>
-                <a:ea typeface="나눔바른펜" panose="020B0503000000000000" pitchFamily="50" charset="-127"/>
+              <a:rPr lang="en-US" altLang="ko-KR" sz="2000" dirty="0" smtClean="0">
+                <a:latin typeface="나눔고딕" panose="020D0604000000000000" pitchFamily="50" charset="-127"/>
+                <a:ea typeface="나눔고딕" panose="020D0604000000000000" pitchFamily="50" charset="-127"/>
                 <a:cs typeface="Poppins" pitchFamily="2" charset="77"/>
               </a:rPr>
               <a:t>&lt;</a:t>
             </a:r>
             <a:r>
-              <a:rPr lang="ko-KR" altLang="en-US" sz="2000" b="1" dirty="0" smtClean="0">
-                <a:latin typeface="나눔바른펜" panose="020B0503000000000000" pitchFamily="50" charset="-127"/>
-                <a:ea typeface="나눔바른펜" panose="020B0503000000000000" pitchFamily="50" charset="-127"/>
+              <a:rPr lang="ko-KR" altLang="en-US" sz="2000" dirty="0" smtClean="0">
+                <a:latin typeface="나눔고딕" panose="020D0604000000000000" pitchFamily="50" charset="-127"/>
+                <a:ea typeface="나눔고딕" panose="020D0604000000000000" pitchFamily="50" charset="-127"/>
                 <a:cs typeface="Poppins" pitchFamily="2" charset="77"/>
               </a:rPr>
               <a:t>가장 거칠고 힘든 리그는 어디일까</a:t>
             </a:r>
             <a:r>
-              <a:rPr lang="en-US" altLang="ko-KR" sz="2000" b="1" dirty="0" smtClean="0">
-                <a:latin typeface="나눔바른펜" panose="020B0503000000000000" pitchFamily="50" charset="-127"/>
-                <a:ea typeface="나눔바른펜" panose="020B0503000000000000" pitchFamily="50" charset="-127"/>
+              <a:rPr lang="en-US" altLang="ko-KR" sz="2000" dirty="0" smtClean="0">
+                <a:latin typeface="나눔고딕" panose="020D0604000000000000" pitchFamily="50" charset="-127"/>
+                <a:ea typeface="나눔고딕" panose="020D0604000000000000" pitchFamily="50" charset="-127"/>
                 <a:cs typeface="Poppins" pitchFamily="2" charset="77"/>
               </a:rPr>
               <a:t>?&gt;</a:t>
             </a:r>
-            <a:endParaRPr lang="en-US" sz="2000" b="1" dirty="0">
-              <a:latin typeface="나눔바른펜" panose="020B0503000000000000" pitchFamily="50" charset="-127"/>
-              <a:ea typeface="나눔바른펜" panose="020B0503000000000000" pitchFamily="50" charset="-127"/>
+            <a:endParaRPr lang="en-US" sz="2000" dirty="0">
+              <a:latin typeface="나눔고딕" panose="020D0604000000000000" pitchFamily="50" charset="-127"/>
+              <a:ea typeface="나눔고딕" panose="020D0604000000000000" pitchFamily="50" charset="-127"/>
               <a:cs typeface="Poppins" pitchFamily="2" charset="77"/>
             </a:endParaRPr>
           </a:p>
@@ -13373,8 +13364,8 @@
               <a:solidFill>
                 <a:schemeClr val="tx2"/>
               </a:solidFill>
-              <a:latin typeface="Raleway Medium" panose="020B0503030101060003" pitchFamily="34" charset="77"/>
-              <a:ea typeface="Roboto" charset="0"/>
+              <a:latin typeface="나눔고딕" panose="020D0604000000000000" pitchFamily="50" charset="-127"/>
+              <a:ea typeface="나눔고딕" panose="020D0604000000000000" pitchFamily="50" charset="-127"/>
               <a:cs typeface="Poppins" pitchFamily="2" charset="77"/>
             </a:endParaRPr>
           </a:p>
@@ -13388,7 +13379,7 @@
         </p:nvSpPr>
         <p:spPr>
           <a:xfrm>
-            <a:off x="2798507" y="3158006"/>
+            <a:off x="2737813" y="3149319"/>
             <a:ext cx="787396" cy="707886"/>
           </a:xfrm>
           <a:prstGeom prst="rect">
@@ -13408,8 +13399,8 @@
                 <a:solidFill>
                   <a:schemeClr val="bg1"/>
                 </a:solidFill>
-                <a:latin typeface="Raleway" panose="020B0503030101060003"/>
-                <a:ea typeface="Roboto" charset="0"/>
+                <a:latin typeface="나눔고딕" panose="020D0604000000000000" pitchFamily="50" charset="-127"/>
+                <a:ea typeface="나눔고딕" panose="020D0604000000000000" pitchFamily="50" charset="-127"/>
                 <a:cs typeface="Poppins" pitchFamily="2" charset="77"/>
               </a:rPr>
               <a:t>02</a:t>
@@ -13425,8 +13416,8 @@
         </p:nvSpPr>
         <p:spPr>
           <a:xfrm>
-            <a:off x="1788957" y="2113923"/>
-            <a:ext cx="767839" cy="707886"/>
+            <a:off x="1775973" y="2113923"/>
+            <a:ext cx="793807" cy="707886"/>
           </a:xfrm>
           <a:prstGeom prst="rect">
             <a:avLst/>
@@ -13445,8 +13436,8 @@
                 <a:solidFill>
                   <a:schemeClr val="bg1"/>
                 </a:solidFill>
-                <a:latin typeface="Raleway" panose="020B0503030101060003"/>
-                <a:ea typeface="Roboto" charset="0"/>
+                <a:latin typeface="나눔고딕" panose="020D0604000000000000" pitchFamily="50" charset="-127"/>
+                <a:ea typeface="나눔고딕" panose="020D0604000000000000" pitchFamily="50" charset="-127"/>
                 <a:cs typeface="Poppins" pitchFamily="2" charset="77"/>
               </a:rPr>
               <a:t>01</a:t>
@@ -13462,8 +13453,8 @@
         </p:nvSpPr>
         <p:spPr>
           <a:xfrm>
-            <a:off x="1787254" y="4271769"/>
-            <a:ext cx="785793" cy="707886"/>
+            <a:off x="1785767" y="4269308"/>
+            <a:ext cx="793807" cy="707886"/>
           </a:xfrm>
           <a:prstGeom prst="rect">
             <a:avLst/>
@@ -13482,8 +13473,8 @@
                 <a:solidFill>
                   <a:schemeClr val="bg1"/>
                 </a:solidFill>
-                <a:latin typeface="Raleway" panose="020B0503030101060003"/>
-                <a:ea typeface="Roboto" charset="0"/>
+                <a:latin typeface="나눔고딕" panose="020D0604000000000000" pitchFamily="50" charset="-127"/>
+                <a:ea typeface="나눔고딕" panose="020D0604000000000000" pitchFamily="50" charset="-127"/>
                 <a:cs typeface="Poppins" pitchFamily="2" charset="77"/>
               </a:rPr>
               <a:t>03</a:t>
@@ -13506,7 +13497,7 @@
         <p:spPr>
           <a:xfrm>
             <a:off x="5634027" y="4408406"/>
-            <a:ext cx="3995004" cy="400110"/>
+            <a:ext cx="4814138" cy="400110"/>
           </a:xfrm>
           <a:prstGeom prst="rect">
             <a:avLst/>
@@ -13520,32 +13511,32 @@
           <a:lstStyle/>
           <a:p>
             <a:r>
-              <a:rPr lang="en-US" altLang="ko-KR" sz="2000" b="1" dirty="0" smtClean="0">
-                <a:latin typeface="나눔바른펜" panose="020B0503000000000000" pitchFamily="50" charset="-127"/>
-                <a:ea typeface="나눔바른펜" panose="020B0503000000000000" pitchFamily="50" charset="-127"/>
+              <a:rPr lang="en-US" altLang="ko-KR" sz="2000" dirty="0" smtClean="0">
+                <a:latin typeface="나눔고딕" panose="020D0604000000000000" pitchFamily="50" charset="-127"/>
+                <a:ea typeface="나눔고딕" panose="020D0604000000000000" pitchFamily="50" charset="-127"/>
                 <a:cs typeface="Poppins" pitchFamily="2" charset="77"/>
               </a:rPr>
               <a:t>&lt;</a:t>
             </a:r>
             <a:r>
-              <a:rPr lang="ko-KR" altLang="en-US" sz="2000" b="1" dirty="0" smtClean="0">
-                <a:latin typeface="나눔바른펜" panose="020B0503000000000000" pitchFamily="50" charset="-127"/>
-                <a:ea typeface="나눔바른펜" panose="020B0503000000000000" pitchFamily="50" charset="-127"/>
+              <a:rPr lang="ko-KR" altLang="en-US" sz="2000" dirty="0" smtClean="0">
+                <a:latin typeface="나눔고딕" panose="020D0604000000000000" pitchFamily="50" charset="-127"/>
+                <a:ea typeface="나눔고딕" panose="020D0604000000000000" pitchFamily="50" charset="-127"/>
                 <a:cs typeface="Poppins" pitchFamily="2" charset="77"/>
               </a:rPr>
               <a:t>같은 특성을 가지지만 왜 성적이 다를까</a:t>
             </a:r>
             <a:r>
-              <a:rPr lang="en-US" altLang="ko-KR" sz="2000" b="1" dirty="0" smtClean="0">
-                <a:latin typeface="나눔바른펜" panose="020B0503000000000000" pitchFamily="50" charset="-127"/>
-                <a:ea typeface="나눔바른펜" panose="020B0503000000000000" pitchFamily="50" charset="-127"/>
+              <a:rPr lang="en-US" altLang="ko-KR" sz="2000" dirty="0" smtClean="0">
+                <a:latin typeface="나눔고딕" panose="020D0604000000000000" pitchFamily="50" charset="-127"/>
+                <a:ea typeface="나눔고딕" panose="020D0604000000000000" pitchFamily="50" charset="-127"/>
                 <a:cs typeface="Poppins" pitchFamily="2" charset="77"/>
               </a:rPr>
               <a:t>?&gt;</a:t>
             </a:r>
-            <a:endParaRPr lang="en-US" sz="2000" b="1" dirty="0">
-              <a:latin typeface="나눔바른펜" panose="020B0503000000000000" pitchFamily="50" charset="-127"/>
-              <a:ea typeface="나눔바른펜" panose="020B0503000000000000" pitchFamily="50" charset="-127"/>
+            <a:endParaRPr lang="en-US" sz="2000" dirty="0">
+              <a:latin typeface="나눔고딕" panose="020D0604000000000000" pitchFamily="50" charset="-127"/>
+              <a:ea typeface="나눔고딕" panose="020D0604000000000000" pitchFamily="50" charset="-127"/>
               <a:cs typeface="Poppins" pitchFamily="2" charset="77"/>
             </a:endParaRPr>
           </a:p>
@@ -13560,7 +13551,7 @@
         <p:spPr>
           <a:xfrm>
             <a:off x="6089340" y="3308844"/>
-            <a:ext cx="4121641" cy="400110"/>
+            <a:ext cx="4982454" cy="400110"/>
           </a:xfrm>
           <a:prstGeom prst="rect">
             <a:avLst/>
@@ -13574,32 +13565,32 @@
           <a:lstStyle/>
           <a:p>
             <a:r>
-              <a:rPr lang="en-US" altLang="ko-KR" sz="2000" b="1" dirty="0" smtClean="0">
-                <a:latin typeface="나눔바른펜" panose="020B0503000000000000" pitchFamily="50" charset="-127"/>
-                <a:ea typeface="나눔바른펜" panose="020B0503000000000000" pitchFamily="50" charset="-127"/>
+              <a:rPr lang="en-US" altLang="ko-KR" sz="2000" dirty="0" smtClean="0">
+                <a:latin typeface="나눔고딕" panose="020D0604000000000000" pitchFamily="50" charset="-127"/>
+                <a:ea typeface="나눔고딕" panose="020D0604000000000000" pitchFamily="50" charset="-127"/>
                 <a:cs typeface="Poppins" pitchFamily="2" charset="77"/>
               </a:rPr>
               <a:t>&lt;</a:t>
             </a:r>
             <a:r>
-              <a:rPr lang="ko-KR" altLang="en-US" sz="2000" b="1" dirty="0" smtClean="0">
-                <a:latin typeface="나눔바른펜" panose="020B0503000000000000" pitchFamily="50" charset="-127"/>
-                <a:ea typeface="나눔바른펜" panose="020B0503000000000000" pitchFamily="50" charset="-127"/>
+              <a:rPr lang="ko-KR" altLang="en-US" sz="2000" dirty="0" smtClean="0">
+                <a:latin typeface="나눔고딕" panose="020D0604000000000000" pitchFamily="50" charset="-127"/>
+                <a:ea typeface="나눔고딕" panose="020D0604000000000000" pitchFamily="50" charset="-127"/>
                 <a:cs typeface="Poppins" pitchFamily="2" charset="77"/>
               </a:rPr>
               <a:t>거칠게 플레이하면 팀에 이득을 가져올까</a:t>
             </a:r>
             <a:r>
-              <a:rPr lang="en-US" altLang="ko-KR" sz="2000" b="1" dirty="0" smtClean="0">
-                <a:latin typeface="나눔바른펜" panose="020B0503000000000000" pitchFamily="50" charset="-127"/>
-                <a:ea typeface="나눔바른펜" panose="020B0503000000000000" pitchFamily="50" charset="-127"/>
+              <a:rPr lang="en-US" altLang="ko-KR" sz="2000" dirty="0" smtClean="0">
+                <a:latin typeface="나눔고딕" panose="020D0604000000000000" pitchFamily="50" charset="-127"/>
+                <a:ea typeface="나눔고딕" panose="020D0604000000000000" pitchFamily="50" charset="-127"/>
                 <a:cs typeface="Poppins" pitchFamily="2" charset="77"/>
               </a:rPr>
               <a:t>?&gt;</a:t>
             </a:r>
-            <a:endParaRPr lang="en-US" sz="2000" b="1" dirty="0">
-              <a:latin typeface="나눔바른펜" panose="020B0503000000000000" pitchFamily="50" charset="-127"/>
-              <a:ea typeface="나눔바른펜" panose="020B0503000000000000" pitchFamily="50" charset="-127"/>
+            <a:endParaRPr lang="en-US" sz="2000" dirty="0">
+              <a:latin typeface="나눔고딕" panose="020D0604000000000000" pitchFamily="50" charset="-127"/>
+              <a:ea typeface="나눔고딕" panose="020D0604000000000000" pitchFamily="50" charset="-127"/>
               <a:cs typeface="Poppins" pitchFamily="2" charset="77"/>
             </a:endParaRPr>
           </a:p>
@@ -13773,8 +13764,8 @@
           </p:nvSpPr>
           <p:spPr>
             <a:xfrm>
-              <a:off x="4659786" y="280497"/>
-              <a:ext cx="2245387" cy="646331"/>
+              <a:off x="4809384" y="280497"/>
+              <a:ext cx="2095789" cy="646331"/>
             </a:xfrm>
             <a:prstGeom prst="rect">
               <a:avLst/>
@@ -13788,23 +13779,15 @@
             <a:p>
               <a:r>
                 <a:rPr lang="ko-KR" altLang="en-US" sz="3600" b="1" dirty="0" smtClean="0">
-                  <a:latin typeface="나눔바른펜" panose="020B0503000000000000" pitchFamily="50" charset="-127"/>
-                  <a:ea typeface="나눔바른펜" panose="020B0503000000000000" pitchFamily="50" charset="-127"/>
+                  <a:latin typeface="나눔고딕" panose="020D0604000000000000" pitchFamily="50" charset="-127"/>
+                  <a:ea typeface="나눔고딕" panose="020D0604000000000000" pitchFamily="50" charset="-127"/>
                   <a:cs typeface="KoPubWorld돋움체 Light" panose="00000300000000000000" pitchFamily="2" charset="-127"/>
                 </a:rPr>
-                <a:t>팀 </a:t>
-              </a:r>
-              <a:r>
-                <a:rPr lang="ko-KR" altLang="en-US" sz="3600" b="1" dirty="0" smtClean="0">
-                  <a:latin typeface="나눔바른펜" panose="020B0503000000000000" pitchFamily="50" charset="-127"/>
-                  <a:ea typeface="나눔바른펜" panose="020B0503000000000000" pitchFamily="50" charset="-127"/>
-                  <a:cs typeface="KoPubWorld돋움체 Light" panose="00000300000000000000" pitchFamily="2" charset="-127"/>
-                </a:rPr>
-                <a:t>분석</a:t>
+                <a:t>팀 분석</a:t>
               </a:r>
               <a:endParaRPr lang="ko-KR" altLang="en-US" sz="3600" b="1" dirty="0">
-                <a:latin typeface="나눔바른펜" panose="020B0503000000000000" pitchFamily="50" charset="-127"/>
-                <a:ea typeface="나눔바른펜" panose="020B0503000000000000" pitchFamily="50" charset="-127"/>
+                <a:latin typeface="나눔고딕" panose="020D0604000000000000" pitchFamily="50" charset="-127"/>
+                <a:ea typeface="나눔고딕" panose="020D0604000000000000" pitchFamily="50" charset="-127"/>
                 <a:cs typeface="KoPubWorld돋움체 Light" panose="00000300000000000000" pitchFamily="2" charset="-127"/>
               </a:endParaRPr>
             </a:p>
@@ -13825,7 +13808,7 @@
           <p:spPr>
             <a:xfrm>
               <a:off x="3819245" y="188165"/>
-              <a:ext cx="907651" cy="830997"/>
+              <a:ext cx="990139" cy="830997"/>
             </a:xfrm>
             <a:prstGeom prst="rect">
               <a:avLst/>
@@ -13845,8 +13828,8 @@
                       <a:lumMod val="50000"/>
                     </a:schemeClr>
                   </a:solidFill>
-                  <a:latin typeface="나눔바른펜" panose="020B0503000000000000" pitchFamily="50" charset="-127"/>
-                  <a:ea typeface="나눔바른펜" panose="020B0503000000000000" pitchFamily="50" charset="-127"/>
+                  <a:latin typeface="나눔고딕" panose="020D0604000000000000" pitchFamily="50" charset="-127"/>
+                  <a:ea typeface="나눔고딕" panose="020D0604000000000000" pitchFamily="50" charset="-127"/>
                   <a:cs typeface="KoPubWorld돋움체 Bold" panose="00000800000000000000" pitchFamily="2" charset="-127"/>
                 </a:rPr>
                 <a:t>3-2</a:t>
@@ -13857,8 +13840,8 @@
                     <a:lumMod val="50000"/>
                   </a:schemeClr>
                 </a:solidFill>
-                <a:latin typeface="나눔바른펜" panose="020B0503000000000000" pitchFamily="50" charset="-127"/>
-                <a:ea typeface="나눔바른펜" panose="020B0503000000000000" pitchFamily="50" charset="-127"/>
+                <a:latin typeface="나눔고딕" panose="020D0604000000000000" pitchFamily="50" charset="-127"/>
+                <a:ea typeface="나눔고딕" panose="020D0604000000000000" pitchFamily="50" charset="-127"/>
                 <a:cs typeface="KoPubWorld돋움체 Bold" panose="00000800000000000000" pitchFamily="2" charset="-127"/>
               </a:endParaRPr>
             </a:p>
@@ -13929,84 +13912,77 @@
           <a:p>
             <a:r>
               <a:rPr lang="ko-KR" altLang="en-US" b="1" dirty="0" smtClean="0">
-                <a:latin typeface="나눔바른펜" panose="020B0503000000000000" pitchFamily="50" charset="-127"/>
-                <a:ea typeface="나눔바른펜" panose="020B0503000000000000" pitchFamily="50" charset="-127"/>
+                <a:latin typeface="나눔고딕" panose="020D0604000000000000" pitchFamily="50" charset="-127"/>
+                <a:ea typeface="나눔고딕" panose="020D0604000000000000" pitchFamily="50" charset="-127"/>
               </a:rPr>
               <a:t>분석에 필요한 열</a:t>
             </a:r>
             <a:r>
               <a:rPr lang="en-US" altLang="ko-KR" b="1" dirty="0" smtClean="0">
-                <a:latin typeface="나눔바른펜" panose="020B0503000000000000" pitchFamily="50" charset="-127"/>
-                <a:ea typeface="나눔바른펜" panose="020B0503000000000000" pitchFamily="50" charset="-127"/>
+                <a:latin typeface="나눔고딕" panose="020D0604000000000000" pitchFamily="50" charset="-127"/>
+                <a:ea typeface="나눔고딕" panose="020D0604000000000000" pitchFamily="50" charset="-127"/>
               </a:rPr>
               <a:t>(</a:t>
             </a:r>
             <a:r>
               <a:rPr lang="ko-KR" altLang="en-US" b="1" dirty="0" smtClean="0">
-                <a:latin typeface="나눔바른펜" panose="020B0503000000000000" pitchFamily="50" charset="-127"/>
-                <a:ea typeface="나눔바른펜" panose="020B0503000000000000" pitchFamily="50" charset="-127"/>
+                <a:latin typeface="나눔고딕" panose="020D0604000000000000" pitchFamily="50" charset="-127"/>
+                <a:ea typeface="나눔고딕" panose="020D0604000000000000" pitchFamily="50" charset="-127"/>
               </a:rPr>
               <a:t>파울 수</a:t>
             </a:r>
             <a:r>
               <a:rPr lang="en-US" altLang="ko-KR" b="1" dirty="0" smtClean="0">
-                <a:latin typeface="나눔바른펜" panose="020B0503000000000000" pitchFamily="50" charset="-127"/>
-                <a:ea typeface="나눔바른펜" panose="020B0503000000000000" pitchFamily="50" charset="-127"/>
+                <a:latin typeface="나눔고딕" panose="020D0604000000000000" pitchFamily="50" charset="-127"/>
+                <a:ea typeface="나눔고딕" panose="020D0604000000000000" pitchFamily="50" charset="-127"/>
               </a:rPr>
               <a:t>, </a:t>
             </a:r>
             <a:r>
               <a:rPr lang="ko-KR" altLang="en-US" b="1" dirty="0" smtClean="0">
-                <a:latin typeface="나눔바른펜" panose="020B0503000000000000" pitchFamily="50" charset="-127"/>
-                <a:ea typeface="나눔바른펜" panose="020B0503000000000000" pitchFamily="50" charset="-127"/>
+                <a:latin typeface="나눔고딕" panose="020D0604000000000000" pitchFamily="50" charset="-127"/>
+                <a:ea typeface="나눔고딕" panose="020D0604000000000000" pitchFamily="50" charset="-127"/>
               </a:rPr>
               <a:t>총 카드 수</a:t>
             </a:r>
             <a:r>
               <a:rPr lang="en-US" altLang="ko-KR" b="1" dirty="0" smtClean="0">
-                <a:latin typeface="나눔바른펜" panose="020B0503000000000000" pitchFamily="50" charset="-127"/>
-                <a:ea typeface="나눔바른펜" panose="020B0503000000000000" pitchFamily="50" charset="-127"/>
+                <a:latin typeface="나눔고딕" panose="020D0604000000000000" pitchFamily="50" charset="-127"/>
+                <a:ea typeface="나눔고딕" panose="020D0604000000000000" pitchFamily="50" charset="-127"/>
               </a:rPr>
               <a:t>)</a:t>
             </a:r>
             <a:r>
               <a:rPr lang="ko-KR" altLang="en-US" b="1" dirty="0" smtClean="0">
-                <a:latin typeface="나눔바른펜" panose="020B0503000000000000" pitchFamily="50" charset="-127"/>
-                <a:ea typeface="나눔바른펜" panose="020B0503000000000000" pitchFamily="50" charset="-127"/>
-              </a:rPr>
-              <a:t>을 추출하여 데이터프레임 </a:t>
+                <a:latin typeface="나눔고딕" panose="020D0604000000000000" pitchFamily="50" charset="-127"/>
+                <a:ea typeface="나눔고딕" panose="020D0604000000000000" pitchFamily="50" charset="-127"/>
+              </a:rPr>
+              <a:t>을 추출하여 데이터프레임 생성하고 상위 </a:t>
+            </a:r>
+            <a:r>
+              <a:rPr lang="en-US" altLang="ko-KR" b="1" dirty="0" smtClean="0">
+                <a:latin typeface="나눔고딕" panose="020D0604000000000000" pitchFamily="50" charset="-127"/>
+                <a:ea typeface="나눔고딕" panose="020D0604000000000000" pitchFamily="50" charset="-127"/>
+              </a:rPr>
+              <a:t>20</a:t>
+            </a:r>
+            <a:r>
+              <a:rPr lang="ko-KR" altLang="en-US" b="1" dirty="0" err="1" smtClean="0">
+                <a:latin typeface="나눔고딕" panose="020D0604000000000000" pitchFamily="50" charset="-127"/>
+                <a:ea typeface="나눔고딕" panose="020D0604000000000000" pitchFamily="50" charset="-127"/>
+              </a:rPr>
+              <a:t>팀정도만</a:t>
             </a:r>
             <a:r>
               <a:rPr lang="ko-KR" altLang="en-US" b="1" dirty="0" smtClean="0">
-                <a:latin typeface="나눔바른펜" panose="020B0503000000000000" pitchFamily="50" charset="-127"/>
-                <a:ea typeface="나눔바른펜" panose="020B0503000000000000" pitchFamily="50" charset="-127"/>
-              </a:rPr>
-              <a:t>생성하고 상위 </a:t>
-            </a:r>
-            <a:r>
-              <a:rPr lang="en-US" altLang="ko-KR" b="1" dirty="0" smtClean="0">
-                <a:latin typeface="나눔바른펜" panose="020B0503000000000000" pitchFamily="50" charset="-127"/>
-                <a:ea typeface="나눔바른펜" panose="020B0503000000000000" pitchFamily="50" charset="-127"/>
-              </a:rPr>
-              <a:t>20</a:t>
-            </a:r>
-            <a:r>
-              <a:rPr lang="ko-KR" altLang="en-US" b="1" dirty="0" err="1" smtClean="0">
-                <a:latin typeface="나눔바른펜" panose="020B0503000000000000" pitchFamily="50" charset="-127"/>
-                <a:ea typeface="나눔바른펜" panose="020B0503000000000000" pitchFamily="50" charset="-127"/>
-              </a:rPr>
-              <a:t>팀정도만</a:t>
-            </a:r>
-            <a:r>
-              <a:rPr lang="ko-KR" altLang="en-US" b="1" dirty="0" smtClean="0">
-                <a:latin typeface="나눔바른펜" panose="020B0503000000000000" pitchFamily="50" charset="-127"/>
-                <a:ea typeface="나눔바른펜" panose="020B0503000000000000" pitchFamily="50" charset="-127"/>
+                <a:latin typeface="나눔고딕" panose="020D0604000000000000" pitchFamily="50" charset="-127"/>
+                <a:ea typeface="나눔고딕" panose="020D0604000000000000" pitchFamily="50" charset="-127"/>
               </a:rPr>
               <a:t> 추출</a:t>
             </a:r>
             <a:endParaRPr lang="en-US" altLang="ko-KR" b="1" dirty="0" smtClean="0">
-              <a:latin typeface="나눔바른펜" panose="020B0503000000000000" pitchFamily="50" charset="-127"/>
-              <a:ea typeface="나눔바른펜" panose="020B0503000000000000" pitchFamily="50" charset="-127"/>
+              <a:latin typeface="나눔고딕" panose="020D0604000000000000" pitchFamily="50" charset="-127"/>
+              <a:ea typeface="나눔고딕" panose="020D0604000000000000" pitchFamily="50" charset="-127"/>
             </a:endParaRPr>
           </a:p>
         </p:txBody>
@@ -14091,7 +14067,10 @@
           <a:lstStyle/>
           <a:p>
             <a:pPr algn="ctr"/>
-            <a:endParaRPr lang="ko-KR" altLang="en-US"/>
+            <a:endParaRPr lang="ko-KR" altLang="en-US">
+              <a:latin typeface="나눔고딕" panose="020D0604000000000000" pitchFamily="50" charset="-127"/>
+              <a:ea typeface="나눔고딕" panose="020D0604000000000000" pitchFamily="50" charset="-127"/>
+            </a:endParaRPr>
           </a:p>
         </p:txBody>
       </p:sp>
@@ -14129,8 +14108,8 @@
           </p:nvSpPr>
           <p:spPr>
             <a:xfrm>
-              <a:off x="4659786" y="280497"/>
-              <a:ext cx="2245387" cy="646331"/>
+              <a:off x="4809384" y="280497"/>
+              <a:ext cx="2095789" cy="646331"/>
             </a:xfrm>
             <a:prstGeom prst="rect">
               <a:avLst/>
@@ -14144,23 +14123,15 @@
             <a:p>
               <a:r>
                 <a:rPr lang="ko-KR" altLang="en-US" sz="3600" b="1" dirty="0" smtClean="0">
-                  <a:latin typeface="나눔바른펜" panose="020B0503000000000000" pitchFamily="50" charset="-127"/>
-                  <a:ea typeface="나눔바른펜" panose="020B0503000000000000" pitchFamily="50" charset="-127"/>
+                  <a:latin typeface="나눔고딕" panose="020D0604000000000000" pitchFamily="50" charset="-127"/>
+                  <a:ea typeface="나눔고딕" panose="020D0604000000000000" pitchFamily="50" charset="-127"/>
                   <a:cs typeface="KoPubWorld돋움체 Light" panose="00000300000000000000" pitchFamily="2" charset="-127"/>
                 </a:rPr>
-                <a:t>팀 </a:t>
-              </a:r>
-              <a:r>
-                <a:rPr lang="ko-KR" altLang="en-US" sz="3600" b="1" dirty="0" smtClean="0">
-                  <a:latin typeface="나눔바른펜" panose="020B0503000000000000" pitchFamily="50" charset="-127"/>
-                  <a:ea typeface="나눔바른펜" panose="020B0503000000000000" pitchFamily="50" charset="-127"/>
-                  <a:cs typeface="KoPubWorld돋움체 Light" panose="00000300000000000000" pitchFamily="2" charset="-127"/>
-                </a:rPr>
-                <a:t>분석</a:t>
+                <a:t>팀 분석</a:t>
               </a:r>
               <a:endParaRPr lang="ko-KR" altLang="en-US" sz="3600" b="1" dirty="0">
-                <a:latin typeface="나눔바른펜" panose="020B0503000000000000" pitchFamily="50" charset="-127"/>
-                <a:ea typeface="나눔바른펜" panose="020B0503000000000000" pitchFamily="50" charset="-127"/>
+                <a:latin typeface="나눔고딕" panose="020D0604000000000000" pitchFamily="50" charset="-127"/>
+                <a:ea typeface="나눔고딕" panose="020D0604000000000000" pitchFamily="50" charset="-127"/>
                 <a:cs typeface="KoPubWorld돋움체 Light" panose="00000300000000000000" pitchFamily="2" charset="-127"/>
               </a:endParaRPr>
             </a:p>
@@ -14181,7 +14152,7 @@
           <p:spPr>
             <a:xfrm>
               <a:off x="3819245" y="188165"/>
-              <a:ext cx="907651" cy="830997"/>
+              <a:ext cx="990139" cy="830997"/>
             </a:xfrm>
             <a:prstGeom prst="rect">
               <a:avLst/>
@@ -14201,8 +14172,8 @@
                       <a:lumMod val="50000"/>
                     </a:schemeClr>
                   </a:solidFill>
-                  <a:latin typeface="나눔바른펜" panose="020B0503000000000000" pitchFamily="50" charset="-127"/>
-                  <a:ea typeface="나눔바른펜" panose="020B0503000000000000" pitchFamily="50" charset="-127"/>
+                  <a:latin typeface="나눔고딕" panose="020D0604000000000000" pitchFamily="50" charset="-127"/>
+                  <a:ea typeface="나눔고딕" panose="020D0604000000000000" pitchFamily="50" charset="-127"/>
                   <a:cs typeface="KoPubWorld돋움체 Bold" panose="00000800000000000000" pitchFamily="2" charset="-127"/>
                 </a:rPr>
                 <a:t>3-2</a:t>
@@ -14213,8 +14184,8 @@
                     <a:lumMod val="50000"/>
                   </a:schemeClr>
                 </a:solidFill>
-                <a:latin typeface="나눔바른펜" panose="020B0503000000000000" pitchFamily="50" charset="-127"/>
-                <a:ea typeface="나눔바른펜" panose="020B0503000000000000" pitchFamily="50" charset="-127"/>
+                <a:latin typeface="나눔고딕" panose="020D0604000000000000" pitchFamily="50" charset="-127"/>
+                <a:ea typeface="나눔고딕" panose="020D0604000000000000" pitchFamily="50" charset="-127"/>
                 <a:cs typeface="KoPubWorld돋움체 Bold" panose="00000800000000000000" pitchFamily="2" charset="-127"/>
               </a:endParaRPr>
             </a:p>
@@ -14270,7 +14241,7 @@
         <p:spPr>
           <a:xfrm>
             <a:off x="928774" y="4905070"/>
-            <a:ext cx="2157329" cy="461665"/>
+            <a:ext cx="2228494" cy="276999"/>
           </a:xfrm>
           <a:prstGeom prst="rect">
             <a:avLst/>
@@ -14394,7 +14365,10 @@
           <a:lstStyle/>
           <a:p>
             <a:pPr algn="ctr"/>
-            <a:endParaRPr lang="ko-KR" altLang="en-US"/>
+            <a:endParaRPr lang="ko-KR" altLang="en-US">
+              <a:latin typeface="나눔고딕" panose="020D0604000000000000" pitchFamily="50" charset="-127"/>
+              <a:ea typeface="나눔고딕" panose="020D0604000000000000" pitchFamily="50" charset="-127"/>
+            </a:endParaRPr>
           </a:p>
         </p:txBody>
       </p:sp>
@@ -14406,8 +14380,8 @@
         </p:nvSpPr>
         <p:spPr>
           <a:xfrm>
-            <a:off x="4005129" y="4431790"/>
-            <a:ext cx="7182424" cy="738664"/>
+            <a:off x="4005129" y="4393006"/>
+            <a:ext cx="7182424" cy="1024127"/>
           </a:xfrm>
           <a:prstGeom prst="rect">
             <a:avLst/>
@@ -14427,175 +14401,147 @@
             </a:pPr>
             <a:r>
               <a:rPr lang="en-US" altLang="ko-KR" sz="1400" dirty="0" smtClean="0">
-                <a:latin typeface="나눔바른펜" panose="020B0503000000000000" pitchFamily="50" charset="-127"/>
-                <a:ea typeface="나눔바른펜" panose="020B0503000000000000" pitchFamily="50" charset="-127"/>
+                <a:latin typeface="나눔고딕" panose="020D0604000000000000" pitchFamily="50" charset="-127"/>
+                <a:ea typeface="나눔고딕" panose="020D0604000000000000" pitchFamily="50" charset="-127"/>
               </a:rPr>
               <a:t>98</a:t>
             </a:r>
             <a:r>
               <a:rPr lang="ko-KR" altLang="en-US" sz="1400" dirty="0" smtClean="0">
-                <a:latin typeface="나눔바른펜" panose="020B0503000000000000" pitchFamily="50" charset="-127"/>
-                <a:ea typeface="나눔바른펜" panose="020B0503000000000000" pitchFamily="50" charset="-127"/>
+                <a:latin typeface="나눔고딕" panose="020D0604000000000000" pitchFamily="50" charset="-127"/>
+                <a:ea typeface="나눔고딕" panose="020D0604000000000000" pitchFamily="50" charset="-127"/>
               </a:rPr>
               <a:t>개의 팀들 중 상위 </a:t>
             </a:r>
             <a:r>
               <a:rPr lang="en-US" altLang="ko-KR" sz="1400" dirty="0" smtClean="0">
-                <a:latin typeface="나눔바른펜" panose="020B0503000000000000" pitchFamily="50" charset="-127"/>
-                <a:ea typeface="나눔바른펜" panose="020B0503000000000000" pitchFamily="50" charset="-127"/>
+                <a:latin typeface="나눔고딕" panose="020D0604000000000000" pitchFamily="50" charset="-127"/>
+                <a:ea typeface="나눔고딕" panose="020D0604000000000000" pitchFamily="50" charset="-127"/>
               </a:rPr>
               <a:t>12</a:t>
             </a:r>
             <a:r>
               <a:rPr lang="ko-KR" altLang="en-US" sz="1400" dirty="0" smtClean="0">
-                <a:latin typeface="나눔바른펜" panose="020B0503000000000000" pitchFamily="50" charset="-127"/>
-                <a:ea typeface="나눔바른펜" panose="020B0503000000000000" pitchFamily="50" charset="-127"/>
-              </a:rPr>
-              <a:t>팀들의 </a:t>
+                <a:latin typeface="나눔고딕" panose="020D0604000000000000" pitchFamily="50" charset="-127"/>
+                <a:ea typeface="나눔고딕" panose="020D0604000000000000" pitchFamily="50" charset="-127"/>
+              </a:rPr>
+              <a:t>팀들의 기록에 큰 차이는 없다</a:t>
+            </a:r>
+            <a:r>
+              <a:rPr lang="en-US" altLang="ko-KR" sz="1400" dirty="0" smtClean="0">
+                <a:latin typeface="나눔고딕" panose="020D0604000000000000" pitchFamily="50" charset="-127"/>
+                <a:ea typeface="나눔고딕" panose="020D0604000000000000" pitchFamily="50" charset="-127"/>
+              </a:rPr>
+              <a:t>. </a:t>
             </a:r>
             <a:r>
               <a:rPr lang="ko-KR" altLang="en-US" sz="1400" dirty="0" smtClean="0">
-                <a:latin typeface="나눔바른펜" panose="020B0503000000000000" pitchFamily="50" charset="-127"/>
-                <a:ea typeface="나눔바른펜" panose="020B0503000000000000" pitchFamily="50" charset="-127"/>
-              </a:rPr>
-              <a:t>기록에 큰 차이는 없다</a:t>
+                <a:latin typeface="나눔고딕" panose="020D0604000000000000" pitchFamily="50" charset="-127"/>
+                <a:ea typeface="나눔고딕" panose="020D0604000000000000" pitchFamily="50" charset="-127"/>
+              </a:rPr>
+              <a:t>그 중</a:t>
             </a:r>
             <a:r>
               <a:rPr lang="en-US" altLang="ko-KR" sz="1400" dirty="0" smtClean="0">
-                <a:latin typeface="나눔바른펜" panose="020B0503000000000000" pitchFamily="50" charset="-127"/>
-                <a:ea typeface="나눔바른펜" panose="020B0503000000000000" pitchFamily="50" charset="-127"/>
-              </a:rPr>
-              <a:t>. </a:t>
+                <a:latin typeface="나눔고딕" panose="020D0604000000000000" pitchFamily="50" charset="-127"/>
+                <a:ea typeface="나눔고딕" panose="020D0604000000000000" pitchFamily="50" charset="-127"/>
+              </a:rPr>
+              <a:t>, </a:t>
             </a:r>
             <a:r>
               <a:rPr lang="ko-KR" altLang="en-US" sz="1400" dirty="0" smtClean="0">
-                <a:latin typeface="나눔바른펜" panose="020B0503000000000000" pitchFamily="50" charset="-127"/>
-                <a:ea typeface="나눔바른펜" panose="020B0503000000000000" pitchFamily="50" charset="-127"/>
-              </a:rPr>
-              <a:t>그 중</a:t>
+                <a:latin typeface="나눔고딕" panose="020D0604000000000000" pitchFamily="50" charset="-127"/>
+                <a:ea typeface="나눔고딕" panose="020D0604000000000000" pitchFamily="50" charset="-127"/>
+              </a:rPr>
+              <a:t>강조된 부분의 </a:t>
+            </a:r>
+            <a:r>
+              <a:rPr lang="ko-KR" altLang="en-US" sz="1400" b="1" i="1" dirty="0" smtClean="0">
+                <a:latin typeface="나눔고딕" panose="020D0604000000000000" pitchFamily="50" charset="-127"/>
+                <a:ea typeface="나눔고딕" panose="020D0604000000000000" pitchFamily="50" charset="-127"/>
+              </a:rPr>
+              <a:t>최종순위</a:t>
+            </a:r>
+            <a:r>
+              <a:rPr lang="en-US" altLang="ko-KR" sz="1400" b="1" i="1" dirty="0" smtClean="0">
+                <a:latin typeface="나눔고딕" panose="020D0604000000000000" pitchFamily="50" charset="-127"/>
+                <a:ea typeface="나눔고딕" panose="020D0604000000000000" pitchFamily="50" charset="-127"/>
+              </a:rPr>
+              <a:t>(</a:t>
+            </a:r>
+            <a:r>
+              <a:rPr lang="en-US" altLang="ko-KR" sz="1400" b="1" i="1" dirty="0" err="1" smtClean="0">
+                <a:latin typeface="나눔고딕" panose="020D0604000000000000" pitchFamily="50" charset="-127"/>
+                <a:ea typeface="나눔고딕" panose="020D0604000000000000" pitchFamily="50" charset="-127"/>
+              </a:rPr>
+              <a:t>league_position</a:t>
+            </a:r>
+            <a:r>
+              <a:rPr lang="en-US" altLang="ko-KR" sz="1400" b="1" i="1" dirty="0" smtClean="0">
+                <a:latin typeface="나눔고딕" panose="020D0604000000000000" pitchFamily="50" charset="-127"/>
+                <a:ea typeface="나눔고딕" panose="020D0604000000000000" pitchFamily="50" charset="-127"/>
+              </a:rPr>
+              <a:t>)</a:t>
+            </a:r>
+            <a:r>
+              <a:rPr lang="ko-KR" altLang="en-US" sz="1400" b="1" i="1" dirty="0" smtClean="0">
+                <a:latin typeface="나눔고딕" panose="020D0604000000000000" pitchFamily="50" charset="-127"/>
+                <a:ea typeface="나눔고딕" panose="020D0604000000000000" pitchFamily="50" charset="-127"/>
+              </a:rPr>
+              <a:t>와</a:t>
+            </a:r>
+            <a:r>
+              <a:rPr lang="ko-KR" altLang="en-US" sz="1400" dirty="0" smtClean="0">
+                <a:latin typeface="나눔고딕" panose="020D0604000000000000" pitchFamily="50" charset="-127"/>
+                <a:ea typeface="나눔고딕" panose="020D0604000000000000" pitchFamily="50" charset="-127"/>
+              </a:rPr>
+              <a:t> </a:t>
+            </a:r>
+            <a:r>
+              <a:rPr lang="ko-KR" altLang="en-US" sz="1400" b="1" i="1" dirty="0" smtClean="0">
+                <a:latin typeface="나눔고딕" panose="020D0604000000000000" pitchFamily="50" charset="-127"/>
+                <a:ea typeface="나눔고딕" panose="020D0604000000000000" pitchFamily="50" charset="-127"/>
+              </a:rPr>
+              <a:t>실점</a:t>
+            </a:r>
+            <a:r>
+              <a:rPr lang="en-US" altLang="ko-KR" sz="1400" b="1" i="1" dirty="0" smtClean="0">
+                <a:latin typeface="나눔고딕" panose="020D0604000000000000" pitchFamily="50" charset="-127"/>
+                <a:ea typeface="나눔고딕" panose="020D0604000000000000" pitchFamily="50" charset="-127"/>
+              </a:rPr>
+              <a:t>(</a:t>
+            </a:r>
+            <a:r>
+              <a:rPr lang="en-US" altLang="ko-KR" sz="1400" b="1" i="1" dirty="0" err="1" smtClean="0">
+                <a:latin typeface="나눔고딕" panose="020D0604000000000000" pitchFamily="50" charset="-127"/>
+                <a:ea typeface="나눔고딕" panose="020D0604000000000000" pitchFamily="50" charset="-127"/>
+              </a:rPr>
+              <a:t>goals_conceded</a:t>
+            </a:r>
+            <a:r>
+              <a:rPr lang="en-US" altLang="ko-KR" sz="1400" b="1" i="1" dirty="0" smtClean="0">
+                <a:latin typeface="나눔고딕" panose="020D0604000000000000" pitchFamily="50" charset="-127"/>
+                <a:ea typeface="나눔고딕" panose="020D0604000000000000" pitchFamily="50" charset="-127"/>
+              </a:rPr>
+              <a:t>) </a:t>
+            </a:r>
+            <a:r>
+              <a:rPr lang="ko-KR" altLang="en-US" sz="1400" dirty="0" smtClean="0">
+                <a:latin typeface="나눔고딕" panose="020D0604000000000000" pitchFamily="50" charset="-127"/>
+                <a:ea typeface="나눔고딕" panose="020D0604000000000000" pitchFamily="50" charset="-127"/>
+              </a:rPr>
+              <a:t>데이터가 나머지 팀들 보다 확연히 다른 한 팀을 확인 할 수 있었다</a:t>
             </a:r>
             <a:r>
               <a:rPr lang="en-US" altLang="ko-KR" sz="1400" dirty="0" smtClean="0">
-                <a:latin typeface="나눔바른펜" panose="020B0503000000000000" pitchFamily="50" charset="-127"/>
-                <a:ea typeface="나눔바른펜" panose="020B0503000000000000" pitchFamily="50" charset="-127"/>
-              </a:rPr>
-              <a:t>, </a:t>
-            </a:r>
-            <a:r>
-              <a:rPr lang="ko-KR" altLang="en-US" sz="1400" dirty="0" smtClean="0">
-                <a:latin typeface="나눔바른펜" panose="020B0503000000000000" pitchFamily="50" charset="-127"/>
-                <a:ea typeface="나눔바른펜" panose="020B0503000000000000" pitchFamily="50" charset="-127"/>
-              </a:rPr>
-              <a:t>강조된 </a:t>
-            </a:r>
-            <a:r>
-              <a:rPr lang="ko-KR" altLang="en-US" sz="1400" dirty="0" smtClean="0">
-                <a:latin typeface="나눔바른펜" panose="020B0503000000000000" pitchFamily="50" charset="-127"/>
-                <a:ea typeface="나눔바른펜" panose="020B0503000000000000" pitchFamily="50" charset="-127"/>
-              </a:rPr>
-              <a:t>부분의 </a:t>
-            </a:r>
-            <a:r>
-              <a:rPr lang="ko-KR" altLang="en-US" sz="1400" b="1" i="1" dirty="0" smtClean="0">
-                <a:latin typeface="나눔바른펜" panose="020B0503000000000000" pitchFamily="50" charset="-127"/>
-                <a:ea typeface="나눔바른펜" panose="020B0503000000000000" pitchFamily="50" charset="-127"/>
-              </a:rPr>
-              <a:t>최종순위</a:t>
-            </a:r>
-            <a:r>
-              <a:rPr lang="en-US" altLang="ko-KR" sz="1400" b="1" i="1" dirty="0" smtClean="0">
-                <a:latin typeface="나눔바른펜" panose="020B0503000000000000" pitchFamily="50" charset="-127"/>
-                <a:ea typeface="나눔바른펜" panose="020B0503000000000000" pitchFamily="50" charset="-127"/>
-              </a:rPr>
-              <a:t>(</a:t>
-            </a:r>
-            <a:r>
-              <a:rPr lang="en-US" altLang="ko-KR" sz="1400" b="1" i="1" dirty="0" err="1" smtClean="0">
-                <a:latin typeface="나눔바른펜" panose="020B0503000000000000" pitchFamily="50" charset="-127"/>
-                <a:ea typeface="나눔바른펜" panose="020B0503000000000000" pitchFamily="50" charset="-127"/>
-              </a:rPr>
-              <a:t>league_position</a:t>
-            </a:r>
-            <a:r>
-              <a:rPr lang="en-US" altLang="ko-KR" sz="1400" b="1" i="1" dirty="0" smtClean="0">
-                <a:latin typeface="나눔바른펜" panose="020B0503000000000000" pitchFamily="50" charset="-127"/>
-                <a:ea typeface="나눔바른펜" panose="020B0503000000000000" pitchFamily="50" charset="-127"/>
-              </a:rPr>
-              <a:t>)</a:t>
-            </a:r>
-            <a:r>
-              <a:rPr lang="ko-KR" altLang="en-US" sz="1400" b="1" i="1" dirty="0" smtClean="0">
-                <a:latin typeface="나눔바른펜" panose="020B0503000000000000" pitchFamily="50" charset="-127"/>
-                <a:ea typeface="나눔바른펜" panose="020B0503000000000000" pitchFamily="50" charset="-127"/>
-              </a:rPr>
-              <a:t>와</a:t>
-            </a:r>
-            <a:r>
-              <a:rPr lang="ko-KR" altLang="en-US" sz="1400" dirty="0" smtClean="0">
-                <a:latin typeface="나눔바른펜" panose="020B0503000000000000" pitchFamily="50" charset="-127"/>
-                <a:ea typeface="나눔바른펜" panose="020B0503000000000000" pitchFamily="50" charset="-127"/>
-              </a:rPr>
-              <a:t> </a:t>
-            </a:r>
-            <a:r>
-              <a:rPr lang="ko-KR" altLang="en-US" sz="1400" b="1" i="1" dirty="0" smtClean="0">
-                <a:latin typeface="나눔바른펜" panose="020B0503000000000000" pitchFamily="50" charset="-127"/>
-                <a:ea typeface="나눔바른펜" panose="020B0503000000000000" pitchFamily="50" charset="-127"/>
-              </a:rPr>
-              <a:t>실점</a:t>
-            </a:r>
-            <a:r>
-              <a:rPr lang="en-US" altLang="ko-KR" sz="1400" b="1" i="1" dirty="0" smtClean="0">
-                <a:latin typeface="나눔바른펜" panose="020B0503000000000000" pitchFamily="50" charset="-127"/>
-                <a:ea typeface="나눔바른펜" panose="020B0503000000000000" pitchFamily="50" charset="-127"/>
-              </a:rPr>
-              <a:t>(</a:t>
-            </a:r>
-            <a:r>
-              <a:rPr lang="en-US" altLang="ko-KR" sz="1400" b="1" i="1" dirty="0" err="1" smtClean="0">
-                <a:latin typeface="나눔바른펜" panose="020B0503000000000000" pitchFamily="50" charset="-127"/>
-                <a:ea typeface="나눔바른펜" panose="020B0503000000000000" pitchFamily="50" charset="-127"/>
-              </a:rPr>
-              <a:t>goals_conceded</a:t>
-            </a:r>
-            <a:r>
-              <a:rPr lang="en-US" altLang="ko-KR" sz="1400" b="1" i="1" dirty="0" smtClean="0">
-                <a:latin typeface="나눔바른펜" panose="020B0503000000000000" pitchFamily="50" charset="-127"/>
-                <a:ea typeface="나눔바른펜" panose="020B0503000000000000" pitchFamily="50" charset="-127"/>
-              </a:rPr>
-              <a:t>) </a:t>
-            </a:r>
-            <a:r>
-              <a:rPr lang="ko-KR" altLang="en-US" sz="1400" dirty="0" smtClean="0">
-                <a:latin typeface="나눔바른펜" panose="020B0503000000000000" pitchFamily="50" charset="-127"/>
-                <a:ea typeface="나눔바른펜" panose="020B0503000000000000" pitchFamily="50" charset="-127"/>
-              </a:rPr>
-              <a:t>데이터가 나머지 팀들 보다 확연히 </a:t>
-            </a:r>
-            <a:r>
-              <a:rPr lang="ko-KR" altLang="en-US" sz="1400" dirty="0" smtClean="0">
-                <a:latin typeface="나눔바른펜" panose="020B0503000000000000" pitchFamily="50" charset="-127"/>
-                <a:ea typeface="나눔바른펜" panose="020B0503000000000000" pitchFamily="50" charset="-127"/>
-              </a:rPr>
-              <a:t>다른 </a:t>
-            </a:r>
-            <a:r>
-              <a:rPr lang="ko-KR" altLang="en-US" sz="1400" dirty="0" smtClean="0">
-                <a:latin typeface="나눔바른펜" panose="020B0503000000000000" pitchFamily="50" charset="-127"/>
-                <a:ea typeface="나눔바른펜" panose="020B0503000000000000" pitchFamily="50" charset="-127"/>
-              </a:rPr>
-              <a:t>한 팀을 확인 할 수 있었다</a:t>
-            </a:r>
-            <a:r>
-              <a:rPr lang="en-US" altLang="ko-KR" sz="1400" dirty="0" smtClean="0">
-                <a:latin typeface="나눔바른펜" panose="020B0503000000000000" pitchFamily="50" charset="-127"/>
-                <a:ea typeface="나눔바른펜" panose="020B0503000000000000" pitchFamily="50" charset="-127"/>
+                <a:latin typeface="나눔고딕" panose="020D0604000000000000" pitchFamily="50" charset="-127"/>
+                <a:ea typeface="나눔고딕" panose="020D0604000000000000" pitchFamily="50" charset="-127"/>
               </a:rPr>
               <a:t>.</a:t>
             </a:r>
             <a:endParaRPr lang="ko-KR" altLang="en-US" sz="1400" dirty="0">
-              <a:latin typeface="나눔바른펜" panose="020B0503000000000000" pitchFamily="50" charset="-127"/>
-              <a:ea typeface="나눔바른펜" panose="020B0503000000000000" pitchFamily="50" charset="-127"/>
+              <a:latin typeface="나눔고딕" panose="020D0604000000000000" pitchFamily="50" charset="-127"/>
+              <a:ea typeface="나눔고딕" panose="020D0604000000000000" pitchFamily="50" charset="-127"/>
             </a:endParaRPr>
           </a:p>
         </p:txBody>
@@ -14642,7 +14588,10 @@
           <a:lstStyle/>
           <a:p>
             <a:pPr algn="ctr"/>
-            <a:endParaRPr lang="ko-KR" altLang="en-US"/>
+            <a:endParaRPr lang="ko-KR" altLang="en-US">
+              <a:latin typeface="나눔고딕" panose="020D0604000000000000" pitchFamily="50" charset="-127"/>
+              <a:ea typeface="나눔고딕" panose="020D0604000000000000" pitchFamily="50" charset="-127"/>
+            </a:endParaRPr>
           </a:p>
         </p:txBody>
       </p:sp>
@@ -14726,7 +14675,10 @@
           <a:lstStyle/>
           <a:p>
             <a:pPr algn="ctr"/>
-            <a:endParaRPr lang="ko-KR" altLang="en-US"/>
+            <a:endParaRPr lang="ko-KR" altLang="en-US">
+              <a:latin typeface="나눔고딕" panose="020D0604000000000000" pitchFamily="50" charset="-127"/>
+              <a:ea typeface="나눔고딕" panose="020D0604000000000000" pitchFamily="50" charset="-127"/>
+            </a:endParaRPr>
           </a:p>
         </p:txBody>
       </p:sp>
@@ -14764,8 +14716,8 @@
           </p:nvSpPr>
           <p:spPr>
             <a:xfrm>
-              <a:off x="4659786" y="280497"/>
-              <a:ext cx="2245387" cy="646331"/>
+              <a:off x="4809384" y="280497"/>
+              <a:ext cx="2095789" cy="646331"/>
             </a:xfrm>
             <a:prstGeom prst="rect">
               <a:avLst/>
@@ -14779,23 +14731,15 @@
             <a:p>
               <a:r>
                 <a:rPr lang="ko-KR" altLang="en-US" sz="3600" b="1" dirty="0" smtClean="0">
-                  <a:latin typeface="나눔바른펜" panose="020B0503000000000000" pitchFamily="50" charset="-127"/>
-                  <a:ea typeface="나눔바른펜" panose="020B0503000000000000" pitchFamily="50" charset="-127"/>
+                  <a:latin typeface="나눔고딕" panose="020D0604000000000000" pitchFamily="50" charset="-127"/>
+                  <a:ea typeface="나눔고딕" panose="020D0604000000000000" pitchFamily="50" charset="-127"/>
                   <a:cs typeface="KoPubWorld돋움체 Light" panose="00000300000000000000" pitchFamily="2" charset="-127"/>
                 </a:rPr>
-                <a:t>팀 </a:t>
-              </a:r>
-              <a:r>
-                <a:rPr lang="ko-KR" altLang="en-US" sz="3600" b="1" dirty="0" smtClean="0">
-                  <a:latin typeface="나눔바른펜" panose="020B0503000000000000" pitchFamily="50" charset="-127"/>
-                  <a:ea typeface="나눔바른펜" panose="020B0503000000000000" pitchFamily="50" charset="-127"/>
-                  <a:cs typeface="KoPubWorld돋움체 Light" panose="00000300000000000000" pitchFamily="2" charset="-127"/>
-                </a:rPr>
-                <a:t>분석</a:t>
+                <a:t>팀 분석</a:t>
               </a:r>
               <a:endParaRPr lang="ko-KR" altLang="en-US" sz="3600" b="1" dirty="0">
-                <a:latin typeface="나눔바른펜" panose="020B0503000000000000" pitchFamily="50" charset="-127"/>
-                <a:ea typeface="나눔바른펜" panose="020B0503000000000000" pitchFamily="50" charset="-127"/>
+                <a:latin typeface="나눔고딕" panose="020D0604000000000000" pitchFamily="50" charset="-127"/>
+                <a:ea typeface="나눔고딕" panose="020D0604000000000000" pitchFamily="50" charset="-127"/>
                 <a:cs typeface="KoPubWorld돋움체 Light" panose="00000300000000000000" pitchFamily="2" charset="-127"/>
               </a:endParaRPr>
             </a:p>
@@ -14816,7 +14760,7 @@
           <p:spPr>
             <a:xfrm>
               <a:off x="3819245" y="188165"/>
-              <a:ext cx="907651" cy="830997"/>
+              <a:ext cx="990139" cy="830997"/>
             </a:xfrm>
             <a:prstGeom prst="rect">
               <a:avLst/>
@@ -14836,8 +14780,8 @@
                       <a:lumMod val="50000"/>
                     </a:schemeClr>
                   </a:solidFill>
-                  <a:latin typeface="나눔바른펜" panose="020B0503000000000000" pitchFamily="50" charset="-127"/>
-                  <a:ea typeface="나눔바른펜" panose="020B0503000000000000" pitchFamily="50" charset="-127"/>
+                  <a:latin typeface="나눔고딕" panose="020D0604000000000000" pitchFamily="50" charset="-127"/>
+                  <a:ea typeface="나눔고딕" panose="020D0604000000000000" pitchFamily="50" charset="-127"/>
                   <a:cs typeface="KoPubWorld돋움체 Bold" panose="00000800000000000000" pitchFamily="2" charset="-127"/>
                 </a:rPr>
                 <a:t>3-2</a:t>
@@ -14848,8 +14792,8 @@
                     <a:lumMod val="50000"/>
                   </a:schemeClr>
                 </a:solidFill>
-                <a:latin typeface="나눔바른펜" panose="020B0503000000000000" pitchFamily="50" charset="-127"/>
-                <a:ea typeface="나눔바른펜" panose="020B0503000000000000" pitchFamily="50" charset="-127"/>
+                <a:latin typeface="나눔고딕" panose="020D0604000000000000" pitchFamily="50" charset="-127"/>
+                <a:ea typeface="나눔고딕" panose="020D0604000000000000" pitchFamily="50" charset="-127"/>
                 <a:cs typeface="KoPubWorld돋움체 Bold" panose="00000800000000000000" pitchFamily="2" charset="-127"/>
               </a:endParaRPr>
             </a:p>
@@ -14905,7 +14849,7 @@
         <p:spPr>
           <a:xfrm>
             <a:off x="7631723" y="1541893"/>
-            <a:ext cx="4002877" cy="2308324"/>
+            <a:ext cx="4002877" cy="2800767"/>
           </a:xfrm>
           <a:prstGeom prst="rect">
             <a:avLst/>
@@ -14920,29 +14864,22 @@
           <a:p>
             <a:r>
               <a:rPr lang="en-US" altLang="ko-KR" sz="1600" dirty="0" smtClean="0">
-                <a:latin typeface="나눔바른펜" panose="020B0503000000000000" pitchFamily="50" charset="-127"/>
-                <a:ea typeface="나눔바른펜" panose="020B0503000000000000" pitchFamily="50" charset="-127"/>
+                <a:latin typeface="나눔고딕" panose="020D0604000000000000" pitchFamily="50" charset="-127"/>
+                <a:ea typeface="나눔고딕" panose="020D0604000000000000" pitchFamily="50" charset="-127"/>
               </a:rPr>
               <a:t>1. </a:t>
             </a:r>
             <a:r>
               <a:rPr lang="ko-KR" altLang="en-US" sz="1600" dirty="0" smtClean="0">
-                <a:latin typeface="나눔바른펜" panose="020B0503000000000000" pitchFamily="50" charset="-127"/>
-                <a:ea typeface="나눔바른펜" panose="020B0503000000000000" pitchFamily="50" charset="-127"/>
-              </a:rPr>
-              <a:t>높은 </a:t>
-            </a:r>
-            <a:r>
-              <a:rPr lang="ko-KR" altLang="en-US" sz="1600" dirty="0" smtClean="0">
-                <a:latin typeface="나눔바른펜" panose="020B0503000000000000" pitchFamily="50" charset="-127"/>
-                <a:ea typeface="나눔바른펜" panose="020B0503000000000000" pitchFamily="50" charset="-127"/>
-              </a:rPr>
-              <a:t>공 점유율을 바탕으로 경기를 펼치는 상위권 팀을 상대로 중하위권의 팀들이 주로 사용하는 전술이다</a:t>
+                <a:latin typeface="나눔고딕" panose="020D0604000000000000" pitchFamily="50" charset="-127"/>
+                <a:ea typeface="나눔고딕" panose="020D0604000000000000" pitchFamily="50" charset="-127"/>
+              </a:rPr>
+              <a:t>높은 공 점유율을 바탕으로 경기를 펼치는 상위권 팀을 상대로 중하위권의 팀들이 주로 사용하는 전술이다</a:t>
             </a:r>
             <a:r>
               <a:rPr lang="en-US" altLang="ko-KR" sz="1600" dirty="0" smtClean="0">
-                <a:latin typeface="나눔바른펜" panose="020B0503000000000000" pitchFamily="50" charset="-127"/>
-                <a:ea typeface="나눔바른펜" panose="020B0503000000000000" pitchFamily="50" charset="-127"/>
+                <a:latin typeface="나눔고딕" panose="020D0604000000000000" pitchFamily="50" charset="-127"/>
+                <a:ea typeface="나눔고딕" panose="020D0604000000000000" pitchFamily="50" charset="-127"/>
               </a:rPr>
               <a:t>.</a:t>
             </a:r>
@@ -14953,134 +14890,106 @@
               <a:buAutoNum type="arabicPeriod"/>
             </a:pPr>
             <a:endParaRPr lang="en-US" altLang="ko-KR" sz="1600" dirty="0">
-              <a:latin typeface="나눔바른펜" panose="020B0503000000000000" pitchFamily="50" charset="-127"/>
-              <a:ea typeface="나눔바른펜" panose="020B0503000000000000" pitchFamily="50" charset="-127"/>
+              <a:latin typeface="나눔고딕" panose="020D0604000000000000" pitchFamily="50" charset="-127"/>
+              <a:ea typeface="나눔고딕" panose="020D0604000000000000" pitchFamily="50" charset="-127"/>
             </a:endParaRPr>
           </a:p>
           <a:p>
             <a:r>
               <a:rPr lang="en-US" altLang="ko-KR" sz="1600" dirty="0" smtClean="0">
-                <a:latin typeface="나눔바른펜" panose="020B0503000000000000" pitchFamily="50" charset="-127"/>
-                <a:ea typeface="나눔바른펜" panose="020B0503000000000000" pitchFamily="50" charset="-127"/>
-              </a:rPr>
-              <a:t>2</a:t>
+                <a:latin typeface="나눔고딕" panose="020D0604000000000000" pitchFamily="50" charset="-127"/>
+                <a:ea typeface="나눔고딕" panose="020D0604000000000000" pitchFamily="50" charset="-127"/>
+              </a:rPr>
+              <a:t>2. </a:t>
+            </a:r>
+            <a:r>
+              <a:rPr lang="ko-KR" altLang="en-US" sz="1600" dirty="0" smtClean="0">
+                <a:latin typeface="나눔고딕" panose="020D0604000000000000" pitchFamily="50" charset="-127"/>
+                <a:ea typeface="나눔고딕" panose="020D0604000000000000" pitchFamily="50" charset="-127"/>
+              </a:rPr>
+              <a:t>플레이가 거칠어지는 이유는 수비 시</a:t>
             </a:r>
             <a:r>
               <a:rPr lang="en-US" altLang="ko-KR" sz="1600" dirty="0" smtClean="0">
-                <a:latin typeface="나눔바른펜" panose="020B0503000000000000" pitchFamily="50" charset="-127"/>
-                <a:ea typeface="나눔바른펜" panose="020B0503000000000000" pitchFamily="50" charset="-127"/>
-              </a:rPr>
-              <a:t>. </a:t>
+                <a:latin typeface="나눔고딕" panose="020D0604000000000000" pitchFamily="50" charset="-127"/>
+                <a:ea typeface="나눔고딕" panose="020D0604000000000000" pitchFamily="50" charset="-127"/>
+              </a:rPr>
+              <a:t>, </a:t>
             </a:r>
             <a:r>
               <a:rPr lang="ko-KR" altLang="en-US" sz="1600" dirty="0" smtClean="0">
-                <a:latin typeface="나눔바른펜" panose="020B0503000000000000" pitchFamily="50" charset="-127"/>
-                <a:ea typeface="나눔바른펜" panose="020B0503000000000000" pitchFamily="50" charset="-127"/>
-              </a:rPr>
-              <a:t>플레이가 </a:t>
-            </a:r>
-            <a:r>
-              <a:rPr lang="ko-KR" altLang="en-US" sz="1600" dirty="0" smtClean="0">
-                <a:latin typeface="나눔바른펜" panose="020B0503000000000000" pitchFamily="50" charset="-127"/>
-                <a:ea typeface="나눔바른펜" panose="020B0503000000000000" pitchFamily="50" charset="-127"/>
-              </a:rPr>
-              <a:t>거칠어지는 이유는 수비 시</a:t>
+                <a:latin typeface="나눔고딕" panose="020D0604000000000000" pitchFamily="50" charset="-127"/>
+                <a:ea typeface="나눔고딕" panose="020D0604000000000000" pitchFamily="50" charset="-127"/>
+              </a:rPr>
+              <a:t>상대방을 위축시키게 만들어 공 점유율을 떨어뜨릴 수 있기 때문이다</a:t>
             </a:r>
             <a:r>
               <a:rPr lang="en-US" altLang="ko-KR" sz="1600" dirty="0" smtClean="0">
-                <a:latin typeface="나눔바른펜" panose="020B0503000000000000" pitchFamily="50" charset="-127"/>
-                <a:ea typeface="나눔바른펜" panose="020B0503000000000000" pitchFamily="50" charset="-127"/>
-              </a:rPr>
-              <a:t>, </a:t>
-            </a:r>
-            <a:r>
-              <a:rPr lang="ko-KR" altLang="en-US" sz="1600" dirty="0" smtClean="0">
-                <a:latin typeface="나눔바른펜" panose="020B0503000000000000" pitchFamily="50" charset="-127"/>
-                <a:ea typeface="나눔바른펜" panose="020B0503000000000000" pitchFamily="50" charset="-127"/>
-              </a:rPr>
-              <a:t>상대방을 위축시키게 만들어 공 점유율을 떨어뜨릴 수 있기 때문이다</a:t>
-            </a:r>
-            <a:r>
-              <a:rPr lang="en-US" altLang="ko-KR" sz="1600" dirty="0" smtClean="0">
-                <a:latin typeface="나눔바른펜" panose="020B0503000000000000" pitchFamily="50" charset="-127"/>
-                <a:ea typeface="나눔바른펜" panose="020B0503000000000000" pitchFamily="50" charset="-127"/>
+                <a:latin typeface="나눔고딕" panose="020D0604000000000000" pitchFamily="50" charset="-127"/>
+                <a:ea typeface="나눔고딕" panose="020D0604000000000000" pitchFamily="50" charset="-127"/>
               </a:rPr>
               <a:t>.</a:t>
             </a:r>
           </a:p>
           <a:p>
             <a:endParaRPr lang="en-US" altLang="ko-KR" sz="1600" dirty="0">
-              <a:latin typeface="나눔바른펜" panose="020B0503000000000000" pitchFamily="50" charset="-127"/>
-              <a:ea typeface="나눔바른펜" panose="020B0503000000000000" pitchFamily="50" charset="-127"/>
+              <a:latin typeface="나눔고딕" panose="020D0604000000000000" pitchFamily="50" charset="-127"/>
+              <a:ea typeface="나눔고딕" panose="020D0604000000000000" pitchFamily="50" charset="-127"/>
             </a:endParaRPr>
           </a:p>
           <a:p>
             <a:r>
               <a:rPr lang="en-US" altLang="ko-KR" sz="1600" dirty="0" smtClean="0">
-                <a:latin typeface="나눔바른펜" panose="020B0503000000000000" pitchFamily="50" charset="-127"/>
-                <a:ea typeface="나눔바른펜" panose="020B0503000000000000" pitchFamily="50" charset="-127"/>
-              </a:rPr>
-              <a:t>3</a:t>
+                <a:latin typeface="나눔고딕" panose="020D0604000000000000" pitchFamily="50" charset="-127"/>
+                <a:ea typeface="나눔고딕" panose="020D0604000000000000" pitchFamily="50" charset="-127"/>
+              </a:rPr>
+              <a:t>3. </a:t>
+            </a:r>
+            <a:r>
+              <a:rPr lang="ko-KR" altLang="en-US" sz="1600" dirty="0" smtClean="0">
+                <a:latin typeface="나눔고딕" panose="020D0604000000000000" pitchFamily="50" charset="-127"/>
+                <a:ea typeface="나눔고딕" panose="020D0604000000000000" pitchFamily="50" charset="-127"/>
+              </a:rPr>
+              <a:t>수비의 가장 중요한 핵심은 전술적인 이해도와 팀워크다</a:t>
             </a:r>
             <a:r>
               <a:rPr lang="en-US" altLang="ko-KR" sz="1600" dirty="0" smtClean="0">
-                <a:latin typeface="나눔바른펜" panose="020B0503000000000000" pitchFamily="50" charset="-127"/>
-                <a:ea typeface="나눔바른펜" panose="020B0503000000000000" pitchFamily="50" charset="-127"/>
-              </a:rPr>
-              <a:t>. </a:t>
+                <a:latin typeface="나눔고딕" panose="020D0604000000000000" pitchFamily="50" charset="-127"/>
+                <a:ea typeface="나눔고딕" panose="020D0604000000000000" pitchFamily="50" charset="-127"/>
+              </a:rPr>
+              <a:t>. ( Atletico Madrid</a:t>
             </a:r>
             <a:r>
               <a:rPr lang="ko-KR" altLang="en-US" sz="1600" dirty="0" smtClean="0">
-                <a:latin typeface="나눔바른펜" panose="020B0503000000000000" pitchFamily="50" charset="-127"/>
-                <a:ea typeface="나눔바른펜" panose="020B0503000000000000" pitchFamily="50" charset="-127"/>
-              </a:rPr>
-              <a:t>수비의 </a:t>
+                <a:latin typeface="나눔고딕" panose="020D0604000000000000" pitchFamily="50" charset="-127"/>
+                <a:ea typeface="나눔고딕" panose="020D0604000000000000" pitchFamily="50" charset="-127"/>
+              </a:rPr>
+              <a:t>의 감독은 선 수비 후 역습 전술로 매우 유명하다</a:t>
+            </a:r>
+            <a:r>
+              <a:rPr lang="en-US" altLang="ko-KR" sz="1600" dirty="0" smtClean="0">
+                <a:latin typeface="나눔고딕" panose="020D0604000000000000" pitchFamily="50" charset="-127"/>
+                <a:ea typeface="나눔고딕" panose="020D0604000000000000" pitchFamily="50" charset="-127"/>
+              </a:rPr>
+              <a:t>.</a:t>
             </a:r>
             <a:r>
               <a:rPr lang="ko-KR" altLang="en-US" sz="1600" dirty="0" smtClean="0">
-                <a:latin typeface="나눔바른펜" panose="020B0503000000000000" pitchFamily="50" charset="-127"/>
-                <a:ea typeface="나눔바른펜" panose="020B0503000000000000" pitchFamily="50" charset="-127"/>
-              </a:rPr>
-              <a:t>가장 중요한 핵심은 전술적인 이해도와 팀워크다</a:t>
+                <a:latin typeface="나눔고딕" panose="020D0604000000000000" pitchFamily="50" charset="-127"/>
+                <a:ea typeface="나눔고딕" panose="020D0604000000000000" pitchFamily="50" charset="-127"/>
+              </a:rPr>
+              <a:t> </a:t>
             </a:r>
             <a:r>
               <a:rPr lang="en-US" altLang="ko-KR" sz="1600" dirty="0" smtClean="0">
-                <a:latin typeface="나눔바른펜" panose="020B0503000000000000" pitchFamily="50" charset="-127"/>
-                <a:ea typeface="나눔바른펜" panose="020B0503000000000000" pitchFamily="50" charset="-127"/>
-              </a:rPr>
-              <a:t>. ( Atletico Madrid</a:t>
-            </a:r>
-            <a:r>
-              <a:rPr lang="ko-KR" altLang="en-US" sz="1600" dirty="0" smtClean="0">
-                <a:latin typeface="나눔바른펜" panose="020B0503000000000000" pitchFamily="50" charset="-127"/>
-                <a:ea typeface="나눔바른펜" panose="020B0503000000000000" pitchFamily="50" charset="-127"/>
-              </a:rPr>
-              <a:t>의 감독은 선 수비 후 역습 전술로 매우 유명하다</a:t>
-            </a:r>
-            <a:r>
-              <a:rPr lang="en-US" altLang="ko-KR" sz="1600" dirty="0" smtClean="0">
-                <a:latin typeface="나눔바른펜" panose="020B0503000000000000" pitchFamily="50" charset="-127"/>
-                <a:ea typeface="나눔바른펜" panose="020B0503000000000000" pitchFamily="50" charset="-127"/>
-              </a:rPr>
-              <a:t>.</a:t>
-            </a:r>
-            <a:r>
-              <a:rPr lang="ko-KR" altLang="en-US" sz="1600" dirty="0" smtClean="0">
-                <a:latin typeface="나눔바른펜" panose="020B0503000000000000" pitchFamily="50" charset="-127"/>
-                <a:ea typeface="나눔바른펜" panose="020B0503000000000000" pitchFamily="50" charset="-127"/>
-              </a:rPr>
-              <a:t> </a:t>
-            </a:r>
-            <a:r>
-              <a:rPr lang="en-US" altLang="ko-KR" sz="1600" dirty="0" smtClean="0">
-                <a:latin typeface="나눔바른펜" panose="020B0503000000000000" pitchFamily="50" charset="-127"/>
-                <a:ea typeface="나눔바른펜" panose="020B0503000000000000" pitchFamily="50" charset="-127"/>
+                <a:latin typeface="나눔고딕" panose="020D0604000000000000" pitchFamily="50" charset="-127"/>
+                <a:ea typeface="나눔고딕" panose="020D0604000000000000" pitchFamily="50" charset="-127"/>
               </a:rPr>
               <a:t>)</a:t>
             </a:r>
             <a:endParaRPr lang="ko-KR" altLang="en-US" sz="1600" dirty="0">
-              <a:latin typeface="나눔바른펜" panose="020B0503000000000000" pitchFamily="50" charset="-127"/>
-              <a:ea typeface="나눔바른펜" panose="020B0503000000000000" pitchFamily="50" charset="-127"/>
+              <a:latin typeface="나눔고딕" panose="020D0604000000000000" pitchFamily="50" charset="-127"/>
+              <a:ea typeface="나눔고딕" panose="020D0604000000000000" pitchFamily="50" charset="-127"/>
             </a:endParaRPr>
           </a:p>
         </p:txBody>
@@ -15093,8 +15002,8 @@
         </p:nvSpPr>
         <p:spPr>
           <a:xfrm>
-            <a:off x="7558905" y="4820728"/>
-            <a:ext cx="4075696" cy="1308050"/>
+            <a:off x="7558904" y="4497562"/>
+            <a:ext cx="4075696" cy="1631216"/>
           </a:xfrm>
           <a:prstGeom prst="rect">
             <a:avLst/>
@@ -15107,16 +15016,17 @@
           </a:bodyPr>
           <a:lstStyle/>
           <a:p>
-            <a:r>
-              <a:rPr lang="ko-KR" altLang="en-US" sz="1600" i="1" dirty="0" smtClean="0">
-                <a:latin typeface="나눔바른펜" panose="020B0503000000000000" pitchFamily="50" charset="-127"/>
-                <a:ea typeface="나눔바른펜" panose="020B0503000000000000" pitchFamily="50" charset="-127"/>
+            <a:pPr algn="ctr"/>
+            <a:r>
+              <a:rPr lang="ko-KR" altLang="en-US" sz="1600" b="1" dirty="0" smtClean="0">
+                <a:latin typeface="나눔고딕" panose="020D0604000000000000" pitchFamily="50" charset="-127"/>
+                <a:ea typeface="나눔고딕" panose="020D0604000000000000" pitchFamily="50" charset="-127"/>
               </a:rPr>
               <a:t>결론</a:t>
             </a:r>
-            <a:endParaRPr lang="en-US" altLang="ko-KR" sz="1600" i="1" dirty="0" smtClean="0">
-              <a:latin typeface="나눔바른펜" panose="020B0503000000000000" pitchFamily="50" charset="-127"/>
-              <a:ea typeface="나눔바른펜" panose="020B0503000000000000" pitchFamily="50" charset="-127"/>
+            <a:endParaRPr lang="en-US" altLang="ko-KR" sz="1600" b="1" dirty="0" smtClean="0">
+              <a:latin typeface="나눔고딕" panose="020D0604000000000000" pitchFamily="50" charset="-127"/>
+              <a:ea typeface="나눔고딕" panose="020D0604000000000000" pitchFamily="50" charset="-127"/>
             </a:endParaRPr>
           </a:p>
           <a:p>
@@ -15127,43 +15037,43 @@
             </a:pPr>
             <a:r>
               <a:rPr lang="ko-KR" altLang="en-US" sz="1400" dirty="0" smtClean="0">
-                <a:latin typeface="나눔바른펜" panose="020B0503000000000000" pitchFamily="50" charset="-127"/>
-                <a:ea typeface="나눔바른펜" panose="020B0503000000000000" pitchFamily="50" charset="-127"/>
+                <a:latin typeface="나눔고딕" panose="020D0604000000000000" pitchFamily="50" charset="-127"/>
+                <a:ea typeface="나눔고딕" panose="020D0604000000000000" pitchFamily="50" charset="-127"/>
               </a:rPr>
               <a:t>팀 자체가 전술적 결합력이 매우 좋거나 선수의 퀄리티가 어느 정도 받쳐주지 못하면</a:t>
             </a:r>
             <a:r>
               <a:rPr lang="en-US" altLang="ko-KR" sz="1400" dirty="0" smtClean="0">
-                <a:latin typeface="나눔바른펜" panose="020B0503000000000000" pitchFamily="50" charset="-127"/>
-                <a:ea typeface="나눔바른펜" panose="020B0503000000000000" pitchFamily="50" charset="-127"/>
+                <a:latin typeface="나눔고딕" panose="020D0604000000000000" pitchFamily="50" charset="-127"/>
+                <a:ea typeface="나눔고딕" panose="020D0604000000000000" pitchFamily="50" charset="-127"/>
               </a:rPr>
               <a:t>, </a:t>
             </a:r>
             <a:r>
               <a:rPr lang="ko-KR" altLang="en-US" sz="1400" dirty="0" smtClean="0">
-                <a:latin typeface="나눔바른펜" panose="020B0503000000000000" pitchFamily="50" charset="-127"/>
-                <a:ea typeface="나눔바른펜" panose="020B0503000000000000" pitchFamily="50" charset="-127"/>
+                <a:latin typeface="나눔고딕" panose="020D0604000000000000" pitchFamily="50" charset="-127"/>
+                <a:ea typeface="나눔고딕" panose="020D0604000000000000" pitchFamily="50" charset="-127"/>
               </a:rPr>
               <a:t>거친 수비 전술은 주로 수비에 치중하는 </a:t>
             </a:r>
             <a:r>
               <a:rPr lang="ko-KR" altLang="en-US" sz="1400" dirty="0" err="1" smtClean="0">
-                <a:latin typeface="나눔바른펜" panose="020B0503000000000000" pitchFamily="50" charset="-127"/>
-                <a:ea typeface="나눔바른펜" panose="020B0503000000000000" pitchFamily="50" charset="-127"/>
+                <a:latin typeface="나눔고딕" panose="020D0604000000000000" pitchFamily="50" charset="-127"/>
+                <a:ea typeface="나눔고딕" panose="020D0604000000000000" pitchFamily="50" charset="-127"/>
               </a:rPr>
               <a:t>약팀들이</a:t>
             </a:r>
             <a:r>
               <a:rPr lang="ko-KR" altLang="en-US" sz="1400" dirty="0" smtClean="0">
-                <a:latin typeface="나눔바른펜" panose="020B0503000000000000" pitchFamily="50" charset="-127"/>
-                <a:ea typeface="나눔바른펜" panose="020B0503000000000000" pitchFamily="50" charset="-127"/>
+                <a:latin typeface="나눔고딕" panose="020D0604000000000000" pitchFamily="50" charset="-127"/>
+                <a:ea typeface="나눔고딕" panose="020D0604000000000000" pitchFamily="50" charset="-127"/>
               </a:rPr>
               <a:t> 사용하는 전술에 국한되기 마련이다</a:t>
             </a:r>
             <a:r>
               <a:rPr lang="en-US" altLang="ko-KR" sz="1400" dirty="0" smtClean="0">
-                <a:latin typeface="나눔바른펜" panose="020B0503000000000000" pitchFamily="50" charset="-127"/>
-                <a:ea typeface="나눔바른펜" panose="020B0503000000000000" pitchFamily="50" charset="-127"/>
+                <a:latin typeface="나눔고딕" panose="020D0604000000000000" pitchFamily="50" charset="-127"/>
+                <a:ea typeface="나눔고딕" panose="020D0604000000000000" pitchFamily="50" charset="-127"/>
               </a:rPr>
               <a:t>.</a:t>
             </a:r>
@@ -15212,7 +15122,10 @@
           <a:lstStyle/>
           <a:p>
             <a:pPr algn="ctr"/>
-            <a:endParaRPr lang="ko-KR" altLang="en-US"/>
+            <a:endParaRPr lang="ko-KR" altLang="en-US">
+              <a:latin typeface="나눔고딕" panose="020D0604000000000000" pitchFamily="50" charset="-127"/>
+              <a:ea typeface="나눔고딕" panose="020D0604000000000000" pitchFamily="50" charset="-127"/>
+            </a:endParaRPr>
           </a:p>
         </p:txBody>
       </p:sp>
@@ -15463,7 +15376,23 @@
                 <a:ea typeface="나눔고딕" panose="020D0604000000000000" pitchFamily="50" charset="-127"/>
                 <a:cs typeface="Abhaya Libre" panose="02000603000000000000" pitchFamily="2" charset="77"/>
               </a:rPr>
-              <a:t>– &lt;20-21&gt;</a:t>
+              <a:t>– </a:t>
+            </a:r>
+            <a:r>
+              <a:rPr lang="en-US" altLang="ko-KR" sz="2000" b="1" dirty="0" smtClean="0">
+                <a:latin typeface="나눔고딕" panose="020D0604000000000000" pitchFamily="50" charset="-127"/>
+                <a:ea typeface="나눔고딕" panose="020D0604000000000000" pitchFamily="50" charset="-127"/>
+                <a:cs typeface="Abhaya Libre" panose="02000603000000000000" pitchFamily="2" charset="77"/>
+              </a:rPr>
+              <a:t>&lt;</a:t>
+            </a:r>
+            <a:r>
+              <a:rPr lang="en-US" altLang="ko-KR" sz="2000" b="1" dirty="0" smtClean="0">
+                <a:latin typeface="나눔고딕" panose="020D0604000000000000" pitchFamily="50" charset="-127"/>
+                <a:ea typeface="나눔고딕" panose="020D0604000000000000" pitchFamily="50" charset="-127"/>
+                <a:cs typeface="Abhaya Libre" panose="02000603000000000000" pitchFamily="2" charset="77"/>
+              </a:rPr>
+              <a:t>20-21&gt;</a:t>
             </a:r>
             <a:r>
               <a:rPr lang="ko-KR" altLang="en-US" sz="2000" b="1" dirty="0">
@@ -15948,15 +15877,7 @@
                 <a:ea typeface="나눔고딕" panose="020D0604000000000000" pitchFamily="50" charset="-127"/>
                 <a:cs typeface="Abhaya Libre" panose="02000603000000000000" pitchFamily="2" charset="77"/>
               </a:rPr>
-              <a:t>문자 형식으로 </a:t>
-            </a:r>
-            <a:r>
-              <a:rPr lang="ko-KR" altLang="en-US" sz="1400" dirty="0" smtClean="0">
-                <a:latin typeface="나눔고딕" panose="020D0604000000000000" pitchFamily="50" charset="-127"/>
-                <a:ea typeface="나눔고딕" panose="020D0604000000000000" pitchFamily="50" charset="-127"/>
-                <a:cs typeface="Abhaya Libre" panose="02000603000000000000" pitchFamily="2" charset="77"/>
-              </a:rPr>
-              <a:t>나눠지기 때문에 원</a:t>
+              <a:t>문자 형식으로 나눠지기 때문에 원</a:t>
             </a:r>
             <a:r>
               <a:rPr lang="en-US" altLang="ko-KR" sz="1400" dirty="0" smtClean="0">
@@ -16080,15 +16001,7 @@
                 <a:ea typeface="나눔고딕" panose="020D0604000000000000" pitchFamily="50" charset="-127"/>
                 <a:cs typeface="Abhaya Libre" panose="02000603000000000000" pitchFamily="2" charset="77"/>
               </a:rPr>
-              <a:t>으로 나누어 </a:t>
-            </a:r>
-            <a:r>
-              <a:rPr lang="ko-KR" altLang="en-US" sz="1400" dirty="0" smtClean="0">
-                <a:latin typeface="나눔고딕" panose="020D0604000000000000" pitchFamily="50" charset="-127"/>
-                <a:ea typeface="나눔고딕" panose="020D0604000000000000" pitchFamily="50" charset="-127"/>
-                <a:cs typeface="Abhaya Libre" panose="02000603000000000000" pitchFamily="2" charset="77"/>
-              </a:rPr>
-              <a:t>변수에 담아 진행했다</a:t>
+              <a:t>으로 나누어 변수에 담아 진행했다</a:t>
             </a:r>
             <a:r>
               <a:rPr lang="en-US" altLang="ko-KR" sz="1400" dirty="0" smtClean="0">
@@ -16894,7 +16807,7 @@
           <a:lstStyle/>
           <a:p>
             <a:r>
-              <a:rPr lang="ko-KR" altLang="en-US" sz="2000" b="1" smtClean="0">
+              <a:rPr lang="ko-KR" altLang="en-US" sz="2000" b="1" dirty="0" smtClean="0">
                 <a:latin typeface="나눔고딕" panose="020D0604000000000000" pitchFamily="50" charset="-127"/>
                 <a:ea typeface="나눔고딕" panose="020D0604000000000000" pitchFamily="50" charset="-127"/>
                 <a:cs typeface="Abhaya Libre" panose="02000603000000000000" pitchFamily="2" charset="77"/>
@@ -18608,194 +18521,6 @@
       </p:grpSpPr>
       <p:sp>
         <p:nvSpPr>
-          <p:cNvPr id="7" name="직사각형 6">
-            <a:extLst>
-              <a:ext uri="{FF2B5EF4-FFF2-40B4-BE49-F238E27FC236}">
-                <a16:creationId xmlns:a16="http://schemas.microsoft.com/office/drawing/2014/main" id="{3BD5C53C-9B19-415C-B6B8-94AEDDE075AC}"/>
-              </a:ext>
-            </a:extLst>
-          </p:cNvPr>
-          <p:cNvSpPr/>
-          <p:nvPr/>
-        </p:nvSpPr>
-        <p:spPr>
-          <a:xfrm>
-            <a:off x="0" y="-1"/>
-            <a:ext cx="12213771" cy="6858001"/>
-          </a:xfrm>
-          <a:prstGeom prst="rect">
-            <a:avLst/>
-          </a:prstGeom>
-          <a:solidFill>
-            <a:schemeClr val="accent6">
-              <a:lumMod val="50000"/>
-            </a:schemeClr>
-          </a:solidFill>
-          <a:ln>
-            <a:noFill/>
-          </a:ln>
-        </p:spPr>
-        <p:style>
-          <a:lnRef idx="2">
-            <a:schemeClr val="accent1">
-              <a:shade val="50000"/>
-            </a:schemeClr>
-          </a:lnRef>
-          <a:fillRef idx="1">
-            <a:schemeClr val="accent1"/>
-          </a:fillRef>
-          <a:effectRef idx="0">
-            <a:schemeClr val="accent1"/>
-          </a:effectRef>
-          <a:fontRef idx="minor">
-            <a:schemeClr val="lt1"/>
-          </a:fontRef>
-        </p:style>
-        <p:txBody>
-          <a:bodyPr rtlCol="0" anchor="ctr"/>
-          <a:lstStyle/>
-          <a:p>
-            <a:pPr algn="ctr"/>
-            <a:endParaRPr lang="ko-KR" altLang="en-US"/>
-          </a:p>
-        </p:txBody>
-      </p:sp>
-      <p:sp>
-        <p:nvSpPr>
-          <p:cNvPr id="9" name="TextBox 8">
-            <a:extLst>
-              <a:ext uri="{FF2B5EF4-FFF2-40B4-BE49-F238E27FC236}">
-                <a16:creationId xmlns:a16="http://schemas.microsoft.com/office/drawing/2014/main" id="{9B4F2EBF-4938-45B7-8EE5-0FCC9BC096A7}"/>
-              </a:ext>
-            </a:extLst>
-          </p:cNvPr>
-          <p:cNvSpPr txBox="1"/>
-          <p:nvPr/>
-        </p:nvSpPr>
-        <p:spPr>
-          <a:xfrm>
-            <a:off x="4769622" y="2921167"/>
-            <a:ext cx="2674525" cy="1015663"/>
-          </a:xfrm>
-          <a:prstGeom prst="rect">
-            <a:avLst/>
-          </a:prstGeom>
-          <a:noFill/>
-        </p:spPr>
-        <p:txBody>
-          <a:bodyPr wrap="square" rtlCol="0">
-            <a:spAutoFit/>
-          </a:bodyPr>
-          <a:lstStyle/>
-          <a:p>
-            <a:r>
-              <a:rPr lang="en-US" altLang="ko-KR" sz="6000" b="1" spc="600" dirty="0">
-                <a:solidFill>
-                  <a:schemeClr val="bg1"/>
-                </a:solidFill>
-                <a:latin typeface="나눔고딕" panose="020D0604000000000000" pitchFamily="50" charset="-127"/>
-                <a:ea typeface="나눔고딕" panose="020D0604000000000000" pitchFamily="50" charset="-127"/>
-                <a:cs typeface="KoPubWorld돋움체 Bold" panose="00000800000000000000" pitchFamily="2" charset="-127"/>
-              </a:rPr>
-              <a:t>Q &amp; A</a:t>
-            </a:r>
-            <a:endParaRPr lang="ko-KR" altLang="en-US" sz="6000" b="1" spc="600" dirty="0">
-              <a:solidFill>
-                <a:schemeClr val="bg1"/>
-              </a:solidFill>
-              <a:latin typeface="나눔고딕" panose="020D0604000000000000" pitchFamily="50" charset="-127"/>
-              <a:ea typeface="나눔고딕" panose="020D0604000000000000" pitchFamily="50" charset="-127"/>
-              <a:cs typeface="KoPubWorld돋움체 Bold" panose="00000800000000000000" pitchFamily="2" charset="-127"/>
-            </a:endParaRPr>
-          </a:p>
-        </p:txBody>
-      </p:sp>
-      <p:sp>
-        <p:nvSpPr>
-          <p:cNvPr id="13" name="TextBox 12">
-            <a:extLst>
-              <a:ext uri="{FF2B5EF4-FFF2-40B4-BE49-F238E27FC236}">
-                <a16:creationId xmlns:a16="http://schemas.microsoft.com/office/drawing/2014/main" id="{058468B3-2CF3-4D53-8244-09E927572F97}"/>
-              </a:ext>
-            </a:extLst>
-          </p:cNvPr>
-          <p:cNvSpPr txBox="1"/>
-          <p:nvPr/>
-        </p:nvSpPr>
-        <p:spPr>
-          <a:xfrm>
-            <a:off x="8696857" y="4995952"/>
-            <a:ext cx="3516914" cy="1862048"/>
-          </a:xfrm>
-          <a:prstGeom prst="rect">
-            <a:avLst/>
-          </a:prstGeom>
-          <a:noFill/>
-        </p:spPr>
-        <p:txBody>
-          <a:bodyPr wrap="square" rtlCol="0">
-            <a:spAutoFit/>
-          </a:bodyPr>
-          <a:lstStyle/>
-          <a:p>
-            <a:r>
-              <a:rPr lang="en-US" altLang="ko-KR" sz="11500" b="1" dirty="0">
-                <a:solidFill>
-                  <a:schemeClr val="bg1">
-                    <a:alpha val="16000"/>
-                  </a:schemeClr>
-                </a:solidFill>
-                <a:latin typeface="나눔고딕" panose="020D0604000000000000" pitchFamily="50" charset="-127"/>
-                <a:ea typeface="나눔고딕" panose="020D0604000000000000" pitchFamily="50" charset="-127"/>
-                <a:cs typeface="KoPubWorld돋움체 Bold" panose="00000800000000000000" pitchFamily="2" charset="-127"/>
-              </a:rPr>
-              <a:t>Q&amp;A</a:t>
-            </a:r>
-            <a:endParaRPr lang="ko-KR" altLang="en-US" sz="11500" b="1" dirty="0">
-              <a:solidFill>
-                <a:schemeClr val="bg1">
-                  <a:alpha val="16000"/>
-                </a:schemeClr>
-              </a:solidFill>
-              <a:latin typeface="나눔고딕" panose="020D0604000000000000" pitchFamily="50" charset="-127"/>
-              <a:ea typeface="나눔고딕" panose="020D0604000000000000" pitchFamily="50" charset="-127"/>
-              <a:cs typeface="KoPubWorld돋움체 Bold" panose="00000800000000000000" pitchFamily="2" charset="-127"/>
-            </a:endParaRPr>
-          </a:p>
-        </p:txBody>
-      </p:sp>
-    </p:spTree>
-    <p:extLst>
-      <p:ext uri="{BB962C8B-B14F-4D97-AF65-F5344CB8AC3E}">
-        <p14:creationId xmlns:p14="http://schemas.microsoft.com/office/powerpoint/2010/main" val="17966091"/>
-      </p:ext>
-    </p:extLst>
-  </p:cSld>
-  <p:clrMapOvr>
-    <a:masterClrMapping/>
-  </p:clrMapOvr>
-</p:sld>
-</file>
-
-<file path=ppt/slides/slide32.xml><?xml version="1.0" encoding="utf-8"?>
-<p:sld xmlns:a="http://schemas.openxmlformats.org/drawingml/2006/main" xmlns:r="http://schemas.openxmlformats.org/officeDocument/2006/relationships" xmlns:p="http://schemas.openxmlformats.org/presentationml/2006/main">
-  <p:cSld>
-    <p:spTree>
-      <p:nvGrpSpPr>
-        <p:cNvPr id="1" name=""/>
-        <p:cNvGrpSpPr/>
-        <p:nvPr/>
-      </p:nvGrpSpPr>
-      <p:grpSpPr>
-        <a:xfrm>
-          <a:off x="0" y="0"/>
-          <a:ext cx="0" cy="0"/>
-          <a:chOff x="0" y="0"/>
-          <a:chExt cx="0" cy="0"/>
-        </a:xfrm>
-      </p:grpSpPr>
-      <p:sp>
-        <p:nvSpPr>
           <p:cNvPr id="6" name="직사각형 5">
             <a:extLst>
               <a:ext uri="{FF2B5EF4-FFF2-40B4-BE49-F238E27FC236}">
@@ -19220,7 +18945,10 @@
           <a:lstStyle/>
           <a:p>
             <a:pPr algn="ctr"/>
-            <a:endParaRPr lang="ko-KR" altLang="en-US"/>
+            <a:endParaRPr lang="ko-KR" altLang="en-US">
+              <a:latin typeface="나눔고딕" panose="020D0604000000000000" pitchFamily="50" charset="-127"/>
+              <a:ea typeface="나눔고딕" panose="020D0604000000000000" pitchFamily="50" charset="-127"/>
+            </a:endParaRPr>
           </a:p>
         </p:txBody>
       </p:sp>
@@ -19239,9 +18967,9 @@
         <p:grpSpPr>
           <a:xfrm>
             <a:off x="4007431" y="188165"/>
-            <a:ext cx="4366697" cy="830997"/>
+            <a:ext cx="4826018" cy="830997"/>
             <a:chOff x="3819245" y="188165"/>
-            <a:chExt cx="3808542" cy="830997"/>
+            <a:chExt cx="4209152" cy="830997"/>
           </a:xfrm>
         </p:grpSpPr>
         <p:sp>
@@ -19258,8 +18986,8 @@
           </p:nvSpPr>
           <p:spPr>
             <a:xfrm>
-              <a:off x="4430497" y="275862"/>
-              <a:ext cx="3197290" cy="646331"/>
+              <a:off x="4520782" y="280760"/>
+              <a:ext cx="3507615" cy="646331"/>
             </a:xfrm>
             <a:prstGeom prst="rect">
               <a:avLst/>
@@ -19273,15 +19001,15 @@
             <a:p>
               <a:r>
                 <a:rPr lang="ko-KR" altLang="en-US" sz="3600" b="1" dirty="0" smtClean="0">
-                  <a:latin typeface="나눔바른펜" panose="020B0503000000000000" pitchFamily="50" charset="-127"/>
-                  <a:ea typeface="나눔바른펜" panose="020B0503000000000000" pitchFamily="50" charset="-127"/>
+                  <a:latin typeface="나눔고딕" panose="020D0604000000000000" pitchFamily="50" charset="-127"/>
+                  <a:ea typeface="나눔고딕" panose="020D0604000000000000" pitchFamily="50" charset="-127"/>
                   <a:cs typeface="KoPubWorld돋움체 Bold" panose="00000800000000000000" pitchFamily="2" charset="-127"/>
                 </a:rPr>
                 <a:t>서론 및 이론적 배경</a:t>
               </a:r>
               <a:endParaRPr lang="ko-KR" altLang="en-US" sz="3600" b="1" dirty="0">
-                <a:latin typeface="나눔바른펜" panose="020B0503000000000000" pitchFamily="50" charset="-127"/>
-                <a:ea typeface="나눔바른펜" panose="020B0503000000000000" pitchFamily="50" charset="-127"/>
+                <a:latin typeface="나눔고딕" panose="020D0604000000000000" pitchFamily="50" charset="-127"/>
+                <a:ea typeface="나눔고딕" panose="020D0604000000000000" pitchFamily="50" charset="-127"/>
                 <a:cs typeface="KoPubWorld돋움체 Light" panose="00000300000000000000" pitchFamily="2" charset="-127"/>
               </a:endParaRPr>
             </a:p>
@@ -19302,7 +19030,7 @@
           <p:spPr>
             <a:xfrm>
               <a:off x="3819245" y="188165"/>
-              <a:ext cx="611252" cy="830997"/>
+              <a:ext cx="798598" cy="830997"/>
             </a:xfrm>
             <a:prstGeom prst="rect">
               <a:avLst/>
@@ -19322,8 +19050,8 @@
                       <a:lumMod val="50000"/>
                     </a:schemeClr>
                   </a:solidFill>
-                  <a:latin typeface="나눔바른펜" panose="020B0503000000000000" pitchFamily="50" charset="-127"/>
-                  <a:ea typeface="나눔바른펜" panose="020B0503000000000000" pitchFamily="50" charset="-127"/>
+                  <a:latin typeface="나눔고딕" panose="020D0604000000000000" pitchFamily="50" charset="-127"/>
+                  <a:ea typeface="나눔고딕" panose="020D0604000000000000" pitchFamily="50" charset="-127"/>
                   <a:cs typeface="KoPubWorld돋움체 Bold" panose="00000800000000000000" pitchFamily="2" charset="-127"/>
                 </a:rPr>
                 <a:t>01</a:t>
@@ -19334,8 +19062,8 @@
                     <a:lumMod val="50000"/>
                   </a:schemeClr>
                 </a:solidFill>
-                <a:latin typeface="나눔바른펜" panose="020B0503000000000000" pitchFamily="50" charset="-127"/>
-                <a:ea typeface="나눔바른펜" panose="020B0503000000000000" pitchFamily="50" charset="-127"/>
+                <a:latin typeface="나눔고딕" panose="020D0604000000000000" pitchFamily="50" charset="-127"/>
+                <a:ea typeface="나눔고딕" panose="020D0604000000000000" pitchFamily="50" charset="-127"/>
                 <a:cs typeface="KoPubWorld돋움체 Bold" panose="00000800000000000000" pitchFamily="2" charset="-127"/>
               </a:endParaRPr>
             </a:p>
@@ -19531,8 +19259,8 @@
           <a:p>
             <a:pPr algn="ctr"/>
             <a:endParaRPr lang="ko-KR" altLang="en-US" b="1">
-              <a:latin typeface="나눔바른펜" panose="020B0503000000000000" pitchFamily="50" charset="-127"/>
-              <a:ea typeface="나눔바른펜" panose="020B0503000000000000" pitchFamily="50" charset="-127"/>
+              <a:latin typeface="나눔고딕" panose="020D0604000000000000" pitchFamily="50" charset="-127"/>
+              <a:ea typeface="나눔고딕" panose="020D0604000000000000" pitchFamily="50" charset="-127"/>
             </a:endParaRPr>
           </a:p>
         </p:txBody>
@@ -19567,22 +19295,22 @@
           <a:p>
             <a:pPr algn="ctr"/>
             <a:r>
-              <a:rPr lang="ko-KR" altLang="en-US" sz="1400" b="1" dirty="0" smtClean="0">
+              <a:rPr lang="ko-KR" altLang="en-US" sz="1400" dirty="0" smtClean="0">
                 <a:solidFill>
                   <a:schemeClr val="bg1"/>
                 </a:solidFill>
-                <a:latin typeface="나눔바른펜" panose="020B0503000000000000" pitchFamily="50" charset="-127"/>
-                <a:ea typeface="나눔바른펜" panose="020B0503000000000000" pitchFamily="50" charset="-127"/>
+                <a:latin typeface="나눔고딕" panose="020D0604000000000000" pitchFamily="50" charset="-127"/>
+                <a:ea typeface="나눔고딕" panose="020D0604000000000000" pitchFamily="50" charset="-127"/>
                 <a:cs typeface="KoPubWorld돋움체 Light" panose="00000300000000000000" pitchFamily="2" charset="-127"/>
               </a:rPr>
               <a:t>주제 및 목적</a:t>
             </a:r>
-            <a:endParaRPr lang="ko-KR" altLang="en-US" sz="1400" b="1" dirty="0">
+            <a:endParaRPr lang="ko-KR" altLang="en-US" sz="1400" dirty="0">
               <a:solidFill>
                 <a:schemeClr val="bg1"/>
               </a:solidFill>
-              <a:latin typeface="나눔바른펜" panose="020B0503000000000000" pitchFamily="50" charset="-127"/>
-              <a:ea typeface="나눔바른펜" panose="020B0503000000000000" pitchFamily="50" charset="-127"/>
+              <a:latin typeface="나눔고딕" panose="020D0604000000000000" pitchFamily="50" charset="-127"/>
+              <a:ea typeface="나눔고딕" panose="020D0604000000000000" pitchFamily="50" charset="-127"/>
               <a:cs typeface="KoPubWorld돋움체 Light" panose="00000300000000000000" pitchFamily="2" charset="-127"/>
             </a:endParaRPr>
           </a:p>
@@ -19638,9 +19366,9 @@
           <a:lstStyle/>
           <a:p>
             <a:pPr algn="ctr"/>
-            <a:endParaRPr lang="ko-KR" altLang="en-US" b="1">
-              <a:latin typeface="나눔바른펜" panose="020B0503000000000000" pitchFamily="50" charset="-127"/>
-              <a:ea typeface="나눔바른펜" panose="020B0503000000000000" pitchFamily="50" charset="-127"/>
+            <a:endParaRPr lang="ko-KR" altLang="en-US">
+              <a:latin typeface="나눔고딕" panose="020D0604000000000000" pitchFamily="50" charset="-127"/>
+              <a:ea typeface="나눔고딕" panose="020D0604000000000000" pitchFamily="50" charset="-127"/>
             </a:endParaRPr>
           </a:p>
         </p:txBody>
@@ -19675,22 +19403,22 @@
           <a:p>
             <a:pPr algn="ctr"/>
             <a:r>
-              <a:rPr lang="ko-KR" altLang="en-US" sz="1400" b="1" dirty="0" smtClean="0">
+              <a:rPr lang="ko-KR" altLang="en-US" sz="1400" dirty="0" smtClean="0">
                 <a:solidFill>
                   <a:schemeClr val="bg1"/>
                 </a:solidFill>
-                <a:latin typeface="나눔바른펜" panose="020B0503000000000000" pitchFamily="50" charset="-127"/>
-                <a:ea typeface="나눔바른펜" panose="020B0503000000000000" pitchFamily="50" charset="-127"/>
+                <a:latin typeface="나눔고딕" panose="020D0604000000000000" pitchFamily="50" charset="-127"/>
+                <a:ea typeface="나눔고딕" panose="020D0604000000000000" pitchFamily="50" charset="-127"/>
                 <a:cs typeface="KoPubWorld돋움체 Light" panose="00000300000000000000" pitchFamily="2" charset="-127"/>
               </a:rPr>
               <a:t>참조</a:t>
             </a:r>
-            <a:endParaRPr lang="ko-KR" altLang="en-US" sz="1400" b="1" dirty="0">
+            <a:endParaRPr lang="ko-KR" altLang="en-US" sz="1400" dirty="0">
               <a:solidFill>
                 <a:schemeClr val="bg1"/>
               </a:solidFill>
-              <a:latin typeface="나눔바른펜" panose="020B0503000000000000" pitchFamily="50" charset="-127"/>
-              <a:ea typeface="나눔바른펜" panose="020B0503000000000000" pitchFamily="50" charset="-127"/>
+              <a:latin typeface="나눔고딕" panose="020D0604000000000000" pitchFamily="50" charset="-127"/>
+              <a:ea typeface="나눔고딕" panose="020D0604000000000000" pitchFamily="50" charset="-127"/>
               <a:cs typeface="KoPubWorld돋움체 Light" panose="00000300000000000000" pitchFamily="2" charset="-127"/>
             </a:endParaRPr>
           </a:p>
@@ -19746,9 +19474,9 @@
           <a:lstStyle/>
           <a:p>
             <a:pPr algn="ctr"/>
-            <a:endParaRPr lang="ko-KR" altLang="en-US" b="1">
-              <a:latin typeface="나눔바른펜" panose="020B0503000000000000" pitchFamily="50" charset="-127"/>
-              <a:ea typeface="나눔바른펜" panose="020B0503000000000000" pitchFamily="50" charset="-127"/>
+            <a:endParaRPr lang="ko-KR" altLang="en-US">
+              <a:latin typeface="나눔고딕" panose="020D0604000000000000" pitchFamily="50" charset="-127"/>
+              <a:ea typeface="나눔고딕" panose="020D0604000000000000" pitchFamily="50" charset="-127"/>
             </a:endParaRPr>
           </a:p>
         </p:txBody>
@@ -19783,22 +19511,22 @@
           <a:p>
             <a:pPr algn="ctr"/>
             <a:r>
-              <a:rPr lang="ko-KR" altLang="en-US" sz="1400" b="1" dirty="0" smtClean="0">
+              <a:rPr lang="ko-KR" altLang="en-US" sz="1400" dirty="0" smtClean="0">
                 <a:solidFill>
                   <a:schemeClr val="bg1"/>
                 </a:solidFill>
-                <a:latin typeface="나눔바른펜" panose="020B0503000000000000" pitchFamily="50" charset="-127"/>
-                <a:ea typeface="나눔바른펜" panose="020B0503000000000000" pitchFamily="50" charset="-127"/>
+                <a:latin typeface="나눔고딕" panose="020D0604000000000000" pitchFamily="50" charset="-127"/>
+                <a:ea typeface="나눔고딕" panose="020D0604000000000000" pitchFamily="50" charset="-127"/>
                 <a:cs typeface="KoPubWorld돋움체 Light" panose="00000300000000000000" pitchFamily="2" charset="-127"/>
               </a:rPr>
               <a:t>연구방법</a:t>
             </a:r>
-            <a:endParaRPr lang="ko-KR" altLang="en-US" sz="1400" b="1" dirty="0">
+            <a:endParaRPr lang="ko-KR" altLang="en-US" sz="1400" dirty="0">
               <a:solidFill>
                 <a:schemeClr val="bg1"/>
               </a:solidFill>
-              <a:latin typeface="나눔바른펜" panose="020B0503000000000000" pitchFamily="50" charset="-127"/>
-              <a:ea typeface="나눔바른펜" panose="020B0503000000000000" pitchFamily="50" charset="-127"/>
+              <a:latin typeface="나눔고딕" panose="020D0604000000000000" pitchFamily="50" charset="-127"/>
+              <a:ea typeface="나눔고딕" panose="020D0604000000000000" pitchFamily="50" charset="-127"/>
               <a:cs typeface="KoPubWorld돋움체 Light" panose="00000300000000000000" pitchFamily="2" charset="-127"/>
             </a:endParaRPr>
           </a:p>
@@ -19818,8 +19546,8 @@
         </p:nvSpPr>
         <p:spPr>
           <a:xfrm>
-            <a:off x="1505296" y="4581063"/>
-            <a:ext cx="2880917" cy="646331"/>
+            <a:off x="1420337" y="4581063"/>
+            <a:ext cx="3050835" cy="584775"/>
           </a:xfrm>
           <a:prstGeom prst="rect">
             <a:avLst/>
@@ -19834,40 +19562,40 @@
           <a:p>
             <a:pPr algn="ctr"/>
             <a:r>
-              <a:rPr lang="ko-KR" altLang="en-US" b="1" dirty="0" smtClean="0">
-                <a:latin typeface="나눔바른펜" panose="020B0503000000000000" pitchFamily="50" charset="-127"/>
-                <a:ea typeface="나눔바른펜" panose="020B0503000000000000" pitchFamily="50" charset="-127"/>
+              <a:rPr lang="ko-KR" altLang="en-US" sz="1600" dirty="0" smtClean="0">
+                <a:latin typeface="나눔고딕" panose="020D0604000000000000" pitchFamily="50" charset="-127"/>
+                <a:ea typeface="나눔고딕" panose="020D0604000000000000" pitchFamily="50" charset="-127"/>
                 <a:cs typeface="KoPubWorld돋움체 Light" panose="00000300000000000000" pitchFamily="2" charset="-127"/>
               </a:rPr>
               <a:t>이번 프로젝트에서 다룰 아이템과</a:t>
             </a:r>
-            <a:endParaRPr lang="en-US" altLang="ko-KR" b="1" dirty="0" smtClean="0">
-              <a:latin typeface="나눔바른펜" panose="020B0503000000000000" pitchFamily="50" charset="-127"/>
-              <a:ea typeface="나눔바른펜" panose="020B0503000000000000" pitchFamily="50" charset="-127"/>
+            <a:endParaRPr lang="en-US" altLang="ko-KR" sz="1600" dirty="0" smtClean="0">
+              <a:latin typeface="나눔고딕" panose="020D0604000000000000" pitchFamily="50" charset="-127"/>
+              <a:ea typeface="나눔고딕" panose="020D0604000000000000" pitchFamily="50" charset="-127"/>
               <a:cs typeface="KoPubWorld돋움체 Light" panose="00000300000000000000" pitchFamily="2" charset="-127"/>
             </a:endParaRPr>
           </a:p>
           <a:p>
             <a:pPr algn="ctr"/>
             <a:r>
-              <a:rPr lang="ko-KR" altLang="en-US" b="1" dirty="0" smtClean="0">
-                <a:latin typeface="나눔바른펜" panose="020B0503000000000000" pitchFamily="50" charset="-127"/>
-                <a:ea typeface="나눔바른펜" panose="020B0503000000000000" pitchFamily="50" charset="-127"/>
+              <a:rPr lang="ko-KR" altLang="en-US" sz="1600" dirty="0" smtClean="0">
+                <a:latin typeface="나눔고딕" panose="020D0604000000000000" pitchFamily="50" charset="-127"/>
+                <a:ea typeface="나눔고딕" panose="020D0604000000000000" pitchFamily="50" charset="-127"/>
                 <a:cs typeface="KoPubWorld돋움체 Light" panose="00000300000000000000" pitchFamily="2" charset="-127"/>
               </a:rPr>
               <a:t>도출하고자 하는 것은</a:t>
             </a:r>
             <a:r>
-              <a:rPr lang="en-US" altLang="ko-KR" b="1" dirty="0" smtClean="0">
-                <a:latin typeface="나눔바른펜" panose="020B0503000000000000" pitchFamily="50" charset="-127"/>
-                <a:ea typeface="나눔바른펜" panose="020B0503000000000000" pitchFamily="50" charset="-127"/>
+              <a:rPr lang="en-US" altLang="ko-KR" sz="1600" dirty="0" smtClean="0">
+                <a:latin typeface="나눔고딕" panose="020D0604000000000000" pitchFamily="50" charset="-127"/>
+                <a:ea typeface="나눔고딕" panose="020D0604000000000000" pitchFamily="50" charset="-127"/>
                 <a:cs typeface="KoPubWorld돋움체 Light" panose="00000300000000000000" pitchFamily="2" charset="-127"/>
               </a:rPr>
               <a:t>?</a:t>
             </a:r>
-            <a:endParaRPr lang="ko-KR" altLang="en-US" b="1" dirty="0">
-              <a:latin typeface="나눔바른펜" panose="020B0503000000000000" pitchFamily="50" charset="-127"/>
-              <a:ea typeface="나눔바른펜" panose="020B0503000000000000" pitchFamily="50" charset="-127"/>
+            <a:endParaRPr lang="ko-KR" altLang="en-US" sz="1600" dirty="0">
+              <a:latin typeface="나눔고딕" panose="020D0604000000000000" pitchFamily="50" charset="-127"/>
+              <a:ea typeface="나눔고딕" panose="020D0604000000000000" pitchFamily="50" charset="-127"/>
               <a:cs typeface="KoPubWorld돋움체 Light" panose="00000300000000000000" pitchFamily="2" charset="-127"/>
             </a:endParaRPr>
           </a:p>
@@ -19887,8 +19615,8 @@
         </p:nvSpPr>
         <p:spPr>
           <a:xfrm>
-            <a:off x="4807827" y="4581063"/>
-            <a:ext cx="2576346" cy="369332"/>
+            <a:off x="4734089" y="4581063"/>
+            <a:ext cx="2723823" cy="338554"/>
           </a:xfrm>
           <a:prstGeom prst="rect">
             <a:avLst/>
@@ -19903,16 +19631,16 @@
           <a:p>
             <a:pPr algn="ctr"/>
             <a:r>
-              <a:rPr lang="ko-KR" altLang="en-US" b="1" dirty="0" smtClean="0">
-                <a:latin typeface="나눔바른펜" panose="020B0503000000000000" pitchFamily="50" charset="-127"/>
-                <a:ea typeface="나눔바른펜" panose="020B0503000000000000" pitchFamily="50" charset="-127"/>
+              <a:rPr lang="ko-KR" altLang="en-US" sz="1600" dirty="0" smtClean="0">
+                <a:latin typeface="나눔고딕" panose="020D0604000000000000" pitchFamily="50" charset="-127"/>
+                <a:ea typeface="나눔고딕" panose="020D0604000000000000" pitchFamily="50" charset="-127"/>
                 <a:cs typeface="KoPubWorld돋움체 Light" panose="00000300000000000000" pitchFamily="2" charset="-127"/>
               </a:rPr>
               <a:t>데이터 수집에 도움을 받은 곳</a:t>
             </a:r>
-            <a:endParaRPr lang="ko-KR" altLang="en-US" b="1" dirty="0">
-              <a:latin typeface="나눔바른펜" panose="020B0503000000000000" pitchFamily="50" charset="-127"/>
-              <a:ea typeface="나눔바른펜" panose="020B0503000000000000" pitchFamily="50" charset="-127"/>
+            <a:endParaRPr lang="ko-KR" altLang="en-US" sz="1600" dirty="0">
+              <a:latin typeface="나눔고딕" panose="020D0604000000000000" pitchFamily="50" charset="-127"/>
+              <a:ea typeface="나눔고딕" panose="020D0604000000000000" pitchFamily="50" charset="-127"/>
               <a:cs typeface="KoPubWorld돋움체 Light" panose="00000300000000000000" pitchFamily="2" charset="-127"/>
             </a:endParaRPr>
           </a:p>
@@ -19932,8 +19660,8 @@
         </p:nvSpPr>
         <p:spPr>
           <a:xfrm>
-            <a:off x="7771781" y="4581063"/>
-            <a:ext cx="2949846" cy="646331"/>
+            <a:off x="7663578" y="4581063"/>
+            <a:ext cx="3166252" cy="584775"/>
           </a:xfrm>
           <a:prstGeom prst="rect">
             <a:avLst/>
@@ -19948,40 +19676,40 @@
           <a:p>
             <a:pPr algn="ctr"/>
             <a:r>
-              <a:rPr lang="ko-KR" altLang="en-US" b="1" dirty="0" smtClean="0">
-                <a:latin typeface="나눔바른펜" panose="020B0503000000000000" pitchFamily="50" charset="-127"/>
-                <a:ea typeface="나눔바른펜" panose="020B0503000000000000" pitchFamily="50" charset="-127"/>
+              <a:rPr lang="ko-KR" altLang="en-US" sz="1600" dirty="0" smtClean="0">
+                <a:latin typeface="나눔고딕" panose="020D0604000000000000" pitchFamily="50" charset="-127"/>
+                <a:ea typeface="나눔고딕" panose="020D0604000000000000" pitchFamily="50" charset="-127"/>
                 <a:cs typeface="KoPubWorld돋움체 Light" panose="00000300000000000000" pitchFamily="2" charset="-127"/>
               </a:rPr>
               <a:t>어떤 방법으로 이번 분석 및 연구를</a:t>
             </a:r>
-            <a:endParaRPr lang="en-US" altLang="ko-KR" b="1" dirty="0" smtClean="0">
-              <a:latin typeface="나눔바른펜" panose="020B0503000000000000" pitchFamily="50" charset="-127"/>
-              <a:ea typeface="나눔바른펜" panose="020B0503000000000000" pitchFamily="50" charset="-127"/>
+            <a:endParaRPr lang="en-US" altLang="ko-KR" sz="1600" dirty="0" smtClean="0">
+              <a:latin typeface="나눔고딕" panose="020D0604000000000000" pitchFamily="50" charset="-127"/>
+              <a:ea typeface="나눔고딕" panose="020D0604000000000000" pitchFamily="50" charset="-127"/>
               <a:cs typeface="KoPubWorld돋움체 Light" panose="00000300000000000000" pitchFamily="2" charset="-127"/>
             </a:endParaRPr>
           </a:p>
           <a:p>
             <a:pPr algn="ctr"/>
             <a:r>
-              <a:rPr lang="ko-KR" altLang="en-US" b="1" dirty="0" smtClean="0">
-                <a:latin typeface="나눔바른펜" panose="020B0503000000000000" pitchFamily="50" charset="-127"/>
-                <a:ea typeface="나눔바른펜" panose="020B0503000000000000" pitchFamily="50" charset="-127"/>
+              <a:rPr lang="ko-KR" altLang="en-US" sz="1600" dirty="0" smtClean="0">
+                <a:latin typeface="나눔고딕" panose="020D0604000000000000" pitchFamily="50" charset="-127"/>
+                <a:ea typeface="나눔고딕" panose="020D0604000000000000" pitchFamily="50" charset="-127"/>
                 <a:cs typeface="KoPubWorld돋움체 Light" panose="00000300000000000000" pitchFamily="2" charset="-127"/>
               </a:rPr>
               <a:t>할 수 있었는가</a:t>
             </a:r>
             <a:r>
-              <a:rPr lang="en-US" altLang="ko-KR" b="1" dirty="0" smtClean="0">
-                <a:latin typeface="나눔바른펜" panose="020B0503000000000000" pitchFamily="50" charset="-127"/>
-                <a:ea typeface="나눔바른펜" panose="020B0503000000000000" pitchFamily="50" charset="-127"/>
+              <a:rPr lang="en-US" altLang="ko-KR" sz="1600" dirty="0" smtClean="0">
+                <a:latin typeface="나눔고딕" panose="020D0604000000000000" pitchFamily="50" charset="-127"/>
+                <a:ea typeface="나눔고딕" panose="020D0604000000000000" pitchFamily="50" charset="-127"/>
                 <a:cs typeface="KoPubWorld돋움체 Light" panose="00000300000000000000" pitchFamily="2" charset="-127"/>
               </a:rPr>
               <a:t>?</a:t>
             </a:r>
-            <a:endParaRPr lang="ko-KR" altLang="en-US" b="1" dirty="0">
-              <a:latin typeface="나눔바른펜" panose="020B0503000000000000" pitchFamily="50" charset="-127"/>
-              <a:ea typeface="나눔바른펜" panose="020B0503000000000000" pitchFamily="50" charset="-127"/>
+            <a:endParaRPr lang="ko-KR" altLang="en-US" sz="1600" dirty="0">
+              <a:latin typeface="나눔고딕" panose="020D0604000000000000" pitchFamily="50" charset="-127"/>
+              <a:ea typeface="나눔고딕" panose="020D0604000000000000" pitchFamily="50" charset="-127"/>
               <a:cs typeface="KoPubWorld돋움체 Light" panose="00000300000000000000" pitchFamily="2" charset="-127"/>
             </a:endParaRPr>
           </a:p>
@@ -20081,6 +19809,8 @@
               <a:solidFill>
                 <a:srgbClr val="F5DF4D"/>
               </a:solidFill>
+              <a:latin typeface="나눔고딕" panose="020D0604000000000000" pitchFamily="50" charset="-127"/>
+              <a:ea typeface="나눔고딕" panose="020D0604000000000000" pitchFamily="50" charset="-127"/>
             </a:endParaRPr>
           </a:p>
         </p:txBody>
@@ -20100,9 +19830,9 @@
         <p:grpSpPr>
           <a:xfrm>
             <a:off x="4477117" y="215215"/>
-            <a:ext cx="3237765" cy="830997"/>
+            <a:ext cx="3765884" cy="830997"/>
             <a:chOff x="3819245" y="188165"/>
-            <a:chExt cx="2641423" cy="830997"/>
+            <a:chExt cx="3072271" cy="830997"/>
           </a:xfrm>
         </p:grpSpPr>
         <p:sp>
@@ -20119,8 +19849,8 @@
           </p:nvSpPr>
           <p:spPr>
             <a:xfrm>
-              <a:off x="4603102" y="271010"/>
-              <a:ext cx="1857566" cy="646331"/>
+              <a:off x="4677373" y="280497"/>
+              <a:ext cx="2214143" cy="646331"/>
             </a:xfrm>
             <a:prstGeom prst="rect">
               <a:avLst/>
@@ -20134,15 +19864,15 @@
             <a:p>
               <a:r>
                 <a:rPr lang="ko-KR" altLang="en-US" sz="3600" b="1" dirty="0" smtClean="0">
-                  <a:latin typeface="나눔바른펜" panose="020B0503000000000000" pitchFamily="50" charset="-127"/>
-                  <a:ea typeface="나눔바른펜" panose="020B0503000000000000" pitchFamily="50" charset="-127"/>
+                  <a:latin typeface="나눔고딕" panose="020D0604000000000000" pitchFamily="50" charset="-127"/>
+                  <a:ea typeface="나눔고딕" panose="020D0604000000000000" pitchFamily="50" charset="-127"/>
                   <a:cs typeface="KoPubWorld돋움체 Bold" panose="00000800000000000000" pitchFamily="2" charset="-127"/>
                 </a:rPr>
                 <a:t>주제 및 목적</a:t>
               </a:r>
               <a:endParaRPr lang="ko-KR" altLang="en-US" sz="3600" b="1" dirty="0">
-                <a:latin typeface="나눔바른펜" panose="020B0503000000000000" pitchFamily="50" charset="-127"/>
-                <a:ea typeface="나눔바른펜" panose="020B0503000000000000" pitchFamily="50" charset="-127"/>
+                <a:latin typeface="나눔고딕" panose="020D0604000000000000" pitchFamily="50" charset="-127"/>
+                <a:ea typeface="나눔고딕" panose="020D0604000000000000" pitchFamily="50" charset="-127"/>
                 <a:cs typeface="KoPubWorld돋움체 Light" panose="00000300000000000000" pitchFamily="2" charset="-127"/>
               </a:endParaRPr>
             </a:p>
@@ -20163,7 +19893,7 @@
           <p:spPr>
             <a:xfrm>
               <a:off x="3819245" y="188165"/>
-              <a:ext cx="729990" cy="830997"/>
+              <a:ext cx="926154" cy="830997"/>
             </a:xfrm>
             <a:prstGeom prst="rect">
               <a:avLst/>
@@ -20183,8 +19913,8 @@
                       <a:lumMod val="50000"/>
                     </a:schemeClr>
                   </a:solidFill>
-                  <a:latin typeface="나눔바른펜" panose="020B0503000000000000" pitchFamily="50" charset="-127"/>
-                  <a:ea typeface="나눔바른펜" panose="020B0503000000000000" pitchFamily="50" charset="-127"/>
+                  <a:latin typeface="나눔고딕" panose="020D0604000000000000" pitchFamily="50" charset="-127"/>
+                  <a:ea typeface="나눔고딕" panose="020D0604000000000000" pitchFamily="50" charset="-127"/>
                   <a:cs typeface="KoPubWorld돋움체 Bold" panose="00000800000000000000" pitchFamily="2" charset="-127"/>
                 </a:rPr>
                 <a:t>1-1</a:t>
@@ -20195,8 +19925,8 @@
                     <a:lumMod val="50000"/>
                   </a:schemeClr>
                 </a:solidFill>
-                <a:latin typeface="나눔바른펜" panose="020B0503000000000000" pitchFamily="50" charset="-127"/>
-                <a:ea typeface="나눔바른펜" panose="020B0503000000000000" pitchFamily="50" charset="-127"/>
+                <a:latin typeface="나눔고딕" panose="020D0604000000000000" pitchFamily="50" charset="-127"/>
+                <a:ea typeface="나눔고딕" panose="020D0604000000000000" pitchFamily="50" charset="-127"/>
                 <a:cs typeface="KoPubWorld돋움체 Bold" panose="00000800000000000000" pitchFamily="2" charset="-127"/>
               </a:endParaRPr>
             </a:p>
@@ -20251,7 +19981,10 @@
           <a:lstStyle/>
           <a:p>
             <a:pPr algn="ctr"/>
-            <a:endParaRPr lang="ko-KR" altLang="en-US"/>
+            <a:endParaRPr lang="ko-KR" altLang="en-US">
+              <a:latin typeface="나눔고딕" panose="020D0604000000000000" pitchFamily="50" charset="-127"/>
+              <a:ea typeface="나눔고딕" panose="020D0604000000000000" pitchFamily="50" charset="-127"/>
+            </a:endParaRPr>
           </a:p>
         </p:txBody>
       </p:sp>
@@ -20269,8 +20002,8 @@
         </p:nvSpPr>
         <p:spPr>
           <a:xfrm>
-            <a:off x="1014600" y="1508993"/>
-            <a:ext cx="963490" cy="646331"/>
+            <a:off x="1092238" y="1555159"/>
+            <a:ext cx="1150630" cy="553998"/>
           </a:xfrm>
           <a:prstGeom prst="rect">
             <a:avLst/>
@@ -20283,16 +20016,16 @@
           <a:lstStyle/>
           <a:p>
             <a:r>
-              <a:rPr lang="ko-KR" altLang="en-US" sz="3600" b="1" dirty="0" smtClean="0">
-                <a:latin typeface="나눔바른펜" panose="020B0503000000000000" pitchFamily="50" charset="-127"/>
-                <a:ea typeface="나눔바른펜" panose="020B0503000000000000" pitchFamily="50" charset="-127"/>
+              <a:rPr lang="ko-KR" altLang="en-US" sz="3000" b="1" dirty="0" smtClean="0">
+                <a:latin typeface="나눔고딕" panose="020D0604000000000000" pitchFamily="50" charset="-127"/>
+                <a:ea typeface="나눔고딕" panose="020D0604000000000000" pitchFamily="50" charset="-127"/>
                 <a:cs typeface="KoPubWorld돋움체 Bold" panose="00000800000000000000" pitchFamily="2" charset="-127"/>
               </a:rPr>
               <a:t>주제</a:t>
             </a:r>
-            <a:endParaRPr lang="ko-KR" altLang="en-US" sz="3600" b="1" dirty="0">
-              <a:latin typeface="나눔바른펜" panose="020B0503000000000000" pitchFamily="50" charset="-127"/>
-              <a:ea typeface="나눔바른펜" panose="020B0503000000000000" pitchFamily="50" charset="-127"/>
+            <a:endParaRPr lang="ko-KR" altLang="en-US" sz="3000" b="1" dirty="0">
+              <a:latin typeface="나눔고딕" panose="020D0604000000000000" pitchFamily="50" charset="-127"/>
+              <a:ea typeface="나눔고딕" panose="020D0604000000000000" pitchFamily="50" charset="-127"/>
               <a:cs typeface="KoPubWorld돋움체 Light" panose="00000300000000000000" pitchFamily="2" charset="-127"/>
             </a:endParaRPr>
           </a:p>
@@ -20346,7 +20079,10 @@
           <a:lstStyle/>
           <a:p>
             <a:pPr algn="ctr"/>
-            <a:endParaRPr lang="ko-KR" altLang="en-US"/>
+            <a:endParaRPr lang="ko-KR" altLang="en-US">
+              <a:latin typeface="나눔고딕" panose="020D0604000000000000" pitchFamily="50" charset="-127"/>
+              <a:ea typeface="나눔고딕" panose="020D0604000000000000" pitchFamily="50" charset="-127"/>
+            </a:endParaRPr>
           </a:p>
         </p:txBody>
       </p:sp>
@@ -20364,8 +20100,8 @@
         </p:nvSpPr>
         <p:spPr>
           <a:xfrm>
-            <a:off x="7343191" y="1508993"/>
-            <a:ext cx="963490" cy="646331"/>
+            <a:off x="7343191" y="1555159"/>
+            <a:ext cx="1136575" cy="553998"/>
           </a:xfrm>
           <a:prstGeom prst="rect">
             <a:avLst/>
@@ -20378,16 +20114,16 @@
           <a:lstStyle/>
           <a:p>
             <a:r>
-              <a:rPr lang="ko-KR" altLang="en-US" sz="3600" b="1" dirty="0" smtClean="0">
-                <a:latin typeface="나눔바른펜" panose="020B0503000000000000" pitchFamily="50" charset="-127"/>
-                <a:ea typeface="나눔바른펜" panose="020B0503000000000000" pitchFamily="50" charset="-127"/>
+              <a:rPr lang="ko-KR" altLang="en-US" sz="3000" b="1" dirty="0" smtClean="0">
+                <a:latin typeface="나눔고딕" panose="020D0604000000000000" pitchFamily="50" charset="-127"/>
+                <a:ea typeface="나눔고딕" panose="020D0604000000000000" pitchFamily="50" charset="-127"/>
                 <a:cs typeface="KoPubWorld돋움체 Bold" panose="00000800000000000000" pitchFamily="2" charset="-127"/>
               </a:rPr>
               <a:t>목적</a:t>
             </a:r>
-            <a:endParaRPr lang="ko-KR" altLang="en-US" sz="3600" b="1" dirty="0">
-              <a:latin typeface="나눔바른펜" panose="020B0503000000000000" pitchFamily="50" charset="-127"/>
-              <a:ea typeface="나눔바른펜" panose="020B0503000000000000" pitchFamily="50" charset="-127"/>
+            <a:endParaRPr lang="ko-KR" altLang="en-US" sz="3000" b="1" dirty="0">
+              <a:latin typeface="나눔고딕" panose="020D0604000000000000" pitchFamily="50" charset="-127"/>
+              <a:ea typeface="나눔고딕" panose="020D0604000000000000" pitchFamily="50" charset="-127"/>
               <a:cs typeface="KoPubWorld돋움체 Light" panose="00000300000000000000" pitchFamily="2" charset="-127"/>
             </a:endParaRPr>
           </a:p>
@@ -20402,7 +20138,7 @@
         <p:spPr>
           <a:xfrm>
             <a:off x="557401" y="2249890"/>
-            <a:ext cx="5516828" cy="2939266"/>
+            <a:ext cx="5516828" cy="3770263"/>
           </a:xfrm>
           <a:prstGeom prst="rect">
             <a:avLst/>
@@ -20428,77 +20164,77 @@
               <a:buSzPts val="1100"/>
             </a:pPr>
             <a:r>
-              <a:rPr lang="ko-KR" altLang="en-US" b="1" dirty="0">
-                <a:latin typeface="나눔바른펜" panose="020B0503000000000000" pitchFamily="50" charset="-127"/>
-                <a:ea typeface="나눔바른펜" panose="020B0503000000000000" pitchFamily="50" charset="-127"/>
+              <a:rPr lang="ko-KR" altLang="en-US" dirty="0">
+                <a:latin typeface="나눔고딕" panose="020D0604000000000000" pitchFamily="50" charset="-127"/>
+                <a:ea typeface="나눔고딕" panose="020D0604000000000000" pitchFamily="50" charset="-127"/>
               </a:rPr>
               <a:t>우리가 살아가면서 접하는 모든 분야에는 과학이 접목되고</a:t>
             </a:r>
             <a:r>
-              <a:rPr lang="en-US" altLang="ko-KR" b="1" dirty="0">
-                <a:latin typeface="나눔바른펜" panose="020B0503000000000000" pitchFamily="50" charset="-127"/>
-                <a:ea typeface="나눔바른펜" panose="020B0503000000000000" pitchFamily="50" charset="-127"/>
+              <a:rPr lang="en-US" altLang="ko-KR" dirty="0">
+                <a:latin typeface="나눔고딕" panose="020D0604000000000000" pitchFamily="50" charset="-127"/>
+                <a:ea typeface="나눔고딕" panose="020D0604000000000000" pitchFamily="50" charset="-127"/>
               </a:rPr>
               <a:t>, </a:t>
             </a:r>
             <a:r>
-              <a:rPr lang="ko-KR" altLang="en-US" b="1" dirty="0">
-                <a:latin typeface="나눔바른펜" panose="020B0503000000000000" pitchFamily="50" charset="-127"/>
-                <a:ea typeface="나눔바른펜" panose="020B0503000000000000" pitchFamily="50" charset="-127"/>
+              <a:rPr lang="ko-KR" altLang="en-US" dirty="0">
+                <a:latin typeface="나눔고딕" panose="020D0604000000000000" pitchFamily="50" charset="-127"/>
+                <a:ea typeface="나눔고딕" panose="020D0604000000000000" pitchFamily="50" charset="-127"/>
               </a:rPr>
               <a:t>그것을 바탕으로 다양한 데이터들이 도출된다</a:t>
             </a:r>
             <a:r>
-              <a:rPr lang="en-US" altLang="ko-KR" b="1" dirty="0">
-                <a:latin typeface="나눔바른펜" panose="020B0503000000000000" pitchFamily="50" charset="-127"/>
-                <a:ea typeface="나눔바른펜" panose="020B0503000000000000" pitchFamily="50" charset="-127"/>
+              <a:rPr lang="en-US" altLang="ko-KR" dirty="0">
+                <a:latin typeface="나눔고딕" panose="020D0604000000000000" pitchFamily="50" charset="-127"/>
+                <a:ea typeface="나눔고딕" panose="020D0604000000000000" pitchFamily="50" charset="-127"/>
               </a:rPr>
               <a:t>. </a:t>
             </a:r>
             <a:r>
-              <a:rPr lang="ko-KR" altLang="en-US" b="1" dirty="0">
-                <a:latin typeface="나눔바른펜" panose="020B0503000000000000" pitchFamily="50" charset="-127"/>
-                <a:ea typeface="나눔바른펜" panose="020B0503000000000000" pitchFamily="50" charset="-127"/>
+              <a:rPr lang="ko-KR" altLang="en-US" dirty="0">
+                <a:latin typeface="나눔고딕" panose="020D0604000000000000" pitchFamily="50" charset="-127"/>
+                <a:ea typeface="나눔고딕" panose="020D0604000000000000" pitchFamily="50" charset="-127"/>
               </a:rPr>
               <a:t>스포츠 또한 </a:t>
             </a:r>
             <a:r>
-              <a:rPr lang="ko-KR" altLang="en-US" b="1" dirty="0">
+              <a:rPr lang="ko-KR" altLang="en-US" dirty="0">
                 <a:solidFill>
                   <a:schemeClr val="accent6">
                     <a:lumMod val="50000"/>
                   </a:schemeClr>
                 </a:solidFill>
-                <a:latin typeface="나눔바른펜" panose="020B0503000000000000" pitchFamily="50" charset="-127"/>
-                <a:ea typeface="나눔바른펜" panose="020B0503000000000000" pitchFamily="50" charset="-127"/>
+                <a:latin typeface="나눔고딕" panose="020D0604000000000000" pitchFamily="50" charset="-127"/>
+                <a:ea typeface="나눔고딕" panose="020D0604000000000000" pitchFamily="50" charset="-127"/>
               </a:rPr>
               <a:t>과학과 함께 발전</a:t>
             </a:r>
             <a:r>
-              <a:rPr lang="ko-KR" altLang="en-US" b="1" dirty="0">
-                <a:latin typeface="나눔바른펜" panose="020B0503000000000000" pitchFamily="50" charset="-127"/>
-                <a:ea typeface="나눔바른펜" panose="020B0503000000000000" pitchFamily="50" charset="-127"/>
+              <a:rPr lang="ko-KR" altLang="en-US" dirty="0">
+                <a:latin typeface="나눔고딕" panose="020D0604000000000000" pitchFamily="50" charset="-127"/>
+                <a:ea typeface="나눔고딕" panose="020D0604000000000000" pitchFamily="50" charset="-127"/>
               </a:rPr>
               <a:t>하며 섬세하게 선수들을 관리하고</a:t>
             </a:r>
             <a:r>
-              <a:rPr lang="en-US" altLang="ko-KR" b="1" dirty="0">
-                <a:latin typeface="나눔바른펜" panose="020B0503000000000000" pitchFamily="50" charset="-127"/>
-                <a:ea typeface="나눔바른펜" panose="020B0503000000000000" pitchFamily="50" charset="-127"/>
+              <a:rPr lang="en-US" altLang="ko-KR" dirty="0">
+                <a:latin typeface="나눔고딕" panose="020D0604000000000000" pitchFamily="50" charset="-127"/>
+                <a:ea typeface="나눔고딕" panose="020D0604000000000000" pitchFamily="50" charset="-127"/>
               </a:rPr>
               <a:t>, </a:t>
             </a:r>
             <a:r>
-              <a:rPr lang="ko-KR" altLang="en-US" b="1" dirty="0">
-                <a:latin typeface="나눔바른펜" panose="020B0503000000000000" pitchFamily="50" charset="-127"/>
-                <a:ea typeface="나눔바른펜" panose="020B0503000000000000" pitchFamily="50" charset="-127"/>
+              <a:rPr lang="ko-KR" altLang="en-US" dirty="0">
+                <a:latin typeface="나눔고딕" panose="020D0604000000000000" pitchFamily="50" charset="-127"/>
+                <a:ea typeface="나눔고딕" panose="020D0604000000000000" pitchFamily="50" charset="-127"/>
               </a:rPr>
               <a:t>전략적인 분석을 바탕으로 경기에서 승리를 쟁취한다</a:t>
             </a:r>
             <a:r>
-              <a:rPr lang="en-US" altLang="ko-KR" b="1" dirty="0">
-                <a:latin typeface="나눔바른펜" panose="020B0503000000000000" pitchFamily="50" charset="-127"/>
-                <a:ea typeface="나눔바른펜" panose="020B0503000000000000" pitchFamily="50" charset="-127"/>
+              <a:rPr lang="en-US" altLang="ko-KR" dirty="0">
+                <a:latin typeface="나눔고딕" panose="020D0604000000000000" pitchFamily="50" charset="-127"/>
+                <a:ea typeface="나눔고딕" panose="020D0604000000000000" pitchFamily="50" charset="-127"/>
               </a:rPr>
               <a:t>.</a:t>
             </a:r>
@@ -20517,22 +20253,25 @@
               <a:buSzPts val="1100"/>
             </a:pPr>
             <a:r>
-              <a:rPr lang="ko-KR" altLang="en-US" b="1" dirty="0">
-                <a:latin typeface="나눔바른펜" panose="020B0503000000000000" pitchFamily="50" charset="-127"/>
-                <a:ea typeface="나눔바른펜" panose="020B0503000000000000" pitchFamily="50" charset="-127"/>
+              <a:rPr lang="ko-KR" altLang="en-US" dirty="0">
+                <a:latin typeface="나눔고딕" panose="020D0604000000000000" pitchFamily="50" charset="-127"/>
+                <a:ea typeface="나눔고딕" panose="020D0604000000000000" pitchFamily="50" charset="-127"/>
               </a:rPr>
               <a:t>활발하고 거대하게 스포츠 세계를 점령하고 있는 해외축구 시장을 통해 여러가지 유의미한 데이터를 도출해보고자 한다</a:t>
             </a:r>
             <a:r>
-              <a:rPr lang="en-US" altLang="ko-KR" b="1" dirty="0">
-                <a:latin typeface="나눔바른펜" panose="020B0503000000000000" pitchFamily="50" charset="-127"/>
-                <a:ea typeface="나눔바른펜" panose="020B0503000000000000" pitchFamily="50" charset="-127"/>
+              <a:rPr lang="en-US" altLang="ko-KR" dirty="0">
+                <a:latin typeface="나눔고딕" panose="020D0604000000000000" pitchFamily="50" charset="-127"/>
+                <a:ea typeface="나눔고딕" panose="020D0604000000000000" pitchFamily="50" charset="-127"/>
               </a:rPr>
               <a:t>.</a:t>
             </a:r>
           </a:p>
           <a:p>
-            <a:endParaRPr lang="ko-KR" altLang="en-US" dirty="0"/>
+            <a:endParaRPr lang="ko-KR" altLang="en-US" dirty="0">
+              <a:latin typeface="나눔고딕" panose="020D0604000000000000" pitchFamily="50" charset="-127"/>
+              <a:ea typeface="나눔고딕" panose="020D0604000000000000" pitchFamily="50" charset="-127"/>
+            </a:endParaRPr>
           </a:p>
         </p:txBody>
       </p:sp>
@@ -20545,7 +20284,7 @@
         <p:spPr>
           <a:xfrm>
             <a:off x="6885991" y="2249890"/>
-            <a:ext cx="4748609" cy="3077766"/>
+            <a:ext cx="4748609" cy="3908762"/>
           </a:xfrm>
           <a:prstGeom prst="rect">
             <a:avLst/>
@@ -20570,43 +20309,43 @@
               <a:buSzPts val="1100"/>
             </a:pPr>
             <a:r>
-              <a:rPr lang="ko-KR" altLang="en-US" b="1" dirty="0">
-                <a:latin typeface="나눔바른펜" panose="020B0503000000000000" pitchFamily="50" charset="-127"/>
-                <a:ea typeface="나눔바른펜" panose="020B0503000000000000" pitchFamily="50" charset="-127"/>
+              <a:rPr lang="ko-KR" altLang="en-US" dirty="0">
+                <a:latin typeface="나눔고딕" panose="020D0604000000000000" pitchFamily="50" charset="-127"/>
+                <a:ea typeface="나눔고딕" panose="020D0604000000000000" pitchFamily="50" charset="-127"/>
               </a:rPr>
               <a:t>‘축구공은 둥글다’ 라는 말처럼 매 경기마다 어떤 결과가 나타날지는 아무도 예측을 할 수는 없다</a:t>
             </a:r>
             <a:r>
-              <a:rPr lang="en-US" altLang="ko-KR" b="1" dirty="0">
-                <a:latin typeface="나눔바른펜" panose="020B0503000000000000" pitchFamily="50" charset="-127"/>
-                <a:ea typeface="나눔바른펜" panose="020B0503000000000000" pitchFamily="50" charset="-127"/>
+              <a:rPr lang="en-US" altLang="ko-KR" dirty="0">
+                <a:latin typeface="나눔고딕" panose="020D0604000000000000" pitchFamily="50" charset="-127"/>
+                <a:ea typeface="나눔고딕" panose="020D0604000000000000" pitchFamily="50" charset="-127"/>
               </a:rPr>
               <a:t>. </a:t>
             </a:r>
             <a:r>
-              <a:rPr lang="ko-KR" altLang="en-US" b="1" dirty="0">
-                <a:latin typeface="나눔바른펜" panose="020B0503000000000000" pitchFamily="50" charset="-127"/>
-                <a:ea typeface="나눔바른펜" panose="020B0503000000000000" pitchFamily="50" charset="-127"/>
+              <a:rPr lang="ko-KR" altLang="en-US" dirty="0">
+                <a:latin typeface="나눔고딕" panose="020D0604000000000000" pitchFamily="50" charset="-127"/>
+                <a:ea typeface="나눔고딕" panose="020D0604000000000000" pitchFamily="50" charset="-127"/>
               </a:rPr>
               <a:t>하지만 팀을 구성하고 있는 선수들의 경기 컨디션과 팀 전술 데이터를 파악할 수 있다면 어느정도 예측은 해볼 수 있다</a:t>
             </a:r>
             <a:r>
-              <a:rPr lang="en-US" altLang="ko-KR" b="1" dirty="0">
-                <a:latin typeface="나눔바른펜" panose="020B0503000000000000" pitchFamily="50" charset="-127"/>
-                <a:ea typeface="나눔바른펜" panose="020B0503000000000000" pitchFamily="50" charset="-127"/>
+              <a:rPr lang="en-US" altLang="ko-KR" dirty="0">
+                <a:latin typeface="나눔고딕" panose="020D0604000000000000" pitchFamily="50" charset="-127"/>
+                <a:ea typeface="나눔고딕" panose="020D0604000000000000" pitchFamily="50" charset="-127"/>
               </a:rPr>
               <a:t>.</a:t>
             </a:r>
             <a:r>
-              <a:rPr lang="ko-KR" altLang="en-US" b="1" dirty="0">
-                <a:latin typeface="나눔바른펜" panose="020B0503000000000000" pitchFamily="50" charset="-127"/>
-                <a:ea typeface="나눔바른펜" panose="020B0503000000000000" pitchFamily="50" charset="-127"/>
+              <a:rPr lang="ko-KR" altLang="en-US" dirty="0">
+                <a:latin typeface="나눔고딕" panose="020D0604000000000000" pitchFamily="50" charset="-127"/>
+                <a:ea typeface="나눔고딕" panose="020D0604000000000000" pitchFamily="50" charset="-127"/>
               </a:rPr>
               <a:t>  </a:t>
             </a:r>
-            <a:endParaRPr lang="en-US" altLang="ko-KR" b="1" dirty="0">
-              <a:latin typeface="나눔바른펜" panose="020B0503000000000000" pitchFamily="50" charset="-127"/>
-              <a:ea typeface="나눔바른펜" panose="020B0503000000000000" pitchFamily="50" charset="-127"/>
+            <a:endParaRPr lang="en-US" altLang="ko-KR" dirty="0">
+              <a:latin typeface="나눔고딕" panose="020D0604000000000000" pitchFamily="50" charset="-127"/>
+              <a:ea typeface="나눔고딕" panose="020D0604000000000000" pitchFamily="50" charset="-127"/>
             </a:endParaRPr>
           </a:p>
           <a:p>
@@ -20623,105 +20362,105 @@
               <a:buSzPts val="1100"/>
             </a:pPr>
             <a:r>
-              <a:rPr lang="en-US" altLang="ko-KR" b="1" dirty="0">
-                <a:latin typeface="나눔바른펜" panose="020B0503000000000000" pitchFamily="50" charset="-127"/>
-                <a:ea typeface="나눔바른펜" panose="020B0503000000000000" pitchFamily="50" charset="-127"/>
+              <a:rPr lang="en-US" altLang="ko-KR" dirty="0">
+                <a:latin typeface="나눔고딕" panose="020D0604000000000000" pitchFamily="50" charset="-127"/>
+                <a:ea typeface="나눔고딕" panose="020D0604000000000000" pitchFamily="50" charset="-127"/>
               </a:rPr>
               <a:t> </a:t>
             </a:r>
             <a:r>
-              <a:rPr lang="ko-KR" altLang="en-US" b="1" dirty="0">
-                <a:latin typeface="나눔바른펜" panose="020B0503000000000000" pitchFamily="50" charset="-127"/>
-                <a:ea typeface="나눔바른펜" panose="020B0503000000000000" pitchFamily="50" charset="-127"/>
+              <a:rPr lang="ko-KR" altLang="en-US" dirty="0">
+                <a:latin typeface="나눔고딕" panose="020D0604000000000000" pitchFamily="50" charset="-127"/>
+                <a:ea typeface="나눔고딕" panose="020D0604000000000000" pitchFamily="50" charset="-127"/>
               </a:rPr>
               <a:t>팀 및 선수들의 </a:t>
             </a:r>
             <a:r>
-              <a:rPr lang="ko-KR" altLang="en-US" b="1" dirty="0">
+              <a:rPr lang="ko-KR" altLang="en-US" dirty="0">
                 <a:solidFill>
                   <a:schemeClr val="accent6">
                     <a:lumMod val="50000"/>
                   </a:schemeClr>
                 </a:solidFill>
-                <a:latin typeface="나눔바른펜" panose="020B0503000000000000" pitchFamily="50" charset="-127"/>
-                <a:ea typeface="나눔바른펜" panose="020B0503000000000000" pitchFamily="50" charset="-127"/>
+                <a:latin typeface="나눔고딕" panose="020D0604000000000000" pitchFamily="50" charset="-127"/>
+                <a:ea typeface="나눔고딕" panose="020D0604000000000000" pitchFamily="50" charset="-127"/>
               </a:rPr>
               <a:t>과거 데이터</a:t>
             </a:r>
             <a:r>
-              <a:rPr lang="ko-KR" altLang="en-US" b="1" dirty="0">
-                <a:latin typeface="나눔바른펜" panose="020B0503000000000000" pitchFamily="50" charset="-127"/>
-                <a:ea typeface="나눔바른펜" panose="020B0503000000000000" pitchFamily="50" charset="-127"/>
+              <a:rPr lang="ko-KR" altLang="en-US" dirty="0">
+                <a:latin typeface="나눔고딕" panose="020D0604000000000000" pitchFamily="50" charset="-127"/>
+                <a:ea typeface="나눔고딕" panose="020D0604000000000000" pitchFamily="50" charset="-127"/>
               </a:rPr>
               <a:t>를 분석하여 이제 막 시작한 </a:t>
             </a:r>
             <a:r>
-              <a:rPr lang="en-US" altLang="ko-KR" b="1" dirty="0">
-                <a:latin typeface="나눔바른펜" panose="020B0503000000000000" pitchFamily="50" charset="-127"/>
-                <a:ea typeface="나눔바른펜" panose="020B0503000000000000" pitchFamily="50" charset="-127"/>
+              <a:rPr lang="en-US" altLang="ko-KR" dirty="0">
+                <a:latin typeface="나눔고딕" panose="020D0604000000000000" pitchFamily="50" charset="-127"/>
+                <a:ea typeface="나눔고딕" panose="020D0604000000000000" pitchFamily="50" charset="-127"/>
               </a:rPr>
               <a:t>21-22 </a:t>
             </a:r>
             <a:r>
-              <a:rPr lang="ko-KR" altLang="en-US" b="1" dirty="0">
-                <a:latin typeface="나눔바른펜" panose="020B0503000000000000" pitchFamily="50" charset="-127"/>
-                <a:ea typeface="나눔바른펜" panose="020B0503000000000000" pitchFamily="50" charset="-127"/>
+              <a:rPr lang="ko-KR" altLang="en-US" dirty="0">
+                <a:latin typeface="나눔고딕" panose="020D0604000000000000" pitchFamily="50" charset="-127"/>
+                <a:ea typeface="나눔고딕" panose="020D0604000000000000" pitchFamily="50" charset="-127"/>
               </a:rPr>
               <a:t>시즌의 해외축구 리그 예측에 </a:t>
             </a:r>
             <a:r>
-              <a:rPr lang="ko-KR" altLang="en-US" b="1" dirty="0">
+              <a:rPr lang="ko-KR" altLang="en-US" dirty="0">
                 <a:solidFill>
                   <a:schemeClr val="accent6">
                     <a:lumMod val="50000"/>
                   </a:schemeClr>
                 </a:solidFill>
-                <a:latin typeface="나눔바른펜" panose="020B0503000000000000" pitchFamily="50" charset="-127"/>
-                <a:ea typeface="나눔바른펜" panose="020B0503000000000000" pitchFamily="50" charset="-127"/>
+                <a:latin typeface="나눔고딕" panose="020D0604000000000000" pitchFamily="50" charset="-127"/>
+                <a:ea typeface="나눔고딕" panose="020D0604000000000000" pitchFamily="50" charset="-127"/>
               </a:rPr>
               <a:t>재미를 </a:t>
             </a:r>
             <a:r>
-              <a:rPr lang="ko-KR" altLang="en-US" b="1" dirty="0" smtClean="0">
+              <a:rPr lang="ko-KR" altLang="en-US" dirty="0" smtClean="0">
                 <a:solidFill>
                   <a:schemeClr val="accent6">
                     <a:lumMod val="50000"/>
                   </a:schemeClr>
                 </a:solidFill>
-                <a:latin typeface="나눔바른펜" panose="020B0503000000000000" pitchFamily="50" charset="-127"/>
-                <a:ea typeface="나눔바른펜" panose="020B0503000000000000" pitchFamily="50" charset="-127"/>
+                <a:latin typeface="나눔고딕" panose="020D0604000000000000" pitchFamily="50" charset="-127"/>
+                <a:ea typeface="나눔고딕" panose="020D0604000000000000" pitchFamily="50" charset="-127"/>
               </a:rPr>
               <a:t>더하기 </a:t>
             </a:r>
             <a:r>
-              <a:rPr lang="ko-KR" altLang="en-US" b="1" dirty="0">
+              <a:rPr lang="ko-KR" altLang="en-US" dirty="0">
                 <a:solidFill>
                   <a:schemeClr val="accent6">
                     <a:lumMod val="50000"/>
                   </a:schemeClr>
                 </a:solidFill>
-                <a:latin typeface="나눔바른펜" panose="020B0503000000000000" pitchFamily="50" charset="-127"/>
-                <a:ea typeface="나눔바른펜" panose="020B0503000000000000" pitchFamily="50" charset="-127"/>
+                <a:latin typeface="나눔고딕" panose="020D0604000000000000" pitchFamily="50" charset="-127"/>
+                <a:ea typeface="나눔고딕" panose="020D0604000000000000" pitchFamily="50" charset="-127"/>
               </a:rPr>
               <a:t>위해 </a:t>
             </a:r>
             <a:r>
-              <a:rPr lang="ko-KR" altLang="en-US" b="1" dirty="0">
-                <a:latin typeface="나눔바른펜" panose="020B0503000000000000" pitchFamily="50" charset="-127"/>
-                <a:ea typeface="나눔바른펜" panose="020B0503000000000000" pitchFamily="50" charset="-127"/>
+              <a:rPr lang="ko-KR" altLang="en-US" dirty="0">
+                <a:latin typeface="나눔고딕" panose="020D0604000000000000" pitchFamily="50" charset="-127"/>
+                <a:ea typeface="나눔고딕" panose="020D0604000000000000" pitchFamily="50" charset="-127"/>
               </a:rPr>
               <a:t>이번 프로젝트를 진행하게 되었다</a:t>
             </a:r>
             <a:r>
-              <a:rPr lang="en-US" altLang="ko-KR" b="1" dirty="0">
-                <a:latin typeface="나눔바른펜" panose="020B0503000000000000" pitchFamily="50" charset="-127"/>
-                <a:ea typeface="나눔바른펜" panose="020B0503000000000000" pitchFamily="50" charset="-127"/>
+              <a:rPr lang="en-US" altLang="ko-KR" dirty="0">
+                <a:latin typeface="나눔고딕" panose="020D0604000000000000" pitchFamily="50" charset="-127"/>
+                <a:ea typeface="나눔고딕" panose="020D0604000000000000" pitchFamily="50" charset="-127"/>
               </a:rPr>
               <a:t>.</a:t>
             </a:r>
-            <a:endParaRPr lang="ko-KR" altLang="en-US" b="1" dirty="0">
-              <a:latin typeface="나눔바른펜" panose="020B0503000000000000" pitchFamily="50" charset="-127"/>
-              <a:ea typeface="나눔바른펜" panose="020B0503000000000000" pitchFamily="50" charset="-127"/>
+            <a:endParaRPr lang="ko-KR" altLang="en-US" dirty="0">
+              <a:latin typeface="나눔고딕" panose="020D0604000000000000" pitchFamily="50" charset="-127"/>
+              <a:ea typeface="나눔고딕" panose="020D0604000000000000" pitchFamily="50" charset="-127"/>
             </a:endParaRPr>
           </a:p>
         </p:txBody>
@@ -20816,7 +20555,10 @@
           <a:lstStyle/>
           <a:p>
             <a:pPr algn="ctr"/>
-            <a:endParaRPr lang="ko-KR" altLang="en-US"/>
+            <a:endParaRPr lang="ko-KR" altLang="en-US">
+              <a:latin typeface="나눔고딕" panose="020D0604000000000000" pitchFamily="50" charset="-127"/>
+              <a:ea typeface="나눔고딕" panose="020D0604000000000000" pitchFamily="50" charset="-127"/>
+            </a:endParaRPr>
           </a:p>
         </p:txBody>
       </p:sp>
@@ -20854,8 +20596,8 @@
           </p:nvSpPr>
           <p:spPr>
             <a:xfrm>
-              <a:off x="4522195" y="279282"/>
-              <a:ext cx="1555112" cy="646331"/>
+              <a:off x="4644792" y="279282"/>
+              <a:ext cx="1432515" cy="646331"/>
             </a:xfrm>
             <a:prstGeom prst="rect">
               <a:avLst/>
@@ -20869,15 +20611,15 @@
             <a:p>
               <a:r>
                 <a:rPr lang="ko-KR" altLang="en-US" sz="3600" b="1" dirty="0" smtClean="0">
-                  <a:latin typeface="나눔바른펜" panose="020B0503000000000000" pitchFamily="50" charset="-127"/>
-                  <a:ea typeface="나눔바른펜" panose="020B0503000000000000" pitchFamily="50" charset="-127"/>
+                  <a:latin typeface="나눔고딕" panose="020D0604000000000000" pitchFamily="50" charset="-127"/>
+                  <a:ea typeface="나눔고딕" panose="020D0604000000000000" pitchFamily="50" charset="-127"/>
                   <a:cs typeface="KoPubWorld돋움체 Bold" panose="00000800000000000000" pitchFamily="2" charset="-127"/>
                 </a:rPr>
                 <a:t>참조</a:t>
               </a:r>
               <a:endParaRPr lang="ko-KR" altLang="en-US" sz="3600" b="1" dirty="0">
-                <a:latin typeface="나눔바른펜" panose="020B0503000000000000" pitchFamily="50" charset="-127"/>
-                <a:ea typeface="나눔바른펜" panose="020B0503000000000000" pitchFamily="50" charset="-127"/>
+                <a:latin typeface="나눔고딕" panose="020D0604000000000000" pitchFamily="50" charset="-127"/>
+                <a:ea typeface="나눔고딕" panose="020D0604000000000000" pitchFamily="50" charset="-127"/>
                 <a:cs typeface="KoPubWorld돋움체 Light" panose="00000300000000000000" pitchFamily="2" charset="-127"/>
               </a:endParaRPr>
             </a:p>
@@ -20898,7 +20640,7 @@
           <p:spPr>
             <a:xfrm>
               <a:off x="3819245" y="188165"/>
-              <a:ext cx="963725" cy="830997"/>
+              <a:ext cx="825547" cy="830997"/>
             </a:xfrm>
             <a:prstGeom prst="rect">
               <a:avLst/>
@@ -20918,8 +20660,8 @@
                       <a:lumMod val="50000"/>
                     </a:schemeClr>
                   </a:solidFill>
-                  <a:latin typeface="나눔바른펜" panose="020B0503000000000000" pitchFamily="50" charset="-127"/>
-                  <a:ea typeface="나눔바른펜" panose="020B0503000000000000" pitchFamily="50" charset="-127"/>
+                  <a:latin typeface="나눔고딕" panose="020D0604000000000000" pitchFamily="50" charset="-127"/>
+                  <a:ea typeface="나눔고딕" panose="020D0604000000000000" pitchFamily="50" charset="-127"/>
                   <a:cs typeface="KoPubWorld돋움체 Bold" panose="00000800000000000000" pitchFamily="2" charset="-127"/>
                 </a:rPr>
                 <a:t>1-2</a:t>
@@ -20930,8 +20672,8 @@
                     <a:lumMod val="50000"/>
                   </a:schemeClr>
                 </a:solidFill>
-                <a:latin typeface="나눔바른펜" panose="020B0503000000000000" pitchFamily="50" charset="-127"/>
-                <a:ea typeface="나눔바른펜" panose="020B0503000000000000" pitchFamily="50" charset="-127"/>
+                <a:latin typeface="나눔고딕" panose="020D0604000000000000" pitchFamily="50" charset="-127"/>
+                <a:ea typeface="나눔고딕" panose="020D0604000000000000" pitchFamily="50" charset="-127"/>
                 <a:cs typeface="KoPubWorld돋움체 Bold" panose="00000800000000000000" pitchFamily="2" charset="-127"/>
               </a:endParaRPr>
             </a:p>
@@ -21085,8 +20827,8 @@
           </p:nvSpPr>
           <p:spPr>
             <a:xfrm>
-              <a:off x="2655152" y="2469402"/>
-              <a:ext cx="1249407" cy="607987"/>
+              <a:off x="2715459" y="2469402"/>
+              <a:ext cx="1128793" cy="607987"/>
             </a:xfrm>
             <a:prstGeom prst="rect">
               <a:avLst/>
@@ -21105,8 +20847,8 @@
                   <a:solidFill>
                     <a:schemeClr val="bg1"/>
                   </a:solidFill>
-                  <a:latin typeface="나눔바른펜" panose="020B0503000000000000" pitchFamily="50" charset="-127"/>
-                  <a:ea typeface="나눔바른펜" panose="020B0503000000000000" pitchFamily="50" charset="-127"/>
+                  <a:latin typeface="나눔고딕" panose="020D0604000000000000" pitchFamily="50" charset="-127"/>
+                  <a:ea typeface="나눔고딕" panose="020D0604000000000000" pitchFamily="50" charset="-127"/>
                   <a:cs typeface="KoPubWorld돋움체 Bold" panose="00000800000000000000" pitchFamily="2" charset="-127"/>
                 </a:rPr>
                 <a:t>01</a:t>
@@ -21119,8 +20861,8 @@
                   <a:solidFill>
                     <a:schemeClr val="bg1"/>
                   </a:solidFill>
-                  <a:latin typeface="나눔바른펜" panose="020B0503000000000000" pitchFamily="50" charset="-127"/>
-                  <a:ea typeface="나눔바른펜" panose="020B0503000000000000" pitchFamily="50" charset="-127"/>
+                  <a:latin typeface="나눔고딕" panose="020D0604000000000000" pitchFamily="50" charset="-127"/>
+                  <a:ea typeface="나눔고딕" panose="020D0604000000000000" pitchFamily="50" charset="-127"/>
                 </a:rPr>
                 <a:t>&lt;</a:t>
               </a:r>
@@ -21129,8 +20871,8 @@
                   <a:solidFill>
                     <a:schemeClr val="bg1"/>
                   </a:solidFill>
-                  <a:latin typeface="나눔바른펜" panose="020B0503000000000000" pitchFamily="50" charset="-127"/>
-                  <a:ea typeface="나눔바른펜" panose="020B0503000000000000" pitchFamily="50" charset="-127"/>
+                  <a:latin typeface="나눔고딕" panose="020D0604000000000000" pitchFamily="50" charset="-127"/>
+                  <a:ea typeface="나눔고딕" panose="020D0604000000000000" pitchFamily="50" charset="-127"/>
                 </a:rPr>
                 <a:t>FootyStats</a:t>
               </a:r>
@@ -21139,8 +20881,8 @@
                   <a:solidFill>
                     <a:schemeClr val="bg1"/>
                   </a:solidFill>
-                  <a:latin typeface="나눔바른펜" panose="020B0503000000000000" pitchFamily="50" charset="-127"/>
-                  <a:ea typeface="나눔바른펜" panose="020B0503000000000000" pitchFamily="50" charset="-127"/>
+                  <a:latin typeface="나눔고딕" panose="020D0604000000000000" pitchFamily="50" charset="-127"/>
+                  <a:ea typeface="나눔고딕" panose="020D0604000000000000" pitchFamily="50" charset="-127"/>
                 </a:rPr>
                 <a:t>&gt;</a:t>
               </a:r>
@@ -21152,8 +20894,8 @@
                   <a:solidFill>
                     <a:schemeClr val="bg1"/>
                   </a:solidFill>
-                  <a:latin typeface="나눔바른펜" panose="020B0503000000000000" pitchFamily="50" charset="-127"/>
-                  <a:ea typeface="나눔바른펜" panose="020B0503000000000000" pitchFamily="50" charset="-127"/>
+                  <a:latin typeface="나눔고딕" panose="020D0604000000000000" pitchFamily="50" charset="-127"/>
+                  <a:ea typeface="나눔고딕" panose="020D0604000000000000" pitchFamily="50" charset="-127"/>
                 </a:rPr>
                 <a:t>https://footystats.org//</a:t>
               </a:r>
@@ -21161,8 +20903,8 @@
                 <a:solidFill>
                   <a:schemeClr val="bg1"/>
                 </a:solidFill>
-                <a:latin typeface="나눔바른펜" panose="020B0503000000000000" pitchFamily="50" charset="-127"/>
-                <a:ea typeface="나눔바른펜" panose="020B0503000000000000" pitchFamily="50" charset="-127"/>
+                <a:latin typeface="나눔고딕" panose="020D0604000000000000" pitchFamily="50" charset="-127"/>
+                <a:ea typeface="나눔고딕" panose="020D0604000000000000" pitchFamily="50" charset="-127"/>
               </a:endParaRPr>
             </a:p>
             <a:p>
@@ -21171,8 +20913,8 @@
                 <a:solidFill>
                   <a:schemeClr val="bg1"/>
                 </a:solidFill>
-                <a:latin typeface="KoPubWorld돋움체 Light" panose="00000300000000000000" pitchFamily="2" charset="-127"/>
-                <a:ea typeface="KoPubWorld돋움체 Light" panose="00000300000000000000" pitchFamily="2" charset="-127"/>
+                <a:latin typeface="나눔고딕" panose="020D0604000000000000" pitchFamily="50" charset="-127"/>
+                <a:ea typeface="나눔고딕" panose="020D0604000000000000" pitchFamily="50" charset="-127"/>
                 <a:cs typeface="KoPubWorld돋움체 Light" panose="00000300000000000000" pitchFamily="2" charset="-127"/>
               </a:endParaRPr>
             </a:p>
@@ -21335,8 +21077,8 @@
         </p:blipFill>
         <p:spPr>
           <a:xfrm>
-            <a:off x="895110" y="2428709"/>
-            <a:ext cx="4314069" cy="3581730"/>
+            <a:off x="672861" y="2428708"/>
+            <a:ext cx="4759130" cy="3678793"/>
           </a:xfrm>
           <a:prstGeom prst="rect">
             <a:avLst/>
@@ -21367,8 +21109,8 @@
         </p:nvSpPr>
         <p:spPr>
           <a:xfrm>
-            <a:off x="7361575" y="1399491"/>
-            <a:ext cx="2898165" cy="1169551"/>
+            <a:off x="7116925" y="1399491"/>
+            <a:ext cx="3387466" cy="1169551"/>
           </a:xfrm>
           <a:prstGeom prst="rect">
             <a:avLst/>
@@ -21387,8 +21129,8 @@
                 <a:solidFill>
                   <a:schemeClr val="bg1"/>
                 </a:solidFill>
-                <a:latin typeface="나눔바른펜" panose="020B0503000000000000" pitchFamily="50" charset="-127"/>
-                <a:ea typeface="나눔바른펜" panose="020B0503000000000000" pitchFamily="50" charset="-127"/>
+                <a:latin typeface="나눔고딕" panose="020D0604000000000000" pitchFamily="50" charset="-127"/>
+                <a:ea typeface="나눔고딕" panose="020D0604000000000000" pitchFamily="50" charset="-127"/>
                 <a:cs typeface="KoPubWorld돋움체 Bold" panose="00000800000000000000" pitchFamily="2" charset="-127"/>
               </a:rPr>
               <a:t>02</a:t>
@@ -21397,8 +21139,8 @@
               <a:solidFill>
                 <a:schemeClr val="bg1"/>
               </a:solidFill>
-              <a:latin typeface="나눔바른펜" panose="020B0503000000000000" pitchFamily="50" charset="-127"/>
-              <a:ea typeface="나눔바른펜" panose="020B0503000000000000" pitchFamily="50" charset="-127"/>
+              <a:latin typeface="나눔고딕" panose="020D0604000000000000" pitchFamily="50" charset="-127"/>
+              <a:ea typeface="나눔고딕" panose="020D0604000000000000" pitchFamily="50" charset="-127"/>
               <a:cs typeface="KoPubWorld돋움체 Bold" panose="00000800000000000000" pitchFamily="2" charset="-127"/>
             </a:endParaRPr>
           </a:p>
@@ -21409,8 +21151,8 @@
                 <a:solidFill>
                   <a:schemeClr val="bg1"/>
                 </a:solidFill>
-                <a:latin typeface="나눔바른펜" panose="020B0503000000000000" pitchFamily="50" charset="-127"/>
-                <a:ea typeface="나눔바른펜" panose="020B0503000000000000" pitchFamily="50" charset="-127"/>
+                <a:latin typeface="나눔고딕" panose="020D0604000000000000" pitchFamily="50" charset="-127"/>
+                <a:ea typeface="나눔고딕" panose="020D0604000000000000" pitchFamily="50" charset="-127"/>
               </a:rPr>
               <a:t>&lt;</a:t>
             </a:r>
@@ -21419,8 +21161,8 @@
                 <a:solidFill>
                   <a:schemeClr val="bg1"/>
                 </a:solidFill>
-                <a:latin typeface="나눔바른펜" panose="020B0503000000000000" pitchFamily="50" charset="-127"/>
-                <a:ea typeface="나눔바른펜" panose="020B0503000000000000" pitchFamily="50" charset="-127"/>
+                <a:latin typeface="나눔고딕" panose="020D0604000000000000" pitchFamily="50" charset="-127"/>
+                <a:ea typeface="나눔고딕" panose="020D0604000000000000" pitchFamily="50" charset="-127"/>
               </a:rPr>
               <a:t>후스코어드</a:t>
             </a:r>
@@ -21429,8 +21171,8 @@
                 <a:solidFill>
                   <a:schemeClr val="bg1"/>
                 </a:solidFill>
-                <a:latin typeface="나눔바른펜" panose="020B0503000000000000" pitchFamily="50" charset="-127"/>
-                <a:ea typeface="나눔바른펜" panose="020B0503000000000000" pitchFamily="50" charset="-127"/>
+                <a:latin typeface="나눔고딕" panose="020D0604000000000000" pitchFamily="50" charset="-127"/>
+                <a:ea typeface="나눔고딕" panose="020D0604000000000000" pitchFamily="50" charset="-127"/>
               </a:rPr>
               <a:t>&gt;</a:t>
             </a:r>
@@ -21442,8 +21184,8 @@
                 <a:solidFill>
                   <a:schemeClr val="bg1"/>
                 </a:solidFill>
-                <a:latin typeface="나눔바른펜" panose="020B0503000000000000" pitchFamily="50" charset="-127"/>
-                <a:ea typeface="나눔바른펜" panose="020B0503000000000000" pitchFamily="50" charset="-127"/>
+                <a:latin typeface="나눔고딕" panose="020D0604000000000000" pitchFamily="50" charset="-127"/>
+                <a:ea typeface="나눔고딕" panose="020D0604000000000000" pitchFamily="50" charset="-127"/>
               </a:rPr>
               <a:t>https://1xbet.whoscored.com/</a:t>
             </a:r>
@@ -21451,8 +21193,8 @@
               <a:solidFill>
                 <a:schemeClr val="bg1"/>
               </a:solidFill>
-              <a:latin typeface="나눔바른펜" panose="020B0503000000000000" pitchFamily="50" charset="-127"/>
-              <a:ea typeface="나눔바른펜" panose="020B0503000000000000" pitchFamily="50" charset="-127"/>
+              <a:latin typeface="나눔고딕" panose="020D0604000000000000" pitchFamily="50" charset="-127"/>
+              <a:ea typeface="나눔고딕" panose="020D0604000000000000" pitchFamily="50" charset="-127"/>
             </a:endParaRPr>
           </a:p>
           <a:p>
@@ -21461,8 +21203,8 @@
               <a:solidFill>
                 <a:schemeClr val="bg1"/>
               </a:solidFill>
-              <a:latin typeface="KoPubWorld돋움체 Light" panose="00000300000000000000" pitchFamily="2" charset="-127"/>
-              <a:ea typeface="KoPubWorld돋움체 Light" panose="00000300000000000000" pitchFamily="2" charset="-127"/>
+              <a:latin typeface="나눔고딕" panose="020D0604000000000000" pitchFamily="50" charset="-127"/>
+              <a:ea typeface="나눔고딕" panose="020D0604000000000000" pitchFamily="50" charset="-127"/>
               <a:cs typeface="KoPubWorld돋움체 Light" panose="00000300000000000000" pitchFamily="2" charset="-127"/>
             </a:endParaRPr>
           </a:p>
@@ -21490,8 +21232,8 @@
         </p:blipFill>
         <p:spPr>
           <a:xfrm>
-            <a:off x="6405571" y="2666931"/>
-            <a:ext cx="4827750" cy="3105286"/>
+            <a:off x="6405571" y="2428708"/>
+            <a:ext cx="4827750" cy="3678793"/>
           </a:xfrm>
           <a:prstGeom prst="rect">
             <a:avLst/>
@@ -21601,8 +21343,8 @@
           <a:p>
             <a:pPr algn="ctr"/>
             <a:endParaRPr lang="ko-KR" altLang="en-US">
-              <a:latin typeface="나눔바른펜" panose="020B0503000000000000" pitchFamily="50" charset="-127"/>
-              <a:ea typeface="나눔바른펜" panose="020B0503000000000000" pitchFamily="50" charset="-127"/>
+              <a:latin typeface="나눔고딕" panose="020D0604000000000000" pitchFamily="50" charset="-127"/>
+              <a:ea typeface="나눔고딕" panose="020D0604000000000000" pitchFamily="50" charset="-127"/>
             </a:endParaRPr>
           </a:p>
         </p:txBody>
@@ -21658,8 +21400,8 @@
           <a:p>
             <a:pPr algn="ctr"/>
             <a:endParaRPr lang="ko-KR" altLang="en-US">
-              <a:latin typeface="나눔바른펜" panose="020B0503000000000000" pitchFamily="50" charset="-127"/>
-              <a:ea typeface="나눔바른펜" panose="020B0503000000000000" pitchFamily="50" charset="-127"/>
+              <a:latin typeface="나눔고딕" panose="020D0604000000000000" pitchFamily="50" charset="-127"/>
+              <a:ea typeface="나눔고딕" panose="020D0604000000000000" pitchFamily="50" charset="-127"/>
             </a:endParaRPr>
           </a:p>
         </p:txBody>
@@ -21714,7 +21456,10 @@
           <a:lstStyle/>
           <a:p>
             <a:pPr algn="ctr"/>
-            <a:endParaRPr lang="ko-KR" altLang="en-US"/>
+            <a:endParaRPr lang="ko-KR" altLang="en-US">
+              <a:latin typeface="나눔고딕" panose="020D0604000000000000" pitchFamily="50" charset="-127"/>
+              <a:ea typeface="나눔고딕" panose="020D0604000000000000" pitchFamily="50" charset="-127"/>
+            </a:endParaRPr>
           </a:p>
         </p:txBody>
       </p:sp>
@@ -21732,10 +21477,10 @@
         </p:nvGrpSpPr>
         <p:grpSpPr>
           <a:xfrm>
-            <a:off x="3796745" y="201994"/>
-            <a:ext cx="4598510" cy="808168"/>
+            <a:off x="3796746" y="201994"/>
+            <a:ext cx="5424892" cy="830997"/>
             <a:chOff x="3819245" y="188165"/>
-            <a:chExt cx="1863911" cy="1848015"/>
+            <a:chExt cx="2086979" cy="1900218"/>
           </a:xfrm>
         </p:grpSpPr>
         <p:sp>
@@ -21752,8 +21497,8 @@
           </p:nvSpPr>
           <p:spPr>
             <a:xfrm>
-              <a:off x="4218541" y="281854"/>
-              <a:ext cx="1464615" cy="1754326"/>
+              <a:off x="4226253" y="407775"/>
+              <a:ext cx="1679971" cy="1477947"/>
             </a:xfrm>
             <a:prstGeom prst="rect">
               <a:avLst/>
@@ -21767,15 +21512,15 @@
             <a:p>
               <a:r>
                 <a:rPr lang="ko-KR" altLang="en-US" sz="3600" b="1" dirty="0" smtClean="0">
-                  <a:latin typeface="나눔바른펜" panose="020B0503000000000000" pitchFamily="50" charset="-127"/>
-                  <a:ea typeface="나눔바른펜" panose="020B0503000000000000" pitchFamily="50" charset="-127"/>
+                  <a:latin typeface="나눔고딕" panose="020D0604000000000000" pitchFamily="50" charset="-127"/>
+                  <a:ea typeface="나눔고딕" panose="020D0604000000000000" pitchFamily="50" charset="-127"/>
                   <a:cs typeface="KoPubWorld돋움체 Light" panose="00000300000000000000" pitchFamily="2" charset="-127"/>
                 </a:rPr>
                 <a:t>연구방법과 개발환경</a:t>
               </a:r>
               <a:endParaRPr lang="ko-KR" altLang="en-US" sz="3600" b="1" dirty="0">
-                <a:latin typeface="나눔바른펜" panose="020B0503000000000000" pitchFamily="50" charset="-127"/>
-                <a:ea typeface="나눔바른펜" panose="020B0503000000000000" pitchFamily="50" charset="-127"/>
+                <a:latin typeface="나눔고딕" panose="020D0604000000000000" pitchFamily="50" charset="-127"/>
+                <a:ea typeface="나눔고딕" panose="020D0604000000000000" pitchFamily="50" charset="-127"/>
                 <a:cs typeface="KoPubWorld돋움체 Light" panose="00000300000000000000" pitchFamily="2" charset="-127"/>
               </a:endParaRPr>
             </a:p>
@@ -21796,7 +21541,7 @@
           <p:spPr>
             <a:xfrm>
               <a:off x="3819245" y="188165"/>
-              <a:ext cx="399296" cy="830997"/>
+              <a:ext cx="478571" cy="1900218"/>
             </a:xfrm>
             <a:prstGeom prst="rect">
               <a:avLst/>
@@ -21816,8 +21561,8 @@
                       <a:lumMod val="50000"/>
                     </a:schemeClr>
                   </a:solidFill>
-                  <a:latin typeface="나눔바른펜" panose="020B0503000000000000" pitchFamily="50" charset="-127"/>
-                  <a:ea typeface="나눔바른펜" panose="020B0503000000000000" pitchFamily="50" charset="-127"/>
+                  <a:latin typeface="나눔고딕" panose="020D0604000000000000" pitchFamily="50" charset="-127"/>
+                  <a:ea typeface="나눔고딕" panose="020D0604000000000000" pitchFamily="50" charset="-127"/>
                   <a:cs typeface="KoPubWorld돋움체 Bold" panose="00000800000000000000" pitchFamily="2" charset="-127"/>
                 </a:rPr>
                 <a:t>1-3</a:t>
@@ -21828,8 +21573,8 @@
                     <a:lumMod val="50000"/>
                   </a:schemeClr>
                 </a:solidFill>
-                <a:latin typeface="나눔바른펜" panose="020B0503000000000000" pitchFamily="50" charset="-127"/>
-                <a:ea typeface="나눔바른펜" panose="020B0503000000000000" pitchFamily="50" charset="-127"/>
+                <a:latin typeface="나눔고딕" panose="020D0604000000000000" pitchFamily="50" charset="-127"/>
+                <a:ea typeface="나눔고딕" panose="020D0604000000000000" pitchFamily="50" charset="-127"/>
                 <a:cs typeface="KoPubWorld돋움체 Bold" panose="00000800000000000000" pitchFamily="2" charset="-127"/>
               </a:endParaRPr>
             </a:p>
@@ -21896,8 +21641,8 @@
         </p:nvSpPr>
         <p:spPr>
           <a:xfrm>
-            <a:off x="1681621" y="1819672"/>
-            <a:ext cx="5726431" cy="1846659"/>
+            <a:off x="1682015" y="1551217"/>
+            <a:ext cx="5726431" cy="2554545"/>
           </a:xfrm>
           <a:prstGeom prst="rect">
             <a:avLst/>
@@ -21918,148 +21663,148 @@
             </a:pPr>
             <a:r>
               <a:rPr lang="ko-KR" altLang="en-US" sz="2200" dirty="0">
-                <a:latin typeface="나눔바른펜" panose="020B0503000000000000" pitchFamily="50" charset="-127"/>
-                <a:ea typeface="나눔바른펜" panose="020B0503000000000000" pitchFamily="50" charset="-127"/>
+                <a:latin typeface="나눔고딕" panose="020D0604000000000000" pitchFamily="50" charset="-127"/>
+                <a:ea typeface="나눔고딕" panose="020D0604000000000000" pitchFamily="50" charset="-127"/>
               </a:rPr>
               <a:t>유럽의 </a:t>
             </a:r>
             <a:r>
               <a:rPr lang="en-US" altLang="ko-KR" sz="2200" dirty="0">
-                <a:latin typeface="나눔바른펜" panose="020B0503000000000000" pitchFamily="50" charset="-127"/>
-                <a:ea typeface="나눔바른펜" panose="020B0503000000000000" pitchFamily="50" charset="-127"/>
+                <a:latin typeface="나눔고딕" panose="020D0604000000000000" pitchFamily="50" charset="-127"/>
+                <a:ea typeface="나눔고딕" panose="020D0604000000000000" pitchFamily="50" charset="-127"/>
               </a:rPr>
               <a:t>5</a:t>
             </a:r>
             <a:r>
               <a:rPr lang="ko-KR" altLang="en-US" sz="2200" dirty="0" err="1">
-                <a:latin typeface="나눔바른펜" panose="020B0503000000000000" pitchFamily="50" charset="-127"/>
-                <a:ea typeface="나눔바른펜" panose="020B0503000000000000" pitchFamily="50" charset="-127"/>
+                <a:latin typeface="나눔고딕" panose="020D0604000000000000" pitchFamily="50" charset="-127"/>
+                <a:ea typeface="나눔고딕" panose="020D0604000000000000" pitchFamily="50" charset="-127"/>
               </a:rPr>
               <a:t>대리그</a:t>
             </a:r>
             <a:r>
               <a:rPr lang="en-US" altLang="ko-KR" sz="2200" dirty="0">
-                <a:latin typeface="나눔바른펜" panose="020B0503000000000000" pitchFamily="50" charset="-127"/>
-                <a:ea typeface="나눔바른펜" panose="020B0503000000000000" pitchFamily="50" charset="-127"/>
+                <a:latin typeface="나눔고딕" panose="020D0604000000000000" pitchFamily="50" charset="-127"/>
+                <a:ea typeface="나눔고딕" panose="020D0604000000000000" pitchFamily="50" charset="-127"/>
               </a:rPr>
               <a:t>(</a:t>
             </a:r>
             <a:r>
               <a:rPr lang="ko-KR" altLang="en-US" sz="2200" dirty="0">
-                <a:latin typeface="나눔바른펜" panose="020B0503000000000000" pitchFamily="50" charset="-127"/>
-                <a:ea typeface="나눔바른펜" panose="020B0503000000000000" pitchFamily="50" charset="-127"/>
+                <a:latin typeface="나눔고딕" panose="020D0604000000000000" pitchFamily="50" charset="-127"/>
+                <a:ea typeface="나눔고딕" panose="020D0604000000000000" pitchFamily="50" charset="-127"/>
               </a:rPr>
               <a:t>영국</a:t>
             </a:r>
             <a:r>
               <a:rPr lang="en-US" altLang="ko-KR" sz="2200" dirty="0">
-                <a:latin typeface="나눔바른펜" panose="020B0503000000000000" pitchFamily="50" charset="-127"/>
-                <a:ea typeface="나눔바른펜" panose="020B0503000000000000" pitchFamily="50" charset="-127"/>
+                <a:latin typeface="나눔고딕" panose="020D0604000000000000" pitchFamily="50" charset="-127"/>
+                <a:ea typeface="나눔고딕" panose="020D0604000000000000" pitchFamily="50" charset="-127"/>
               </a:rPr>
               <a:t>, </a:t>
             </a:r>
             <a:r>
               <a:rPr lang="ko-KR" altLang="en-US" sz="2200" dirty="0">
-                <a:latin typeface="나눔바른펜" panose="020B0503000000000000" pitchFamily="50" charset="-127"/>
-                <a:ea typeface="나눔바른펜" panose="020B0503000000000000" pitchFamily="50" charset="-127"/>
+                <a:latin typeface="나눔고딕" panose="020D0604000000000000" pitchFamily="50" charset="-127"/>
+                <a:ea typeface="나눔고딕" panose="020D0604000000000000" pitchFamily="50" charset="-127"/>
               </a:rPr>
               <a:t>스페인</a:t>
             </a:r>
             <a:r>
               <a:rPr lang="en-US" altLang="ko-KR" sz="2200" dirty="0">
-                <a:latin typeface="나눔바른펜" panose="020B0503000000000000" pitchFamily="50" charset="-127"/>
-                <a:ea typeface="나눔바른펜" panose="020B0503000000000000" pitchFamily="50" charset="-127"/>
+                <a:latin typeface="나눔고딕" panose="020D0604000000000000" pitchFamily="50" charset="-127"/>
+                <a:ea typeface="나눔고딕" panose="020D0604000000000000" pitchFamily="50" charset="-127"/>
               </a:rPr>
               <a:t>, </a:t>
             </a:r>
             <a:r>
               <a:rPr lang="ko-KR" altLang="en-US" sz="2200" dirty="0">
-                <a:latin typeface="나눔바른펜" panose="020B0503000000000000" pitchFamily="50" charset="-127"/>
-                <a:ea typeface="나눔바른펜" panose="020B0503000000000000" pitchFamily="50" charset="-127"/>
+                <a:latin typeface="나눔고딕" panose="020D0604000000000000" pitchFamily="50" charset="-127"/>
+                <a:ea typeface="나눔고딕" panose="020D0604000000000000" pitchFamily="50" charset="-127"/>
               </a:rPr>
               <a:t>독일</a:t>
             </a:r>
             <a:r>
               <a:rPr lang="en-US" altLang="ko-KR" sz="2200" dirty="0">
-                <a:latin typeface="나눔바른펜" panose="020B0503000000000000" pitchFamily="50" charset="-127"/>
-                <a:ea typeface="나눔바른펜" panose="020B0503000000000000" pitchFamily="50" charset="-127"/>
+                <a:latin typeface="나눔고딕" panose="020D0604000000000000" pitchFamily="50" charset="-127"/>
+                <a:ea typeface="나눔고딕" panose="020D0604000000000000" pitchFamily="50" charset="-127"/>
               </a:rPr>
               <a:t>, </a:t>
             </a:r>
             <a:r>
               <a:rPr lang="ko-KR" altLang="en-US" sz="2200" dirty="0">
-                <a:latin typeface="나눔바른펜" panose="020B0503000000000000" pitchFamily="50" charset="-127"/>
-                <a:ea typeface="나눔바른펜" panose="020B0503000000000000" pitchFamily="50" charset="-127"/>
+                <a:latin typeface="나눔고딕" panose="020D0604000000000000" pitchFamily="50" charset="-127"/>
+                <a:ea typeface="나눔고딕" panose="020D0604000000000000" pitchFamily="50" charset="-127"/>
               </a:rPr>
               <a:t>이탈리아</a:t>
             </a:r>
             <a:r>
               <a:rPr lang="en-US" altLang="ko-KR" sz="2200" dirty="0">
-                <a:latin typeface="나눔바른펜" panose="020B0503000000000000" pitchFamily="50" charset="-127"/>
-                <a:ea typeface="나눔바른펜" panose="020B0503000000000000" pitchFamily="50" charset="-127"/>
+                <a:latin typeface="나눔고딕" panose="020D0604000000000000" pitchFamily="50" charset="-127"/>
+                <a:ea typeface="나눔고딕" panose="020D0604000000000000" pitchFamily="50" charset="-127"/>
               </a:rPr>
               <a:t>, </a:t>
             </a:r>
             <a:r>
               <a:rPr lang="ko-KR" altLang="en-US" sz="2200" dirty="0">
-                <a:latin typeface="나눔바른펜" panose="020B0503000000000000" pitchFamily="50" charset="-127"/>
-                <a:ea typeface="나눔바른펜" panose="020B0503000000000000" pitchFamily="50" charset="-127"/>
+                <a:latin typeface="나눔고딕" panose="020D0604000000000000" pitchFamily="50" charset="-127"/>
+                <a:ea typeface="나눔고딕" panose="020D0604000000000000" pitchFamily="50" charset="-127"/>
               </a:rPr>
               <a:t>프랑스</a:t>
             </a:r>
             <a:r>
               <a:rPr lang="en-US" altLang="ko-KR" sz="2200" dirty="0">
-                <a:latin typeface="나눔바른펜" panose="020B0503000000000000" pitchFamily="50" charset="-127"/>
-                <a:ea typeface="나눔바른펜" panose="020B0503000000000000" pitchFamily="50" charset="-127"/>
+                <a:latin typeface="나눔고딕" panose="020D0604000000000000" pitchFamily="50" charset="-127"/>
+                <a:ea typeface="나눔고딕" panose="020D0604000000000000" pitchFamily="50" charset="-127"/>
               </a:rPr>
               <a:t>)</a:t>
             </a:r>
             <a:r>
               <a:rPr lang="ko-KR" altLang="en-US" sz="2200" dirty="0">
-                <a:latin typeface="나눔바른펜" panose="020B0503000000000000" pitchFamily="50" charset="-127"/>
-                <a:ea typeface="나눔바른펜" panose="020B0503000000000000" pitchFamily="50" charset="-127"/>
+                <a:latin typeface="나눔고딕" panose="020D0604000000000000" pitchFamily="50" charset="-127"/>
+                <a:ea typeface="나눔고딕" panose="020D0604000000000000" pitchFamily="50" charset="-127"/>
               </a:rPr>
               <a:t>에서 활약 중인 선수</a:t>
             </a:r>
             <a:r>
               <a:rPr lang="en-US" altLang="ko-KR" sz="2200" dirty="0">
-                <a:latin typeface="나눔바른펜" panose="020B0503000000000000" pitchFamily="50" charset="-127"/>
-                <a:ea typeface="나눔바른펜" panose="020B0503000000000000" pitchFamily="50" charset="-127"/>
+                <a:latin typeface="나눔고딕" panose="020D0604000000000000" pitchFamily="50" charset="-127"/>
+                <a:ea typeface="나눔고딕" panose="020D0604000000000000" pitchFamily="50" charset="-127"/>
               </a:rPr>
               <a:t>(</a:t>
             </a:r>
             <a:r>
               <a:rPr lang="ko-KR" altLang="en-US" sz="2200" dirty="0">
-                <a:latin typeface="나눔바른펜" panose="020B0503000000000000" pitchFamily="50" charset="-127"/>
-                <a:ea typeface="나눔바른펜" panose="020B0503000000000000" pitchFamily="50" charset="-127"/>
+                <a:latin typeface="나눔고딕" panose="020D0604000000000000" pitchFamily="50" charset="-127"/>
+                <a:ea typeface="나눔고딕" panose="020D0604000000000000" pitchFamily="50" charset="-127"/>
               </a:rPr>
               <a:t>약 </a:t>
             </a:r>
             <a:r>
               <a:rPr lang="en-US" altLang="ko-KR" sz="2200" dirty="0">
-                <a:latin typeface="나눔바른펜" panose="020B0503000000000000" pitchFamily="50" charset="-127"/>
-                <a:ea typeface="나눔바른펜" panose="020B0503000000000000" pitchFamily="50" charset="-127"/>
+                <a:latin typeface="나눔고딕" panose="020D0604000000000000" pitchFamily="50" charset="-127"/>
+                <a:ea typeface="나눔고딕" panose="020D0604000000000000" pitchFamily="50" charset="-127"/>
               </a:rPr>
               <a:t>3400</a:t>
             </a:r>
             <a:r>
               <a:rPr lang="ko-KR" altLang="en-US" sz="2200" dirty="0">
-                <a:latin typeface="나눔바른펜" panose="020B0503000000000000" pitchFamily="50" charset="-127"/>
-                <a:ea typeface="나눔바른펜" panose="020B0503000000000000" pitchFamily="50" charset="-127"/>
+                <a:latin typeface="나눔고딕" panose="020D0604000000000000" pitchFamily="50" charset="-127"/>
+                <a:ea typeface="나눔고딕" panose="020D0604000000000000" pitchFamily="50" charset="-127"/>
               </a:rPr>
               <a:t>명</a:t>
             </a:r>
             <a:r>
               <a:rPr lang="en-US" altLang="ko-KR" sz="2200" dirty="0">
-                <a:latin typeface="나눔바른펜" panose="020B0503000000000000" pitchFamily="50" charset="-127"/>
-                <a:ea typeface="나눔바른펜" panose="020B0503000000000000" pitchFamily="50" charset="-127"/>
+                <a:latin typeface="나눔고딕" panose="020D0604000000000000" pitchFamily="50" charset="-127"/>
+                <a:ea typeface="나눔고딕" panose="020D0604000000000000" pitchFamily="50" charset="-127"/>
               </a:rPr>
               <a:t>)</a:t>
             </a:r>
             <a:r>
               <a:rPr lang="ko-KR" altLang="en-US" sz="2200" dirty="0">
-                <a:latin typeface="나눔바른펜" panose="020B0503000000000000" pitchFamily="50" charset="-127"/>
-                <a:ea typeface="나눔바른펜" panose="020B0503000000000000" pitchFamily="50" charset="-127"/>
+                <a:latin typeface="나눔고딕" panose="020D0604000000000000" pitchFamily="50" charset="-127"/>
+                <a:ea typeface="나눔고딕" panose="020D0604000000000000" pitchFamily="50" charset="-127"/>
               </a:rPr>
               <a:t>들의 </a:t>
             </a:r>
@@ -22070,8 +21815,8 @@
                     <a:lumMod val="50000"/>
                   </a:schemeClr>
                 </a:solidFill>
-                <a:latin typeface="나눔바른펜" panose="020B0503000000000000" pitchFamily="50" charset="-127"/>
-                <a:ea typeface="나눔바른펜" panose="020B0503000000000000" pitchFamily="50" charset="-127"/>
+                <a:latin typeface="나눔고딕" panose="020D0604000000000000" pitchFamily="50" charset="-127"/>
+                <a:ea typeface="나눔고딕" panose="020D0604000000000000" pitchFamily="50" charset="-127"/>
               </a:rPr>
               <a:t>작년</a:t>
             </a:r>
@@ -22082,8 +21827,8 @@
                     <a:lumMod val="50000"/>
                   </a:schemeClr>
                 </a:solidFill>
-                <a:latin typeface="나눔바른펜" panose="020B0503000000000000" pitchFamily="50" charset="-127"/>
-                <a:ea typeface="나눔바른펜" panose="020B0503000000000000" pitchFamily="50" charset="-127"/>
+                <a:latin typeface="나눔고딕" panose="020D0604000000000000" pitchFamily="50" charset="-127"/>
+                <a:ea typeface="나눔고딕" panose="020D0604000000000000" pitchFamily="50" charset="-127"/>
               </a:rPr>
               <a:t>(20-21</a:t>
             </a:r>
@@ -22094,8 +21839,8 @@
                     <a:lumMod val="50000"/>
                   </a:schemeClr>
                 </a:solidFill>
-                <a:latin typeface="나눔바른펜" panose="020B0503000000000000" pitchFamily="50" charset="-127"/>
-                <a:ea typeface="나눔바른펜" panose="020B0503000000000000" pitchFamily="50" charset="-127"/>
+                <a:latin typeface="나눔고딕" panose="020D0604000000000000" pitchFamily="50" charset="-127"/>
+                <a:ea typeface="나눔고딕" panose="020D0604000000000000" pitchFamily="50" charset="-127"/>
               </a:rPr>
               <a:t>시즌</a:t>
             </a:r>
@@ -22106,8 +21851,8 @@
                     <a:lumMod val="50000"/>
                   </a:schemeClr>
                 </a:solidFill>
-                <a:latin typeface="나눔바른펜" panose="020B0503000000000000" pitchFamily="50" charset="-127"/>
-                <a:ea typeface="나눔바른펜" panose="020B0503000000000000" pitchFamily="50" charset="-127"/>
+                <a:latin typeface="나눔고딕" panose="020D0604000000000000" pitchFamily="50" charset="-127"/>
+                <a:ea typeface="나눔고딕" panose="020D0604000000000000" pitchFamily="50" charset="-127"/>
               </a:rPr>
               <a:t>)</a:t>
             </a:r>
@@ -22118,42 +21863,42 @@
                     <a:lumMod val="50000"/>
                   </a:schemeClr>
                 </a:solidFill>
-                <a:latin typeface="나눔바른펜" panose="020B0503000000000000" pitchFamily="50" charset="-127"/>
-                <a:ea typeface="나눔바른펜" panose="020B0503000000000000" pitchFamily="50" charset="-127"/>
+                <a:latin typeface="나눔고딕" panose="020D0604000000000000" pitchFamily="50" charset="-127"/>
+                <a:ea typeface="나눔고딕" panose="020D0604000000000000" pitchFamily="50" charset="-127"/>
               </a:rPr>
               <a:t> </a:t>
             </a:r>
             <a:r>
               <a:rPr lang="ko-KR" altLang="en-US" sz="2200" dirty="0">
-                <a:latin typeface="나눔바른펜" panose="020B0503000000000000" pitchFamily="50" charset="-127"/>
-                <a:ea typeface="나눔바른펜" panose="020B0503000000000000" pitchFamily="50" charset="-127"/>
+                <a:latin typeface="나눔고딕" panose="020D0604000000000000" pitchFamily="50" charset="-127"/>
+                <a:ea typeface="나눔고딕" panose="020D0604000000000000" pitchFamily="50" charset="-127"/>
               </a:rPr>
               <a:t>기록과 </a:t>
             </a:r>
             <a:r>
               <a:rPr lang="en-US" altLang="ko-KR" sz="2200" dirty="0">
-                <a:latin typeface="나눔바른펜" panose="020B0503000000000000" pitchFamily="50" charset="-127"/>
-                <a:ea typeface="나눔바른펜" panose="020B0503000000000000" pitchFamily="50" charset="-127"/>
+                <a:latin typeface="나눔고딕" panose="020D0604000000000000" pitchFamily="50" charset="-127"/>
+                <a:ea typeface="나눔고딕" panose="020D0604000000000000" pitchFamily="50" charset="-127"/>
               </a:rPr>
               <a:t>98</a:t>
             </a:r>
             <a:r>
               <a:rPr lang="ko-KR" altLang="en-US" sz="2200" dirty="0">
-                <a:latin typeface="나눔바른펜" panose="020B0503000000000000" pitchFamily="50" charset="-127"/>
-                <a:ea typeface="나눔바른펜" panose="020B0503000000000000" pitchFamily="50" charset="-127"/>
+                <a:latin typeface="나눔고딕" panose="020D0604000000000000" pitchFamily="50" charset="-127"/>
+                <a:ea typeface="나눔고딕" panose="020D0604000000000000" pitchFamily="50" charset="-127"/>
               </a:rPr>
               <a:t>개의 팀을 바탕으로 데이터를 분석하였다</a:t>
             </a:r>
             <a:r>
               <a:rPr lang="en-US" altLang="ko-KR" sz="2200" dirty="0">
-                <a:latin typeface="나눔바른펜" panose="020B0503000000000000" pitchFamily="50" charset="-127"/>
-                <a:ea typeface="나눔바른펜" panose="020B0503000000000000" pitchFamily="50" charset="-127"/>
+                <a:latin typeface="나눔고딕" panose="020D0604000000000000" pitchFamily="50" charset="-127"/>
+                <a:ea typeface="나눔고딕" panose="020D0604000000000000" pitchFamily="50" charset="-127"/>
               </a:rPr>
               <a:t>.</a:t>
             </a:r>
             <a:endParaRPr lang="ko-KR" altLang="en-US" sz="2200" dirty="0">
-              <a:latin typeface="나눔바른펜" panose="020B0503000000000000" pitchFamily="50" charset="-127"/>
-              <a:ea typeface="나눔바른펜" panose="020B0503000000000000" pitchFamily="50" charset="-127"/>
+              <a:latin typeface="나눔고딕" panose="020D0604000000000000" pitchFamily="50" charset="-127"/>
+              <a:ea typeface="나눔고딕" panose="020D0604000000000000" pitchFamily="50" charset="-127"/>
             </a:endParaRPr>
           </a:p>
           <a:p>
@@ -22165,22 +21910,22 @@
             </a:pPr>
             <a:r>
               <a:rPr lang="en-US" altLang="ko-KR" sz="1600" dirty="0">
-                <a:latin typeface="나눔바른펜" panose="020B0503000000000000" pitchFamily="50" charset="-127"/>
-                <a:ea typeface="나눔바른펜" panose="020B0503000000000000" pitchFamily="50" charset="-127"/>
+                <a:latin typeface="나눔고딕" panose="020D0604000000000000" pitchFamily="50" charset="-127"/>
+                <a:ea typeface="나눔고딕" panose="020D0604000000000000" pitchFamily="50" charset="-127"/>
               </a:rPr>
               <a:t> Ex) </a:t>
             </a:r>
             <a:r>
               <a:rPr lang="ko-KR" altLang="en-US" sz="1600" dirty="0">
-                <a:latin typeface="나눔바른펜" panose="020B0503000000000000" pitchFamily="50" charset="-127"/>
-                <a:ea typeface="나눔바른펜" panose="020B0503000000000000" pitchFamily="50" charset="-127"/>
+                <a:latin typeface="나눔고딕" panose="020D0604000000000000" pitchFamily="50" charset="-127"/>
+                <a:ea typeface="나눔고딕" panose="020D0604000000000000" pitchFamily="50" charset="-127"/>
               </a:rPr>
               <a:t>수비수</a:t>
             </a:r>
             <a:r>
               <a:rPr lang="en-US" altLang="ko-KR" sz="1600" dirty="0">
-                <a:latin typeface="나눔바른펜" panose="020B0503000000000000" pitchFamily="50" charset="-127"/>
-                <a:ea typeface="나눔바른펜" panose="020B0503000000000000" pitchFamily="50" charset="-127"/>
+                <a:latin typeface="나눔고딕" panose="020D0604000000000000" pitchFamily="50" charset="-127"/>
+                <a:ea typeface="나눔고딕" panose="020D0604000000000000" pitchFamily="50" charset="-127"/>
               </a:rPr>
               <a:t>(</a:t>
             </a:r>
@@ -22191,29 +21936,29 @@
                     <a:lumMod val="50000"/>
                   </a:schemeClr>
                 </a:solidFill>
-                <a:latin typeface="나눔바른펜" panose="020B0503000000000000" pitchFamily="50" charset="-127"/>
-                <a:ea typeface="나눔바른펜" panose="020B0503000000000000" pitchFamily="50" charset="-127"/>
+                <a:latin typeface="나눔고딕" panose="020D0604000000000000" pitchFamily="50" charset="-127"/>
+                <a:ea typeface="나눔고딕" panose="020D0604000000000000" pitchFamily="50" charset="-127"/>
               </a:rPr>
               <a:t>태클 대비 가로채기 성공률</a:t>
             </a:r>
             <a:r>
               <a:rPr lang="en-US" altLang="ko-KR" sz="1600" dirty="0">
-                <a:latin typeface="나눔바른펜" panose="020B0503000000000000" pitchFamily="50" charset="-127"/>
-                <a:ea typeface="나눔바른펜" panose="020B0503000000000000" pitchFamily="50" charset="-127"/>
+                <a:latin typeface="나눔고딕" panose="020D0604000000000000" pitchFamily="50" charset="-127"/>
+                <a:ea typeface="나눔고딕" panose="020D0604000000000000" pitchFamily="50" charset="-127"/>
               </a:rPr>
               <a:t>), </a:t>
             </a:r>
             <a:r>
               <a:rPr lang="ko-KR" altLang="en-US" sz="1600" dirty="0">
-                <a:latin typeface="나눔바른펜" panose="020B0503000000000000" pitchFamily="50" charset="-127"/>
-                <a:ea typeface="나눔바른펜" panose="020B0503000000000000" pitchFamily="50" charset="-127"/>
+                <a:latin typeface="나눔고딕" panose="020D0604000000000000" pitchFamily="50" charset="-127"/>
+                <a:ea typeface="나눔고딕" panose="020D0604000000000000" pitchFamily="50" charset="-127"/>
               </a:rPr>
               <a:t>미드필더</a:t>
             </a:r>
             <a:r>
               <a:rPr lang="en-US" altLang="ko-KR" sz="1600" dirty="0">
-                <a:latin typeface="나눔바른펜" panose="020B0503000000000000" pitchFamily="50" charset="-127"/>
-                <a:ea typeface="나눔바른펜" panose="020B0503000000000000" pitchFamily="50" charset="-127"/>
+                <a:latin typeface="나눔고딕" panose="020D0604000000000000" pitchFamily="50" charset="-127"/>
+                <a:ea typeface="나눔고딕" panose="020D0604000000000000" pitchFamily="50" charset="-127"/>
               </a:rPr>
               <a:t>(</a:t>
             </a:r>
@@ -22224,29 +21969,29 @@
                     <a:lumMod val="50000"/>
                   </a:schemeClr>
                 </a:solidFill>
-                <a:latin typeface="나눔바른펜" panose="020B0503000000000000" pitchFamily="50" charset="-127"/>
-                <a:ea typeface="나눔바른펜" panose="020B0503000000000000" pitchFamily="50" charset="-127"/>
+                <a:latin typeface="나눔고딕" panose="020D0604000000000000" pitchFamily="50" charset="-127"/>
+                <a:ea typeface="나눔고딕" panose="020D0604000000000000" pitchFamily="50" charset="-127"/>
               </a:rPr>
               <a:t>패스 정확도 대비 어시스트</a:t>
             </a:r>
             <a:r>
               <a:rPr lang="en-US" altLang="ko-KR" sz="1600" dirty="0">
-                <a:latin typeface="나눔바른펜" panose="020B0503000000000000" pitchFamily="50" charset="-127"/>
-                <a:ea typeface="나눔바른펜" panose="020B0503000000000000" pitchFamily="50" charset="-127"/>
+                <a:latin typeface="나눔고딕" panose="020D0604000000000000" pitchFamily="50" charset="-127"/>
+                <a:ea typeface="나눔고딕" panose="020D0604000000000000" pitchFamily="50" charset="-127"/>
               </a:rPr>
               <a:t>), </a:t>
             </a:r>
             <a:r>
               <a:rPr lang="ko-KR" altLang="en-US" sz="1600" dirty="0">
-                <a:latin typeface="나눔바른펜" panose="020B0503000000000000" pitchFamily="50" charset="-127"/>
-                <a:ea typeface="나눔바른펜" panose="020B0503000000000000" pitchFamily="50" charset="-127"/>
+                <a:latin typeface="나눔고딕" panose="020D0604000000000000" pitchFamily="50" charset="-127"/>
+                <a:ea typeface="나눔고딕" panose="020D0604000000000000" pitchFamily="50" charset="-127"/>
               </a:rPr>
               <a:t>공격수</a:t>
             </a:r>
             <a:r>
               <a:rPr lang="en-US" altLang="ko-KR" sz="1600" dirty="0">
-                <a:latin typeface="나눔바른펜" panose="020B0503000000000000" pitchFamily="50" charset="-127"/>
-                <a:ea typeface="나눔바른펜" panose="020B0503000000000000" pitchFamily="50" charset="-127"/>
+                <a:latin typeface="나눔고딕" panose="020D0604000000000000" pitchFamily="50" charset="-127"/>
+                <a:ea typeface="나눔고딕" panose="020D0604000000000000" pitchFamily="50" charset="-127"/>
               </a:rPr>
               <a:t>(</a:t>
             </a:r>
@@ -22257,49 +22002,49 @@
                     <a:lumMod val="50000"/>
                   </a:schemeClr>
                 </a:solidFill>
-                <a:latin typeface="나눔바른펜" panose="020B0503000000000000" pitchFamily="50" charset="-127"/>
-                <a:ea typeface="나눔바른펜" panose="020B0503000000000000" pitchFamily="50" charset="-127"/>
+                <a:latin typeface="나눔고딕" panose="020D0604000000000000" pitchFamily="50" charset="-127"/>
+                <a:ea typeface="나눔고딕" panose="020D0604000000000000" pitchFamily="50" charset="-127"/>
               </a:rPr>
               <a:t>슈팅 대비 득점</a:t>
             </a:r>
             <a:r>
               <a:rPr lang="en-US" altLang="ko-KR" sz="1600" dirty="0">
-                <a:latin typeface="나눔바른펜" panose="020B0503000000000000" pitchFamily="50" charset="-127"/>
-                <a:ea typeface="나눔바른펜" panose="020B0503000000000000" pitchFamily="50" charset="-127"/>
+                <a:latin typeface="나눔고딕" panose="020D0604000000000000" pitchFamily="50" charset="-127"/>
+                <a:ea typeface="나눔고딕" panose="020D0604000000000000" pitchFamily="50" charset="-127"/>
               </a:rPr>
               <a:t>), </a:t>
             </a:r>
             <a:r>
               <a:rPr lang="ko-KR" altLang="en-US" sz="1600" dirty="0">
-                <a:latin typeface="나눔바른펜" panose="020B0503000000000000" pitchFamily="50" charset="-127"/>
-                <a:ea typeface="나눔바른펜" panose="020B0503000000000000" pitchFamily="50" charset="-127"/>
+                <a:latin typeface="나눔고딕" panose="020D0604000000000000" pitchFamily="50" charset="-127"/>
+                <a:ea typeface="나눔고딕" panose="020D0604000000000000" pitchFamily="50" charset="-127"/>
               </a:rPr>
               <a:t>가장 공격적인 팀</a:t>
             </a:r>
             <a:r>
               <a:rPr lang="en-US" altLang="ko-KR" sz="1600" dirty="0">
-                <a:latin typeface="나눔바른펜" panose="020B0503000000000000" pitchFamily="50" charset="-127"/>
-                <a:ea typeface="나눔바른펜" panose="020B0503000000000000" pitchFamily="50" charset="-127"/>
+                <a:latin typeface="나눔고딕" panose="020D0604000000000000" pitchFamily="50" charset="-127"/>
+                <a:ea typeface="나눔고딕" panose="020D0604000000000000" pitchFamily="50" charset="-127"/>
               </a:rPr>
               <a:t>, </a:t>
             </a:r>
             <a:r>
               <a:rPr lang="ko-KR" altLang="en-US" sz="1600" dirty="0">
-                <a:latin typeface="나눔바른펜" panose="020B0503000000000000" pitchFamily="50" charset="-127"/>
-                <a:ea typeface="나눔바른펜" panose="020B0503000000000000" pitchFamily="50" charset="-127"/>
+                <a:latin typeface="나눔고딕" panose="020D0604000000000000" pitchFamily="50" charset="-127"/>
+                <a:ea typeface="나눔고딕" panose="020D0604000000000000" pitchFamily="50" charset="-127"/>
               </a:rPr>
               <a:t>가장 수비를 잘하는 팀 등</a:t>
             </a:r>
             <a:r>
               <a:rPr lang="en-US" altLang="ko-KR" sz="1600" dirty="0">
-                <a:latin typeface="나눔바른펜" panose="020B0503000000000000" pitchFamily="50" charset="-127"/>
-                <a:ea typeface="나눔바른펜" panose="020B0503000000000000" pitchFamily="50" charset="-127"/>
+                <a:latin typeface="나눔고딕" panose="020D0604000000000000" pitchFamily="50" charset="-127"/>
+                <a:ea typeface="나눔고딕" panose="020D0604000000000000" pitchFamily="50" charset="-127"/>
               </a:rPr>
               <a:t>…</a:t>
             </a:r>
             <a:endParaRPr lang="ko-KR" altLang="en-US" sz="1600" dirty="0">
-              <a:latin typeface="나눔바른펜" panose="020B0503000000000000" pitchFamily="50" charset="-127"/>
-              <a:ea typeface="나눔바른펜" panose="020B0503000000000000" pitchFamily="50" charset="-127"/>
+              <a:latin typeface="나눔고딕" panose="020D0604000000000000" pitchFamily="50" charset="-127"/>
+              <a:ea typeface="나눔고딕" panose="020D0604000000000000" pitchFamily="50" charset="-127"/>
             </a:endParaRPr>
           </a:p>
         </p:txBody>
@@ -22357,8 +22102,8 @@
           <a:p>
             <a:pPr algn="ctr"/>
             <a:endParaRPr lang="ko-KR" altLang="en-US">
-              <a:latin typeface="나눔바른펜" panose="020B0503000000000000" pitchFamily="50" charset="-127"/>
-              <a:ea typeface="나눔바른펜" panose="020B0503000000000000" pitchFamily="50" charset="-127"/>
+              <a:latin typeface="나눔고딕" panose="020D0604000000000000" pitchFamily="50" charset="-127"/>
+              <a:ea typeface="나눔고딕" panose="020D0604000000000000" pitchFamily="50" charset="-127"/>
             </a:endParaRPr>
           </a:p>
         </p:txBody>
@@ -22401,21 +22146,21 @@
             </a:pPr>
             <a:r>
               <a:rPr lang="en-US" altLang="ko-KR" b="1" dirty="0">
-                <a:latin typeface="나눔바른펜" panose="020B0503000000000000" pitchFamily="50" charset="-127"/>
-                <a:ea typeface="나눔바른펜" panose="020B0503000000000000" pitchFamily="50" charset="-127"/>
+                <a:latin typeface="나눔고딕" panose="020D0604000000000000" pitchFamily="50" charset="-127"/>
+                <a:ea typeface="나눔고딕" panose="020D0604000000000000" pitchFamily="50" charset="-127"/>
               </a:rPr>
               <a:t>OS : Windows10 </a:t>
             </a:r>
             <a:r>
               <a:rPr lang="en-US" altLang="ko-KR" b="1" dirty="0" smtClean="0">
-                <a:latin typeface="나눔바른펜" panose="020B0503000000000000" pitchFamily="50" charset="-127"/>
-                <a:ea typeface="나눔바른펜" panose="020B0503000000000000" pitchFamily="50" charset="-127"/>
+                <a:latin typeface="나눔고딕" panose="020D0604000000000000" pitchFamily="50" charset="-127"/>
+                <a:ea typeface="나눔고딕" panose="020D0604000000000000" pitchFamily="50" charset="-127"/>
               </a:rPr>
               <a:t>Pro</a:t>
             </a:r>
             <a:endParaRPr lang="en-US" altLang="ko-KR" b="1" dirty="0">
-              <a:latin typeface="나눔바른펜" panose="020B0503000000000000" pitchFamily="50" charset="-127"/>
-              <a:ea typeface="나눔바른펜" panose="020B0503000000000000" pitchFamily="50" charset="-127"/>
+              <a:latin typeface="나눔고딕" panose="020D0604000000000000" pitchFamily="50" charset="-127"/>
+              <a:ea typeface="나눔고딕" panose="020D0604000000000000" pitchFamily="50" charset="-127"/>
             </a:endParaRPr>
           </a:p>
           <a:p>
@@ -22429,21 +22174,21 @@
             </a:pPr>
             <a:r>
               <a:rPr lang="en-US" altLang="ko-KR" b="1" dirty="0">
-                <a:latin typeface="나눔바른펜" panose="020B0503000000000000" pitchFamily="50" charset="-127"/>
-                <a:ea typeface="나눔바른펜" panose="020B0503000000000000" pitchFamily="50" charset="-127"/>
+                <a:latin typeface="나눔고딕" panose="020D0604000000000000" pitchFamily="50" charset="-127"/>
+                <a:ea typeface="나눔고딕" panose="020D0604000000000000" pitchFamily="50" charset="-127"/>
               </a:rPr>
               <a:t>Language : Python 3. 8. </a:t>
             </a:r>
             <a:r>
               <a:rPr lang="en-US" altLang="ko-KR" b="1" dirty="0" smtClean="0">
-                <a:latin typeface="나눔바른펜" panose="020B0503000000000000" pitchFamily="50" charset="-127"/>
-                <a:ea typeface="나눔바른펜" panose="020B0503000000000000" pitchFamily="50" charset="-127"/>
+                <a:latin typeface="나눔고딕" panose="020D0604000000000000" pitchFamily="50" charset="-127"/>
+                <a:ea typeface="나눔고딕" panose="020D0604000000000000" pitchFamily="50" charset="-127"/>
               </a:rPr>
               <a:t>8</a:t>
             </a:r>
             <a:endParaRPr lang="en-US" altLang="ko-KR" b="1" dirty="0">
-              <a:latin typeface="나눔바른펜" panose="020B0503000000000000" pitchFamily="50" charset="-127"/>
-              <a:ea typeface="나눔바른펜" panose="020B0503000000000000" pitchFamily="50" charset="-127"/>
+              <a:latin typeface="나눔고딕" panose="020D0604000000000000" pitchFamily="50" charset="-127"/>
+              <a:ea typeface="나눔고딕" panose="020D0604000000000000" pitchFamily="50" charset="-127"/>
             </a:endParaRPr>
           </a:p>
           <a:p>
@@ -22457,35 +22202,35 @@
             </a:pPr>
             <a:r>
               <a:rPr lang="en-US" altLang="ko-KR" b="1" dirty="0">
-                <a:latin typeface="나눔바른펜" panose="020B0503000000000000" pitchFamily="50" charset="-127"/>
-                <a:ea typeface="나눔바른펜" panose="020B0503000000000000" pitchFamily="50" charset="-127"/>
+                <a:latin typeface="나눔고딕" panose="020D0604000000000000" pitchFamily="50" charset="-127"/>
+                <a:ea typeface="나눔고딕" panose="020D0604000000000000" pitchFamily="50" charset="-127"/>
               </a:rPr>
               <a:t>IDE : Anaconda </a:t>
             </a:r>
             <a:r>
               <a:rPr lang="en-US" altLang="ko-KR" b="1" dirty="0" err="1">
-                <a:latin typeface="나눔바른펜" panose="020B0503000000000000" pitchFamily="50" charset="-127"/>
-                <a:ea typeface="나눔바른펜" panose="020B0503000000000000" pitchFamily="50" charset="-127"/>
+                <a:latin typeface="나눔고딕" panose="020D0604000000000000" pitchFamily="50" charset="-127"/>
+                <a:ea typeface="나눔고딕" panose="020D0604000000000000" pitchFamily="50" charset="-127"/>
               </a:rPr>
               <a:t>Jupyter</a:t>
             </a:r>
             <a:r>
               <a:rPr lang="en-US" altLang="ko-KR" b="1" dirty="0">
-                <a:latin typeface="나눔바른펜" panose="020B0503000000000000" pitchFamily="50" charset="-127"/>
-                <a:ea typeface="나눔바른펜" panose="020B0503000000000000" pitchFamily="50" charset="-127"/>
+                <a:latin typeface="나눔고딕" panose="020D0604000000000000" pitchFamily="50" charset="-127"/>
+                <a:ea typeface="나눔고딕" panose="020D0604000000000000" pitchFamily="50" charset="-127"/>
               </a:rPr>
               <a:t> </a:t>
             </a:r>
             <a:r>
               <a:rPr lang="en-US" altLang="ko-KR" b="1" dirty="0" smtClean="0">
-                <a:latin typeface="나눔바른펜" panose="020B0503000000000000" pitchFamily="50" charset="-127"/>
-                <a:ea typeface="나눔바른펜" panose="020B0503000000000000" pitchFamily="50" charset="-127"/>
+                <a:latin typeface="나눔고딕" panose="020D0604000000000000" pitchFamily="50" charset="-127"/>
+                <a:ea typeface="나눔고딕" panose="020D0604000000000000" pitchFamily="50" charset="-127"/>
               </a:rPr>
               <a:t>Notebook</a:t>
             </a:r>
             <a:endParaRPr lang="en-US" altLang="ko-KR" b="1" dirty="0">
-              <a:latin typeface="나눔바른펜" panose="020B0503000000000000" pitchFamily="50" charset="-127"/>
-              <a:ea typeface="나눔바른펜" panose="020B0503000000000000" pitchFamily="50" charset="-127"/>
+              <a:latin typeface="나눔고딕" panose="020D0604000000000000" pitchFamily="50" charset="-127"/>
+              <a:ea typeface="나눔고딕" panose="020D0604000000000000" pitchFamily="50" charset="-127"/>
             </a:endParaRPr>
           </a:p>
           <a:p>
@@ -22499,42 +22244,42 @@
             </a:pPr>
             <a:r>
               <a:rPr lang="en-US" altLang="ko-KR" b="1" dirty="0">
-                <a:latin typeface="나눔바른펜" panose="020B0503000000000000" pitchFamily="50" charset="-127"/>
-                <a:ea typeface="나눔바른펜" panose="020B0503000000000000" pitchFamily="50" charset="-127"/>
+                <a:latin typeface="나눔고딕" panose="020D0604000000000000" pitchFamily="50" charset="-127"/>
+                <a:ea typeface="나눔고딕" panose="020D0604000000000000" pitchFamily="50" charset="-127"/>
               </a:rPr>
               <a:t>Open Source : </a:t>
             </a:r>
             <a:r>
               <a:rPr lang="en-US" altLang="ko-KR" b="1" dirty="0" err="1">
-                <a:latin typeface="나눔바른펜" panose="020B0503000000000000" pitchFamily="50" charset="-127"/>
-                <a:ea typeface="나눔바른펜" panose="020B0503000000000000" pitchFamily="50" charset="-127"/>
+                <a:latin typeface="나눔고딕" panose="020D0604000000000000" pitchFamily="50" charset="-127"/>
+                <a:ea typeface="나눔고딕" panose="020D0604000000000000" pitchFamily="50" charset="-127"/>
               </a:rPr>
               <a:t>Tensorflow</a:t>
             </a:r>
             <a:r>
               <a:rPr lang="en-US" altLang="ko-KR" b="1" dirty="0">
-                <a:latin typeface="나눔바른펜" panose="020B0503000000000000" pitchFamily="50" charset="-127"/>
-                <a:ea typeface="나눔바른펜" panose="020B0503000000000000" pitchFamily="50" charset="-127"/>
+                <a:latin typeface="나눔고딕" panose="020D0604000000000000" pitchFamily="50" charset="-127"/>
+                <a:ea typeface="나눔고딕" panose="020D0604000000000000" pitchFamily="50" charset="-127"/>
               </a:rPr>
               <a:t> 2. 4. 1, </a:t>
             </a:r>
             <a:r>
               <a:rPr lang="en-US" altLang="ko-KR" b="1" dirty="0" err="1">
-                <a:latin typeface="나눔바른펜" panose="020B0503000000000000" pitchFamily="50" charset="-127"/>
-                <a:ea typeface="나눔바른펜" panose="020B0503000000000000" pitchFamily="50" charset="-127"/>
+                <a:latin typeface="나눔고딕" panose="020D0604000000000000" pitchFamily="50" charset="-127"/>
+                <a:ea typeface="나눔고딕" panose="020D0604000000000000" pitchFamily="50" charset="-127"/>
               </a:rPr>
               <a:t>Keras</a:t>
             </a:r>
             <a:r>
               <a:rPr lang="en-US" altLang="ko-KR" b="1" dirty="0">
-                <a:latin typeface="나눔바른펜" panose="020B0503000000000000" pitchFamily="50" charset="-127"/>
-                <a:ea typeface="나눔바른펜" panose="020B0503000000000000" pitchFamily="50" charset="-127"/>
+                <a:latin typeface="나눔고딕" panose="020D0604000000000000" pitchFamily="50" charset="-127"/>
+                <a:ea typeface="나눔고딕" panose="020D0604000000000000" pitchFamily="50" charset="-127"/>
               </a:rPr>
               <a:t>, …</a:t>
             </a:r>
             <a:endParaRPr lang="en-US" altLang="ko-KR" dirty="0">
-              <a:latin typeface="나눔바른펜" panose="020B0503000000000000" pitchFamily="50" charset="-127"/>
-              <a:ea typeface="나눔바른펜" panose="020B0503000000000000" pitchFamily="50" charset="-127"/>
+              <a:latin typeface="나눔고딕" panose="020D0604000000000000" pitchFamily="50" charset="-127"/>
+              <a:ea typeface="나눔고딕" panose="020D0604000000000000" pitchFamily="50" charset="-127"/>
             </a:endParaRPr>
           </a:p>
         </p:txBody>
@@ -22590,8 +22335,8 @@
           <a:p>
             <a:pPr algn="ctr"/>
             <a:endParaRPr lang="ko-KR" altLang="en-US">
-              <a:latin typeface="나눔바른펜" panose="020B0503000000000000" pitchFamily="50" charset="-127"/>
-              <a:ea typeface="나눔바른펜" panose="020B0503000000000000" pitchFamily="50" charset="-127"/>
+              <a:latin typeface="나눔고딕" panose="020D0604000000000000" pitchFamily="50" charset="-127"/>
+              <a:ea typeface="나눔고딕" panose="020D0604000000000000" pitchFamily="50" charset="-127"/>
             </a:endParaRPr>
           </a:p>
         </p:txBody>
@@ -22750,10 +22495,10 @@
         </p:nvGrpSpPr>
         <p:grpSpPr>
           <a:xfrm>
-            <a:off x="4728658" y="188165"/>
-            <a:ext cx="2734683" cy="830997"/>
+            <a:off x="4728657" y="188165"/>
+            <a:ext cx="3080633" cy="830997"/>
             <a:chOff x="3819245" y="188165"/>
-            <a:chExt cx="1167493" cy="1900217"/>
+            <a:chExt cx="1198418" cy="1900217"/>
           </a:xfrm>
         </p:grpSpPr>
         <p:sp>
@@ -22770,8 +22515,8 @@
           </p:nvSpPr>
           <p:spPr>
             <a:xfrm>
-              <a:off x="4265847" y="383883"/>
-              <a:ext cx="720891" cy="1477947"/>
+              <a:off x="4240593" y="398200"/>
+              <a:ext cx="777070" cy="1477947"/>
             </a:xfrm>
             <a:prstGeom prst="rect">
               <a:avLst/>
@@ -22785,15 +22530,15 @@
             <a:p>
               <a:r>
                 <a:rPr lang="ko-KR" altLang="en-US" sz="3600" b="1" dirty="0" smtClean="0">
-                  <a:latin typeface="나눔바른펜" panose="020B0503000000000000" pitchFamily="50" charset="-127"/>
-                  <a:ea typeface="나눔바른펜" panose="020B0503000000000000" pitchFamily="50" charset="-127"/>
+                  <a:latin typeface="나눔고딕" panose="020D0604000000000000" pitchFamily="50" charset="-127"/>
+                  <a:ea typeface="나눔고딕" panose="020D0604000000000000" pitchFamily="50" charset="-127"/>
                   <a:cs typeface="KoPubWorld돋움체 Light" panose="00000300000000000000" pitchFamily="2" charset="-127"/>
                 </a:rPr>
                 <a:t>일정관리</a:t>
               </a:r>
               <a:endParaRPr lang="ko-KR" altLang="en-US" sz="3600" b="1" dirty="0">
-                <a:latin typeface="나눔바른펜" panose="020B0503000000000000" pitchFamily="50" charset="-127"/>
-                <a:ea typeface="나눔바른펜" panose="020B0503000000000000" pitchFamily="50" charset="-127"/>
+                <a:latin typeface="나눔고딕" panose="020D0604000000000000" pitchFamily="50" charset="-127"/>
+                <a:ea typeface="나눔고딕" panose="020D0604000000000000" pitchFamily="50" charset="-127"/>
                 <a:cs typeface="KoPubWorld돋움체 Light" panose="00000300000000000000" pitchFamily="2" charset="-127"/>
               </a:endParaRPr>
             </a:p>
@@ -22814,7 +22559,7 @@
           <p:spPr>
             <a:xfrm>
               <a:off x="3819245" y="188165"/>
-              <a:ext cx="446602" cy="1900217"/>
+              <a:ext cx="500270" cy="1900217"/>
             </a:xfrm>
             <a:prstGeom prst="rect">
               <a:avLst/>
@@ -22834,8 +22579,8 @@
                       <a:lumMod val="50000"/>
                     </a:schemeClr>
                   </a:solidFill>
-                  <a:latin typeface="나눔바른펜" panose="020B0503000000000000" pitchFamily="50" charset="-127"/>
-                  <a:ea typeface="나눔바른펜" panose="020B0503000000000000" pitchFamily="50" charset="-127"/>
+                  <a:latin typeface="나눔고딕" panose="020D0604000000000000" pitchFamily="50" charset="-127"/>
+                  <a:ea typeface="나눔고딕" panose="020D0604000000000000" pitchFamily="50" charset="-127"/>
                   <a:cs typeface="KoPubWorld돋움체 Bold" panose="00000800000000000000" pitchFamily="2" charset="-127"/>
                 </a:rPr>
                 <a:t>1-4</a:t>
@@ -22846,8 +22591,8 @@
                     <a:lumMod val="50000"/>
                   </a:schemeClr>
                 </a:solidFill>
-                <a:latin typeface="나눔바른펜" panose="020B0503000000000000" pitchFamily="50" charset="-127"/>
-                <a:ea typeface="나눔바른펜" panose="020B0503000000000000" pitchFamily="50" charset="-127"/>
+                <a:latin typeface="나눔고딕" panose="020D0604000000000000" pitchFamily="50" charset="-127"/>
+                <a:ea typeface="나눔고딕" panose="020D0604000000000000" pitchFamily="50" charset="-127"/>
                 <a:cs typeface="KoPubWorld돋움체 Bold" panose="00000800000000000000" pitchFamily="2" charset="-127"/>
               </a:endParaRPr>
             </a:p>
@@ -22863,7 +22608,7 @@
           <p:nvPr>
             <p:extLst>
               <p:ext uri="{D42A27DB-BD31-4B8C-83A1-F6EECF244321}">
-                <p14:modId xmlns:p14="http://schemas.microsoft.com/office/powerpoint/2010/main" val="4237941988"/>
+                <p14:modId xmlns:p14="http://schemas.microsoft.com/office/powerpoint/2010/main" val="392295707"/>
               </p:ext>
             </p:extLst>
           </p:nvPr>
@@ -35820,6 +35565,13 @@
               <a:lumMod val="50000"/>
             </a:schemeClr>
           </a:solidFill>
+          <a:ln>
+            <a:solidFill>
+              <a:schemeClr val="accent6">
+                <a:lumMod val="50000"/>
+              </a:schemeClr>
+            </a:solidFill>
+          </a:ln>
         </p:spPr>
         <p:style>
           <a:lnRef idx="2">
@@ -35842,7 +35594,10 @@
           <a:lstStyle/>
           <a:p>
             <a:pPr algn="ctr"/>
-            <a:endParaRPr lang="ko-KR" altLang="en-US"/>
+            <a:endParaRPr lang="ko-KR" altLang="en-US">
+              <a:latin typeface="나눔고딕" panose="020D0604000000000000" pitchFamily="50" charset="-127"/>
+              <a:ea typeface="나눔고딕" panose="020D0604000000000000" pitchFamily="50" charset="-127"/>
+            </a:endParaRPr>
           </a:p>
         </p:txBody>
       </p:sp>
@@ -35899,6 +35654,11 @@
           <a:solidFill>
             <a:schemeClr val="bg1"/>
           </a:solidFill>
+          <a:ln>
+            <a:solidFill>
+              <a:schemeClr val="tx1"/>
+            </a:solidFill>
+          </a:ln>
         </p:spPr>
         <p:style>
           <a:lnRef idx="2">
@@ -35921,7 +35681,10 @@
           <a:lstStyle/>
           <a:p>
             <a:pPr algn="ctr"/>
-            <a:endParaRPr lang="ko-KR" altLang="en-US"/>
+            <a:endParaRPr lang="ko-KR" altLang="en-US">
+              <a:latin typeface="나눔고딕" panose="020D0604000000000000" pitchFamily="50" charset="-127"/>
+              <a:ea typeface="나눔고딕" panose="020D0604000000000000" pitchFamily="50" charset="-127"/>
+            </a:endParaRPr>
           </a:p>
         </p:txBody>
       </p:sp>
@@ -36738,10 +36501,10 @@
         </p:nvGrpSpPr>
         <p:grpSpPr>
           <a:xfrm>
-            <a:off x="4712703" y="188165"/>
-            <a:ext cx="2766593" cy="830997"/>
+            <a:off x="4712702" y="188165"/>
+            <a:ext cx="3378875" cy="830997"/>
             <a:chOff x="3819245" y="188165"/>
-            <a:chExt cx="2412965" cy="830997"/>
+            <a:chExt cx="2946985" cy="830997"/>
           </a:xfrm>
         </p:grpSpPr>
         <p:sp>
@@ -36758,8 +36521,8 @@
           </p:nvSpPr>
           <p:spPr>
             <a:xfrm>
-              <a:off x="4430497" y="275862"/>
-              <a:ext cx="1801713" cy="646331"/>
+              <a:off x="4617843" y="275862"/>
+              <a:ext cx="2148387" cy="646331"/>
             </a:xfrm>
             <a:prstGeom prst="rect">
               <a:avLst/>
@@ -36773,15 +36536,15 @@
             <a:p>
               <a:r>
                 <a:rPr lang="ko-KR" altLang="en-US" sz="3600" b="1" dirty="0" smtClean="0">
-                  <a:latin typeface="나눔바른펜" panose="020B0503000000000000" pitchFamily="50" charset="-127"/>
-                  <a:ea typeface="나눔바른펜" panose="020B0503000000000000" pitchFamily="50" charset="-127"/>
+                  <a:latin typeface="나눔고딕" panose="020D0604000000000000" pitchFamily="50" charset="-127"/>
+                  <a:ea typeface="나눔고딕" panose="020D0604000000000000" pitchFamily="50" charset="-127"/>
                   <a:cs typeface="KoPubWorld돋움체 Bold" panose="00000800000000000000" pitchFamily="2" charset="-127"/>
                 </a:rPr>
                 <a:t>데이터 수집</a:t>
               </a:r>
               <a:endParaRPr lang="ko-KR" altLang="en-US" sz="3600" b="1" dirty="0">
-                <a:latin typeface="나눔바른펜" panose="020B0503000000000000" pitchFamily="50" charset="-127"/>
-                <a:ea typeface="나눔바른펜" panose="020B0503000000000000" pitchFamily="50" charset="-127"/>
+                <a:latin typeface="나눔고딕" panose="020D0604000000000000" pitchFamily="50" charset="-127"/>
+                <a:ea typeface="나눔고딕" panose="020D0604000000000000" pitchFamily="50" charset="-127"/>
                 <a:cs typeface="KoPubWorld돋움체 Light" panose="00000300000000000000" pitchFamily="2" charset="-127"/>
               </a:endParaRPr>
             </a:p>
@@ -36802,7 +36565,7 @@
           <p:spPr>
             <a:xfrm>
               <a:off x="3819245" y="188165"/>
-              <a:ext cx="671371" cy="830997"/>
+              <a:ext cx="798598" cy="830997"/>
             </a:xfrm>
             <a:prstGeom prst="rect">
               <a:avLst/>
@@ -36822,8 +36585,8 @@
                       <a:lumMod val="50000"/>
                     </a:schemeClr>
                   </a:solidFill>
-                  <a:latin typeface="나눔바른펜" panose="020B0503000000000000" pitchFamily="50" charset="-127"/>
-                  <a:ea typeface="나눔바른펜" panose="020B0503000000000000" pitchFamily="50" charset="-127"/>
+                  <a:latin typeface="나눔고딕" panose="020D0604000000000000" pitchFamily="50" charset="-127"/>
+                  <a:ea typeface="나눔고딕" panose="020D0604000000000000" pitchFamily="50" charset="-127"/>
                   <a:cs typeface="KoPubWorld돋움체 Bold" panose="00000800000000000000" pitchFamily="2" charset="-127"/>
                 </a:rPr>
                 <a:t>02</a:t>
@@ -36834,8 +36597,8 @@
                     <a:lumMod val="50000"/>
                   </a:schemeClr>
                 </a:solidFill>
-                <a:latin typeface="나눔바른펜" panose="020B0503000000000000" pitchFamily="50" charset="-127"/>
-                <a:ea typeface="나눔바른펜" panose="020B0503000000000000" pitchFamily="50" charset="-127"/>
+                <a:latin typeface="나눔고딕" panose="020D0604000000000000" pitchFamily="50" charset="-127"/>
+                <a:ea typeface="나눔고딕" panose="020D0604000000000000" pitchFamily="50" charset="-127"/>
                 <a:cs typeface="KoPubWorld돋움체 Bold" panose="00000800000000000000" pitchFamily="2" charset="-127"/>
               </a:endParaRPr>
             </a:p>
@@ -36893,8 +36656,8 @@
           <a:p>
             <a:pPr algn="ctr"/>
             <a:endParaRPr lang="ko-KR" altLang="en-US" b="1">
-              <a:latin typeface="나눔바른펜" panose="020B0503000000000000" pitchFamily="50" charset="-127"/>
-              <a:ea typeface="나눔바른펜" panose="020B0503000000000000" pitchFamily="50" charset="-127"/>
+              <a:latin typeface="나눔고딕" panose="020D0604000000000000" pitchFamily="50" charset="-127"/>
+              <a:ea typeface="나눔고딕" panose="020D0604000000000000" pitchFamily="50" charset="-127"/>
             </a:endParaRPr>
           </a:p>
         </p:txBody>
@@ -36933,8 +36696,8 @@
                 <a:solidFill>
                   <a:schemeClr val="bg1"/>
                 </a:solidFill>
-                <a:latin typeface="나눔바른펜" panose="020B0503000000000000" pitchFamily="50" charset="-127"/>
-                <a:ea typeface="나눔바른펜" panose="020B0503000000000000" pitchFamily="50" charset="-127"/>
+                <a:latin typeface="나눔고딕" panose="020D0604000000000000" pitchFamily="50" charset="-127"/>
+                <a:ea typeface="나눔고딕" panose="020D0604000000000000" pitchFamily="50" charset="-127"/>
                 <a:cs typeface="KoPubWorld돋움체 Light" panose="00000300000000000000" pitchFamily="2" charset="-127"/>
               </a:rPr>
               <a:t>데이터 수집 방법</a:t>
@@ -36943,8 +36706,8 @@
               <a:solidFill>
                 <a:schemeClr val="bg1"/>
               </a:solidFill>
-              <a:latin typeface="나눔바른펜" panose="020B0503000000000000" pitchFamily="50" charset="-127"/>
-              <a:ea typeface="나눔바른펜" panose="020B0503000000000000" pitchFamily="50" charset="-127"/>
+              <a:latin typeface="나눔고딕" panose="020D0604000000000000" pitchFamily="50" charset="-127"/>
+              <a:ea typeface="나눔고딕" panose="020D0604000000000000" pitchFamily="50" charset="-127"/>
               <a:cs typeface="KoPubWorld돋움체 Light" panose="00000300000000000000" pitchFamily="2" charset="-127"/>
             </a:endParaRPr>
           </a:p>
@@ -37001,8 +36764,8 @@
           <a:p>
             <a:pPr algn="ctr"/>
             <a:endParaRPr lang="ko-KR" altLang="en-US" b="1">
-              <a:latin typeface="나눔바른펜" panose="020B0503000000000000" pitchFamily="50" charset="-127"/>
-              <a:ea typeface="나눔바른펜" panose="020B0503000000000000" pitchFamily="50" charset="-127"/>
+              <a:latin typeface="나눔고딕" panose="020D0604000000000000" pitchFamily="50" charset="-127"/>
+              <a:ea typeface="나눔고딕" panose="020D0604000000000000" pitchFamily="50" charset="-127"/>
             </a:endParaRPr>
           </a:p>
         </p:txBody>
@@ -37041,8 +36804,8 @@
                 <a:solidFill>
                   <a:schemeClr val="bg1"/>
                 </a:solidFill>
-                <a:latin typeface="나눔바른펜" panose="020B0503000000000000" pitchFamily="50" charset="-127"/>
-                <a:ea typeface="나눔바른펜" panose="020B0503000000000000" pitchFamily="50" charset="-127"/>
+                <a:latin typeface="나눔고딕" panose="020D0604000000000000" pitchFamily="50" charset="-127"/>
+                <a:ea typeface="나눔고딕" panose="020D0604000000000000" pitchFamily="50" charset="-127"/>
                 <a:cs typeface="KoPubWorld돋움체 Light" panose="00000300000000000000" pitchFamily="2" charset="-127"/>
               </a:rPr>
               <a:t>데이터 전처리</a:t>
@@ -37051,8 +36814,8 @@
               <a:solidFill>
                 <a:schemeClr val="bg1"/>
               </a:solidFill>
-              <a:latin typeface="나눔바른펜" panose="020B0503000000000000" pitchFamily="50" charset="-127"/>
-              <a:ea typeface="나눔바른펜" panose="020B0503000000000000" pitchFamily="50" charset="-127"/>
+              <a:latin typeface="나눔고딕" panose="020D0604000000000000" pitchFamily="50" charset="-127"/>
+              <a:ea typeface="나눔고딕" panose="020D0604000000000000" pitchFamily="50" charset="-127"/>
               <a:cs typeface="KoPubWorld돋움체 Light" panose="00000300000000000000" pitchFamily="2" charset="-127"/>
             </a:endParaRPr>
           </a:p>
@@ -37109,8 +36872,8 @@
           <a:p>
             <a:pPr algn="ctr"/>
             <a:endParaRPr lang="ko-KR" altLang="en-US" b="1">
-              <a:latin typeface="나눔바른펜" panose="020B0503000000000000" pitchFamily="50" charset="-127"/>
-              <a:ea typeface="나눔바른펜" panose="020B0503000000000000" pitchFamily="50" charset="-127"/>
+              <a:latin typeface="나눔고딕" panose="020D0604000000000000" pitchFamily="50" charset="-127"/>
+              <a:ea typeface="나눔고딕" panose="020D0604000000000000" pitchFamily="50" charset="-127"/>
             </a:endParaRPr>
           </a:p>
         </p:txBody>
@@ -37149,8 +36912,8 @@
                 <a:solidFill>
                   <a:schemeClr val="bg1"/>
                 </a:solidFill>
-                <a:latin typeface="나눔바른펜" panose="020B0503000000000000" pitchFamily="50" charset="-127"/>
-                <a:ea typeface="나눔바른펜" panose="020B0503000000000000" pitchFamily="50" charset="-127"/>
+                <a:latin typeface="나눔고딕" panose="020D0604000000000000" pitchFamily="50" charset="-127"/>
+                <a:ea typeface="나눔고딕" panose="020D0604000000000000" pitchFamily="50" charset="-127"/>
                 <a:cs typeface="KoPubWorld돋움체 Light" panose="00000300000000000000" pitchFamily="2" charset="-127"/>
               </a:rPr>
               <a:t>데이터 병합</a:t>
@@ -37159,8 +36922,8 @@
               <a:solidFill>
                 <a:schemeClr val="bg1"/>
               </a:solidFill>
-              <a:latin typeface="나눔바른펜" panose="020B0503000000000000" pitchFamily="50" charset="-127"/>
-              <a:ea typeface="나눔바른펜" panose="020B0503000000000000" pitchFamily="50" charset="-127"/>
+              <a:latin typeface="나눔고딕" panose="020D0604000000000000" pitchFamily="50" charset="-127"/>
+              <a:ea typeface="나눔고딕" panose="020D0604000000000000" pitchFamily="50" charset="-127"/>
               <a:cs typeface="KoPubWorld돋움체 Light" panose="00000300000000000000" pitchFamily="2" charset="-127"/>
             </a:endParaRPr>
           </a:p>
@@ -37180,8 +36943,8 @@
         </p:nvSpPr>
         <p:spPr>
           <a:xfrm>
-            <a:off x="1486134" y="4628185"/>
-            <a:ext cx="2914580" cy="369332"/>
+            <a:off x="1207620" y="4628185"/>
+            <a:ext cx="3470822" cy="369332"/>
           </a:xfrm>
           <a:prstGeom prst="rect">
             <a:avLst/>
@@ -37196,32 +36959,32 @@
           <a:p>
             <a:pPr algn="ctr"/>
             <a:r>
-              <a:rPr lang="ko-KR" altLang="en-US" b="1" dirty="0" smtClean="0">
-                <a:latin typeface="나눔바른펜" panose="020B0503000000000000" pitchFamily="50" charset="-127"/>
-                <a:ea typeface="나눔바른펜" panose="020B0503000000000000" pitchFamily="50" charset="-127"/>
+              <a:rPr lang="ko-KR" altLang="en-US" dirty="0" smtClean="0">
+                <a:latin typeface="나눔고딕" panose="020D0604000000000000" pitchFamily="50" charset="-127"/>
+                <a:ea typeface="나눔고딕" panose="020D0604000000000000" pitchFamily="50" charset="-127"/>
                 <a:cs typeface="KoPubWorld돋움체 Light" panose="00000300000000000000" pitchFamily="2" charset="-127"/>
               </a:rPr>
               <a:t>동적 </a:t>
             </a:r>
             <a:r>
-              <a:rPr lang="ko-KR" altLang="en-US" b="1" dirty="0" err="1" smtClean="0">
-                <a:latin typeface="나눔바른펜" panose="020B0503000000000000" pitchFamily="50" charset="-127"/>
-                <a:ea typeface="나눔바른펜" panose="020B0503000000000000" pitchFamily="50" charset="-127"/>
+              <a:rPr lang="ko-KR" altLang="en-US" dirty="0" err="1" smtClean="0">
+                <a:latin typeface="나눔고딕" panose="020D0604000000000000" pitchFamily="50" charset="-127"/>
+                <a:ea typeface="나눔고딕" panose="020D0604000000000000" pitchFamily="50" charset="-127"/>
                 <a:cs typeface="KoPubWorld돋움체 Light" panose="00000300000000000000" pitchFamily="2" charset="-127"/>
               </a:rPr>
               <a:t>웹크롤링을</a:t>
             </a:r>
             <a:r>
-              <a:rPr lang="ko-KR" altLang="en-US" b="1" dirty="0" smtClean="0">
-                <a:latin typeface="나눔바른펜" panose="020B0503000000000000" pitchFamily="50" charset="-127"/>
-                <a:ea typeface="나눔바른펜" panose="020B0503000000000000" pitchFamily="50" charset="-127"/>
+              <a:rPr lang="ko-KR" altLang="en-US" dirty="0" smtClean="0">
+                <a:latin typeface="나눔고딕" panose="020D0604000000000000" pitchFamily="50" charset="-127"/>
+                <a:ea typeface="나눔고딕" panose="020D0604000000000000" pitchFamily="50" charset="-127"/>
                 <a:cs typeface="KoPubWorld돋움체 Light" panose="00000300000000000000" pitchFamily="2" charset="-127"/>
               </a:rPr>
               <a:t> 통한 데이터 수집</a:t>
             </a:r>
-            <a:endParaRPr lang="ko-KR" altLang="en-US" b="1" dirty="0">
-              <a:latin typeface="나눔바른펜" panose="020B0503000000000000" pitchFamily="50" charset="-127"/>
-              <a:ea typeface="나눔바른펜" panose="020B0503000000000000" pitchFamily="50" charset="-127"/>
+            <a:endParaRPr lang="ko-KR" altLang="en-US" dirty="0">
+              <a:latin typeface="나눔고딕" panose="020D0604000000000000" pitchFamily="50" charset="-127"/>
+              <a:ea typeface="나눔고딕" panose="020D0604000000000000" pitchFamily="50" charset="-127"/>
               <a:cs typeface="KoPubWorld돋움체 Light" panose="00000300000000000000" pitchFamily="2" charset="-127"/>
             </a:endParaRPr>
           </a:p>
@@ -37241,8 +37004,8 @@
         </p:nvSpPr>
         <p:spPr>
           <a:xfrm>
-            <a:off x="4944082" y="4628185"/>
-            <a:ext cx="2303836" cy="369332"/>
+            <a:off x="4796148" y="4628185"/>
+            <a:ext cx="2757486" cy="369332"/>
           </a:xfrm>
           <a:prstGeom prst="rect">
             <a:avLst/>
@@ -37257,32 +37020,32 @@
           <a:p>
             <a:pPr algn="ctr"/>
             <a:r>
-              <a:rPr lang="ko-KR" altLang="en-US" b="1" dirty="0" smtClean="0">
-                <a:latin typeface="나눔바른펜" panose="020B0503000000000000" pitchFamily="50" charset="-127"/>
-                <a:ea typeface="나눔바른펜" panose="020B0503000000000000" pitchFamily="50" charset="-127"/>
+              <a:rPr lang="ko-KR" altLang="en-US" dirty="0" smtClean="0">
+                <a:latin typeface="나눔고딕" panose="020D0604000000000000" pitchFamily="50" charset="-127"/>
+                <a:ea typeface="나눔고딕" panose="020D0604000000000000" pitchFamily="50" charset="-127"/>
                 <a:cs typeface="KoPubWorld돋움체 Light" panose="00000300000000000000" pitchFamily="2" charset="-127"/>
               </a:rPr>
               <a:t>문자열 </a:t>
             </a:r>
             <a:r>
-              <a:rPr lang="ko-KR" altLang="en-US" b="1" dirty="0" err="1" smtClean="0">
-                <a:latin typeface="나눔바른펜" panose="020B0503000000000000" pitchFamily="50" charset="-127"/>
-                <a:ea typeface="나눔바른펜" panose="020B0503000000000000" pitchFamily="50" charset="-127"/>
+              <a:rPr lang="ko-KR" altLang="en-US" dirty="0" err="1" smtClean="0">
+                <a:latin typeface="나눔고딕" panose="020D0604000000000000" pitchFamily="50" charset="-127"/>
+                <a:ea typeface="나눔고딕" panose="020D0604000000000000" pitchFamily="50" charset="-127"/>
                 <a:cs typeface="KoPubWorld돋움체 Light" panose="00000300000000000000" pitchFamily="2" charset="-127"/>
               </a:rPr>
               <a:t>슬라이싱</a:t>
             </a:r>
             <a:r>
-              <a:rPr lang="ko-KR" altLang="en-US" b="1" dirty="0" smtClean="0">
-                <a:latin typeface="나눔바른펜" panose="020B0503000000000000" pitchFamily="50" charset="-127"/>
-                <a:ea typeface="나눔바른펜" panose="020B0503000000000000" pitchFamily="50" charset="-127"/>
+              <a:rPr lang="ko-KR" altLang="en-US" dirty="0" smtClean="0">
+                <a:latin typeface="나눔고딕" panose="020D0604000000000000" pitchFamily="50" charset="-127"/>
+                <a:ea typeface="나눔고딕" panose="020D0604000000000000" pitchFamily="50" charset="-127"/>
                 <a:cs typeface="KoPubWorld돋움체 Light" panose="00000300000000000000" pitchFamily="2" charset="-127"/>
               </a:rPr>
               <a:t> 및 전처리</a:t>
             </a:r>
-            <a:endParaRPr lang="ko-KR" altLang="en-US" b="1" dirty="0">
-              <a:latin typeface="나눔바른펜" panose="020B0503000000000000" pitchFamily="50" charset="-127"/>
-              <a:ea typeface="나눔바른펜" panose="020B0503000000000000" pitchFamily="50" charset="-127"/>
+            <a:endParaRPr lang="ko-KR" altLang="en-US" dirty="0">
+              <a:latin typeface="나눔고딕" panose="020D0604000000000000" pitchFamily="50" charset="-127"/>
+              <a:ea typeface="나눔고딕" panose="020D0604000000000000" pitchFamily="50" charset="-127"/>
               <a:cs typeface="KoPubWorld돋움체 Light" panose="00000300000000000000" pitchFamily="2" charset="-127"/>
             </a:endParaRPr>
           </a:p>
@@ -37302,8 +37065,8 @@
         </p:nvSpPr>
         <p:spPr>
           <a:xfrm>
-            <a:off x="8474697" y="4633067"/>
-            <a:ext cx="1544013" cy="369332"/>
+            <a:off x="8332832" y="4633067"/>
+            <a:ext cx="1827744" cy="369332"/>
           </a:xfrm>
           <a:prstGeom prst="rect">
             <a:avLst/>
@@ -37318,16 +37081,16 @@
           <a:p>
             <a:pPr algn="ctr"/>
             <a:r>
-              <a:rPr lang="ko-KR" altLang="en-US" b="1" dirty="0" smtClean="0">
-                <a:latin typeface="나눔바른펜" panose="020B0503000000000000" pitchFamily="50" charset="-127"/>
-                <a:ea typeface="나눔바른펜" panose="020B0503000000000000" pitchFamily="50" charset="-127"/>
+              <a:rPr lang="ko-KR" altLang="en-US" dirty="0" smtClean="0">
+                <a:latin typeface="나눔고딕" panose="020D0604000000000000" pitchFamily="50" charset="-127"/>
+                <a:ea typeface="나눔고딕" panose="020D0604000000000000" pitchFamily="50" charset="-127"/>
                 <a:cs typeface="KoPubWorld돋움체 Light" panose="00000300000000000000" pitchFamily="2" charset="-127"/>
               </a:rPr>
               <a:t>최종 데이터 추출</a:t>
             </a:r>
-            <a:endParaRPr lang="ko-KR" altLang="en-US" b="1" dirty="0">
-              <a:latin typeface="나눔바른펜" panose="020B0503000000000000" pitchFamily="50" charset="-127"/>
-              <a:ea typeface="나눔바른펜" panose="020B0503000000000000" pitchFamily="50" charset="-127"/>
+            <a:endParaRPr lang="ko-KR" altLang="en-US" dirty="0">
+              <a:latin typeface="나눔고딕" panose="020D0604000000000000" pitchFamily="50" charset="-127"/>
+              <a:ea typeface="나눔고딕" panose="020D0604000000000000" pitchFamily="50" charset="-127"/>
               <a:cs typeface="KoPubWorld돋움체 Light" panose="00000300000000000000" pitchFamily="2" charset="-127"/>
             </a:endParaRPr>
           </a:p>

--- a/00_Projects/김설웅_개인프로젝트.pptx
+++ b/00_Projects/김설웅_개인프로젝트.pptx
@@ -41,30 +41,30 @@
   <p:notesSz cx="6858000" cy="9144000"/>
   <p:embeddedFontLst>
     <p:embeddedFont>
+      <p:font typeface="KoPubWorld돋움체 Light" panose="020B0600000101010101" charset="-127"/>
+      <p:regular r:id="rId33"/>
+    </p:embeddedFont>
+    <p:embeddedFont>
       <p:font typeface="나눔바른펜" panose="020B0503000000000000" pitchFamily="50" charset="-127"/>
-      <p:regular r:id="rId33"/>
-      <p:bold r:id="rId34"/>
+      <p:regular r:id="rId34"/>
+      <p:bold r:id="rId35"/>
+    </p:embeddedFont>
+    <p:embeddedFont>
+      <p:font typeface="맑은 고딕" panose="020B0503020000020004" pitchFamily="50" charset="-127"/>
+      <p:regular r:id="rId36"/>
+      <p:bold r:id="rId37"/>
+    </p:embeddedFont>
+    <p:embeddedFont>
+      <p:font typeface="NanumGothic" panose="020D0804000000000000" pitchFamily="50" charset="-127"/>
+      <p:bold r:id="rId38"/>
+    </p:embeddedFont>
+    <p:embeddedFont>
+      <p:font typeface="나눔고딕" panose="020D0604000000000000" pitchFamily="50" charset="-127"/>
+      <p:regular r:id="rId39"/>
     </p:embeddedFont>
     <p:embeddedFont>
       <p:font typeface="KoPubWorld돋움체 Bold" panose="020B0600000101010101" charset="-127"/>
-      <p:bold r:id="rId35"/>
-    </p:embeddedFont>
-    <p:embeddedFont>
-      <p:font typeface="나눔고딕" panose="020D0604000000000000" pitchFamily="50" charset="-127"/>
-      <p:regular r:id="rId36"/>
-    </p:embeddedFont>
-    <p:embeddedFont>
-      <p:font typeface="NanumGothic" panose="020D0804000000000000" pitchFamily="50" charset="-127"/>
-      <p:bold r:id="rId37"/>
-    </p:embeddedFont>
-    <p:embeddedFont>
-      <p:font typeface="맑은 고딕" panose="020B0503020000020004" pitchFamily="50" charset="-127"/>
-      <p:regular r:id="rId38"/>
-      <p:bold r:id="rId39"/>
-    </p:embeddedFont>
-    <p:embeddedFont>
-      <p:font typeface="KoPubWorld돋움체 Light" panose="020B0600000101010101" charset="-127"/>
-      <p:regular r:id="rId40"/>
+      <p:bold r:id="rId40"/>
     </p:embeddedFont>
   </p:embeddedFontLst>
   <p:defaultTextStyle>
@@ -4345,14 +4345,7 @@
                 <a:latin typeface="나눔고딕" panose="020D0604000000000000" pitchFamily="50" charset="-127"/>
                 <a:ea typeface="나눔고딕" panose="020D0604000000000000" pitchFamily="50" charset="-127"/>
               </a:rPr>
-              <a:t>을 </a:t>
-            </a:r>
-            <a:r>
-              <a:rPr lang="ko-KR" altLang="en-US" sz="1400" dirty="0" smtClean="0">
-                <a:latin typeface="나눔고딕" panose="020D0604000000000000" pitchFamily="50" charset="-127"/>
-                <a:ea typeface="나눔고딕" panose="020D0604000000000000" pitchFamily="50" charset="-127"/>
-              </a:rPr>
-              <a:t>활용하여 </a:t>
+              <a:t>을 활용하여 </a:t>
             </a:r>
             <a:r>
               <a:rPr lang="en-US" altLang="ko-KR" sz="1400" dirty="0" err="1" smtClean="0">
@@ -4508,6 +4501,13 @@
   <p:clrMapOvr>
     <a:masterClrMapping/>
   </p:clrMapOvr>
+  <p:timing>
+    <p:tnLst>
+      <p:par>
+        <p:cTn id="1" dur="indefinite" restart="never" nodeType="tmRoot"/>
+      </p:par>
+    </p:tnLst>
+  </p:timing>
 </p:sld>
 </file>
 
@@ -5015,6 +5015,13 @@
   <p:clrMapOvr>
     <a:masterClrMapping/>
   </p:clrMapOvr>
+  <p:timing>
+    <p:tnLst>
+      <p:par>
+        <p:cTn id="1" dur="indefinite" restart="never" nodeType="tmRoot"/>
+      </p:par>
+    </p:tnLst>
+  </p:timing>
 </p:sld>
 </file>
 
@@ -5433,6 +5440,13 @@
   <p:clrMapOvr>
     <a:masterClrMapping/>
   </p:clrMapOvr>
+  <p:timing>
+    <p:tnLst>
+      <p:par>
+        <p:cTn id="1" dur="indefinite" restart="never" nodeType="tmRoot"/>
+      </p:par>
+    </p:tnLst>
+  </p:timing>
 </p:sld>
 </file>
 
@@ -5819,6 +5833,13 @@
   <p:clrMapOvr>
     <a:masterClrMapping/>
   </p:clrMapOvr>
+  <p:timing>
+    <p:tnLst>
+      <p:par>
+        <p:cTn id="1" dur="indefinite" restart="never" nodeType="tmRoot"/>
+      </p:par>
+    </p:tnLst>
+  </p:timing>
 </p:sld>
 </file>
 
@@ -6750,6 +6771,13 @@
   <p:clrMapOvr>
     <a:masterClrMapping/>
   </p:clrMapOvr>
+  <p:timing>
+    <p:tnLst>
+      <p:par>
+        <p:cTn id="1" dur="indefinite" restart="never" nodeType="tmRoot"/>
+      </p:par>
+    </p:tnLst>
+  </p:timing>
 </p:sld>
 </file>
 
@@ -7072,6 +7100,13 @@
   <p:clrMapOvr>
     <a:masterClrMapping/>
   </p:clrMapOvr>
+  <p:timing>
+    <p:tnLst>
+      <p:par>
+        <p:cTn id="1" dur="indefinite" restart="never" nodeType="tmRoot"/>
+      </p:par>
+    </p:tnLst>
+  </p:timing>
 </p:sld>
 </file>
 
@@ -7536,6 +7571,13 @@
   <p:clrMapOvr>
     <a:masterClrMapping/>
   </p:clrMapOvr>
+  <p:timing>
+    <p:tnLst>
+      <p:par>
+        <p:cTn id="1" dur="indefinite" restart="never" nodeType="tmRoot"/>
+      </p:par>
+    </p:tnLst>
+  </p:timing>
 </p:sld>
 </file>
 
@@ -8011,6 +8053,13 @@
   <p:clrMapOvr>
     <a:masterClrMapping/>
   </p:clrMapOvr>
+  <p:timing>
+    <p:tnLst>
+      <p:par>
+        <p:cTn id="1" dur="indefinite" restart="never" nodeType="tmRoot"/>
+      </p:par>
+    </p:tnLst>
+  </p:timing>
 </p:sld>
 </file>
 
@@ -8674,6 +8723,13 @@
   <p:clrMapOvr>
     <a:masterClrMapping/>
   </p:clrMapOvr>
+  <p:timing>
+    <p:tnLst>
+      <p:par>
+        <p:cTn id="1" dur="indefinite" restart="never" nodeType="tmRoot"/>
+      </p:par>
+    </p:tnLst>
+  </p:timing>
 </p:sld>
 </file>
 
@@ -9272,6 +9328,13 @@
   <p:clrMapOvr>
     <a:masterClrMapping/>
   </p:clrMapOvr>
+  <p:timing>
+    <p:tnLst>
+      <p:par>
+        <p:cTn id="1" dur="indefinite" restart="never" nodeType="tmRoot"/>
+      </p:par>
+    </p:tnLst>
+  </p:timing>
 </p:sld>
 </file>
 
@@ -10097,21 +10160,7 @@
                 <a:latin typeface="나눔고딕" panose="020D0604000000000000" pitchFamily="50" charset="-127"/>
                 <a:ea typeface="나눔고딕" panose="020D0604000000000000" pitchFamily="50" charset="-127"/>
               </a:rPr>
-              <a:t>억의 </a:t>
-            </a:r>
-            <a:r>
-              <a:rPr lang="ko-KR" altLang="en-US" sz="1400" dirty="0" smtClean="0">
-                <a:latin typeface="나눔고딕" panose="020D0604000000000000" pitchFamily="50" charset="-127"/>
-                <a:ea typeface="나눔고딕" panose="020D0604000000000000" pitchFamily="50" charset="-127"/>
-              </a:rPr>
-              <a:t>이적료를 기록하며 </a:t>
-            </a:r>
-            <a:r>
-              <a:rPr lang="ko-KR" altLang="en-US" sz="1400" dirty="0" smtClean="0">
-                <a:latin typeface="나눔고딕" panose="020D0604000000000000" pitchFamily="50" charset="-127"/>
-                <a:ea typeface="나눔고딕" panose="020D0604000000000000" pitchFamily="50" charset="-127"/>
-              </a:rPr>
-              <a:t>맨체스터 시티로 이적하여 뛰고 있다</a:t>
+              <a:t>억의 이적료를 기록하며 맨체스터 시티로 이적하여 뛰고 있다</a:t>
             </a:r>
             <a:r>
               <a:rPr lang="en-US" altLang="ko-KR" sz="1400" dirty="0" smtClean="0">
@@ -10135,17 +10184,7 @@
                 <a:latin typeface="나눔고딕" panose="020D0604000000000000" pitchFamily="50" charset="-127"/>
                 <a:ea typeface="나눔고딕" panose="020D0604000000000000" pitchFamily="50" charset="-127"/>
               </a:rPr>
-              <a:t>Kevin </a:t>
-            </a:r>
-            <a:r>
-              <a:rPr lang="en-US" altLang="ko-KR" sz="1400" i="1" dirty="0" smtClean="0">
-                <a:solidFill>
-                  <a:srgbClr val="0070C0"/>
-                </a:solidFill>
-                <a:latin typeface="나눔고딕" panose="020D0604000000000000" pitchFamily="50" charset="-127"/>
-                <a:ea typeface="나눔고딕" panose="020D0604000000000000" pitchFamily="50" charset="-127"/>
-              </a:rPr>
-              <a:t>De </a:t>
+              <a:t>Kevin De </a:t>
             </a:r>
             <a:r>
               <a:rPr lang="en-US" altLang="ko-KR" sz="1400" i="1" dirty="0" err="1" smtClean="0">
@@ -10551,6 +10590,13 @@
   <p:clrMapOvr>
     <a:masterClrMapping/>
   </p:clrMapOvr>
+  <p:timing>
+    <p:tnLst>
+      <p:par>
+        <p:cTn id="1" dur="indefinite" restart="never" nodeType="tmRoot"/>
+      </p:par>
+    </p:tnLst>
+  </p:timing>
 </p:sld>
 </file>
 
@@ -11057,6 +11103,13 @@
   <p:clrMapOvr>
     <a:masterClrMapping/>
   </p:clrMapOvr>
+  <p:timing>
+    <p:tnLst>
+      <p:par>
+        <p:cTn id="1" dur="indefinite" restart="never" nodeType="tmRoot"/>
+      </p:par>
+    </p:tnLst>
+  </p:timing>
 </p:sld>
 </file>
 
@@ -13606,6 +13659,13 @@
   <p:clrMapOvr>
     <a:masterClrMapping/>
   </p:clrMapOvr>
+  <p:timing>
+    <p:tnLst>
+      <p:par>
+        <p:cTn id="1" dur="indefinite" restart="never" nodeType="tmRoot"/>
+      </p:par>
+    </p:tnLst>
+  </p:timing>
 </p:sld>
 </file>
 
@@ -13997,6 +14057,13 @@
   <p:clrMapOvr>
     <a:masterClrMapping/>
   </p:clrMapOvr>
+  <p:timing>
+    <p:tnLst>
+      <p:par>
+        <p:cTn id="1" dur="indefinite" restart="never" nodeType="tmRoot"/>
+      </p:par>
+    </p:tnLst>
+  </p:timing>
 </p:sld>
 </file>
 
@@ -14605,6 +14672,13 @@
   <p:clrMapOvr>
     <a:masterClrMapping/>
   </p:clrMapOvr>
+  <p:timing>
+    <p:tnLst>
+      <p:par>
+        <p:cTn id="1" dur="indefinite" restart="never" nodeType="tmRoot"/>
+      </p:par>
+    </p:tnLst>
+  </p:timing>
 </p:sld>
 </file>
 
@@ -15139,6 +15213,13 @@
   <p:clrMapOvr>
     <a:masterClrMapping/>
   </p:clrMapOvr>
+  <p:timing>
+    <p:tnLst>
+      <p:par>
+        <p:cTn id="1" dur="indefinite" restart="never" nodeType="tmRoot"/>
+      </p:par>
+    </p:tnLst>
+  </p:timing>
 </p:sld>
 </file>
 
@@ -15376,23 +15457,7 @@
                 <a:ea typeface="나눔고딕" panose="020D0604000000000000" pitchFamily="50" charset="-127"/>
                 <a:cs typeface="Abhaya Libre" panose="02000603000000000000" pitchFamily="2" charset="77"/>
               </a:rPr>
-              <a:t>– </a:t>
-            </a:r>
-            <a:r>
-              <a:rPr lang="en-US" altLang="ko-KR" sz="2000" b="1" dirty="0" smtClean="0">
-                <a:latin typeface="나눔고딕" panose="020D0604000000000000" pitchFamily="50" charset="-127"/>
-                <a:ea typeface="나눔고딕" panose="020D0604000000000000" pitchFamily="50" charset="-127"/>
-                <a:cs typeface="Abhaya Libre" panose="02000603000000000000" pitchFamily="2" charset="77"/>
-              </a:rPr>
-              <a:t>&lt;</a:t>
-            </a:r>
-            <a:r>
-              <a:rPr lang="en-US" altLang="ko-KR" sz="2000" b="1" dirty="0" smtClean="0">
-                <a:latin typeface="나눔고딕" panose="020D0604000000000000" pitchFamily="50" charset="-127"/>
-                <a:ea typeface="나눔고딕" panose="020D0604000000000000" pitchFamily="50" charset="-127"/>
-                <a:cs typeface="Abhaya Libre" panose="02000603000000000000" pitchFamily="2" charset="77"/>
-              </a:rPr>
-              <a:t>20-21&gt;</a:t>
+              <a:t>– &lt;20-21&gt;</a:t>
             </a:r>
             <a:r>
               <a:rPr lang="ko-KR" altLang="en-US" sz="2000" b="1" dirty="0">
@@ -15607,6 +15672,13 @@
   <p:clrMapOvr>
     <a:masterClrMapping/>
   </p:clrMapOvr>
+  <p:timing>
+    <p:tnLst>
+      <p:par>
+        <p:cTn id="1" dur="indefinite" restart="never" nodeType="tmRoot"/>
+      </p:par>
+    </p:tnLst>
+  </p:timing>
 </p:sld>
 </file>
 
@@ -16191,6 +16263,13 @@
   <p:clrMapOvr>
     <a:masterClrMapping/>
   </p:clrMapOvr>
+  <p:timing>
+    <p:tnLst>
+      <p:par>
+        <p:cTn id="1" dur="indefinite" restart="never" nodeType="tmRoot"/>
+      </p:par>
+    </p:tnLst>
+  </p:timing>
 </p:sld>
 </file>
 
@@ -16691,6 +16770,13 @@
   <p:clrMapOvr>
     <a:masterClrMapping/>
   </p:clrMapOvr>
+  <p:timing>
+    <p:tnLst>
+      <p:par>
+        <p:cTn id="1" dur="indefinite" restart="never" nodeType="tmRoot"/>
+      </p:par>
+    </p:tnLst>
+  </p:timing>
 </p:sld>
 </file>
 
@@ -17160,6 +17246,13 @@
   <p:clrMapOvr>
     <a:masterClrMapping/>
   </p:clrMapOvr>
+  <p:timing>
+    <p:tnLst>
+      <p:par>
+        <p:cTn id="1" dur="indefinite" restart="never" nodeType="tmRoot"/>
+      </p:par>
+    </p:tnLst>
+  </p:timing>
 </p:sld>
 </file>
 
@@ -17837,6 +17930,13 @@
   <p:clrMapOvr>
     <a:masterClrMapping/>
   </p:clrMapOvr>
+  <p:timing>
+    <p:tnLst>
+      <p:par>
+        <p:cTn id="1" dur="indefinite" restart="never" nodeType="tmRoot"/>
+      </p:par>
+    </p:tnLst>
+  </p:timing>
 </p:sld>
 </file>
 
@@ -18499,6 +18599,13 @@
   <p:clrMapOvr>
     <a:masterClrMapping/>
   </p:clrMapOvr>
+  <p:timing>
+    <p:tnLst>
+      <p:par>
+        <p:cTn id="1" dur="indefinite" restart="never" nodeType="tmRoot"/>
+      </p:par>
+    </p:tnLst>
+  </p:timing>
 </p:sld>
 </file>
 
@@ -18865,6 +18972,13 @@
   <p:clrMapOvr>
     <a:masterClrMapping/>
   </p:clrMapOvr>
+  <p:timing>
+    <p:tnLst>
+      <p:par>
+        <p:cTn id="1" dur="indefinite" restart="never" nodeType="tmRoot"/>
+      </p:par>
+    </p:tnLst>
+  </p:timing>
 </p:sld>
 </file>
 
@@ -19725,6 +19839,13 @@
   <p:clrMapOvr>
     <a:masterClrMapping/>
   </p:clrMapOvr>
+  <p:timing>
+    <p:tnLst>
+      <p:par>
+        <p:cTn id="1" dur="indefinite" restart="never" nodeType="tmRoot"/>
+      </p:par>
+    </p:tnLst>
+  </p:timing>
 </p:sld>
 </file>
 
@@ -20475,6 +20596,13 @@
   <p:clrMapOvr>
     <a:masterClrMapping/>
   </p:clrMapOvr>
+  <p:timing>
+    <p:tnLst>
+      <p:par>
+        <p:cTn id="1" dur="indefinite" restart="never" nodeType="tmRoot"/>
+      </p:par>
+    </p:tnLst>
+  </p:timing>
 </p:sld>
 </file>
 
@@ -21260,6 +21388,13 @@
   <p:clrMapOvr>
     <a:masterClrMapping/>
   </p:clrMapOvr>
+  <p:timing>
+    <p:tnLst>
+      <p:par>
+        <p:cTn id="1" dur="indefinite" restart="never" nodeType="tmRoot"/>
+      </p:par>
+    </p:tnLst>
+  </p:timing>
 </p:sld>
 </file>
 
@@ -22397,6 +22532,13 @@
   <p:clrMapOvr>
     <a:masterClrMapping/>
   </p:clrMapOvr>
+  <p:timing>
+    <p:tnLst>
+      <p:par>
+        <p:cTn id="1" dur="indefinite" restart="never" nodeType="tmRoot"/>
+      </p:par>
+    </p:tnLst>
+  </p:timing>
 </p:sld>
 </file>
 
@@ -37196,6 +37338,13 @@
   <p:clrMapOvr>
     <a:masterClrMapping/>
   </p:clrMapOvr>
+  <p:timing>
+    <p:tnLst>
+      <p:par>
+        <p:cTn id="1" dur="indefinite" restart="never" nodeType="tmRoot"/>
+      </p:par>
+    </p:tnLst>
+  </p:timing>
 </p:sld>
 </file>
 
